--- a/Data Structures and Object-oriented Programming/NCTU/HW2/pic.pptx
+++ b/Data Structures and Object-oriented Programming/NCTU/HW2/pic.pptx
@@ -5,7 +5,7 @@
     <p:sldMasterId id="2147483660" r:id="rId1"/>
   </p:sldMasterIdLst>
   <p:notesMasterIdLst>
-    <p:notesMasterId r:id="rId7"/>
+    <p:notesMasterId r:id="rId9"/>
   </p:notesMasterIdLst>
   <p:sldIdLst>
     <p:sldId id="256" r:id="rId2"/>
@@ -13,6 +13,8 @@
     <p:sldId id="258" r:id="rId4"/>
     <p:sldId id="259" r:id="rId5"/>
     <p:sldId id="260" r:id="rId6"/>
+    <p:sldId id="261" r:id="rId7"/>
+    <p:sldId id="262" r:id="rId8"/>
   </p:sldIdLst>
   <p:sldSz cx="6858000" cy="9906000" type="A4"/>
   <p:notesSz cx="6858000" cy="9144000"/>
@@ -201,7 +203,7 @@
           <a:p>
             <a:fld id="{A47AD686-E6AE-7F48-BF8F-892B7C164BF4}" type="datetimeFigureOut">
               <a:rPr kumimoji="1" lang="zh-TW" altLang="en-US" smtClean="0"/>
-              <a:t>2021/6/6</a:t>
+              <a:t>2021/6/8</a:t>
             </a:fld>
             <a:endParaRPr kumimoji="1" lang="zh-TW" altLang="en-US"/>
           </a:p>
@@ -683,7 +685,7 @@
           <a:p>
             <a:fld id="{84EB5F0A-ED25-2B44-8E50-65012C9869D1}" type="datetimeFigureOut">
               <a:rPr kumimoji="1" lang="zh-TW" altLang="en-US" smtClean="0"/>
-              <a:t>2021/6/6</a:t>
+              <a:t>2021/6/8</a:t>
             </a:fld>
             <a:endParaRPr kumimoji="1" lang="zh-TW" altLang="en-US"/>
           </a:p>
@@ -853,7 +855,7 @@
           <a:p>
             <a:fld id="{84EB5F0A-ED25-2B44-8E50-65012C9869D1}" type="datetimeFigureOut">
               <a:rPr kumimoji="1" lang="zh-TW" altLang="en-US" smtClean="0"/>
-              <a:t>2021/6/6</a:t>
+              <a:t>2021/6/8</a:t>
             </a:fld>
             <a:endParaRPr kumimoji="1" lang="zh-TW" altLang="en-US"/>
           </a:p>
@@ -1033,7 +1035,7 @@
           <a:p>
             <a:fld id="{84EB5F0A-ED25-2B44-8E50-65012C9869D1}" type="datetimeFigureOut">
               <a:rPr kumimoji="1" lang="zh-TW" altLang="en-US" smtClean="0"/>
-              <a:t>2021/6/6</a:t>
+              <a:t>2021/6/8</a:t>
             </a:fld>
             <a:endParaRPr kumimoji="1" lang="zh-TW" altLang="en-US"/>
           </a:p>
@@ -1203,7 +1205,7 @@
           <a:p>
             <a:fld id="{84EB5F0A-ED25-2B44-8E50-65012C9869D1}" type="datetimeFigureOut">
               <a:rPr kumimoji="1" lang="zh-TW" altLang="en-US" smtClean="0"/>
-              <a:t>2021/6/6</a:t>
+              <a:t>2021/6/8</a:t>
             </a:fld>
             <a:endParaRPr kumimoji="1" lang="zh-TW" altLang="en-US"/>
           </a:p>
@@ -1447,7 +1449,7 @@
           <a:p>
             <a:fld id="{84EB5F0A-ED25-2B44-8E50-65012C9869D1}" type="datetimeFigureOut">
               <a:rPr kumimoji="1" lang="zh-TW" altLang="en-US" smtClean="0"/>
-              <a:t>2021/6/6</a:t>
+              <a:t>2021/6/8</a:t>
             </a:fld>
             <a:endParaRPr kumimoji="1" lang="zh-TW" altLang="en-US"/>
           </a:p>
@@ -1679,7 +1681,7 @@
           <a:p>
             <a:fld id="{84EB5F0A-ED25-2B44-8E50-65012C9869D1}" type="datetimeFigureOut">
               <a:rPr kumimoji="1" lang="zh-TW" altLang="en-US" smtClean="0"/>
-              <a:t>2021/6/6</a:t>
+              <a:t>2021/6/8</a:t>
             </a:fld>
             <a:endParaRPr kumimoji="1" lang="zh-TW" altLang="en-US"/>
           </a:p>
@@ -2046,7 +2048,7 @@
           <a:p>
             <a:fld id="{84EB5F0A-ED25-2B44-8E50-65012C9869D1}" type="datetimeFigureOut">
               <a:rPr kumimoji="1" lang="zh-TW" altLang="en-US" smtClean="0"/>
-              <a:t>2021/6/6</a:t>
+              <a:t>2021/6/8</a:t>
             </a:fld>
             <a:endParaRPr kumimoji="1" lang="zh-TW" altLang="en-US"/>
           </a:p>
@@ -2164,7 +2166,7 @@
           <a:p>
             <a:fld id="{84EB5F0A-ED25-2B44-8E50-65012C9869D1}" type="datetimeFigureOut">
               <a:rPr kumimoji="1" lang="zh-TW" altLang="en-US" smtClean="0"/>
-              <a:t>2021/6/6</a:t>
+              <a:t>2021/6/8</a:t>
             </a:fld>
             <a:endParaRPr kumimoji="1" lang="zh-TW" altLang="en-US"/>
           </a:p>
@@ -2259,7 +2261,7 @@
           <a:p>
             <a:fld id="{84EB5F0A-ED25-2B44-8E50-65012C9869D1}" type="datetimeFigureOut">
               <a:rPr kumimoji="1" lang="zh-TW" altLang="en-US" smtClean="0"/>
-              <a:t>2021/6/6</a:t>
+              <a:t>2021/6/8</a:t>
             </a:fld>
             <a:endParaRPr kumimoji="1" lang="zh-TW" altLang="en-US"/>
           </a:p>
@@ -2536,7 +2538,7 @@
           <a:p>
             <a:fld id="{84EB5F0A-ED25-2B44-8E50-65012C9869D1}" type="datetimeFigureOut">
               <a:rPr kumimoji="1" lang="zh-TW" altLang="en-US" smtClean="0"/>
-              <a:t>2021/6/6</a:t>
+              <a:t>2021/6/8</a:t>
             </a:fld>
             <a:endParaRPr kumimoji="1" lang="zh-TW" altLang="en-US"/>
           </a:p>
@@ -2793,7 +2795,7 @@
           <a:p>
             <a:fld id="{84EB5F0A-ED25-2B44-8E50-65012C9869D1}" type="datetimeFigureOut">
               <a:rPr kumimoji="1" lang="zh-TW" altLang="en-US" smtClean="0"/>
-              <a:t>2021/6/6</a:t>
+              <a:t>2021/6/8</a:t>
             </a:fld>
             <a:endParaRPr kumimoji="1" lang="zh-TW" altLang="en-US"/>
           </a:p>
@@ -3006,7 +3008,7 @@
           <a:p>
             <a:fld id="{84EB5F0A-ED25-2B44-8E50-65012C9869D1}" type="datetimeFigureOut">
               <a:rPr kumimoji="1" lang="zh-TW" altLang="en-US" smtClean="0"/>
-              <a:t>2021/6/6</a:t>
+              <a:t>2021/6/8</a:t>
             </a:fld>
             <a:endParaRPr kumimoji="1" lang="zh-TW" altLang="en-US"/>
           </a:p>
@@ -21563,7 +21565,7 @@
         <p:spPr>
           <a:xfrm>
             <a:off x="57165" y="50017"/>
-            <a:ext cx="4803174" cy="5816977"/>
+            <a:ext cx="4803174" cy="6001643"/>
           </a:xfrm>
           <a:prstGeom prst="rect">
             <a:avLst/>
@@ -21671,7 +21673,7 @@
                   </a:schemeClr>
                 </a:solidFill>
               </a:rPr>
-              <a:t>vector&lt;Vertex&gt; vertices;</a:t>
+              <a:t>vector&lt;vector&lt;iPair&gt;&gt; edges;</a:t>
             </a:r>
           </a:p>
           <a:p>
@@ -21683,7 +21685,7 @@
                   </a:schemeClr>
                 </a:solidFill>
               </a:rPr>
-              <a:t>vector&lt;vector&lt;iPair&gt;&gt; edges</a:t>
+              <a:t>vector&lt;Vertex&gt; vertices;</a:t>
             </a:r>
           </a:p>
           <a:p>
@@ -21719,7 +21721,7 @@
           <a:p>
             <a:r>
               <a:rPr lang="en" altLang="zh-TW" sz="1200" dirty="0"/>
-              <a:t>    n1 = pq.top().second;</a:t>
+              <a:t>    v1 = pq.top().second;</a:t>
             </a:r>
             <a:r>
               <a:rPr lang="zh-TW" altLang="en-US" sz="1200" dirty="0"/>
@@ -21845,7 +21847,7 @@
         </p:nvCxnSpPr>
         <p:spPr>
           <a:xfrm>
-            <a:off x="2169583" y="1736823"/>
+            <a:off x="2044426" y="1663834"/>
             <a:ext cx="1739772" cy="0"/>
           </a:xfrm>
           <a:prstGeom prst="line">
@@ -21887,7 +21889,7 @@
         </p:nvSpPr>
         <p:spPr>
           <a:xfrm>
-            <a:off x="3909355" y="1591688"/>
+            <a:off x="3745624" y="1519477"/>
             <a:ext cx="906082" cy="276999"/>
           </a:xfrm>
           <a:prstGeom prst="rect">
@@ -22005,56 +22007,6 @@
           </a:p>
         </p:txBody>
       </p:sp>
-      <p:sp>
-        <p:nvSpPr>
-          <p:cNvPr id="14" name="右中括弧 13">
-            <a:extLst>
-              <a:ext uri="{FF2B5EF4-FFF2-40B4-BE49-F238E27FC236}">
-                <a16:creationId xmlns:a16="http://schemas.microsoft.com/office/drawing/2014/main" id="{091DABDB-517C-1C4D-A3DA-756D86F102E8}"/>
-              </a:ext>
-            </a:extLst>
-          </p:cNvPr>
-          <p:cNvSpPr/>
-          <p:nvPr/>
-        </p:nvSpPr>
-        <p:spPr>
-          <a:xfrm>
-            <a:off x="1972088" y="1603696"/>
-            <a:ext cx="197495" cy="243680"/>
-          </a:xfrm>
-          <a:prstGeom prst="rightBracket">
-            <a:avLst/>
-          </a:prstGeom>
-          <a:ln w="12700">
-            <a:solidFill>
-              <a:srgbClr val="0432FF"/>
-            </a:solidFill>
-            <a:prstDash val="sysDash"/>
-          </a:ln>
-        </p:spPr>
-        <p:style>
-          <a:lnRef idx="1">
-            <a:schemeClr val="accent1"/>
-          </a:lnRef>
-          <a:fillRef idx="0">
-            <a:schemeClr val="accent1"/>
-          </a:fillRef>
-          <a:effectRef idx="0">
-            <a:schemeClr val="accent1"/>
-          </a:effectRef>
-          <a:fontRef idx="minor">
-            <a:schemeClr val="tx1"/>
-          </a:fontRef>
-        </p:style>
-        <p:txBody>
-          <a:bodyPr rtlCol="0" anchor="ctr"/>
-          <a:lstStyle/>
-          <a:p>
-            <a:pPr algn="ctr"/>
-            <a:endParaRPr kumimoji="1" lang="zh-TW" altLang="en-US"/>
-          </a:p>
-        </p:txBody>
-      </p:sp>
       <p:cxnSp>
         <p:nvCxnSpPr>
           <p:cNvPr id="16" name="直線接點 15">
@@ -22072,7 +22024,7 @@
         <p:spPr>
           <a:xfrm>
             <a:off x="2995848" y="2455371"/>
-            <a:ext cx="1114022" cy="0"/>
+            <a:ext cx="371751" cy="0"/>
           </a:xfrm>
           <a:prstGeom prst="line">
             <a:avLst/>
@@ -22163,8 +22115,8 @@
         </p:nvSpPr>
         <p:spPr>
           <a:xfrm>
-            <a:off x="4109870" y="2300746"/>
-            <a:ext cx="1871731" cy="461665"/>
+            <a:off x="3344468" y="2312712"/>
+            <a:ext cx="2595134" cy="461665"/>
           </a:xfrm>
           <a:prstGeom prst="rect">
             <a:avLst/>
@@ -22183,7 +22135,7 @@
                   <a:srgbClr val="0432FF"/>
                 </a:solidFill>
               </a:rPr>
-              <a:t>Set vertex 0 as start vertex </a:t>
+              <a:t>Set vertex 0 as start vertex, weight = 0 </a:t>
             </a:r>
             <a:br>
               <a:rPr kumimoji="1" lang="en-US" altLang="zh-TW" sz="1200" dirty="0">
@@ -22689,8 +22641,8 @@
         </p:nvSpPr>
         <p:spPr>
           <a:xfrm>
-            <a:off x="5480150" y="3090071"/>
-            <a:ext cx="463588" cy="276999"/>
+            <a:off x="5401216" y="3090071"/>
+            <a:ext cx="671979" cy="276999"/>
           </a:xfrm>
           <a:prstGeom prst="rect">
             <a:avLst/>
@@ -22709,7 +22661,7 @@
                   <a:srgbClr val="009051"/>
                 </a:solidFill>
               </a:rPr>
-              <a:t>O(1)</a:t>
+              <a:t>O(logV)</a:t>
             </a:r>
             <a:endParaRPr kumimoji="1" lang="zh-TW" altLang="en-US" sz="1200" b="1" dirty="0">
               <a:solidFill>
@@ -22842,7 +22794,7 @@
         </p:nvSpPr>
         <p:spPr>
           <a:xfrm>
-            <a:off x="5480150" y="3612271"/>
+            <a:off x="5401216" y="3612271"/>
             <a:ext cx="463588" cy="276999"/>
           </a:xfrm>
           <a:prstGeom prst="rect">
@@ -23368,7 +23320,7 @@
           <a:noFill/>
         </p:spPr>
         <p:txBody>
-          <a:bodyPr wrap="none" rtlCol="0">
+          <a:bodyPr wrap="square" rtlCol="0">
             <a:spAutoFit/>
           </a:bodyPr>
           <a:lstStyle/>
@@ -23497,11 +23449,387 @@
                   <a:srgbClr val="FF0000"/>
                 </a:solidFill>
               </a:rPr>
+              <a:t> </a:t>
+            </a:r>
+            <a:r>
+              <a:rPr kumimoji="1" lang="en-US" altLang="zh-TW" sz="1200" b="1" dirty="0">
+                <a:solidFill>
+                  <a:srgbClr val="7030A0"/>
+                </a:solidFill>
+              </a:rPr>
+              <a:t>O(ElogV)</a:t>
+            </a:r>
+            <a:endParaRPr kumimoji="1" lang="zh-TW" altLang="en-US" sz="1200" b="1" dirty="0">
+              <a:solidFill>
+                <a:srgbClr val="7030A0"/>
+              </a:solidFill>
+            </a:endParaRPr>
+          </a:p>
+        </p:txBody>
+      </p:sp>
+      <p:cxnSp>
+        <p:nvCxnSpPr>
+          <p:cNvPr id="39" name="直線接點 38">
+            <a:extLst>
+              <a:ext uri="{FF2B5EF4-FFF2-40B4-BE49-F238E27FC236}">
+                <a16:creationId xmlns:a16="http://schemas.microsoft.com/office/drawing/2014/main" id="{014042A8-BFBD-A44F-B62F-62B7FE4599A3}"/>
+              </a:ext>
+            </a:extLst>
+          </p:cNvPr>
+          <p:cNvCxnSpPr>
+            <a:cxnSpLocks/>
+          </p:cNvCxnSpPr>
+          <p:nvPr/>
+        </p:nvCxnSpPr>
+        <p:spPr>
+          <a:xfrm>
+            <a:off x="1723292" y="1851403"/>
+            <a:ext cx="1621176" cy="0"/>
+          </a:xfrm>
+          <a:prstGeom prst="line">
+            <a:avLst/>
+          </a:prstGeom>
+          <a:ln w="12700">
+            <a:solidFill>
+              <a:srgbClr val="0432FF"/>
+            </a:solidFill>
+            <a:prstDash val="sysDash"/>
+          </a:ln>
+        </p:spPr>
+        <p:style>
+          <a:lnRef idx="1">
+            <a:schemeClr val="accent1"/>
+          </a:lnRef>
+          <a:fillRef idx="0">
+            <a:schemeClr val="accent1"/>
+          </a:fillRef>
+          <a:effectRef idx="0">
+            <a:schemeClr val="accent1"/>
+          </a:effectRef>
+          <a:fontRef idx="minor">
+            <a:schemeClr val="tx1"/>
+          </a:fontRef>
+        </p:style>
+      </p:cxnSp>
+      <p:sp>
+        <p:nvSpPr>
+          <p:cNvPr id="44" name="文字方塊 43">
+            <a:extLst>
+              <a:ext uri="{FF2B5EF4-FFF2-40B4-BE49-F238E27FC236}">
+                <a16:creationId xmlns:a16="http://schemas.microsoft.com/office/drawing/2014/main" id="{2072AD41-40FE-7449-92F0-C83951625048}"/>
+              </a:ext>
+            </a:extLst>
+          </p:cNvPr>
+          <p:cNvSpPr txBox="1"/>
+          <p:nvPr/>
+        </p:nvSpPr>
+        <p:spPr>
+          <a:xfrm>
+            <a:off x="3306060" y="1707422"/>
+            <a:ext cx="2594365" cy="276999"/>
+          </a:xfrm>
+          <a:prstGeom prst="rect">
+            <a:avLst/>
+          </a:prstGeom>
+          <a:noFill/>
+        </p:spPr>
+        <p:txBody>
+          <a:bodyPr wrap="none" rtlCol="0">
+            <a:spAutoFit/>
+          </a:bodyPr>
+          <a:lstStyle/>
+          <a:p>
+            <a:r>
+              <a:rPr kumimoji="1" lang="en-US" altLang="zh-TW" sz="1200" dirty="0">
+                <a:solidFill>
+                  <a:srgbClr val="0432FF"/>
+                </a:solidFill>
+              </a:rPr>
+              <a:t>Set the weight of all vertices as infinite</a:t>
+            </a:r>
+            <a:endParaRPr kumimoji="1" lang="zh-TW" altLang="en-US" sz="1200" dirty="0">
+              <a:solidFill>
+                <a:srgbClr val="0432FF"/>
+              </a:solidFill>
+            </a:endParaRPr>
+          </a:p>
+        </p:txBody>
+      </p:sp>
+      <p:sp>
+        <p:nvSpPr>
+          <p:cNvPr id="51" name="文字方塊 50">
+            <a:extLst>
+              <a:ext uri="{FF2B5EF4-FFF2-40B4-BE49-F238E27FC236}">
+                <a16:creationId xmlns:a16="http://schemas.microsoft.com/office/drawing/2014/main" id="{EEB836EE-528D-894A-9EBD-F6CA04D6847A}"/>
+              </a:ext>
+            </a:extLst>
+          </p:cNvPr>
+          <p:cNvSpPr txBox="1"/>
+          <p:nvPr/>
+        </p:nvSpPr>
+        <p:spPr>
+          <a:xfrm>
+            <a:off x="5817044" y="1697606"/>
+            <a:ext cx="476412" cy="276999"/>
+          </a:xfrm>
+          <a:prstGeom prst="rect">
+            <a:avLst/>
+          </a:prstGeom>
+          <a:noFill/>
+        </p:spPr>
+        <p:txBody>
+          <a:bodyPr wrap="none" rtlCol="0">
+            <a:spAutoFit/>
+          </a:bodyPr>
+          <a:lstStyle/>
+          <a:p>
+            <a:r>
+              <a:rPr kumimoji="1" lang="en-US" altLang="zh-TW" sz="1200" b="1" dirty="0">
+                <a:solidFill>
+                  <a:srgbClr val="009051"/>
+                </a:solidFill>
+              </a:rPr>
+              <a:t>O(V)</a:t>
+            </a:r>
+            <a:endParaRPr kumimoji="1" lang="zh-TW" altLang="en-US" sz="1200" b="1" dirty="0">
+              <a:solidFill>
+                <a:srgbClr val="009051"/>
+              </a:solidFill>
+            </a:endParaRPr>
+          </a:p>
+        </p:txBody>
+      </p:sp>
+      <p:sp>
+        <p:nvSpPr>
+          <p:cNvPr id="52" name="右中括弧 51">
+            <a:extLst>
+              <a:ext uri="{FF2B5EF4-FFF2-40B4-BE49-F238E27FC236}">
+                <a16:creationId xmlns:a16="http://schemas.microsoft.com/office/drawing/2014/main" id="{4F83D44E-ED72-734E-AA29-205B58C08E47}"/>
+              </a:ext>
+            </a:extLst>
+          </p:cNvPr>
+          <p:cNvSpPr/>
+          <p:nvPr/>
+        </p:nvSpPr>
+        <p:spPr>
+          <a:xfrm>
+            <a:off x="6363970" y="1851403"/>
+            <a:ext cx="150408" cy="692141"/>
+          </a:xfrm>
+          <a:prstGeom prst="rightBracket">
+            <a:avLst/>
+          </a:prstGeom>
+          <a:ln w="12700">
+            <a:solidFill>
+              <a:srgbClr val="7030A0"/>
+            </a:solidFill>
+            <a:prstDash val="sysDash"/>
+          </a:ln>
+        </p:spPr>
+        <p:style>
+          <a:lnRef idx="1">
+            <a:schemeClr val="accent1"/>
+          </a:lnRef>
+          <a:fillRef idx="0">
+            <a:schemeClr val="accent1"/>
+          </a:fillRef>
+          <a:effectRef idx="0">
+            <a:schemeClr val="accent1"/>
+          </a:effectRef>
+          <a:fontRef idx="minor">
+            <a:schemeClr val="tx1"/>
+          </a:fontRef>
+        </p:style>
+        <p:txBody>
+          <a:bodyPr rtlCol="0" anchor="ctr"/>
+          <a:lstStyle/>
+          <a:p>
+            <a:pPr algn="ctr"/>
+            <a:endParaRPr kumimoji="1" lang="zh-TW" altLang="en-US"/>
+          </a:p>
+        </p:txBody>
+      </p:sp>
+      <p:sp>
+        <p:nvSpPr>
+          <p:cNvPr id="55" name="文字方塊 54">
+            <a:extLst>
+              <a:ext uri="{FF2B5EF4-FFF2-40B4-BE49-F238E27FC236}">
+                <a16:creationId xmlns:a16="http://schemas.microsoft.com/office/drawing/2014/main" id="{FEF436F2-0090-0147-A8B7-E09A7742FCFD}"/>
+              </a:ext>
+            </a:extLst>
+          </p:cNvPr>
+          <p:cNvSpPr txBox="1"/>
+          <p:nvPr/>
+        </p:nvSpPr>
+        <p:spPr>
+          <a:xfrm rot="5400000">
+            <a:off x="6427620" y="2031729"/>
+            <a:ext cx="476412" cy="276999"/>
+          </a:xfrm>
+          <a:prstGeom prst="rect">
+            <a:avLst/>
+          </a:prstGeom>
+          <a:noFill/>
+        </p:spPr>
+        <p:txBody>
+          <a:bodyPr wrap="none" rtlCol="0">
+            <a:spAutoFit/>
+          </a:bodyPr>
+          <a:lstStyle/>
+          <a:p>
+            <a:r>
+              <a:rPr kumimoji="1" lang="en-US" altLang="zh-TW" sz="1200" b="1" dirty="0">
+                <a:solidFill>
+                  <a:srgbClr val="7030A0"/>
+                </a:solidFill>
+              </a:rPr>
+              <a:t>O(V)</a:t>
+            </a:r>
+            <a:endParaRPr kumimoji="1" lang="zh-TW" altLang="en-US" sz="1200" b="1" dirty="0">
+              <a:solidFill>
+                <a:srgbClr val="7030A0"/>
+              </a:solidFill>
+            </a:endParaRPr>
+          </a:p>
+        </p:txBody>
+      </p:sp>
+      <p:sp>
+        <p:nvSpPr>
+          <p:cNvPr id="58" name="文字方塊 57">
+            <a:extLst>
+              <a:ext uri="{FF2B5EF4-FFF2-40B4-BE49-F238E27FC236}">
+                <a16:creationId xmlns:a16="http://schemas.microsoft.com/office/drawing/2014/main" id="{B4D751E6-4916-3A47-9E53-29BEFE59A7FB}"/>
+              </a:ext>
+            </a:extLst>
+          </p:cNvPr>
+          <p:cNvSpPr txBox="1"/>
+          <p:nvPr/>
+        </p:nvSpPr>
+        <p:spPr>
+          <a:xfrm>
+            <a:off x="3993977" y="5331047"/>
+            <a:ext cx="2811988" cy="276999"/>
+          </a:xfrm>
+          <a:prstGeom prst="rect">
+            <a:avLst/>
+          </a:prstGeom>
+          <a:noFill/>
+        </p:spPr>
+        <p:txBody>
+          <a:bodyPr wrap="none" rtlCol="0">
+            <a:spAutoFit/>
+          </a:bodyPr>
+          <a:lstStyle/>
+          <a:p>
+            <a:r>
+              <a:rPr kumimoji="1" lang="en-US" altLang="zh-TW" sz="1200" b="1" dirty="0"/>
+              <a:t>Time complexity: O(V + ElogV) =</a:t>
+            </a:r>
+            <a:r>
+              <a:rPr kumimoji="1" lang="en-US" altLang="zh-TW" sz="1200" b="1" dirty="0">
+                <a:solidFill>
+                  <a:srgbClr val="FF0000"/>
+                </a:solidFill>
+              </a:rPr>
               <a:t> O(ElogV)</a:t>
             </a:r>
             <a:endParaRPr kumimoji="1" lang="zh-TW" altLang="en-US" sz="1200" b="1" dirty="0">
               <a:solidFill>
                 <a:srgbClr val="FF0000"/>
+              </a:solidFill>
+            </a:endParaRPr>
+          </a:p>
+        </p:txBody>
+      </p:sp>
+      <p:sp>
+        <p:nvSpPr>
+          <p:cNvPr id="60" name="右中括弧 59">
+            <a:extLst>
+              <a:ext uri="{FF2B5EF4-FFF2-40B4-BE49-F238E27FC236}">
+                <a16:creationId xmlns:a16="http://schemas.microsoft.com/office/drawing/2014/main" id="{1816A13D-6DE8-474B-9B87-0ADCF95287B6}"/>
+              </a:ext>
+            </a:extLst>
+          </p:cNvPr>
+          <p:cNvSpPr/>
+          <p:nvPr/>
+        </p:nvSpPr>
+        <p:spPr>
+          <a:xfrm>
+            <a:off x="5994375" y="3246365"/>
+            <a:ext cx="150408" cy="522159"/>
+          </a:xfrm>
+          <a:prstGeom prst="rightBracket">
+            <a:avLst/>
+          </a:prstGeom>
+          <a:ln w="12700">
+            <a:solidFill>
+              <a:srgbClr val="7030A0"/>
+            </a:solidFill>
+            <a:prstDash val="sysDash"/>
+          </a:ln>
+        </p:spPr>
+        <p:style>
+          <a:lnRef idx="1">
+            <a:schemeClr val="accent1"/>
+          </a:lnRef>
+          <a:fillRef idx="0">
+            <a:schemeClr val="accent1"/>
+          </a:fillRef>
+          <a:effectRef idx="0">
+            <a:schemeClr val="accent1"/>
+          </a:effectRef>
+          <a:fontRef idx="minor">
+            <a:schemeClr val="tx1"/>
+          </a:fontRef>
+        </p:style>
+        <p:txBody>
+          <a:bodyPr rtlCol="0" anchor="ctr"/>
+          <a:lstStyle/>
+          <a:p>
+            <a:pPr algn="ctr"/>
+            <a:endParaRPr kumimoji="1" lang="zh-TW" altLang="en-US"/>
+          </a:p>
+        </p:txBody>
+      </p:sp>
+      <p:sp>
+        <p:nvSpPr>
+          <p:cNvPr id="61" name="文字方塊 60">
+            <a:extLst>
+              <a:ext uri="{FF2B5EF4-FFF2-40B4-BE49-F238E27FC236}">
+                <a16:creationId xmlns:a16="http://schemas.microsoft.com/office/drawing/2014/main" id="{8717CACB-89A2-874B-AC08-459D5E2D193F}"/>
+              </a:ext>
+            </a:extLst>
+          </p:cNvPr>
+          <p:cNvSpPr txBox="1"/>
+          <p:nvPr/>
+        </p:nvSpPr>
+        <p:spPr>
+          <a:xfrm rot="5400000">
+            <a:off x="5886325" y="3363443"/>
+            <a:ext cx="763351" cy="276999"/>
+          </a:xfrm>
+          <a:prstGeom prst="rect">
+            <a:avLst/>
+          </a:prstGeom>
+          <a:noFill/>
+        </p:spPr>
+        <p:txBody>
+          <a:bodyPr wrap="square" rtlCol="0">
+            <a:spAutoFit/>
+          </a:bodyPr>
+          <a:lstStyle/>
+          <a:p>
+            <a:r>
+              <a:rPr kumimoji="1" lang="en-US" altLang="zh-TW" sz="1200" b="1" dirty="0">
+                <a:solidFill>
+                  <a:srgbClr val="7030A0"/>
+                </a:solidFill>
+              </a:rPr>
+              <a:t>O(logV)</a:t>
+            </a:r>
+            <a:endParaRPr kumimoji="1" lang="zh-TW" altLang="en-US" sz="1200" b="1" dirty="0">
+              <a:solidFill>
+                <a:srgbClr val="7030A0"/>
               </a:solidFill>
             </a:endParaRPr>
           </a:p>
@@ -23837,19 +24165,51 @@
           <a:p>
             <a:r>
               <a:rPr lang="en" altLang="zh-TW" sz="1200" dirty="0"/>
-              <a:t>int totalCost = 0, i_edges = 0;</a:t>
-            </a:r>
-          </a:p>
-          <a:p>
+              <a:t>int totalCost = 0, </a:t>
+            </a:r>
+            <a:r>
+              <a:rPr lang="en" altLang="zh-TW" sz="1200" dirty="0" err="1"/>
+              <a:t>i_edges</a:t>
+            </a:r>
             <a:r>
               <a:rPr lang="en" altLang="zh-TW" sz="1200" dirty="0"/>
-              <a:t>while (i_res &lt; numberOfVertices - 1 &amp;&amp; i_edges &lt; numberOfEdges) {</a:t>
+              <a:t> = 0;</a:t>
             </a:r>
           </a:p>
           <a:p>
             <a:r>
               <a:rPr lang="en" altLang="zh-TW" sz="1200" dirty="0"/>
-              <a:t>    Edge&amp; cur = edges[i_edges++]; </a:t>
+              <a:t>while (</a:t>
+            </a:r>
+            <a:r>
+              <a:rPr lang="en" altLang="zh-TW" sz="1200" dirty="0" err="1"/>
+              <a:t>i_res</a:t>
+            </a:r>
+            <a:r>
+              <a:rPr lang="en" altLang="zh-TW" sz="1200" dirty="0"/>
+              <a:t> &lt; numberOfVertices - 1 &amp;&amp; </a:t>
+            </a:r>
+            <a:r>
+              <a:rPr lang="en" altLang="zh-TW" sz="1200" dirty="0" err="1"/>
+              <a:t>i_edges</a:t>
+            </a:r>
+            <a:r>
+              <a:rPr lang="en" altLang="zh-TW" sz="1200" dirty="0"/>
+              <a:t> &lt; numberOfEdges) {</a:t>
+            </a:r>
+          </a:p>
+          <a:p>
+            <a:r>
+              <a:rPr lang="en" altLang="zh-TW" sz="1200" dirty="0"/>
+              <a:t>    Edge&amp; cur = edges[</a:t>
+            </a:r>
+            <a:r>
+              <a:rPr lang="en" altLang="zh-TW" sz="1200" dirty="0" err="1"/>
+              <a:t>i_edges</a:t>
+            </a:r>
+            <a:r>
+              <a:rPr lang="en" altLang="zh-TW" sz="1200" dirty="0"/>
+              <a:t>++]; </a:t>
             </a:r>
           </a:p>
           <a:p>
@@ -23873,7 +24233,15 @@
           <a:p>
             <a:r>
               <a:rPr lang="en" altLang="zh-TW" sz="1200" dirty="0"/>
-              <a:t>        i_res++;</a:t>
+              <a:t>        </a:t>
+            </a:r>
+            <a:r>
+              <a:rPr lang="en" altLang="zh-TW" sz="1200" dirty="0" err="1"/>
+              <a:t>i_res</a:t>
+            </a:r>
+            <a:r>
+              <a:rPr lang="en" altLang="zh-TW" sz="1200" dirty="0"/>
+              <a:t>++;</a:t>
             </a:r>
           </a:p>
           <a:p>
@@ -25459,6 +25827,6167 @@
     <p:extLst>
       <p:ext uri="{BB962C8B-B14F-4D97-AF65-F5344CB8AC3E}">
         <p14:creationId xmlns:p14="http://schemas.microsoft.com/office/powerpoint/2010/main" val="2189709459"/>
+      </p:ext>
+    </p:extLst>
+  </p:cSld>
+  <p:clrMapOvr>
+    <a:masterClrMapping/>
+  </p:clrMapOvr>
+</p:sld>
+</file>
+
+<file path=ppt/slides/slide6.xml><?xml version="1.0" encoding="utf-8"?>
+<p:sld xmlns:a="http://schemas.openxmlformats.org/drawingml/2006/main" xmlns:r="http://schemas.openxmlformats.org/officeDocument/2006/relationships" xmlns:p="http://schemas.openxmlformats.org/presentationml/2006/main">
+  <p:cSld>
+    <p:spTree>
+      <p:nvGrpSpPr>
+        <p:cNvPr id="1" name=""/>
+        <p:cNvGrpSpPr/>
+        <p:nvPr/>
+      </p:nvGrpSpPr>
+      <p:grpSpPr>
+        <a:xfrm>
+          <a:off x="0" y="0"/>
+          <a:ext cx="0" cy="0"/>
+          <a:chOff x="0" y="0"/>
+          <a:chExt cx="0" cy="0"/>
+        </a:xfrm>
+      </p:grpSpPr>
+      <p:sp>
+        <p:nvSpPr>
+          <p:cNvPr id="4" name="文字方塊 3">
+            <a:extLst>
+              <a:ext uri="{FF2B5EF4-FFF2-40B4-BE49-F238E27FC236}">
+                <a16:creationId xmlns:a16="http://schemas.microsoft.com/office/drawing/2014/main" id="{80CC134F-00DD-CF46-BDF6-4DAB9747FEC9}"/>
+              </a:ext>
+            </a:extLst>
+          </p:cNvPr>
+          <p:cNvSpPr txBox="1"/>
+          <p:nvPr/>
+        </p:nvSpPr>
+        <p:spPr>
+          <a:xfrm>
+            <a:off x="57165" y="50017"/>
+            <a:ext cx="3945439" cy="4893647"/>
+          </a:xfrm>
+          <a:prstGeom prst="rect">
+            <a:avLst/>
+          </a:prstGeom>
+          <a:noFill/>
+        </p:spPr>
+        <p:txBody>
+          <a:bodyPr wrap="none" rtlCol="0">
+            <a:spAutoFit/>
+          </a:bodyPr>
+          <a:lstStyle/>
+          <a:p>
+            <a:r>
+              <a:rPr lang="en" altLang="zh-TW" sz="1200" dirty="0">
+                <a:solidFill>
+                  <a:schemeClr val="accent2">
+                    <a:lumMod val="50000"/>
+                  </a:schemeClr>
+                </a:solidFill>
+              </a:rPr>
+              <a:t>typedef pair&lt;int, int&gt; iPair;</a:t>
+            </a:r>
+          </a:p>
+          <a:p>
+            <a:r>
+              <a:rPr lang="en" altLang="zh-TW" sz="1200" dirty="0">
+                <a:solidFill>
+                  <a:schemeClr val="accent2">
+                    <a:lumMod val="50000"/>
+                  </a:schemeClr>
+                </a:solidFill>
+              </a:rPr>
+              <a:t>vector&lt;vector&lt;iPair&gt;&gt; edges</a:t>
+            </a:r>
+          </a:p>
+          <a:p>
+            <a:endParaRPr lang="en" altLang="zh-TW" sz="1200" dirty="0"/>
+          </a:p>
+          <a:p>
+            <a:r>
+              <a:rPr lang="en" altLang="zh-TW" sz="1200" dirty="0"/>
+              <a:t>vector&lt;int&gt; vertexWeight(numberOfVertices, INT_MAX);</a:t>
+            </a:r>
+          </a:p>
+          <a:p>
+            <a:r>
+              <a:rPr lang="en" altLang="zh-TW" sz="1200" dirty="0"/>
+              <a:t>vertexWeight[startVertex] = 0;</a:t>
+            </a:r>
+          </a:p>
+          <a:p>
+            <a:r>
+              <a:rPr lang="en" altLang="zh-TW" sz="1200" dirty="0"/>
+              <a:t>priority_queue&lt;iPair, vector&lt;iPair&gt;, greater&lt;iPair&gt;&gt; pq;</a:t>
+            </a:r>
+          </a:p>
+          <a:p>
+            <a:r>
+              <a:rPr lang="en" altLang="zh-TW" sz="1200" dirty="0"/>
+              <a:t>pq.push(make_pair(vertexWeight[startVertex], startVertex));</a:t>
+            </a:r>
+          </a:p>
+          <a:p>
+            <a:br>
+              <a:rPr lang="en" altLang="zh-TW" sz="1200" dirty="0"/>
+            </a:br>
+            <a:r>
+              <a:rPr lang="en" altLang="zh-TW" sz="1200" dirty="0"/>
+              <a:t>while (!pq.empty()) {</a:t>
+            </a:r>
+          </a:p>
+          <a:p>
+            <a:r>
+              <a:rPr lang="en" altLang="zh-TW" sz="1200" dirty="0"/>
+              <a:t>    v1 = pq.top().second;</a:t>
+            </a:r>
+          </a:p>
+          <a:p>
+            <a:r>
+              <a:rPr lang="en" altLang="zh-TW" sz="1200" dirty="0"/>
+              <a:t>    pq.pop();</a:t>
+            </a:r>
+          </a:p>
+          <a:p>
+            <a:br>
+              <a:rPr lang="en" altLang="zh-TW" sz="1200" dirty="0"/>
+            </a:br>
+            <a:r>
+              <a:rPr lang="en" altLang="zh-TW" sz="1200" dirty="0"/>
+              <a:t>    if (v1 == endVertex) {</a:t>
+            </a:r>
+          </a:p>
+          <a:p>
+            <a:r>
+              <a:rPr lang="en" altLang="zh-TW" sz="1200" dirty="0"/>
+              <a:t>        cout &lt;&lt; vertexWeight[v1] &lt;&lt; endl;</a:t>
+            </a:r>
+          </a:p>
+          <a:p>
+            <a:r>
+              <a:rPr lang="en" altLang="zh-TW" sz="1200" dirty="0"/>
+              <a:t>        break;</a:t>
+            </a:r>
+          </a:p>
+          <a:p>
+            <a:r>
+              <a:rPr lang="en" altLang="zh-TW" sz="1200" dirty="0"/>
+              <a:t>    }</a:t>
+            </a:r>
+          </a:p>
+          <a:p>
+            <a:br>
+              <a:rPr lang="en" altLang="zh-TW" sz="1200" dirty="0"/>
+            </a:br>
+            <a:r>
+              <a:rPr lang="en" altLang="zh-TW" sz="1200" dirty="0"/>
+              <a:t>    for (iPair&amp; edge : edges[v1]) {</a:t>
+            </a:r>
+          </a:p>
+          <a:p>
+            <a:r>
+              <a:rPr lang="en" altLang="zh-TW" sz="1200" dirty="0"/>
+              <a:t>    v2 = edge.first; cost = edge.second;</a:t>
+            </a:r>
+          </a:p>
+          <a:p>
+            <a:r>
+              <a:rPr lang="en" altLang="zh-TW" sz="1200" dirty="0"/>
+              <a:t>        if (vertexWeight[v1] + cost &lt; vertexWeight[v2]) {</a:t>
+            </a:r>
+          </a:p>
+          <a:p>
+            <a:r>
+              <a:rPr lang="en" altLang="zh-TW" sz="1200" dirty="0"/>
+              <a:t>            vertexWeight[v2] = vertexWeight[v1] + cost;</a:t>
+            </a:r>
+          </a:p>
+          <a:p>
+            <a:r>
+              <a:rPr lang="en" altLang="zh-TW" sz="1200" dirty="0"/>
+              <a:t>            pq.push(make_pair(vertexWeight[v2], v2));</a:t>
+            </a:r>
+          </a:p>
+          <a:p>
+            <a:r>
+              <a:rPr lang="en" altLang="zh-TW" sz="1200" dirty="0"/>
+              <a:t>        }</a:t>
+            </a:r>
+          </a:p>
+          <a:p>
+            <a:r>
+              <a:rPr lang="en" altLang="zh-TW" sz="1200" dirty="0"/>
+              <a:t>    }</a:t>
+            </a:r>
+          </a:p>
+          <a:p>
+            <a:r>
+              <a:rPr lang="en" altLang="zh-TW" sz="1200" dirty="0"/>
+              <a:t>}</a:t>
+            </a:r>
+          </a:p>
+          <a:p>
+            <a:endParaRPr lang="en" altLang="zh-TW" sz="1200" dirty="0"/>
+          </a:p>
+        </p:txBody>
+      </p:sp>
+      <p:cxnSp>
+        <p:nvCxnSpPr>
+          <p:cNvPr id="5" name="直線接點 4">
+            <a:extLst>
+              <a:ext uri="{FF2B5EF4-FFF2-40B4-BE49-F238E27FC236}">
+                <a16:creationId xmlns:a16="http://schemas.microsoft.com/office/drawing/2014/main" id="{177B255C-B3E9-654E-A114-1543D6D0E28C}"/>
+              </a:ext>
+            </a:extLst>
+          </p:cNvPr>
+          <p:cNvCxnSpPr>
+            <a:cxnSpLocks/>
+          </p:cNvCxnSpPr>
+          <p:nvPr/>
+        </p:nvCxnSpPr>
+        <p:spPr>
+          <a:xfrm>
+            <a:off x="1991163" y="376375"/>
+            <a:ext cx="1739772" cy="0"/>
+          </a:xfrm>
+          <a:prstGeom prst="line">
+            <a:avLst/>
+          </a:prstGeom>
+          <a:ln w="12700">
+            <a:solidFill>
+              <a:srgbClr val="0432FF"/>
+            </a:solidFill>
+            <a:prstDash val="sysDash"/>
+          </a:ln>
+        </p:spPr>
+        <p:style>
+          <a:lnRef idx="1">
+            <a:schemeClr val="accent1"/>
+          </a:lnRef>
+          <a:fillRef idx="0">
+            <a:schemeClr val="accent1"/>
+          </a:fillRef>
+          <a:effectRef idx="0">
+            <a:schemeClr val="accent1"/>
+          </a:effectRef>
+          <a:fontRef idx="minor">
+            <a:schemeClr val="tx1"/>
+          </a:fontRef>
+        </p:style>
+      </p:cxnSp>
+      <p:sp>
+        <p:nvSpPr>
+          <p:cNvPr id="6" name="文字方塊 5">
+            <a:extLst>
+              <a:ext uri="{FF2B5EF4-FFF2-40B4-BE49-F238E27FC236}">
+                <a16:creationId xmlns:a16="http://schemas.microsoft.com/office/drawing/2014/main" id="{3FBD6C5B-F96A-F647-903B-7673483BC9EE}"/>
+              </a:ext>
+            </a:extLst>
+          </p:cNvPr>
+          <p:cNvSpPr txBox="1"/>
+          <p:nvPr/>
+        </p:nvSpPr>
+        <p:spPr>
+          <a:xfrm>
+            <a:off x="3907937" y="581943"/>
+            <a:ext cx="2129791" cy="461665"/>
+          </a:xfrm>
+          <a:prstGeom prst="rect">
+            <a:avLst/>
+          </a:prstGeom>
+          <a:noFill/>
+        </p:spPr>
+        <p:txBody>
+          <a:bodyPr wrap="square" rtlCol="0">
+            <a:spAutoFit/>
+          </a:bodyPr>
+          <a:lstStyle/>
+          <a:p>
+            <a:r>
+              <a:rPr kumimoji="1" lang="en-US" altLang="zh-TW" sz="1200" dirty="0">
+                <a:solidFill>
+                  <a:srgbClr val="0432FF"/>
+                </a:solidFill>
+              </a:rPr>
+              <a:t>Set all weight of all vertices as infinite and starting vertex as 0</a:t>
+            </a:r>
+            <a:endParaRPr kumimoji="1" lang="zh-TW" altLang="en-US" sz="1200" dirty="0">
+              <a:solidFill>
+                <a:srgbClr val="0432FF"/>
+              </a:solidFill>
+            </a:endParaRPr>
+          </a:p>
+        </p:txBody>
+      </p:sp>
+      <p:sp>
+        <p:nvSpPr>
+          <p:cNvPr id="7" name="右中括弧 6">
+            <a:extLst>
+              <a:ext uri="{FF2B5EF4-FFF2-40B4-BE49-F238E27FC236}">
+                <a16:creationId xmlns:a16="http://schemas.microsoft.com/office/drawing/2014/main" id="{382E019B-D8B1-3342-91AE-BE7F6B40C276}"/>
+              </a:ext>
+            </a:extLst>
+          </p:cNvPr>
+          <p:cNvSpPr/>
+          <p:nvPr/>
+        </p:nvSpPr>
+        <p:spPr>
+          <a:xfrm>
+            <a:off x="3671934" y="748484"/>
+            <a:ext cx="118002" cy="171765"/>
+          </a:xfrm>
+          <a:prstGeom prst="rightBracket">
+            <a:avLst/>
+          </a:prstGeom>
+          <a:ln w="12700">
+            <a:solidFill>
+              <a:srgbClr val="0432FF"/>
+            </a:solidFill>
+            <a:prstDash val="sysDash"/>
+          </a:ln>
+        </p:spPr>
+        <p:style>
+          <a:lnRef idx="1">
+            <a:schemeClr val="accent1"/>
+          </a:lnRef>
+          <a:fillRef idx="0">
+            <a:schemeClr val="accent1"/>
+          </a:fillRef>
+          <a:effectRef idx="0">
+            <a:schemeClr val="accent1"/>
+          </a:effectRef>
+          <a:fontRef idx="minor">
+            <a:schemeClr val="tx1"/>
+          </a:fontRef>
+        </p:style>
+        <p:txBody>
+          <a:bodyPr rtlCol="0" anchor="ctr"/>
+          <a:lstStyle/>
+          <a:p>
+            <a:pPr algn="ctr"/>
+            <a:endParaRPr kumimoji="1" lang="zh-TW" altLang="en-US"/>
+          </a:p>
+        </p:txBody>
+      </p:sp>
+      <p:cxnSp>
+        <p:nvCxnSpPr>
+          <p:cNvPr id="8" name="直線接點 7">
+            <a:extLst>
+              <a:ext uri="{FF2B5EF4-FFF2-40B4-BE49-F238E27FC236}">
+                <a16:creationId xmlns:a16="http://schemas.microsoft.com/office/drawing/2014/main" id="{12DFE941-5E9A-EC4A-81B7-761B10DA486B}"/>
+              </a:ext>
+            </a:extLst>
+          </p:cNvPr>
+          <p:cNvCxnSpPr>
+            <a:cxnSpLocks/>
+          </p:cNvCxnSpPr>
+          <p:nvPr/>
+        </p:nvCxnSpPr>
+        <p:spPr>
+          <a:xfrm>
+            <a:off x="3789936" y="829740"/>
+            <a:ext cx="166602" cy="0"/>
+          </a:xfrm>
+          <a:prstGeom prst="line">
+            <a:avLst/>
+          </a:prstGeom>
+          <a:ln w="12700">
+            <a:solidFill>
+              <a:srgbClr val="0432FF"/>
+            </a:solidFill>
+            <a:prstDash val="sysDash"/>
+          </a:ln>
+        </p:spPr>
+        <p:style>
+          <a:lnRef idx="1">
+            <a:schemeClr val="accent1"/>
+          </a:lnRef>
+          <a:fillRef idx="0">
+            <a:schemeClr val="accent1"/>
+          </a:fillRef>
+          <a:effectRef idx="0">
+            <a:schemeClr val="accent1"/>
+          </a:effectRef>
+          <a:fontRef idx="minor">
+            <a:schemeClr val="tx1"/>
+          </a:fontRef>
+        </p:style>
+      </p:cxnSp>
+      <p:sp>
+        <p:nvSpPr>
+          <p:cNvPr id="10" name="文字方塊 9">
+            <a:extLst>
+              <a:ext uri="{FF2B5EF4-FFF2-40B4-BE49-F238E27FC236}">
+                <a16:creationId xmlns:a16="http://schemas.microsoft.com/office/drawing/2014/main" id="{FC555A7B-203A-6044-BCB2-1DA7017E9C1F}"/>
+              </a:ext>
+            </a:extLst>
+          </p:cNvPr>
+          <p:cNvSpPr txBox="1"/>
+          <p:nvPr/>
+        </p:nvSpPr>
+        <p:spPr>
+          <a:xfrm>
+            <a:off x="6007348" y="690079"/>
+            <a:ext cx="476412" cy="276999"/>
+          </a:xfrm>
+          <a:prstGeom prst="rect">
+            <a:avLst/>
+          </a:prstGeom>
+          <a:noFill/>
+        </p:spPr>
+        <p:txBody>
+          <a:bodyPr wrap="none" rtlCol="0">
+            <a:spAutoFit/>
+          </a:bodyPr>
+          <a:lstStyle/>
+          <a:p>
+            <a:r>
+              <a:rPr kumimoji="1" lang="en-US" altLang="zh-TW" sz="1200" b="1" dirty="0">
+                <a:solidFill>
+                  <a:srgbClr val="009051"/>
+                </a:solidFill>
+              </a:rPr>
+              <a:t>O(V)</a:t>
+            </a:r>
+            <a:endParaRPr kumimoji="1" lang="zh-TW" altLang="en-US" sz="1200" b="1" dirty="0">
+              <a:solidFill>
+                <a:srgbClr val="009051"/>
+              </a:solidFill>
+            </a:endParaRPr>
+          </a:p>
+        </p:txBody>
+      </p:sp>
+      <p:sp>
+        <p:nvSpPr>
+          <p:cNvPr id="12" name="文字方塊 11">
+            <a:extLst>
+              <a:ext uri="{FF2B5EF4-FFF2-40B4-BE49-F238E27FC236}">
+                <a16:creationId xmlns:a16="http://schemas.microsoft.com/office/drawing/2014/main" id="{D28B06A9-AA08-1C46-BF51-75DC2AE91D1C}"/>
+              </a:ext>
+            </a:extLst>
+          </p:cNvPr>
+          <p:cNvSpPr txBox="1"/>
+          <p:nvPr/>
+        </p:nvSpPr>
+        <p:spPr>
+          <a:xfrm>
+            <a:off x="4075948" y="960226"/>
+            <a:ext cx="2129790" cy="461665"/>
+          </a:xfrm>
+          <a:prstGeom prst="rect">
+            <a:avLst/>
+          </a:prstGeom>
+          <a:noFill/>
+        </p:spPr>
+        <p:txBody>
+          <a:bodyPr wrap="square" rtlCol="0">
+            <a:spAutoFit/>
+          </a:bodyPr>
+          <a:lstStyle/>
+          <a:p>
+            <a:r>
+              <a:rPr kumimoji="1" lang="en-US" altLang="zh-TW" sz="1200" dirty="0">
+                <a:solidFill>
+                  <a:srgbClr val="0432FF"/>
+                </a:solidFill>
+              </a:rPr>
+              <a:t>Create min priority queue &amp; push starting vertex into queue</a:t>
+            </a:r>
+            <a:endParaRPr kumimoji="1" lang="zh-TW" altLang="en-US" sz="1200" b="1" dirty="0">
+              <a:solidFill>
+                <a:srgbClr val="009051"/>
+              </a:solidFill>
+            </a:endParaRPr>
+          </a:p>
+        </p:txBody>
+      </p:sp>
+      <p:sp>
+        <p:nvSpPr>
+          <p:cNvPr id="14" name="文字方塊 13">
+            <a:extLst>
+              <a:ext uri="{FF2B5EF4-FFF2-40B4-BE49-F238E27FC236}">
+                <a16:creationId xmlns:a16="http://schemas.microsoft.com/office/drawing/2014/main" id="{DAFF1F63-7097-D64E-91AC-53B707DAE183}"/>
+              </a:ext>
+            </a:extLst>
+          </p:cNvPr>
+          <p:cNvSpPr txBox="1"/>
+          <p:nvPr/>
+        </p:nvSpPr>
+        <p:spPr>
+          <a:xfrm>
+            <a:off x="3671934" y="228493"/>
+            <a:ext cx="906082" cy="276999"/>
+          </a:xfrm>
+          <a:prstGeom prst="rect">
+            <a:avLst/>
+          </a:prstGeom>
+          <a:noFill/>
+        </p:spPr>
+        <p:txBody>
+          <a:bodyPr wrap="none" rtlCol="0">
+            <a:spAutoFit/>
+          </a:bodyPr>
+          <a:lstStyle/>
+          <a:p>
+            <a:r>
+              <a:rPr kumimoji="1" lang="en-US" altLang="zh-TW" sz="1200" dirty="0">
+                <a:solidFill>
+                  <a:srgbClr val="0432FF"/>
+                </a:solidFill>
+              </a:rPr>
+              <a:t>Input graph</a:t>
+            </a:r>
+            <a:endParaRPr kumimoji="1" lang="zh-TW" altLang="en-US" sz="1200" b="1" dirty="0">
+              <a:solidFill>
+                <a:srgbClr val="009051"/>
+              </a:solidFill>
+            </a:endParaRPr>
+          </a:p>
+        </p:txBody>
+      </p:sp>
+      <p:sp>
+        <p:nvSpPr>
+          <p:cNvPr id="18" name="右中括弧 17">
+            <a:extLst>
+              <a:ext uri="{FF2B5EF4-FFF2-40B4-BE49-F238E27FC236}">
+                <a16:creationId xmlns:a16="http://schemas.microsoft.com/office/drawing/2014/main" id="{FC4C999C-A32F-F74F-9CE9-A882F46D415F}"/>
+              </a:ext>
+            </a:extLst>
+          </p:cNvPr>
+          <p:cNvSpPr/>
+          <p:nvPr/>
+        </p:nvSpPr>
+        <p:spPr>
+          <a:xfrm>
+            <a:off x="3903451" y="1118898"/>
+            <a:ext cx="118002" cy="171765"/>
+          </a:xfrm>
+          <a:prstGeom prst="rightBracket">
+            <a:avLst/>
+          </a:prstGeom>
+          <a:ln w="12700">
+            <a:solidFill>
+              <a:srgbClr val="0432FF"/>
+            </a:solidFill>
+            <a:prstDash val="sysDash"/>
+          </a:ln>
+        </p:spPr>
+        <p:style>
+          <a:lnRef idx="1">
+            <a:schemeClr val="accent1"/>
+          </a:lnRef>
+          <a:fillRef idx="0">
+            <a:schemeClr val="accent1"/>
+          </a:fillRef>
+          <a:effectRef idx="0">
+            <a:schemeClr val="accent1"/>
+          </a:effectRef>
+          <a:fontRef idx="minor">
+            <a:schemeClr val="tx1"/>
+          </a:fontRef>
+        </p:style>
+        <p:txBody>
+          <a:bodyPr rtlCol="0" anchor="ctr"/>
+          <a:lstStyle/>
+          <a:p>
+            <a:pPr algn="ctr"/>
+            <a:endParaRPr kumimoji="1" lang="zh-TW" altLang="en-US"/>
+          </a:p>
+        </p:txBody>
+      </p:sp>
+      <p:cxnSp>
+        <p:nvCxnSpPr>
+          <p:cNvPr id="19" name="直線接點 18">
+            <a:extLst>
+              <a:ext uri="{FF2B5EF4-FFF2-40B4-BE49-F238E27FC236}">
+                <a16:creationId xmlns:a16="http://schemas.microsoft.com/office/drawing/2014/main" id="{EC7B8DB7-B546-8249-B4A2-230D220941F5}"/>
+              </a:ext>
+            </a:extLst>
+          </p:cNvPr>
+          <p:cNvCxnSpPr>
+            <a:cxnSpLocks/>
+          </p:cNvCxnSpPr>
+          <p:nvPr/>
+        </p:nvCxnSpPr>
+        <p:spPr>
+          <a:xfrm>
+            <a:off x="4021453" y="1200154"/>
+            <a:ext cx="166602" cy="0"/>
+          </a:xfrm>
+          <a:prstGeom prst="line">
+            <a:avLst/>
+          </a:prstGeom>
+          <a:ln w="12700">
+            <a:solidFill>
+              <a:srgbClr val="0432FF"/>
+            </a:solidFill>
+            <a:prstDash val="sysDash"/>
+          </a:ln>
+        </p:spPr>
+        <p:style>
+          <a:lnRef idx="1">
+            <a:schemeClr val="accent1"/>
+          </a:lnRef>
+          <a:fillRef idx="0">
+            <a:schemeClr val="accent1"/>
+          </a:fillRef>
+          <a:effectRef idx="0">
+            <a:schemeClr val="accent1"/>
+          </a:effectRef>
+          <a:fontRef idx="minor">
+            <a:schemeClr val="tx1"/>
+          </a:fontRef>
+        </p:style>
+      </p:cxnSp>
+      <p:sp>
+        <p:nvSpPr>
+          <p:cNvPr id="20" name="文字方塊 19">
+            <a:extLst>
+              <a:ext uri="{FF2B5EF4-FFF2-40B4-BE49-F238E27FC236}">
+                <a16:creationId xmlns:a16="http://schemas.microsoft.com/office/drawing/2014/main" id="{EB53F809-BF47-4C41-9DEF-4287443EB3C6}"/>
+              </a:ext>
+            </a:extLst>
+          </p:cNvPr>
+          <p:cNvSpPr txBox="1"/>
+          <p:nvPr/>
+        </p:nvSpPr>
+        <p:spPr>
+          <a:xfrm>
+            <a:off x="6007348" y="1061654"/>
+            <a:ext cx="463588" cy="276999"/>
+          </a:xfrm>
+          <a:prstGeom prst="rect">
+            <a:avLst/>
+          </a:prstGeom>
+          <a:noFill/>
+        </p:spPr>
+        <p:txBody>
+          <a:bodyPr wrap="none" rtlCol="0">
+            <a:spAutoFit/>
+          </a:bodyPr>
+          <a:lstStyle/>
+          <a:p>
+            <a:r>
+              <a:rPr kumimoji="1" lang="en-US" altLang="zh-TW" sz="1200" b="1" dirty="0">
+                <a:solidFill>
+                  <a:srgbClr val="009051"/>
+                </a:solidFill>
+              </a:rPr>
+              <a:t>O(1)</a:t>
+            </a:r>
+            <a:endParaRPr kumimoji="1" lang="zh-TW" altLang="en-US" sz="1200" b="1" dirty="0">
+              <a:solidFill>
+                <a:srgbClr val="009051"/>
+              </a:solidFill>
+            </a:endParaRPr>
+          </a:p>
+        </p:txBody>
+      </p:sp>
+      <p:cxnSp>
+        <p:nvCxnSpPr>
+          <p:cNvPr id="21" name="直線接點 20">
+            <a:extLst>
+              <a:ext uri="{FF2B5EF4-FFF2-40B4-BE49-F238E27FC236}">
+                <a16:creationId xmlns:a16="http://schemas.microsoft.com/office/drawing/2014/main" id="{27A1629C-7743-9641-B4D8-B73EEC9728F3}"/>
+              </a:ext>
+            </a:extLst>
+          </p:cNvPr>
+          <p:cNvCxnSpPr>
+            <a:cxnSpLocks/>
+          </p:cNvCxnSpPr>
+          <p:nvPr/>
+        </p:nvCxnSpPr>
+        <p:spPr>
+          <a:xfrm>
+            <a:off x="1535906" y="1653846"/>
+            <a:ext cx="4460358" cy="0"/>
+          </a:xfrm>
+          <a:prstGeom prst="line">
+            <a:avLst/>
+          </a:prstGeom>
+          <a:ln w="12700">
+            <a:solidFill>
+              <a:srgbClr val="0432FF"/>
+            </a:solidFill>
+            <a:prstDash val="sysDash"/>
+          </a:ln>
+        </p:spPr>
+        <p:style>
+          <a:lnRef idx="1">
+            <a:schemeClr val="accent1"/>
+          </a:lnRef>
+          <a:fillRef idx="0">
+            <a:schemeClr val="accent1"/>
+          </a:fillRef>
+          <a:effectRef idx="0">
+            <a:schemeClr val="accent1"/>
+          </a:effectRef>
+          <a:fontRef idx="minor">
+            <a:schemeClr val="tx1"/>
+          </a:fontRef>
+        </p:style>
+      </p:cxnSp>
+      <p:sp>
+        <p:nvSpPr>
+          <p:cNvPr id="23" name="文字方塊 22">
+            <a:extLst>
+              <a:ext uri="{FF2B5EF4-FFF2-40B4-BE49-F238E27FC236}">
+                <a16:creationId xmlns:a16="http://schemas.microsoft.com/office/drawing/2014/main" id="{84FD3F9B-929E-3A4C-915C-C60DE0BE24E1}"/>
+              </a:ext>
+            </a:extLst>
+          </p:cNvPr>
+          <p:cNvSpPr txBox="1"/>
+          <p:nvPr/>
+        </p:nvSpPr>
+        <p:spPr>
+          <a:xfrm>
+            <a:off x="5950196" y="1523319"/>
+            <a:ext cx="476412" cy="276999"/>
+          </a:xfrm>
+          <a:prstGeom prst="rect">
+            <a:avLst/>
+          </a:prstGeom>
+          <a:noFill/>
+        </p:spPr>
+        <p:txBody>
+          <a:bodyPr wrap="none" rtlCol="0">
+            <a:spAutoFit/>
+          </a:bodyPr>
+          <a:lstStyle/>
+          <a:p>
+            <a:r>
+              <a:rPr kumimoji="1" lang="en-US" altLang="zh-TW" sz="1200" b="1" dirty="0">
+                <a:solidFill>
+                  <a:srgbClr val="009051"/>
+                </a:solidFill>
+              </a:rPr>
+              <a:t>O(V)</a:t>
+            </a:r>
+            <a:endParaRPr kumimoji="1" lang="zh-TW" altLang="en-US" sz="1200" b="1" dirty="0">
+              <a:solidFill>
+                <a:srgbClr val="009051"/>
+              </a:solidFill>
+            </a:endParaRPr>
+          </a:p>
+        </p:txBody>
+      </p:sp>
+      <p:cxnSp>
+        <p:nvCxnSpPr>
+          <p:cNvPr id="24" name="直線接點 23">
+            <a:extLst>
+              <a:ext uri="{FF2B5EF4-FFF2-40B4-BE49-F238E27FC236}">
+                <a16:creationId xmlns:a16="http://schemas.microsoft.com/office/drawing/2014/main" id="{CFBA21D2-78D2-AF4D-9FD9-B2500B20331F}"/>
+              </a:ext>
+            </a:extLst>
+          </p:cNvPr>
+          <p:cNvCxnSpPr>
+            <a:cxnSpLocks/>
+            <a:stCxn id="25" idx="2"/>
+          </p:cNvCxnSpPr>
+          <p:nvPr/>
+        </p:nvCxnSpPr>
+        <p:spPr>
+          <a:xfrm>
+            <a:off x="1866586" y="1972689"/>
+            <a:ext cx="1882791" cy="0"/>
+          </a:xfrm>
+          <a:prstGeom prst="line">
+            <a:avLst/>
+          </a:prstGeom>
+          <a:ln w="12700">
+            <a:solidFill>
+              <a:srgbClr val="0432FF"/>
+            </a:solidFill>
+            <a:prstDash val="sysDash"/>
+          </a:ln>
+        </p:spPr>
+        <p:style>
+          <a:lnRef idx="1">
+            <a:schemeClr val="accent1"/>
+          </a:lnRef>
+          <a:fillRef idx="0">
+            <a:schemeClr val="accent1"/>
+          </a:fillRef>
+          <a:effectRef idx="0">
+            <a:schemeClr val="accent1"/>
+          </a:effectRef>
+          <a:fontRef idx="minor">
+            <a:schemeClr val="tx1"/>
+          </a:fontRef>
+        </p:style>
+      </p:cxnSp>
+      <p:sp>
+        <p:nvSpPr>
+          <p:cNvPr id="25" name="右中括弧 24">
+            <a:extLst>
+              <a:ext uri="{FF2B5EF4-FFF2-40B4-BE49-F238E27FC236}">
+                <a16:creationId xmlns:a16="http://schemas.microsoft.com/office/drawing/2014/main" id="{C34AC02B-9EEB-704B-B63F-8DA032B99DD9}"/>
+              </a:ext>
+            </a:extLst>
+          </p:cNvPr>
+          <p:cNvSpPr/>
+          <p:nvPr/>
+        </p:nvSpPr>
+        <p:spPr>
+          <a:xfrm>
+            <a:off x="1669091" y="1850849"/>
+            <a:ext cx="197495" cy="243680"/>
+          </a:xfrm>
+          <a:prstGeom prst="rightBracket">
+            <a:avLst/>
+          </a:prstGeom>
+          <a:ln w="12700">
+            <a:solidFill>
+              <a:srgbClr val="0432FF"/>
+            </a:solidFill>
+            <a:prstDash val="sysDash"/>
+          </a:ln>
+        </p:spPr>
+        <p:style>
+          <a:lnRef idx="1">
+            <a:schemeClr val="accent1"/>
+          </a:lnRef>
+          <a:fillRef idx="0">
+            <a:schemeClr val="accent1"/>
+          </a:fillRef>
+          <a:effectRef idx="0">
+            <a:schemeClr val="accent1"/>
+          </a:effectRef>
+          <a:fontRef idx="minor">
+            <a:schemeClr val="tx1"/>
+          </a:fontRef>
+        </p:style>
+        <p:txBody>
+          <a:bodyPr rtlCol="0" anchor="ctr"/>
+          <a:lstStyle/>
+          <a:p>
+            <a:pPr algn="ctr"/>
+            <a:endParaRPr kumimoji="1" lang="zh-TW" altLang="en-US"/>
+          </a:p>
+        </p:txBody>
+      </p:sp>
+      <p:sp>
+        <p:nvSpPr>
+          <p:cNvPr id="26" name="文字方塊 25">
+            <a:extLst>
+              <a:ext uri="{FF2B5EF4-FFF2-40B4-BE49-F238E27FC236}">
+                <a16:creationId xmlns:a16="http://schemas.microsoft.com/office/drawing/2014/main" id="{5A9BED81-9CA9-804F-983E-6CE95E716612}"/>
+              </a:ext>
+            </a:extLst>
+          </p:cNvPr>
+          <p:cNvSpPr txBox="1"/>
+          <p:nvPr/>
+        </p:nvSpPr>
+        <p:spPr>
+          <a:xfrm>
+            <a:off x="3730935" y="1834189"/>
+            <a:ext cx="1888850" cy="276999"/>
+          </a:xfrm>
+          <a:prstGeom prst="rect">
+            <a:avLst/>
+          </a:prstGeom>
+          <a:noFill/>
+        </p:spPr>
+        <p:txBody>
+          <a:bodyPr wrap="none" rtlCol="0">
+            <a:spAutoFit/>
+          </a:bodyPr>
+          <a:lstStyle/>
+          <a:p>
+            <a:r>
+              <a:rPr kumimoji="1" lang="en-US" altLang="zh-TW" sz="1200" dirty="0">
+                <a:solidFill>
+                  <a:srgbClr val="0432FF"/>
+                </a:solidFill>
+              </a:rPr>
+              <a:t>Pop min vertex from queue</a:t>
+            </a:r>
+            <a:endParaRPr kumimoji="1" lang="zh-TW" altLang="en-US" sz="1200" b="1" dirty="0">
+              <a:solidFill>
+                <a:srgbClr val="009051"/>
+              </a:solidFill>
+            </a:endParaRPr>
+          </a:p>
+        </p:txBody>
+      </p:sp>
+      <p:sp>
+        <p:nvSpPr>
+          <p:cNvPr id="27" name="文字方塊 26">
+            <a:extLst>
+              <a:ext uri="{FF2B5EF4-FFF2-40B4-BE49-F238E27FC236}">
+                <a16:creationId xmlns:a16="http://schemas.microsoft.com/office/drawing/2014/main" id="{75B7914D-252E-2640-9FAF-5F42472E22CD}"/>
+              </a:ext>
+            </a:extLst>
+          </p:cNvPr>
+          <p:cNvSpPr txBox="1"/>
+          <p:nvPr/>
+        </p:nvSpPr>
+        <p:spPr>
+          <a:xfrm>
+            <a:off x="5470485" y="1837769"/>
+            <a:ext cx="671979" cy="276999"/>
+          </a:xfrm>
+          <a:prstGeom prst="rect">
+            <a:avLst/>
+          </a:prstGeom>
+          <a:noFill/>
+        </p:spPr>
+        <p:txBody>
+          <a:bodyPr wrap="none" rtlCol="0">
+            <a:spAutoFit/>
+          </a:bodyPr>
+          <a:lstStyle/>
+          <a:p>
+            <a:r>
+              <a:rPr kumimoji="1" lang="en-US" altLang="zh-TW" sz="1200" b="1" dirty="0">
+                <a:solidFill>
+                  <a:srgbClr val="009051"/>
+                </a:solidFill>
+              </a:rPr>
+              <a:t>O(logV)</a:t>
+            </a:r>
+            <a:endParaRPr kumimoji="1" lang="zh-TW" altLang="en-US" sz="1200" b="1" dirty="0">
+              <a:solidFill>
+                <a:srgbClr val="009051"/>
+              </a:solidFill>
+            </a:endParaRPr>
+          </a:p>
+        </p:txBody>
+      </p:sp>
+      <p:sp>
+        <p:nvSpPr>
+          <p:cNvPr id="29" name="右中括弧 28">
+            <a:extLst>
+              <a:ext uri="{FF2B5EF4-FFF2-40B4-BE49-F238E27FC236}">
+                <a16:creationId xmlns:a16="http://schemas.microsoft.com/office/drawing/2014/main" id="{BBA760B0-4271-1548-8399-494994A33579}"/>
+              </a:ext>
+            </a:extLst>
+          </p:cNvPr>
+          <p:cNvSpPr/>
+          <p:nvPr/>
+        </p:nvSpPr>
+        <p:spPr>
+          <a:xfrm>
+            <a:off x="2610385" y="2387443"/>
+            <a:ext cx="197495" cy="490219"/>
+          </a:xfrm>
+          <a:prstGeom prst="rightBracket">
+            <a:avLst/>
+          </a:prstGeom>
+          <a:ln w="12700">
+            <a:solidFill>
+              <a:srgbClr val="0432FF"/>
+            </a:solidFill>
+            <a:prstDash val="sysDash"/>
+          </a:ln>
+        </p:spPr>
+        <p:style>
+          <a:lnRef idx="1">
+            <a:schemeClr val="accent1"/>
+          </a:lnRef>
+          <a:fillRef idx="0">
+            <a:schemeClr val="accent1"/>
+          </a:fillRef>
+          <a:effectRef idx="0">
+            <a:schemeClr val="accent1"/>
+          </a:effectRef>
+          <a:fontRef idx="minor">
+            <a:schemeClr val="tx1"/>
+          </a:fontRef>
+        </p:style>
+        <p:txBody>
+          <a:bodyPr rtlCol="0" anchor="ctr"/>
+          <a:lstStyle/>
+          <a:p>
+            <a:pPr algn="ctr"/>
+            <a:endParaRPr kumimoji="1" lang="zh-TW" altLang="en-US"/>
+          </a:p>
+        </p:txBody>
+      </p:sp>
+      <p:cxnSp>
+        <p:nvCxnSpPr>
+          <p:cNvPr id="30" name="直線接點 29">
+            <a:extLst>
+              <a:ext uri="{FF2B5EF4-FFF2-40B4-BE49-F238E27FC236}">
+                <a16:creationId xmlns:a16="http://schemas.microsoft.com/office/drawing/2014/main" id="{67149FE0-052E-3247-92A3-EDA6543C6739}"/>
+              </a:ext>
+            </a:extLst>
+          </p:cNvPr>
+          <p:cNvCxnSpPr>
+            <a:cxnSpLocks/>
+          </p:cNvCxnSpPr>
+          <p:nvPr/>
+        </p:nvCxnSpPr>
+        <p:spPr>
+          <a:xfrm>
+            <a:off x="2807880" y="2631595"/>
+            <a:ext cx="864054" cy="0"/>
+          </a:xfrm>
+          <a:prstGeom prst="line">
+            <a:avLst/>
+          </a:prstGeom>
+          <a:ln w="12700">
+            <a:solidFill>
+              <a:srgbClr val="0432FF"/>
+            </a:solidFill>
+            <a:prstDash val="sysDash"/>
+          </a:ln>
+        </p:spPr>
+        <p:style>
+          <a:lnRef idx="1">
+            <a:schemeClr val="accent1"/>
+          </a:lnRef>
+          <a:fillRef idx="0">
+            <a:schemeClr val="accent1"/>
+          </a:fillRef>
+          <a:effectRef idx="0">
+            <a:schemeClr val="accent1"/>
+          </a:effectRef>
+          <a:fontRef idx="minor">
+            <a:schemeClr val="tx1"/>
+          </a:fontRef>
+        </p:style>
+      </p:cxnSp>
+      <p:sp>
+        <p:nvSpPr>
+          <p:cNvPr id="33" name="文字方塊 32">
+            <a:extLst>
+              <a:ext uri="{FF2B5EF4-FFF2-40B4-BE49-F238E27FC236}">
+                <a16:creationId xmlns:a16="http://schemas.microsoft.com/office/drawing/2014/main" id="{B77F9809-E9D1-AD4E-8E35-463DBCB276FF}"/>
+              </a:ext>
+            </a:extLst>
+          </p:cNvPr>
+          <p:cNvSpPr txBox="1"/>
+          <p:nvPr/>
+        </p:nvSpPr>
+        <p:spPr>
+          <a:xfrm>
+            <a:off x="3671934" y="2493095"/>
+            <a:ext cx="2131737" cy="276999"/>
+          </a:xfrm>
+          <a:prstGeom prst="rect">
+            <a:avLst/>
+          </a:prstGeom>
+          <a:noFill/>
+        </p:spPr>
+        <p:txBody>
+          <a:bodyPr wrap="none" rtlCol="0">
+            <a:spAutoFit/>
+          </a:bodyPr>
+          <a:lstStyle/>
+          <a:p>
+            <a:r>
+              <a:rPr kumimoji="1" lang="en-US" altLang="zh-TW" sz="1200" dirty="0">
+                <a:solidFill>
+                  <a:srgbClr val="0432FF"/>
+                </a:solidFill>
+              </a:rPr>
+              <a:t>Check the arrival of destination</a:t>
+            </a:r>
+            <a:endParaRPr kumimoji="1" lang="zh-TW" altLang="en-US" sz="1200" b="1" dirty="0">
+              <a:solidFill>
+                <a:srgbClr val="009051"/>
+              </a:solidFill>
+            </a:endParaRPr>
+          </a:p>
+        </p:txBody>
+      </p:sp>
+      <p:sp>
+        <p:nvSpPr>
+          <p:cNvPr id="34" name="文字方塊 33">
+            <a:extLst>
+              <a:ext uri="{FF2B5EF4-FFF2-40B4-BE49-F238E27FC236}">
+                <a16:creationId xmlns:a16="http://schemas.microsoft.com/office/drawing/2014/main" id="{971EE412-2776-AA4B-BCAA-503B014BE35E}"/>
+              </a:ext>
+            </a:extLst>
+          </p:cNvPr>
+          <p:cNvSpPr txBox="1"/>
+          <p:nvPr/>
+        </p:nvSpPr>
+        <p:spPr>
+          <a:xfrm>
+            <a:off x="5666052" y="2493094"/>
+            <a:ext cx="463588" cy="276999"/>
+          </a:xfrm>
+          <a:prstGeom prst="rect">
+            <a:avLst/>
+          </a:prstGeom>
+          <a:noFill/>
+        </p:spPr>
+        <p:txBody>
+          <a:bodyPr wrap="none" rtlCol="0">
+            <a:spAutoFit/>
+          </a:bodyPr>
+          <a:lstStyle/>
+          <a:p>
+            <a:r>
+              <a:rPr kumimoji="1" lang="en-US" altLang="zh-TW" sz="1200" b="1" dirty="0">
+                <a:solidFill>
+                  <a:srgbClr val="009051"/>
+                </a:solidFill>
+              </a:rPr>
+              <a:t>O(1)</a:t>
+            </a:r>
+            <a:endParaRPr kumimoji="1" lang="zh-TW" altLang="en-US" sz="1200" b="1" dirty="0">
+              <a:solidFill>
+                <a:srgbClr val="009051"/>
+              </a:solidFill>
+            </a:endParaRPr>
+          </a:p>
+        </p:txBody>
+      </p:sp>
+      <p:sp>
+        <p:nvSpPr>
+          <p:cNvPr id="37" name="文字方塊 36">
+            <a:extLst>
+              <a:ext uri="{FF2B5EF4-FFF2-40B4-BE49-F238E27FC236}">
+                <a16:creationId xmlns:a16="http://schemas.microsoft.com/office/drawing/2014/main" id="{CB813E1E-75EA-F146-84EB-A0AAF198A7B1}"/>
+              </a:ext>
+            </a:extLst>
+          </p:cNvPr>
+          <p:cNvSpPr txBox="1"/>
+          <p:nvPr/>
+        </p:nvSpPr>
+        <p:spPr>
+          <a:xfrm>
+            <a:off x="3677414" y="3164380"/>
+            <a:ext cx="1820178" cy="461665"/>
+          </a:xfrm>
+          <a:prstGeom prst="rect">
+            <a:avLst/>
+          </a:prstGeom>
+          <a:noFill/>
+        </p:spPr>
+        <p:txBody>
+          <a:bodyPr wrap="none" rtlCol="0">
+            <a:spAutoFit/>
+          </a:bodyPr>
+          <a:lstStyle/>
+          <a:p>
+            <a:r>
+              <a:rPr kumimoji="1" lang="en-US" altLang="zh-TW" sz="1200" dirty="0">
+                <a:solidFill>
+                  <a:srgbClr val="0432FF"/>
+                </a:solidFill>
+              </a:rPr>
+              <a:t>Get every adjacent vertex </a:t>
+            </a:r>
+            <a:br>
+              <a:rPr kumimoji="1" lang="en-US" altLang="zh-TW" sz="1200" dirty="0">
+                <a:solidFill>
+                  <a:srgbClr val="0432FF"/>
+                </a:solidFill>
+              </a:rPr>
+            </a:br>
+            <a:r>
+              <a:rPr kumimoji="1" lang="en-US" altLang="zh-TW" sz="1200" dirty="0">
+                <a:solidFill>
+                  <a:srgbClr val="0432FF"/>
+                </a:solidFill>
+              </a:rPr>
+              <a:t>of current vertex</a:t>
+            </a:r>
+            <a:endParaRPr kumimoji="1" lang="zh-TW" altLang="en-US" sz="1200" b="1" dirty="0">
+              <a:solidFill>
+                <a:srgbClr val="009051"/>
+              </a:solidFill>
+            </a:endParaRPr>
+          </a:p>
+        </p:txBody>
+      </p:sp>
+      <p:sp>
+        <p:nvSpPr>
+          <p:cNvPr id="38" name="右中括弧 37">
+            <a:extLst>
+              <a:ext uri="{FF2B5EF4-FFF2-40B4-BE49-F238E27FC236}">
+                <a16:creationId xmlns:a16="http://schemas.microsoft.com/office/drawing/2014/main" id="{A25501A9-8BBB-7F4F-B8D2-D32DFD4BE305}"/>
+              </a:ext>
+            </a:extLst>
+          </p:cNvPr>
+          <p:cNvSpPr/>
+          <p:nvPr/>
+        </p:nvSpPr>
+        <p:spPr>
+          <a:xfrm>
+            <a:off x="2509433" y="3294364"/>
+            <a:ext cx="197495" cy="209841"/>
+          </a:xfrm>
+          <a:prstGeom prst="rightBracket">
+            <a:avLst/>
+          </a:prstGeom>
+          <a:ln w="12700">
+            <a:solidFill>
+              <a:srgbClr val="0432FF"/>
+            </a:solidFill>
+            <a:prstDash val="sysDash"/>
+          </a:ln>
+        </p:spPr>
+        <p:style>
+          <a:lnRef idx="1">
+            <a:schemeClr val="accent1"/>
+          </a:lnRef>
+          <a:fillRef idx="0">
+            <a:schemeClr val="accent1"/>
+          </a:fillRef>
+          <a:effectRef idx="0">
+            <a:schemeClr val="accent1"/>
+          </a:effectRef>
+          <a:fontRef idx="minor">
+            <a:schemeClr val="tx1"/>
+          </a:fontRef>
+        </p:style>
+        <p:txBody>
+          <a:bodyPr rtlCol="0" anchor="ctr"/>
+          <a:lstStyle/>
+          <a:p>
+            <a:pPr algn="ctr"/>
+            <a:endParaRPr kumimoji="1" lang="zh-TW" altLang="en-US"/>
+          </a:p>
+        </p:txBody>
+      </p:sp>
+      <p:sp>
+        <p:nvSpPr>
+          <p:cNvPr id="39" name="文字方塊 38">
+            <a:extLst>
+              <a:ext uri="{FF2B5EF4-FFF2-40B4-BE49-F238E27FC236}">
+                <a16:creationId xmlns:a16="http://schemas.microsoft.com/office/drawing/2014/main" id="{F7DDE253-0967-A94F-865E-922F9DBA5CBF}"/>
+              </a:ext>
+            </a:extLst>
+          </p:cNvPr>
+          <p:cNvSpPr txBox="1"/>
+          <p:nvPr/>
+        </p:nvSpPr>
+        <p:spPr>
+          <a:xfrm>
+            <a:off x="5397105" y="3225352"/>
+            <a:ext cx="476412" cy="276999"/>
+          </a:xfrm>
+          <a:prstGeom prst="rect">
+            <a:avLst/>
+          </a:prstGeom>
+          <a:noFill/>
+        </p:spPr>
+        <p:txBody>
+          <a:bodyPr wrap="none" rtlCol="0">
+            <a:spAutoFit/>
+          </a:bodyPr>
+          <a:lstStyle/>
+          <a:p>
+            <a:r>
+              <a:rPr kumimoji="1" lang="en-US" altLang="zh-TW" sz="1200" b="1" dirty="0">
+                <a:solidFill>
+                  <a:srgbClr val="009051"/>
+                </a:solidFill>
+              </a:rPr>
+              <a:t>O(V)</a:t>
+            </a:r>
+            <a:endParaRPr kumimoji="1" lang="zh-TW" altLang="en-US" sz="1200" b="1" dirty="0">
+              <a:solidFill>
+                <a:srgbClr val="009051"/>
+              </a:solidFill>
+            </a:endParaRPr>
+          </a:p>
+        </p:txBody>
+      </p:sp>
+      <p:cxnSp>
+        <p:nvCxnSpPr>
+          <p:cNvPr id="40" name="直線接點 39">
+            <a:extLst>
+              <a:ext uri="{FF2B5EF4-FFF2-40B4-BE49-F238E27FC236}">
+                <a16:creationId xmlns:a16="http://schemas.microsoft.com/office/drawing/2014/main" id="{C6A9C7EE-8D28-A045-8D82-738AF180885D}"/>
+              </a:ext>
+            </a:extLst>
+          </p:cNvPr>
+          <p:cNvCxnSpPr>
+            <a:cxnSpLocks/>
+          </p:cNvCxnSpPr>
+          <p:nvPr/>
+        </p:nvCxnSpPr>
+        <p:spPr>
+          <a:xfrm>
+            <a:off x="2710387" y="3402324"/>
+            <a:ext cx="972270" cy="0"/>
+          </a:xfrm>
+          <a:prstGeom prst="line">
+            <a:avLst/>
+          </a:prstGeom>
+          <a:ln w="12700">
+            <a:solidFill>
+              <a:srgbClr val="0432FF"/>
+            </a:solidFill>
+            <a:prstDash val="sysDash"/>
+          </a:ln>
+        </p:spPr>
+        <p:style>
+          <a:lnRef idx="1">
+            <a:schemeClr val="accent1"/>
+          </a:lnRef>
+          <a:fillRef idx="0">
+            <a:schemeClr val="accent1"/>
+          </a:fillRef>
+          <a:effectRef idx="0">
+            <a:schemeClr val="accent1"/>
+          </a:effectRef>
+          <a:fontRef idx="minor">
+            <a:schemeClr val="tx1"/>
+          </a:fontRef>
+        </p:style>
+      </p:cxnSp>
+      <p:sp>
+        <p:nvSpPr>
+          <p:cNvPr id="41" name="右中括弧 40">
+            <a:extLst>
+              <a:ext uri="{FF2B5EF4-FFF2-40B4-BE49-F238E27FC236}">
+                <a16:creationId xmlns:a16="http://schemas.microsoft.com/office/drawing/2014/main" id="{EECD23E4-51BC-E44B-B554-579B8B95DB12}"/>
+              </a:ext>
+            </a:extLst>
+          </p:cNvPr>
+          <p:cNvSpPr/>
+          <p:nvPr/>
+        </p:nvSpPr>
+        <p:spPr>
+          <a:xfrm>
+            <a:off x="3327630" y="3836035"/>
+            <a:ext cx="197495" cy="229811"/>
+          </a:xfrm>
+          <a:prstGeom prst="rightBracket">
+            <a:avLst/>
+          </a:prstGeom>
+          <a:ln w="12700">
+            <a:solidFill>
+              <a:srgbClr val="0432FF"/>
+            </a:solidFill>
+            <a:prstDash val="sysDash"/>
+          </a:ln>
+        </p:spPr>
+        <p:style>
+          <a:lnRef idx="1">
+            <a:schemeClr val="accent1"/>
+          </a:lnRef>
+          <a:fillRef idx="0">
+            <a:schemeClr val="accent1"/>
+          </a:fillRef>
+          <a:effectRef idx="0">
+            <a:schemeClr val="accent1"/>
+          </a:effectRef>
+          <a:fontRef idx="minor">
+            <a:schemeClr val="tx1"/>
+          </a:fontRef>
+        </p:style>
+        <p:txBody>
+          <a:bodyPr rtlCol="0" anchor="ctr"/>
+          <a:lstStyle/>
+          <a:p>
+            <a:pPr algn="ctr"/>
+            <a:endParaRPr kumimoji="1" lang="zh-TW" altLang="en-US"/>
+          </a:p>
+        </p:txBody>
+      </p:sp>
+      <p:sp>
+        <p:nvSpPr>
+          <p:cNvPr id="42" name="文字方塊 41">
+            <a:extLst>
+              <a:ext uri="{FF2B5EF4-FFF2-40B4-BE49-F238E27FC236}">
+                <a16:creationId xmlns:a16="http://schemas.microsoft.com/office/drawing/2014/main" id="{58A403A7-539D-2B41-BBC4-F133B8365BC4}"/>
+              </a:ext>
+            </a:extLst>
+          </p:cNvPr>
+          <p:cNvSpPr txBox="1"/>
+          <p:nvPr/>
+        </p:nvSpPr>
+        <p:spPr>
+          <a:xfrm>
+            <a:off x="3475574" y="3720107"/>
+            <a:ext cx="1639873" cy="461665"/>
+          </a:xfrm>
+          <a:prstGeom prst="rect">
+            <a:avLst/>
+          </a:prstGeom>
+          <a:noFill/>
+        </p:spPr>
+        <p:txBody>
+          <a:bodyPr wrap="none" rtlCol="0">
+            <a:spAutoFit/>
+          </a:bodyPr>
+          <a:lstStyle/>
+          <a:p>
+            <a:r>
+              <a:rPr kumimoji="1" lang="en-US" altLang="zh-TW" sz="1200" dirty="0">
+                <a:solidFill>
+                  <a:srgbClr val="0432FF"/>
+                </a:solidFill>
+              </a:rPr>
+              <a:t>Update adjacent vertex</a:t>
+            </a:r>
+            <a:br>
+              <a:rPr kumimoji="1" lang="en-US" altLang="zh-TW" sz="1200" dirty="0">
+                <a:solidFill>
+                  <a:srgbClr val="0432FF"/>
+                </a:solidFill>
+              </a:rPr>
+            </a:br>
+            <a:r>
+              <a:rPr kumimoji="1" lang="en-US" altLang="zh-TW" sz="1200" dirty="0">
+                <a:solidFill>
+                  <a:srgbClr val="0432FF"/>
+                </a:solidFill>
+              </a:rPr>
+              <a:t>&amp; push into queue</a:t>
+            </a:r>
+            <a:endParaRPr kumimoji="1" lang="zh-TW" altLang="en-US" sz="1200" b="1" dirty="0">
+              <a:solidFill>
+                <a:srgbClr val="009051"/>
+              </a:solidFill>
+            </a:endParaRPr>
+          </a:p>
+        </p:txBody>
+      </p:sp>
+      <p:sp>
+        <p:nvSpPr>
+          <p:cNvPr id="43" name="文字方塊 42">
+            <a:extLst>
+              <a:ext uri="{FF2B5EF4-FFF2-40B4-BE49-F238E27FC236}">
+                <a16:creationId xmlns:a16="http://schemas.microsoft.com/office/drawing/2014/main" id="{7CB03789-5763-304B-B08B-27EBC166B124}"/>
+              </a:ext>
+            </a:extLst>
+          </p:cNvPr>
+          <p:cNvSpPr txBox="1"/>
+          <p:nvPr/>
+        </p:nvSpPr>
+        <p:spPr>
+          <a:xfrm>
+            <a:off x="4899737" y="3825878"/>
+            <a:ext cx="898003" cy="276999"/>
+          </a:xfrm>
+          <a:prstGeom prst="rect">
+            <a:avLst/>
+          </a:prstGeom>
+          <a:noFill/>
+        </p:spPr>
+        <p:txBody>
+          <a:bodyPr wrap="none" rtlCol="0">
+            <a:spAutoFit/>
+          </a:bodyPr>
+          <a:lstStyle/>
+          <a:p>
+            <a:r>
+              <a:rPr kumimoji="1" lang="en-US" altLang="zh-TW" sz="1200" b="1" dirty="0">
+                <a:solidFill>
+                  <a:srgbClr val="009051"/>
+                </a:solidFill>
+              </a:rPr>
+              <a:t>O(1 + logV)</a:t>
+            </a:r>
+            <a:endParaRPr kumimoji="1" lang="zh-TW" altLang="en-US" sz="1200" b="1" dirty="0">
+              <a:solidFill>
+                <a:srgbClr val="009051"/>
+              </a:solidFill>
+            </a:endParaRPr>
+          </a:p>
+        </p:txBody>
+      </p:sp>
+      <p:cxnSp>
+        <p:nvCxnSpPr>
+          <p:cNvPr id="44" name="直線接點 43">
+            <a:extLst>
+              <a:ext uri="{FF2B5EF4-FFF2-40B4-BE49-F238E27FC236}">
+                <a16:creationId xmlns:a16="http://schemas.microsoft.com/office/drawing/2014/main" id="{1D3F4373-5698-0D41-A8B8-EAE30DCB05C7}"/>
+              </a:ext>
+            </a:extLst>
+          </p:cNvPr>
+          <p:cNvCxnSpPr>
+            <a:cxnSpLocks/>
+          </p:cNvCxnSpPr>
+          <p:nvPr/>
+        </p:nvCxnSpPr>
+        <p:spPr>
+          <a:xfrm>
+            <a:off x="3476589" y="3667041"/>
+            <a:ext cx="1704070" cy="0"/>
+          </a:xfrm>
+          <a:prstGeom prst="line">
+            <a:avLst/>
+          </a:prstGeom>
+          <a:ln w="12700">
+            <a:solidFill>
+              <a:srgbClr val="0432FF"/>
+            </a:solidFill>
+            <a:prstDash val="sysDash"/>
+          </a:ln>
+        </p:spPr>
+        <p:style>
+          <a:lnRef idx="1">
+            <a:schemeClr val="accent1"/>
+          </a:lnRef>
+          <a:fillRef idx="0">
+            <a:schemeClr val="accent1"/>
+          </a:fillRef>
+          <a:effectRef idx="0">
+            <a:schemeClr val="accent1"/>
+          </a:effectRef>
+          <a:fontRef idx="minor">
+            <a:schemeClr val="tx1"/>
+          </a:fontRef>
+        </p:style>
+      </p:cxnSp>
+      <p:sp>
+        <p:nvSpPr>
+          <p:cNvPr id="45" name="文字方塊 44">
+            <a:extLst>
+              <a:ext uri="{FF2B5EF4-FFF2-40B4-BE49-F238E27FC236}">
+                <a16:creationId xmlns:a16="http://schemas.microsoft.com/office/drawing/2014/main" id="{2B67EB7A-320D-454B-9006-A39927C887FB}"/>
+              </a:ext>
+            </a:extLst>
+          </p:cNvPr>
+          <p:cNvSpPr txBox="1"/>
+          <p:nvPr/>
+        </p:nvSpPr>
+        <p:spPr>
+          <a:xfrm>
+            <a:off x="5334152" y="3521548"/>
+            <a:ext cx="463588" cy="276999"/>
+          </a:xfrm>
+          <a:prstGeom prst="rect">
+            <a:avLst/>
+          </a:prstGeom>
+          <a:noFill/>
+        </p:spPr>
+        <p:txBody>
+          <a:bodyPr wrap="none" rtlCol="0">
+            <a:spAutoFit/>
+          </a:bodyPr>
+          <a:lstStyle/>
+          <a:p>
+            <a:r>
+              <a:rPr kumimoji="1" lang="en-US" altLang="zh-TW" sz="1200" b="1" dirty="0">
+                <a:solidFill>
+                  <a:srgbClr val="009051"/>
+                </a:solidFill>
+              </a:rPr>
+              <a:t>O(1)</a:t>
+            </a:r>
+            <a:endParaRPr kumimoji="1" lang="zh-TW" altLang="en-US" sz="1200" b="1" dirty="0">
+              <a:solidFill>
+                <a:srgbClr val="009051"/>
+              </a:solidFill>
+            </a:endParaRPr>
+          </a:p>
+        </p:txBody>
+      </p:sp>
+      <p:sp>
+        <p:nvSpPr>
+          <p:cNvPr id="46" name="右中括弧 45">
+            <a:extLst>
+              <a:ext uri="{FF2B5EF4-FFF2-40B4-BE49-F238E27FC236}">
+                <a16:creationId xmlns:a16="http://schemas.microsoft.com/office/drawing/2014/main" id="{30702538-F185-8046-8412-A20FBDB383AA}"/>
+              </a:ext>
+            </a:extLst>
+          </p:cNvPr>
+          <p:cNvSpPr/>
+          <p:nvPr/>
+        </p:nvSpPr>
+        <p:spPr>
+          <a:xfrm>
+            <a:off x="5744887" y="3670934"/>
+            <a:ext cx="116047" cy="297336"/>
+          </a:xfrm>
+          <a:prstGeom prst="rightBracket">
+            <a:avLst/>
+          </a:prstGeom>
+          <a:ln w="12700">
+            <a:solidFill>
+              <a:srgbClr val="7030A0"/>
+            </a:solidFill>
+            <a:prstDash val="sysDash"/>
+          </a:ln>
+        </p:spPr>
+        <p:style>
+          <a:lnRef idx="1">
+            <a:schemeClr val="accent1"/>
+          </a:lnRef>
+          <a:fillRef idx="0">
+            <a:schemeClr val="accent1"/>
+          </a:fillRef>
+          <a:effectRef idx="0">
+            <a:schemeClr val="accent1"/>
+          </a:effectRef>
+          <a:fontRef idx="minor">
+            <a:schemeClr val="tx1"/>
+          </a:fontRef>
+        </p:style>
+        <p:txBody>
+          <a:bodyPr rtlCol="0" anchor="ctr"/>
+          <a:lstStyle/>
+          <a:p>
+            <a:pPr algn="ctr"/>
+            <a:endParaRPr kumimoji="1" lang="zh-TW" altLang="en-US"/>
+          </a:p>
+        </p:txBody>
+      </p:sp>
+      <p:sp>
+        <p:nvSpPr>
+          <p:cNvPr id="47" name="文字方塊 46">
+            <a:extLst>
+              <a:ext uri="{FF2B5EF4-FFF2-40B4-BE49-F238E27FC236}">
+                <a16:creationId xmlns:a16="http://schemas.microsoft.com/office/drawing/2014/main" id="{65A8C2BC-F9AE-7F46-AC35-20F6B117ABA8}"/>
+              </a:ext>
+            </a:extLst>
+          </p:cNvPr>
+          <p:cNvSpPr txBox="1"/>
+          <p:nvPr/>
+        </p:nvSpPr>
+        <p:spPr>
+          <a:xfrm rot="5400000">
+            <a:off x="5652543" y="3681102"/>
+            <a:ext cx="671979" cy="276999"/>
+          </a:xfrm>
+          <a:prstGeom prst="rect">
+            <a:avLst/>
+          </a:prstGeom>
+          <a:noFill/>
+        </p:spPr>
+        <p:txBody>
+          <a:bodyPr wrap="none" rtlCol="0">
+            <a:spAutoFit/>
+          </a:bodyPr>
+          <a:lstStyle/>
+          <a:p>
+            <a:r>
+              <a:rPr kumimoji="1" lang="en-US" altLang="zh-TW" sz="1200" b="1" dirty="0">
+                <a:solidFill>
+                  <a:srgbClr val="7030A0"/>
+                </a:solidFill>
+              </a:rPr>
+              <a:t>O(logV)</a:t>
+            </a:r>
+            <a:endParaRPr kumimoji="1" lang="zh-TW" altLang="en-US" sz="1200" b="1" dirty="0">
+              <a:solidFill>
+                <a:srgbClr val="7030A0"/>
+              </a:solidFill>
+            </a:endParaRPr>
+          </a:p>
+        </p:txBody>
+      </p:sp>
+      <p:sp>
+        <p:nvSpPr>
+          <p:cNvPr id="49" name="右中括弧 48">
+            <a:extLst>
+              <a:ext uri="{FF2B5EF4-FFF2-40B4-BE49-F238E27FC236}">
+                <a16:creationId xmlns:a16="http://schemas.microsoft.com/office/drawing/2014/main" id="{091051C2-5B15-9B41-A18A-EEDD7B536787}"/>
+              </a:ext>
+            </a:extLst>
+          </p:cNvPr>
+          <p:cNvSpPr/>
+          <p:nvPr/>
+        </p:nvSpPr>
+        <p:spPr>
+          <a:xfrm>
+            <a:off x="6053771" y="3366052"/>
+            <a:ext cx="116047" cy="453549"/>
+          </a:xfrm>
+          <a:prstGeom prst="rightBracket">
+            <a:avLst/>
+          </a:prstGeom>
+          <a:ln w="12700">
+            <a:solidFill>
+              <a:srgbClr val="7030A0"/>
+            </a:solidFill>
+            <a:prstDash val="sysDash"/>
+          </a:ln>
+        </p:spPr>
+        <p:style>
+          <a:lnRef idx="1">
+            <a:schemeClr val="accent1"/>
+          </a:lnRef>
+          <a:fillRef idx="0">
+            <a:schemeClr val="accent1"/>
+          </a:fillRef>
+          <a:effectRef idx="0">
+            <a:schemeClr val="accent1"/>
+          </a:effectRef>
+          <a:fontRef idx="minor">
+            <a:schemeClr val="tx1"/>
+          </a:fontRef>
+        </p:style>
+        <p:txBody>
+          <a:bodyPr rtlCol="0" anchor="ctr"/>
+          <a:lstStyle/>
+          <a:p>
+            <a:pPr algn="ctr"/>
+            <a:endParaRPr kumimoji="1" lang="zh-TW" altLang="en-US"/>
+          </a:p>
+        </p:txBody>
+      </p:sp>
+      <p:sp>
+        <p:nvSpPr>
+          <p:cNvPr id="50" name="文字方塊 49">
+            <a:extLst>
+              <a:ext uri="{FF2B5EF4-FFF2-40B4-BE49-F238E27FC236}">
+                <a16:creationId xmlns:a16="http://schemas.microsoft.com/office/drawing/2014/main" id="{30038657-AAE9-154C-91C5-C4DF85A8E9E4}"/>
+              </a:ext>
+            </a:extLst>
+          </p:cNvPr>
+          <p:cNvSpPr txBox="1"/>
+          <p:nvPr/>
+        </p:nvSpPr>
+        <p:spPr>
+          <a:xfrm rot="5400000">
+            <a:off x="5945226" y="3454326"/>
+            <a:ext cx="763351" cy="276999"/>
+          </a:xfrm>
+          <a:prstGeom prst="rect">
+            <a:avLst/>
+          </a:prstGeom>
+          <a:noFill/>
+        </p:spPr>
+        <p:txBody>
+          <a:bodyPr wrap="none" rtlCol="0">
+            <a:spAutoFit/>
+          </a:bodyPr>
+          <a:lstStyle/>
+          <a:p>
+            <a:r>
+              <a:rPr kumimoji="1" lang="en-US" altLang="zh-TW" sz="1200" b="1" dirty="0">
+                <a:solidFill>
+                  <a:srgbClr val="7030A0"/>
+                </a:solidFill>
+              </a:rPr>
+              <a:t>O(VlogV)</a:t>
+            </a:r>
+            <a:endParaRPr kumimoji="1" lang="zh-TW" altLang="en-US" sz="1200" b="1" dirty="0">
+              <a:solidFill>
+                <a:srgbClr val="7030A0"/>
+              </a:solidFill>
+            </a:endParaRPr>
+          </a:p>
+        </p:txBody>
+      </p:sp>
+      <p:sp>
+        <p:nvSpPr>
+          <p:cNvPr id="51" name="文字方塊 50">
+            <a:extLst>
+              <a:ext uri="{FF2B5EF4-FFF2-40B4-BE49-F238E27FC236}">
+                <a16:creationId xmlns:a16="http://schemas.microsoft.com/office/drawing/2014/main" id="{F3D19B62-8CF0-8947-ADC1-AF4BB5EA1622}"/>
+              </a:ext>
+            </a:extLst>
+          </p:cNvPr>
+          <p:cNvSpPr txBox="1"/>
+          <p:nvPr/>
+        </p:nvSpPr>
+        <p:spPr>
+          <a:xfrm rot="5400000">
+            <a:off x="5869016" y="2483735"/>
+            <a:ext cx="1587294" cy="276999"/>
+          </a:xfrm>
+          <a:prstGeom prst="rect">
+            <a:avLst/>
+          </a:prstGeom>
+          <a:noFill/>
+        </p:spPr>
+        <p:txBody>
+          <a:bodyPr wrap="none" rtlCol="0">
+            <a:spAutoFit/>
+          </a:bodyPr>
+          <a:lstStyle/>
+          <a:p>
+            <a:r>
+              <a:rPr kumimoji="1" lang="en-US" altLang="zh-TW" sz="1200" b="1" dirty="0">
+                <a:solidFill>
+                  <a:srgbClr val="7030A0"/>
+                </a:solidFill>
+              </a:rPr>
+              <a:t>O(V</a:t>
+            </a:r>
+            <a:r>
+              <a:rPr kumimoji="1" lang="en-US" altLang="zh-TW" sz="1200" b="1" baseline="30000" dirty="0">
+                <a:solidFill>
+                  <a:srgbClr val="7030A0"/>
+                </a:solidFill>
+              </a:rPr>
+              <a:t>2</a:t>
+            </a:r>
+            <a:r>
+              <a:rPr kumimoji="1" lang="en-US" altLang="zh-TW" sz="1200" b="1" dirty="0">
+                <a:solidFill>
+                  <a:srgbClr val="7030A0"/>
+                </a:solidFill>
+              </a:rPr>
+              <a:t>logV) →</a:t>
+            </a:r>
+            <a:r>
+              <a:rPr kumimoji="1" lang="en-US" altLang="zh-TW" sz="1200" b="1" dirty="0">
+                <a:solidFill>
+                  <a:srgbClr val="FF0000"/>
+                </a:solidFill>
+              </a:rPr>
+              <a:t> </a:t>
+            </a:r>
+            <a:r>
+              <a:rPr kumimoji="1" lang="en-US" altLang="zh-TW" sz="1200" b="1" dirty="0">
+                <a:solidFill>
+                  <a:srgbClr val="7030A0"/>
+                </a:solidFill>
+              </a:rPr>
+              <a:t>O(ElogV)</a:t>
+            </a:r>
+            <a:endParaRPr kumimoji="1" lang="zh-TW" altLang="en-US" sz="1200" b="1" dirty="0">
+              <a:solidFill>
+                <a:srgbClr val="7030A0"/>
+              </a:solidFill>
+            </a:endParaRPr>
+          </a:p>
+        </p:txBody>
+      </p:sp>
+      <p:sp>
+        <p:nvSpPr>
+          <p:cNvPr id="52" name="右中括弧 51">
+            <a:extLst>
+              <a:ext uri="{FF2B5EF4-FFF2-40B4-BE49-F238E27FC236}">
+                <a16:creationId xmlns:a16="http://schemas.microsoft.com/office/drawing/2014/main" id="{F3E29538-FA60-9D4B-81C0-D0547DA8BA3D}"/>
+              </a:ext>
+            </a:extLst>
+          </p:cNvPr>
+          <p:cNvSpPr/>
+          <p:nvPr/>
+        </p:nvSpPr>
+        <p:spPr>
+          <a:xfrm>
+            <a:off x="6397720" y="1653846"/>
+            <a:ext cx="133551" cy="1936779"/>
+          </a:xfrm>
+          <a:prstGeom prst="rightBracket">
+            <a:avLst/>
+          </a:prstGeom>
+          <a:ln w="12700">
+            <a:solidFill>
+              <a:srgbClr val="7030A0"/>
+            </a:solidFill>
+            <a:prstDash val="sysDash"/>
+          </a:ln>
+        </p:spPr>
+        <p:style>
+          <a:lnRef idx="1">
+            <a:schemeClr val="accent1"/>
+          </a:lnRef>
+          <a:fillRef idx="0">
+            <a:schemeClr val="accent1"/>
+          </a:fillRef>
+          <a:effectRef idx="0">
+            <a:schemeClr val="accent1"/>
+          </a:effectRef>
+          <a:fontRef idx="minor">
+            <a:schemeClr val="tx1"/>
+          </a:fontRef>
+        </p:style>
+        <p:txBody>
+          <a:bodyPr rtlCol="0" anchor="ctr"/>
+          <a:lstStyle/>
+          <a:p>
+            <a:pPr algn="ctr"/>
+            <a:endParaRPr kumimoji="1" lang="zh-TW" altLang="en-US"/>
+          </a:p>
+        </p:txBody>
+      </p:sp>
+      <p:sp>
+        <p:nvSpPr>
+          <p:cNvPr id="53" name="右中括弧 52">
+            <a:extLst>
+              <a:ext uri="{FF2B5EF4-FFF2-40B4-BE49-F238E27FC236}">
+                <a16:creationId xmlns:a16="http://schemas.microsoft.com/office/drawing/2014/main" id="{FADB0E71-424B-2E4F-99E9-99BC4BE71CDD}"/>
+              </a:ext>
+            </a:extLst>
+          </p:cNvPr>
+          <p:cNvSpPr/>
+          <p:nvPr/>
+        </p:nvSpPr>
+        <p:spPr>
+          <a:xfrm>
+            <a:off x="6053771" y="2005751"/>
+            <a:ext cx="116047" cy="625844"/>
+          </a:xfrm>
+          <a:prstGeom prst="rightBracket">
+            <a:avLst/>
+          </a:prstGeom>
+          <a:ln w="12700">
+            <a:solidFill>
+              <a:srgbClr val="7030A0"/>
+            </a:solidFill>
+            <a:prstDash val="sysDash"/>
+          </a:ln>
+        </p:spPr>
+        <p:style>
+          <a:lnRef idx="1">
+            <a:schemeClr val="accent1"/>
+          </a:lnRef>
+          <a:fillRef idx="0">
+            <a:schemeClr val="accent1"/>
+          </a:fillRef>
+          <a:effectRef idx="0">
+            <a:schemeClr val="accent1"/>
+          </a:effectRef>
+          <a:fontRef idx="minor">
+            <a:schemeClr val="tx1"/>
+          </a:fontRef>
+        </p:style>
+        <p:txBody>
+          <a:bodyPr rtlCol="0" anchor="ctr"/>
+          <a:lstStyle/>
+          <a:p>
+            <a:pPr algn="ctr"/>
+            <a:endParaRPr kumimoji="1" lang="zh-TW" altLang="en-US"/>
+          </a:p>
+        </p:txBody>
+      </p:sp>
+      <p:sp>
+        <p:nvSpPr>
+          <p:cNvPr id="54" name="文字方塊 53">
+            <a:extLst>
+              <a:ext uri="{FF2B5EF4-FFF2-40B4-BE49-F238E27FC236}">
+                <a16:creationId xmlns:a16="http://schemas.microsoft.com/office/drawing/2014/main" id="{C467A4B6-F466-6B45-95E1-5C14CF8C6636}"/>
+              </a:ext>
+            </a:extLst>
+          </p:cNvPr>
+          <p:cNvSpPr txBox="1"/>
+          <p:nvPr/>
+        </p:nvSpPr>
+        <p:spPr>
+          <a:xfrm rot="5400000">
+            <a:off x="5990912" y="2180173"/>
+            <a:ext cx="671979" cy="276999"/>
+          </a:xfrm>
+          <a:prstGeom prst="rect">
+            <a:avLst/>
+          </a:prstGeom>
+          <a:noFill/>
+        </p:spPr>
+        <p:txBody>
+          <a:bodyPr wrap="none" rtlCol="0">
+            <a:spAutoFit/>
+          </a:bodyPr>
+          <a:lstStyle/>
+          <a:p>
+            <a:r>
+              <a:rPr kumimoji="1" lang="en-US" altLang="zh-TW" sz="1200" b="1" dirty="0">
+                <a:solidFill>
+                  <a:srgbClr val="7030A0"/>
+                </a:solidFill>
+              </a:rPr>
+              <a:t>O(logV)</a:t>
+            </a:r>
+            <a:endParaRPr kumimoji="1" lang="zh-TW" altLang="en-US" sz="1200" b="1" dirty="0">
+              <a:solidFill>
+                <a:srgbClr val="7030A0"/>
+              </a:solidFill>
+            </a:endParaRPr>
+          </a:p>
+        </p:txBody>
+      </p:sp>
+      <p:sp>
+        <p:nvSpPr>
+          <p:cNvPr id="56" name="文字方塊 55">
+            <a:extLst>
+              <a:ext uri="{FF2B5EF4-FFF2-40B4-BE49-F238E27FC236}">
+                <a16:creationId xmlns:a16="http://schemas.microsoft.com/office/drawing/2014/main" id="{45425081-79EC-CC47-895B-AD76442BE7DD}"/>
+              </a:ext>
+            </a:extLst>
+          </p:cNvPr>
+          <p:cNvSpPr txBox="1"/>
+          <p:nvPr/>
+        </p:nvSpPr>
+        <p:spPr>
+          <a:xfrm>
+            <a:off x="3993977" y="4239217"/>
+            <a:ext cx="2811988" cy="276999"/>
+          </a:xfrm>
+          <a:prstGeom prst="rect">
+            <a:avLst/>
+          </a:prstGeom>
+          <a:noFill/>
+        </p:spPr>
+        <p:txBody>
+          <a:bodyPr wrap="none" rtlCol="0">
+            <a:spAutoFit/>
+          </a:bodyPr>
+          <a:lstStyle/>
+          <a:p>
+            <a:r>
+              <a:rPr kumimoji="1" lang="en-US" altLang="zh-TW" sz="1200" b="1" dirty="0"/>
+              <a:t>Time complexity: O(V + ElogV) =</a:t>
+            </a:r>
+            <a:r>
+              <a:rPr kumimoji="1" lang="en-US" altLang="zh-TW" sz="1200" b="1" dirty="0">
+                <a:solidFill>
+                  <a:srgbClr val="FF0000"/>
+                </a:solidFill>
+              </a:rPr>
+              <a:t> O(ElogV)</a:t>
+            </a:r>
+            <a:endParaRPr kumimoji="1" lang="zh-TW" altLang="en-US" sz="1200" b="1" dirty="0">
+              <a:solidFill>
+                <a:srgbClr val="FF0000"/>
+              </a:solidFill>
+            </a:endParaRPr>
+          </a:p>
+        </p:txBody>
+      </p:sp>
+      <p:sp>
+        <p:nvSpPr>
+          <p:cNvPr id="57" name="右中括弧 56">
+            <a:extLst>
+              <a:ext uri="{FF2B5EF4-FFF2-40B4-BE49-F238E27FC236}">
+                <a16:creationId xmlns:a16="http://schemas.microsoft.com/office/drawing/2014/main" id="{9F811521-CE7E-4B43-A1B9-D4DD5C17D74E}"/>
+              </a:ext>
+            </a:extLst>
+          </p:cNvPr>
+          <p:cNvSpPr/>
+          <p:nvPr/>
+        </p:nvSpPr>
+        <p:spPr>
+          <a:xfrm>
+            <a:off x="6426608" y="831929"/>
+            <a:ext cx="104663" cy="394470"/>
+          </a:xfrm>
+          <a:prstGeom prst="rightBracket">
+            <a:avLst/>
+          </a:prstGeom>
+          <a:ln w="12700">
+            <a:solidFill>
+              <a:srgbClr val="7030A0"/>
+            </a:solidFill>
+            <a:prstDash val="sysDash"/>
+          </a:ln>
+        </p:spPr>
+        <p:style>
+          <a:lnRef idx="1">
+            <a:schemeClr val="accent1"/>
+          </a:lnRef>
+          <a:fillRef idx="0">
+            <a:schemeClr val="accent1"/>
+          </a:fillRef>
+          <a:effectRef idx="0">
+            <a:schemeClr val="accent1"/>
+          </a:effectRef>
+          <a:fontRef idx="minor">
+            <a:schemeClr val="tx1"/>
+          </a:fontRef>
+        </p:style>
+        <p:txBody>
+          <a:bodyPr rtlCol="0" anchor="ctr"/>
+          <a:lstStyle/>
+          <a:p>
+            <a:pPr algn="ctr"/>
+            <a:endParaRPr kumimoji="1" lang="zh-TW" altLang="en-US"/>
+          </a:p>
+        </p:txBody>
+      </p:sp>
+      <p:sp>
+        <p:nvSpPr>
+          <p:cNvPr id="58" name="文字方塊 57">
+            <a:extLst>
+              <a:ext uri="{FF2B5EF4-FFF2-40B4-BE49-F238E27FC236}">
+                <a16:creationId xmlns:a16="http://schemas.microsoft.com/office/drawing/2014/main" id="{A5FFBA39-600E-D147-9407-7B4AD7258607}"/>
+              </a:ext>
+            </a:extLst>
+          </p:cNvPr>
+          <p:cNvSpPr txBox="1"/>
+          <p:nvPr/>
+        </p:nvSpPr>
+        <p:spPr>
+          <a:xfrm rot="5400000">
+            <a:off x="6424457" y="890821"/>
+            <a:ext cx="476412" cy="276999"/>
+          </a:xfrm>
+          <a:prstGeom prst="rect">
+            <a:avLst/>
+          </a:prstGeom>
+          <a:noFill/>
+        </p:spPr>
+        <p:txBody>
+          <a:bodyPr wrap="none" rtlCol="0">
+            <a:spAutoFit/>
+          </a:bodyPr>
+          <a:lstStyle/>
+          <a:p>
+            <a:r>
+              <a:rPr kumimoji="1" lang="en-US" altLang="zh-TW" sz="1200" b="1" dirty="0">
+                <a:solidFill>
+                  <a:srgbClr val="7030A0"/>
+                </a:solidFill>
+              </a:rPr>
+              <a:t>O(V)</a:t>
+            </a:r>
+            <a:endParaRPr kumimoji="1" lang="zh-TW" altLang="en-US" sz="1200" b="1" dirty="0">
+              <a:solidFill>
+                <a:srgbClr val="7030A0"/>
+              </a:solidFill>
+            </a:endParaRPr>
+          </a:p>
+        </p:txBody>
+      </p:sp>
+    </p:spTree>
+    <p:extLst>
+      <p:ext uri="{BB962C8B-B14F-4D97-AF65-F5344CB8AC3E}">
+        <p14:creationId xmlns:p14="http://schemas.microsoft.com/office/powerpoint/2010/main" val="859510327"/>
+      </p:ext>
+    </p:extLst>
+  </p:cSld>
+  <p:clrMapOvr>
+    <a:masterClrMapping/>
+  </p:clrMapOvr>
+</p:sld>
+</file>
+
+<file path=ppt/slides/slide7.xml><?xml version="1.0" encoding="utf-8"?>
+<p:sld xmlns:a="http://schemas.openxmlformats.org/drawingml/2006/main" xmlns:r="http://schemas.openxmlformats.org/officeDocument/2006/relationships" xmlns:p="http://schemas.openxmlformats.org/presentationml/2006/main">
+  <p:cSld>
+    <p:spTree>
+      <p:nvGrpSpPr>
+        <p:cNvPr id="1" name=""/>
+        <p:cNvGrpSpPr/>
+        <p:nvPr/>
+      </p:nvGrpSpPr>
+      <p:grpSpPr>
+        <a:xfrm>
+          <a:off x="0" y="0"/>
+          <a:ext cx="0" cy="0"/>
+          <a:chOff x="0" y="0"/>
+          <a:chExt cx="0" cy="0"/>
+        </a:xfrm>
+      </p:grpSpPr>
+      <p:sp>
+        <p:nvSpPr>
+          <p:cNvPr id="4" name="文字方塊 3">
+            <a:extLst>
+              <a:ext uri="{FF2B5EF4-FFF2-40B4-BE49-F238E27FC236}">
+                <a16:creationId xmlns:a16="http://schemas.microsoft.com/office/drawing/2014/main" id="{B0F09CB4-B3EE-5B4B-8133-5FC7893B2040}"/>
+              </a:ext>
+            </a:extLst>
+          </p:cNvPr>
+          <p:cNvSpPr txBox="1"/>
+          <p:nvPr/>
+        </p:nvSpPr>
+        <p:spPr>
+          <a:xfrm>
+            <a:off x="69777" y="50017"/>
+            <a:ext cx="3709157" cy="4524315"/>
+          </a:xfrm>
+          <a:prstGeom prst="rect">
+            <a:avLst/>
+          </a:prstGeom>
+          <a:noFill/>
+        </p:spPr>
+        <p:txBody>
+          <a:bodyPr wrap="none" rtlCol="0">
+            <a:spAutoFit/>
+          </a:bodyPr>
+          <a:lstStyle/>
+          <a:p>
+            <a:r>
+              <a:rPr lang="en" altLang="zh-TW" sz="1200" dirty="0">
+                <a:solidFill>
+                  <a:schemeClr val="accent2">
+                    <a:lumMod val="50000"/>
+                  </a:schemeClr>
+                </a:solidFill>
+              </a:rPr>
+              <a:t>vector&lt;vector&lt;int&gt;&gt; edges</a:t>
+            </a:r>
+          </a:p>
+          <a:p>
+            <a:endParaRPr lang="en" altLang="zh-TW" sz="1200" dirty="0"/>
+          </a:p>
+          <a:p>
+            <a:r>
+              <a:rPr lang="en" altLang="zh-TW" sz="1200" dirty="0"/>
+              <a:t>vector&lt;int&gt; vertexWeight(numberOfVertices, INT_MAX);</a:t>
+            </a:r>
+          </a:p>
+          <a:p>
+            <a:r>
+              <a:rPr lang="en" altLang="zh-TW" sz="1200" dirty="0"/>
+              <a:t>vertexWeight[startVertex] = 0;</a:t>
+            </a:r>
+          </a:p>
+          <a:p>
+            <a:br>
+              <a:rPr lang="en" altLang="zh-TW" sz="1200" dirty="0"/>
+            </a:br>
+            <a:r>
+              <a:rPr lang="en" altLang="zh-TW" sz="1200" dirty="0"/>
+              <a:t>for (int i = 0; i &lt; numberOfVertices - 1; i++) {</a:t>
+            </a:r>
+          </a:p>
+          <a:p>
+            <a:r>
+              <a:rPr lang="en" altLang="zh-TW" sz="1200" dirty="0"/>
+              <a:t>    for (vector&lt;int&gt;&amp; edge : edges) {</a:t>
+            </a:r>
+          </a:p>
+          <a:p>
+            <a:r>
+              <a:rPr lang="en" altLang="zh-TW" sz="1200" dirty="0"/>
+              <a:t>        v1 = edge[0]; v2 = edge[1]; cost = edge[2];</a:t>
+            </a:r>
+          </a:p>
+          <a:p>
+            <a:r>
+              <a:rPr lang="en" altLang="zh-TW" sz="1200" dirty="0"/>
+              <a:t>        if (vertexWeight[v1] != INT_MAX &amp;&amp; </a:t>
+            </a:r>
+            <a:br>
+              <a:rPr lang="en" altLang="zh-TW" sz="1200" dirty="0"/>
+            </a:br>
+            <a:r>
+              <a:rPr lang="en" altLang="zh-TW" sz="1200" dirty="0"/>
+              <a:t>             vertexWeight[v1] + cost &lt; vertexWeight[v2]) {</a:t>
+            </a:r>
+          </a:p>
+          <a:p>
+            <a:r>
+              <a:rPr lang="en" altLang="zh-TW" sz="1200" dirty="0"/>
+              <a:t>            vertexWeight[v2] = vertexWeight[v1] + cost;</a:t>
+            </a:r>
+          </a:p>
+          <a:p>
+            <a:r>
+              <a:rPr lang="en" altLang="zh-TW" sz="1200" dirty="0"/>
+              <a:t>        }</a:t>
+            </a:r>
+          </a:p>
+          <a:p>
+            <a:r>
+              <a:rPr lang="en" altLang="zh-TW" sz="1200" dirty="0"/>
+              <a:t>    }</a:t>
+            </a:r>
+          </a:p>
+          <a:p>
+            <a:r>
+              <a:rPr lang="en" altLang="zh-TW" sz="1200" dirty="0"/>
+              <a:t>}</a:t>
+            </a:r>
+          </a:p>
+          <a:p>
+            <a:r>
+              <a:rPr lang="en" altLang="zh-TW" sz="1200" dirty="0"/>
+              <a:t>for (vector&lt;int&gt;&amp; edge : edges) {</a:t>
+            </a:r>
+          </a:p>
+          <a:p>
+            <a:r>
+              <a:rPr lang="en" altLang="zh-TW" sz="1200" dirty="0"/>
+              <a:t>    v1 = edge[0]; v2 = edge[1]; cost = edge[2];</a:t>
+            </a:r>
+          </a:p>
+          <a:p>
+            <a:r>
+              <a:rPr lang="en" altLang="zh-TW" sz="1200" dirty="0"/>
+              <a:t>    if (vertexWeight[v1] != INT_MAX &amp;&amp; </a:t>
+            </a:r>
+            <a:br>
+              <a:rPr lang="en" altLang="zh-TW" sz="1200" dirty="0"/>
+            </a:br>
+            <a:r>
+              <a:rPr lang="en" altLang="zh-TW" sz="1200" dirty="0"/>
+              <a:t>        vertexWeight[v1] + cost &lt; vertexWeight[v2]) {</a:t>
+            </a:r>
+          </a:p>
+          <a:p>
+            <a:r>
+              <a:rPr lang="en" altLang="zh-TW" sz="1200" dirty="0"/>
+              <a:t>        cout &lt;&lt; "Negative loop detected!" &lt;&lt; endl;</a:t>
+            </a:r>
+          </a:p>
+          <a:p>
+            <a:r>
+              <a:rPr lang="en" altLang="zh-TW" sz="1200" dirty="0"/>
+              <a:t>        return 0;</a:t>
+            </a:r>
+          </a:p>
+          <a:p>
+            <a:r>
+              <a:rPr lang="en" altLang="zh-TW" sz="1200" dirty="0"/>
+              <a:t>    }</a:t>
+            </a:r>
+          </a:p>
+          <a:p>
+            <a:r>
+              <a:rPr lang="en" altLang="zh-TW" sz="1200" dirty="0"/>
+              <a:t>}</a:t>
+            </a:r>
+          </a:p>
+          <a:p>
+            <a:r>
+              <a:rPr lang="en" altLang="zh-TW" sz="1200" dirty="0"/>
+              <a:t>cout &lt;&lt; vertexWeight[endVertex] &lt;&lt; endl;</a:t>
+            </a:r>
+          </a:p>
+          <a:p>
+            <a:endParaRPr lang="en" altLang="zh-TW" sz="1200" dirty="0"/>
+          </a:p>
+        </p:txBody>
+      </p:sp>
+      <p:cxnSp>
+        <p:nvCxnSpPr>
+          <p:cNvPr id="5" name="直線接點 4">
+            <a:extLst>
+              <a:ext uri="{FF2B5EF4-FFF2-40B4-BE49-F238E27FC236}">
+                <a16:creationId xmlns:a16="http://schemas.microsoft.com/office/drawing/2014/main" id="{AD5A8EAB-E8E4-B545-B4F9-AB281A3580EB}"/>
+              </a:ext>
+            </a:extLst>
+          </p:cNvPr>
+          <p:cNvCxnSpPr>
+            <a:cxnSpLocks/>
+          </p:cNvCxnSpPr>
+          <p:nvPr/>
+        </p:nvCxnSpPr>
+        <p:spPr>
+          <a:xfrm>
+            <a:off x="1903762" y="197899"/>
+            <a:ext cx="1739772" cy="0"/>
+          </a:xfrm>
+          <a:prstGeom prst="line">
+            <a:avLst/>
+          </a:prstGeom>
+          <a:ln w="12700">
+            <a:solidFill>
+              <a:srgbClr val="0432FF"/>
+            </a:solidFill>
+            <a:prstDash val="sysDash"/>
+          </a:ln>
+        </p:spPr>
+        <p:style>
+          <a:lnRef idx="1">
+            <a:schemeClr val="accent1"/>
+          </a:lnRef>
+          <a:fillRef idx="0">
+            <a:schemeClr val="accent1"/>
+          </a:fillRef>
+          <a:effectRef idx="0">
+            <a:schemeClr val="accent1"/>
+          </a:effectRef>
+          <a:fontRef idx="minor">
+            <a:schemeClr val="tx1"/>
+          </a:fontRef>
+        </p:style>
+      </p:cxnSp>
+      <p:sp>
+        <p:nvSpPr>
+          <p:cNvPr id="6" name="文字方塊 5">
+            <a:extLst>
+              <a:ext uri="{FF2B5EF4-FFF2-40B4-BE49-F238E27FC236}">
+                <a16:creationId xmlns:a16="http://schemas.microsoft.com/office/drawing/2014/main" id="{5FCC0F5E-685E-CD41-B7E3-D3DEA077919C}"/>
+              </a:ext>
+            </a:extLst>
+          </p:cNvPr>
+          <p:cNvSpPr txBox="1"/>
+          <p:nvPr/>
+        </p:nvSpPr>
+        <p:spPr>
+          <a:xfrm>
+            <a:off x="3584533" y="50017"/>
+            <a:ext cx="906082" cy="276999"/>
+          </a:xfrm>
+          <a:prstGeom prst="rect">
+            <a:avLst/>
+          </a:prstGeom>
+          <a:noFill/>
+        </p:spPr>
+        <p:txBody>
+          <a:bodyPr wrap="none" rtlCol="0">
+            <a:spAutoFit/>
+          </a:bodyPr>
+          <a:lstStyle/>
+          <a:p>
+            <a:r>
+              <a:rPr kumimoji="1" lang="en-US" altLang="zh-TW" sz="1200" dirty="0">
+                <a:solidFill>
+                  <a:srgbClr val="0432FF"/>
+                </a:solidFill>
+              </a:rPr>
+              <a:t>Input graph</a:t>
+            </a:r>
+            <a:endParaRPr kumimoji="1" lang="zh-TW" altLang="en-US" sz="1200" b="1" dirty="0">
+              <a:solidFill>
+                <a:srgbClr val="009051"/>
+              </a:solidFill>
+            </a:endParaRPr>
+          </a:p>
+        </p:txBody>
+      </p:sp>
+      <p:sp>
+        <p:nvSpPr>
+          <p:cNvPr id="7" name="文字方塊 6">
+            <a:extLst>
+              <a:ext uri="{FF2B5EF4-FFF2-40B4-BE49-F238E27FC236}">
+                <a16:creationId xmlns:a16="http://schemas.microsoft.com/office/drawing/2014/main" id="{3789C268-59B0-BB4E-B82E-48EC3DE36F18}"/>
+              </a:ext>
+            </a:extLst>
+          </p:cNvPr>
+          <p:cNvSpPr txBox="1"/>
+          <p:nvPr/>
+        </p:nvSpPr>
+        <p:spPr>
+          <a:xfrm>
+            <a:off x="3920549" y="396206"/>
+            <a:ext cx="2129791" cy="461665"/>
+          </a:xfrm>
+          <a:prstGeom prst="rect">
+            <a:avLst/>
+          </a:prstGeom>
+          <a:noFill/>
+        </p:spPr>
+        <p:txBody>
+          <a:bodyPr wrap="square" rtlCol="0">
+            <a:spAutoFit/>
+          </a:bodyPr>
+          <a:lstStyle/>
+          <a:p>
+            <a:r>
+              <a:rPr kumimoji="1" lang="en-US" altLang="zh-TW" sz="1200" dirty="0">
+                <a:solidFill>
+                  <a:srgbClr val="0432FF"/>
+                </a:solidFill>
+              </a:rPr>
+              <a:t>Set all weight of all vertices as infinite and starting vertex as 0</a:t>
+            </a:r>
+            <a:endParaRPr kumimoji="1" lang="zh-TW" altLang="en-US" sz="1200" dirty="0">
+              <a:solidFill>
+                <a:srgbClr val="0432FF"/>
+              </a:solidFill>
+            </a:endParaRPr>
+          </a:p>
+        </p:txBody>
+      </p:sp>
+      <p:sp>
+        <p:nvSpPr>
+          <p:cNvPr id="8" name="右中括弧 7">
+            <a:extLst>
+              <a:ext uri="{FF2B5EF4-FFF2-40B4-BE49-F238E27FC236}">
+                <a16:creationId xmlns:a16="http://schemas.microsoft.com/office/drawing/2014/main" id="{521F6BD1-40A9-D944-B38C-D932948D51BC}"/>
+              </a:ext>
+            </a:extLst>
+          </p:cNvPr>
+          <p:cNvSpPr/>
+          <p:nvPr/>
+        </p:nvSpPr>
+        <p:spPr>
+          <a:xfrm>
+            <a:off x="3684546" y="562747"/>
+            <a:ext cx="118002" cy="171765"/>
+          </a:xfrm>
+          <a:prstGeom prst="rightBracket">
+            <a:avLst/>
+          </a:prstGeom>
+          <a:ln w="12700">
+            <a:solidFill>
+              <a:srgbClr val="0432FF"/>
+            </a:solidFill>
+            <a:prstDash val="sysDash"/>
+          </a:ln>
+        </p:spPr>
+        <p:style>
+          <a:lnRef idx="1">
+            <a:schemeClr val="accent1"/>
+          </a:lnRef>
+          <a:fillRef idx="0">
+            <a:schemeClr val="accent1"/>
+          </a:fillRef>
+          <a:effectRef idx="0">
+            <a:schemeClr val="accent1"/>
+          </a:effectRef>
+          <a:fontRef idx="minor">
+            <a:schemeClr val="tx1"/>
+          </a:fontRef>
+        </p:style>
+        <p:txBody>
+          <a:bodyPr rtlCol="0" anchor="ctr"/>
+          <a:lstStyle/>
+          <a:p>
+            <a:pPr algn="ctr"/>
+            <a:endParaRPr kumimoji="1" lang="zh-TW" altLang="en-US"/>
+          </a:p>
+        </p:txBody>
+      </p:sp>
+      <p:cxnSp>
+        <p:nvCxnSpPr>
+          <p:cNvPr id="9" name="直線接點 8">
+            <a:extLst>
+              <a:ext uri="{FF2B5EF4-FFF2-40B4-BE49-F238E27FC236}">
+                <a16:creationId xmlns:a16="http://schemas.microsoft.com/office/drawing/2014/main" id="{D55C26DA-2D73-2740-96A9-642A3906C1AE}"/>
+              </a:ext>
+            </a:extLst>
+          </p:cNvPr>
+          <p:cNvCxnSpPr>
+            <a:cxnSpLocks/>
+          </p:cNvCxnSpPr>
+          <p:nvPr/>
+        </p:nvCxnSpPr>
+        <p:spPr>
+          <a:xfrm>
+            <a:off x="3802548" y="644003"/>
+            <a:ext cx="166602" cy="0"/>
+          </a:xfrm>
+          <a:prstGeom prst="line">
+            <a:avLst/>
+          </a:prstGeom>
+          <a:ln w="12700">
+            <a:solidFill>
+              <a:srgbClr val="0432FF"/>
+            </a:solidFill>
+            <a:prstDash val="sysDash"/>
+          </a:ln>
+        </p:spPr>
+        <p:style>
+          <a:lnRef idx="1">
+            <a:schemeClr val="accent1"/>
+          </a:lnRef>
+          <a:fillRef idx="0">
+            <a:schemeClr val="accent1"/>
+          </a:fillRef>
+          <a:effectRef idx="0">
+            <a:schemeClr val="accent1"/>
+          </a:effectRef>
+          <a:fontRef idx="minor">
+            <a:schemeClr val="tx1"/>
+          </a:fontRef>
+        </p:style>
+      </p:cxnSp>
+      <p:sp>
+        <p:nvSpPr>
+          <p:cNvPr id="10" name="文字方塊 9">
+            <a:extLst>
+              <a:ext uri="{FF2B5EF4-FFF2-40B4-BE49-F238E27FC236}">
+                <a16:creationId xmlns:a16="http://schemas.microsoft.com/office/drawing/2014/main" id="{E6610B31-AC79-6144-B72C-A6B0AA1713CC}"/>
+              </a:ext>
+            </a:extLst>
+          </p:cNvPr>
+          <p:cNvSpPr txBox="1"/>
+          <p:nvPr/>
+        </p:nvSpPr>
+        <p:spPr>
+          <a:xfrm>
+            <a:off x="5891918" y="504342"/>
+            <a:ext cx="476412" cy="276999"/>
+          </a:xfrm>
+          <a:prstGeom prst="rect">
+            <a:avLst/>
+          </a:prstGeom>
+          <a:noFill/>
+        </p:spPr>
+        <p:txBody>
+          <a:bodyPr wrap="none" rtlCol="0">
+            <a:spAutoFit/>
+          </a:bodyPr>
+          <a:lstStyle/>
+          <a:p>
+            <a:r>
+              <a:rPr kumimoji="1" lang="en-US" altLang="zh-TW" sz="1200" b="1" dirty="0">
+                <a:solidFill>
+                  <a:srgbClr val="009051"/>
+                </a:solidFill>
+              </a:rPr>
+              <a:t>O(V)</a:t>
+            </a:r>
+            <a:endParaRPr kumimoji="1" lang="zh-TW" altLang="en-US" sz="1200" b="1" dirty="0">
+              <a:solidFill>
+                <a:srgbClr val="009051"/>
+              </a:solidFill>
+            </a:endParaRPr>
+          </a:p>
+        </p:txBody>
+      </p:sp>
+      <p:cxnSp>
+        <p:nvCxnSpPr>
+          <p:cNvPr id="11" name="直線接點 10">
+            <a:extLst>
+              <a:ext uri="{FF2B5EF4-FFF2-40B4-BE49-F238E27FC236}">
+                <a16:creationId xmlns:a16="http://schemas.microsoft.com/office/drawing/2014/main" id="{2512D803-2060-3C46-A8A7-B20C4577B2E9}"/>
+              </a:ext>
+            </a:extLst>
+          </p:cNvPr>
+          <p:cNvCxnSpPr>
+            <a:cxnSpLocks/>
+          </p:cNvCxnSpPr>
+          <p:nvPr/>
+        </p:nvCxnSpPr>
+        <p:spPr>
+          <a:xfrm>
+            <a:off x="2932662" y="1105155"/>
+            <a:ext cx="2959256" cy="0"/>
+          </a:xfrm>
+          <a:prstGeom prst="line">
+            <a:avLst/>
+          </a:prstGeom>
+          <a:ln w="12700">
+            <a:solidFill>
+              <a:srgbClr val="0432FF"/>
+            </a:solidFill>
+            <a:prstDash val="sysDash"/>
+          </a:ln>
+        </p:spPr>
+        <p:style>
+          <a:lnRef idx="1">
+            <a:schemeClr val="accent1"/>
+          </a:lnRef>
+          <a:fillRef idx="0">
+            <a:schemeClr val="accent1"/>
+          </a:fillRef>
+          <a:effectRef idx="0">
+            <a:schemeClr val="accent1"/>
+          </a:effectRef>
+          <a:fontRef idx="minor">
+            <a:schemeClr val="tx1"/>
+          </a:fontRef>
+        </p:style>
+      </p:cxnSp>
+      <p:sp>
+        <p:nvSpPr>
+          <p:cNvPr id="13" name="文字方塊 12">
+            <a:extLst>
+              <a:ext uri="{FF2B5EF4-FFF2-40B4-BE49-F238E27FC236}">
+                <a16:creationId xmlns:a16="http://schemas.microsoft.com/office/drawing/2014/main" id="{AF40C60B-A978-E844-9A39-0677B4F85141}"/>
+              </a:ext>
+            </a:extLst>
+          </p:cNvPr>
+          <p:cNvSpPr txBox="1"/>
+          <p:nvPr/>
+        </p:nvSpPr>
+        <p:spPr>
+          <a:xfrm>
+            <a:off x="5891918" y="966655"/>
+            <a:ext cx="476412" cy="276999"/>
+          </a:xfrm>
+          <a:prstGeom prst="rect">
+            <a:avLst/>
+          </a:prstGeom>
+          <a:noFill/>
+        </p:spPr>
+        <p:txBody>
+          <a:bodyPr wrap="none" rtlCol="0">
+            <a:spAutoFit/>
+          </a:bodyPr>
+          <a:lstStyle/>
+          <a:p>
+            <a:r>
+              <a:rPr kumimoji="1" lang="en-US" altLang="zh-TW" sz="1200" b="1" dirty="0">
+                <a:solidFill>
+                  <a:srgbClr val="009051"/>
+                </a:solidFill>
+              </a:rPr>
+              <a:t>O(V)</a:t>
+            </a:r>
+            <a:endParaRPr kumimoji="1" lang="zh-TW" altLang="en-US" sz="1200" b="1" dirty="0">
+              <a:solidFill>
+                <a:srgbClr val="009051"/>
+              </a:solidFill>
+            </a:endParaRPr>
+          </a:p>
+        </p:txBody>
+      </p:sp>
+      <p:cxnSp>
+        <p:nvCxnSpPr>
+          <p:cNvPr id="14" name="直線接點 13">
+            <a:extLst>
+              <a:ext uri="{FF2B5EF4-FFF2-40B4-BE49-F238E27FC236}">
+                <a16:creationId xmlns:a16="http://schemas.microsoft.com/office/drawing/2014/main" id="{5CBC897F-2824-0F4C-8C06-B8DAE9F3EE94}"/>
+              </a:ext>
+            </a:extLst>
+          </p:cNvPr>
+          <p:cNvCxnSpPr>
+            <a:cxnSpLocks/>
+          </p:cNvCxnSpPr>
+          <p:nvPr/>
+        </p:nvCxnSpPr>
+        <p:spPr>
+          <a:xfrm>
+            <a:off x="2384789" y="1291535"/>
+            <a:ext cx="3089850" cy="0"/>
+          </a:xfrm>
+          <a:prstGeom prst="line">
+            <a:avLst/>
+          </a:prstGeom>
+          <a:ln w="12700">
+            <a:solidFill>
+              <a:srgbClr val="0432FF"/>
+            </a:solidFill>
+            <a:prstDash val="sysDash"/>
+          </a:ln>
+        </p:spPr>
+        <p:style>
+          <a:lnRef idx="1">
+            <a:schemeClr val="accent1"/>
+          </a:lnRef>
+          <a:fillRef idx="0">
+            <a:schemeClr val="accent1"/>
+          </a:fillRef>
+          <a:effectRef idx="0">
+            <a:schemeClr val="accent1"/>
+          </a:effectRef>
+          <a:fontRef idx="minor">
+            <a:schemeClr val="tx1"/>
+          </a:fontRef>
+        </p:style>
+      </p:cxnSp>
+      <p:sp>
+        <p:nvSpPr>
+          <p:cNvPr id="15" name="文字方塊 14">
+            <a:extLst>
+              <a:ext uri="{FF2B5EF4-FFF2-40B4-BE49-F238E27FC236}">
+                <a16:creationId xmlns:a16="http://schemas.microsoft.com/office/drawing/2014/main" id="{5FCAA4D9-1FC7-824F-8EB3-EA2CE323AE32}"/>
+              </a:ext>
+            </a:extLst>
+          </p:cNvPr>
+          <p:cNvSpPr txBox="1"/>
+          <p:nvPr/>
+        </p:nvSpPr>
+        <p:spPr>
+          <a:xfrm>
+            <a:off x="5431536" y="1153035"/>
+            <a:ext cx="460382" cy="276999"/>
+          </a:xfrm>
+          <a:prstGeom prst="rect">
+            <a:avLst/>
+          </a:prstGeom>
+          <a:noFill/>
+        </p:spPr>
+        <p:txBody>
+          <a:bodyPr wrap="none" rtlCol="0">
+            <a:spAutoFit/>
+          </a:bodyPr>
+          <a:lstStyle/>
+          <a:p>
+            <a:r>
+              <a:rPr kumimoji="1" lang="en-US" altLang="zh-TW" sz="1200" b="1" dirty="0">
+                <a:solidFill>
+                  <a:srgbClr val="009051"/>
+                </a:solidFill>
+              </a:rPr>
+              <a:t>O(E)</a:t>
+            </a:r>
+            <a:endParaRPr kumimoji="1" lang="zh-TW" altLang="en-US" sz="1200" b="1" dirty="0">
+              <a:solidFill>
+                <a:srgbClr val="009051"/>
+              </a:solidFill>
+            </a:endParaRPr>
+          </a:p>
+        </p:txBody>
+      </p:sp>
+      <p:sp>
+        <p:nvSpPr>
+          <p:cNvPr id="16" name="文字方塊 15">
+            <a:extLst>
+              <a:ext uri="{FF2B5EF4-FFF2-40B4-BE49-F238E27FC236}">
+                <a16:creationId xmlns:a16="http://schemas.microsoft.com/office/drawing/2014/main" id="{11C6B6F2-168D-C345-9D02-08AF29C4CACB}"/>
+              </a:ext>
+            </a:extLst>
+          </p:cNvPr>
+          <p:cNvSpPr txBox="1"/>
+          <p:nvPr/>
+        </p:nvSpPr>
+        <p:spPr>
+          <a:xfrm>
+            <a:off x="4884650" y="1337299"/>
+            <a:ext cx="463588" cy="276999"/>
+          </a:xfrm>
+          <a:prstGeom prst="rect">
+            <a:avLst/>
+          </a:prstGeom>
+          <a:noFill/>
+        </p:spPr>
+        <p:txBody>
+          <a:bodyPr wrap="none" rtlCol="0">
+            <a:spAutoFit/>
+          </a:bodyPr>
+          <a:lstStyle/>
+          <a:p>
+            <a:r>
+              <a:rPr kumimoji="1" lang="en-US" altLang="zh-TW" sz="1200" b="1" dirty="0">
+                <a:solidFill>
+                  <a:srgbClr val="009051"/>
+                </a:solidFill>
+              </a:rPr>
+              <a:t>O(1)</a:t>
+            </a:r>
+            <a:endParaRPr kumimoji="1" lang="zh-TW" altLang="en-US" sz="1200" b="1" dirty="0">
+              <a:solidFill>
+                <a:srgbClr val="009051"/>
+              </a:solidFill>
+            </a:endParaRPr>
+          </a:p>
+        </p:txBody>
+      </p:sp>
+      <p:cxnSp>
+        <p:nvCxnSpPr>
+          <p:cNvPr id="17" name="直線接點 16">
+            <a:extLst>
+              <a:ext uri="{FF2B5EF4-FFF2-40B4-BE49-F238E27FC236}">
+                <a16:creationId xmlns:a16="http://schemas.microsoft.com/office/drawing/2014/main" id="{1C7066A3-9BFF-544A-B7F5-57B7731BF6ED}"/>
+              </a:ext>
+            </a:extLst>
+          </p:cNvPr>
+          <p:cNvCxnSpPr>
+            <a:cxnSpLocks/>
+          </p:cNvCxnSpPr>
+          <p:nvPr/>
+        </p:nvCxnSpPr>
+        <p:spPr>
+          <a:xfrm>
+            <a:off x="2384789" y="2759280"/>
+            <a:ext cx="2959256" cy="0"/>
+          </a:xfrm>
+          <a:prstGeom prst="line">
+            <a:avLst/>
+          </a:prstGeom>
+          <a:ln w="12700">
+            <a:solidFill>
+              <a:srgbClr val="0432FF"/>
+            </a:solidFill>
+            <a:prstDash val="sysDash"/>
+          </a:ln>
+        </p:spPr>
+        <p:style>
+          <a:lnRef idx="1">
+            <a:schemeClr val="accent1"/>
+          </a:lnRef>
+          <a:fillRef idx="0">
+            <a:schemeClr val="accent1"/>
+          </a:fillRef>
+          <a:effectRef idx="0">
+            <a:schemeClr val="accent1"/>
+          </a:effectRef>
+          <a:fontRef idx="minor">
+            <a:schemeClr val="tx1"/>
+          </a:fontRef>
+        </p:style>
+      </p:cxnSp>
+      <p:sp>
+        <p:nvSpPr>
+          <p:cNvPr id="18" name="文字方塊 17">
+            <a:extLst>
+              <a:ext uri="{FF2B5EF4-FFF2-40B4-BE49-F238E27FC236}">
+                <a16:creationId xmlns:a16="http://schemas.microsoft.com/office/drawing/2014/main" id="{5056F176-89B3-884E-8419-AA13C1C81C42}"/>
+              </a:ext>
+            </a:extLst>
+          </p:cNvPr>
+          <p:cNvSpPr txBox="1"/>
+          <p:nvPr/>
+        </p:nvSpPr>
+        <p:spPr>
+          <a:xfrm>
+            <a:off x="5344045" y="2620780"/>
+            <a:ext cx="460382" cy="276999"/>
+          </a:xfrm>
+          <a:prstGeom prst="rect">
+            <a:avLst/>
+          </a:prstGeom>
+          <a:noFill/>
+        </p:spPr>
+        <p:txBody>
+          <a:bodyPr wrap="none" rtlCol="0">
+            <a:spAutoFit/>
+          </a:bodyPr>
+          <a:lstStyle/>
+          <a:p>
+            <a:r>
+              <a:rPr kumimoji="1" lang="en-US" altLang="zh-TW" sz="1200" b="1" dirty="0">
+                <a:solidFill>
+                  <a:srgbClr val="009051"/>
+                </a:solidFill>
+              </a:rPr>
+              <a:t>O(E)</a:t>
+            </a:r>
+            <a:endParaRPr kumimoji="1" lang="zh-TW" altLang="en-US" sz="1200" b="1" dirty="0">
+              <a:solidFill>
+                <a:srgbClr val="009051"/>
+              </a:solidFill>
+            </a:endParaRPr>
+          </a:p>
+        </p:txBody>
+      </p:sp>
+      <p:cxnSp>
+        <p:nvCxnSpPr>
+          <p:cNvPr id="20" name="直線接點 19">
+            <a:extLst>
+              <a:ext uri="{FF2B5EF4-FFF2-40B4-BE49-F238E27FC236}">
+                <a16:creationId xmlns:a16="http://schemas.microsoft.com/office/drawing/2014/main" id="{D5103AD5-B3DB-8747-93FF-8B4E3C5F8F79}"/>
+              </a:ext>
+            </a:extLst>
+          </p:cNvPr>
+          <p:cNvCxnSpPr>
+            <a:cxnSpLocks/>
+          </p:cNvCxnSpPr>
+          <p:nvPr/>
+        </p:nvCxnSpPr>
+        <p:spPr>
+          <a:xfrm>
+            <a:off x="3105372" y="1477271"/>
+            <a:ext cx="1779278" cy="0"/>
+          </a:xfrm>
+          <a:prstGeom prst="line">
+            <a:avLst/>
+          </a:prstGeom>
+          <a:ln w="12700">
+            <a:solidFill>
+              <a:srgbClr val="0432FF"/>
+            </a:solidFill>
+            <a:prstDash val="sysDash"/>
+          </a:ln>
+        </p:spPr>
+        <p:style>
+          <a:lnRef idx="1">
+            <a:schemeClr val="accent1"/>
+          </a:lnRef>
+          <a:fillRef idx="0">
+            <a:schemeClr val="accent1"/>
+          </a:fillRef>
+          <a:effectRef idx="0">
+            <a:schemeClr val="accent1"/>
+          </a:effectRef>
+          <a:fontRef idx="minor">
+            <a:schemeClr val="tx1"/>
+          </a:fontRef>
+        </p:style>
+      </p:cxnSp>
+      <p:sp>
+        <p:nvSpPr>
+          <p:cNvPr id="23" name="文字方塊 22">
+            <a:extLst>
+              <a:ext uri="{FF2B5EF4-FFF2-40B4-BE49-F238E27FC236}">
+                <a16:creationId xmlns:a16="http://schemas.microsoft.com/office/drawing/2014/main" id="{1F113C0D-E334-AE4F-BF4B-2DA2AC1994CE}"/>
+              </a:ext>
+            </a:extLst>
+          </p:cNvPr>
+          <p:cNvSpPr txBox="1"/>
+          <p:nvPr/>
+        </p:nvSpPr>
+        <p:spPr>
+          <a:xfrm>
+            <a:off x="4884650" y="1687343"/>
+            <a:ext cx="463588" cy="276999"/>
+          </a:xfrm>
+          <a:prstGeom prst="rect">
+            <a:avLst/>
+          </a:prstGeom>
+          <a:noFill/>
+        </p:spPr>
+        <p:txBody>
+          <a:bodyPr wrap="none" rtlCol="0">
+            <a:spAutoFit/>
+          </a:bodyPr>
+          <a:lstStyle/>
+          <a:p>
+            <a:r>
+              <a:rPr kumimoji="1" lang="en-US" altLang="zh-TW" sz="1200" b="1" dirty="0">
+                <a:solidFill>
+                  <a:srgbClr val="009051"/>
+                </a:solidFill>
+              </a:rPr>
+              <a:t>O(1)</a:t>
+            </a:r>
+            <a:endParaRPr kumimoji="1" lang="zh-TW" altLang="en-US" sz="1200" b="1" dirty="0">
+              <a:solidFill>
+                <a:srgbClr val="009051"/>
+              </a:solidFill>
+            </a:endParaRPr>
+          </a:p>
+        </p:txBody>
+      </p:sp>
+      <p:sp>
+        <p:nvSpPr>
+          <p:cNvPr id="24" name="文字方塊 23">
+            <a:extLst>
+              <a:ext uri="{FF2B5EF4-FFF2-40B4-BE49-F238E27FC236}">
+                <a16:creationId xmlns:a16="http://schemas.microsoft.com/office/drawing/2014/main" id="{3729B44E-2301-C048-BEED-291AFE1C7BE4}"/>
+              </a:ext>
+            </a:extLst>
+          </p:cNvPr>
+          <p:cNvSpPr txBox="1"/>
+          <p:nvPr/>
+        </p:nvSpPr>
+        <p:spPr>
+          <a:xfrm>
+            <a:off x="4884650" y="1873080"/>
+            <a:ext cx="463588" cy="276999"/>
+          </a:xfrm>
+          <a:prstGeom prst="rect">
+            <a:avLst/>
+          </a:prstGeom>
+          <a:noFill/>
+        </p:spPr>
+        <p:txBody>
+          <a:bodyPr wrap="none" rtlCol="0">
+            <a:spAutoFit/>
+          </a:bodyPr>
+          <a:lstStyle/>
+          <a:p>
+            <a:r>
+              <a:rPr kumimoji="1" lang="en-US" altLang="zh-TW" sz="1200" b="1" dirty="0">
+                <a:solidFill>
+                  <a:srgbClr val="009051"/>
+                </a:solidFill>
+              </a:rPr>
+              <a:t>O(1)</a:t>
+            </a:r>
+            <a:endParaRPr kumimoji="1" lang="zh-TW" altLang="en-US" sz="1200" b="1" dirty="0">
+              <a:solidFill>
+                <a:srgbClr val="009051"/>
+              </a:solidFill>
+            </a:endParaRPr>
+          </a:p>
+        </p:txBody>
+      </p:sp>
+      <p:cxnSp>
+        <p:nvCxnSpPr>
+          <p:cNvPr id="25" name="直線接點 24">
+            <a:extLst>
+              <a:ext uri="{FF2B5EF4-FFF2-40B4-BE49-F238E27FC236}">
+                <a16:creationId xmlns:a16="http://schemas.microsoft.com/office/drawing/2014/main" id="{FE7B5826-D2B6-D04A-BBF8-DECA4108F824}"/>
+              </a:ext>
+            </a:extLst>
+          </p:cNvPr>
+          <p:cNvCxnSpPr>
+            <a:cxnSpLocks/>
+          </p:cNvCxnSpPr>
+          <p:nvPr/>
+        </p:nvCxnSpPr>
+        <p:spPr>
+          <a:xfrm>
+            <a:off x="3513050" y="1834458"/>
+            <a:ext cx="1371600" cy="0"/>
+          </a:xfrm>
+          <a:prstGeom prst="line">
+            <a:avLst/>
+          </a:prstGeom>
+          <a:ln w="12700">
+            <a:solidFill>
+              <a:srgbClr val="0432FF"/>
+            </a:solidFill>
+            <a:prstDash val="sysDash"/>
+          </a:ln>
+        </p:spPr>
+        <p:style>
+          <a:lnRef idx="1">
+            <a:schemeClr val="accent1"/>
+          </a:lnRef>
+          <a:fillRef idx="0">
+            <a:schemeClr val="accent1"/>
+          </a:fillRef>
+          <a:effectRef idx="0">
+            <a:schemeClr val="accent1"/>
+          </a:effectRef>
+          <a:fontRef idx="minor">
+            <a:schemeClr val="tx1"/>
+          </a:fontRef>
+        </p:style>
+      </p:cxnSp>
+      <p:cxnSp>
+        <p:nvCxnSpPr>
+          <p:cNvPr id="27" name="直線接點 26">
+            <a:extLst>
+              <a:ext uri="{FF2B5EF4-FFF2-40B4-BE49-F238E27FC236}">
+                <a16:creationId xmlns:a16="http://schemas.microsoft.com/office/drawing/2014/main" id="{E0A9117E-AB05-9744-98AE-99013F6E0A79}"/>
+              </a:ext>
+            </a:extLst>
+          </p:cNvPr>
+          <p:cNvCxnSpPr>
+            <a:cxnSpLocks/>
+          </p:cNvCxnSpPr>
+          <p:nvPr/>
+        </p:nvCxnSpPr>
+        <p:spPr>
+          <a:xfrm>
+            <a:off x="3513050" y="2027340"/>
+            <a:ext cx="1371600" cy="0"/>
+          </a:xfrm>
+          <a:prstGeom prst="line">
+            <a:avLst/>
+          </a:prstGeom>
+          <a:ln w="12700">
+            <a:solidFill>
+              <a:srgbClr val="0432FF"/>
+            </a:solidFill>
+            <a:prstDash val="sysDash"/>
+          </a:ln>
+        </p:spPr>
+        <p:style>
+          <a:lnRef idx="1">
+            <a:schemeClr val="accent1"/>
+          </a:lnRef>
+          <a:fillRef idx="0">
+            <a:schemeClr val="accent1"/>
+          </a:fillRef>
+          <a:effectRef idx="0">
+            <a:schemeClr val="accent1"/>
+          </a:effectRef>
+          <a:fontRef idx="minor">
+            <a:schemeClr val="tx1"/>
+          </a:fontRef>
+        </p:style>
+      </p:cxnSp>
+      <p:sp>
+        <p:nvSpPr>
+          <p:cNvPr id="31" name="文字方塊 30">
+            <a:extLst>
+              <a:ext uri="{FF2B5EF4-FFF2-40B4-BE49-F238E27FC236}">
+                <a16:creationId xmlns:a16="http://schemas.microsoft.com/office/drawing/2014/main" id="{223D0ECC-7BF3-B742-80F3-9F66ACA10B72}"/>
+              </a:ext>
+            </a:extLst>
+          </p:cNvPr>
+          <p:cNvSpPr txBox="1"/>
+          <p:nvPr/>
+        </p:nvSpPr>
+        <p:spPr>
+          <a:xfrm>
+            <a:off x="4884650" y="2794624"/>
+            <a:ext cx="463588" cy="276999"/>
+          </a:xfrm>
+          <a:prstGeom prst="rect">
+            <a:avLst/>
+          </a:prstGeom>
+          <a:noFill/>
+        </p:spPr>
+        <p:txBody>
+          <a:bodyPr wrap="none" rtlCol="0">
+            <a:spAutoFit/>
+          </a:bodyPr>
+          <a:lstStyle/>
+          <a:p>
+            <a:r>
+              <a:rPr kumimoji="1" lang="en-US" altLang="zh-TW" sz="1200" b="1" dirty="0">
+                <a:solidFill>
+                  <a:srgbClr val="009051"/>
+                </a:solidFill>
+              </a:rPr>
+              <a:t>O(1)</a:t>
+            </a:r>
+            <a:endParaRPr kumimoji="1" lang="zh-TW" altLang="en-US" sz="1200" b="1" dirty="0">
+              <a:solidFill>
+                <a:srgbClr val="009051"/>
+              </a:solidFill>
+            </a:endParaRPr>
+          </a:p>
+        </p:txBody>
+      </p:sp>
+      <p:cxnSp>
+        <p:nvCxnSpPr>
+          <p:cNvPr id="32" name="直線接點 31">
+            <a:extLst>
+              <a:ext uri="{FF2B5EF4-FFF2-40B4-BE49-F238E27FC236}">
+                <a16:creationId xmlns:a16="http://schemas.microsoft.com/office/drawing/2014/main" id="{CD6DCC27-8A82-F54F-9AD1-42B2BF59A442}"/>
+              </a:ext>
+            </a:extLst>
+          </p:cNvPr>
+          <p:cNvCxnSpPr>
+            <a:cxnSpLocks/>
+          </p:cNvCxnSpPr>
+          <p:nvPr/>
+        </p:nvCxnSpPr>
+        <p:spPr>
+          <a:xfrm>
+            <a:off x="3105372" y="2934596"/>
+            <a:ext cx="1779278" cy="0"/>
+          </a:xfrm>
+          <a:prstGeom prst="line">
+            <a:avLst/>
+          </a:prstGeom>
+          <a:ln w="12700">
+            <a:solidFill>
+              <a:srgbClr val="0432FF"/>
+            </a:solidFill>
+            <a:prstDash val="sysDash"/>
+          </a:ln>
+        </p:spPr>
+        <p:style>
+          <a:lnRef idx="1">
+            <a:schemeClr val="accent1"/>
+          </a:lnRef>
+          <a:fillRef idx="0">
+            <a:schemeClr val="accent1"/>
+          </a:fillRef>
+          <a:effectRef idx="0">
+            <a:schemeClr val="accent1"/>
+          </a:effectRef>
+          <a:fontRef idx="minor">
+            <a:schemeClr val="tx1"/>
+          </a:fontRef>
+        </p:style>
+      </p:cxnSp>
+      <p:sp>
+        <p:nvSpPr>
+          <p:cNvPr id="33" name="文字方塊 32">
+            <a:extLst>
+              <a:ext uri="{FF2B5EF4-FFF2-40B4-BE49-F238E27FC236}">
+                <a16:creationId xmlns:a16="http://schemas.microsoft.com/office/drawing/2014/main" id="{FB1DF946-90E0-4741-BB08-2B1CD0A3C319}"/>
+              </a:ext>
+            </a:extLst>
+          </p:cNvPr>
+          <p:cNvSpPr txBox="1"/>
+          <p:nvPr/>
+        </p:nvSpPr>
+        <p:spPr>
+          <a:xfrm>
+            <a:off x="4884650" y="3144668"/>
+            <a:ext cx="463588" cy="276999"/>
+          </a:xfrm>
+          <a:prstGeom prst="rect">
+            <a:avLst/>
+          </a:prstGeom>
+          <a:noFill/>
+        </p:spPr>
+        <p:txBody>
+          <a:bodyPr wrap="none" rtlCol="0">
+            <a:spAutoFit/>
+          </a:bodyPr>
+          <a:lstStyle/>
+          <a:p>
+            <a:r>
+              <a:rPr kumimoji="1" lang="en-US" altLang="zh-TW" sz="1200" b="1" dirty="0">
+                <a:solidFill>
+                  <a:srgbClr val="009051"/>
+                </a:solidFill>
+              </a:rPr>
+              <a:t>O(1)</a:t>
+            </a:r>
+            <a:endParaRPr kumimoji="1" lang="zh-TW" altLang="en-US" sz="1200" b="1" dirty="0">
+              <a:solidFill>
+                <a:srgbClr val="009051"/>
+              </a:solidFill>
+            </a:endParaRPr>
+          </a:p>
+        </p:txBody>
+      </p:sp>
+      <p:sp>
+        <p:nvSpPr>
+          <p:cNvPr id="34" name="文字方塊 33">
+            <a:extLst>
+              <a:ext uri="{FF2B5EF4-FFF2-40B4-BE49-F238E27FC236}">
+                <a16:creationId xmlns:a16="http://schemas.microsoft.com/office/drawing/2014/main" id="{90D8403A-B388-594C-88DF-36EAD9E1925E}"/>
+              </a:ext>
+            </a:extLst>
+          </p:cNvPr>
+          <p:cNvSpPr txBox="1"/>
+          <p:nvPr/>
+        </p:nvSpPr>
+        <p:spPr>
+          <a:xfrm>
+            <a:off x="4884650" y="3330405"/>
+            <a:ext cx="463588" cy="276999"/>
+          </a:xfrm>
+          <a:prstGeom prst="rect">
+            <a:avLst/>
+          </a:prstGeom>
+          <a:noFill/>
+        </p:spPr>
+        <p:txBody>
+          <a:bodyPr wrap="none" rtlCol="0">
+            <a:spAutoFit/>
+          </a:bodyPr>
+          <a:lstStyle/>
+          <a:p>
+            <a:r>
+              <a:rPr kumimoji="1" lang="en-US" altLang="zh-TW" sz="1200" b="1" dirty="0">
+                <a:solidFill>
+                  <a:srgbClr val="009051"/>
+                </a:solidFill>
+              </a:rPr>
+              <a:t>O(1)</a:t>
+            </a:r>
+            <a:endParaRPr kumimoji="1" lang="zh-TW" altLang="en-US" sz="1200" b="1" dirty="0">
+              <a:solidFill>
+                <a:srgbClr val="009051"/>
+              </a:solidFill>
+            </a:endParaRPr>
+          </a:p>
+        </p:txBody>
+      </p:sp>
+      <p:cxnSp>
+        <p:nvCxnSpPr>
+          <p:cNvPr id="35" name="直線接點 34">
+            <a:extLst>
+              <a:ext uri="{FF2B5EF4-FFF2-40B4-BE49-F238E27FC236}">
+                <a16:creationId xmlns:a16="http://schemas.microsoft.com/office/drawing/2014/main" id="{95BBBEFC-EE35-BD49-B188-82C4CC5DE298}"/>
+              </a:ext>
+            </a:extLst>
+          </p:cNvPr>
+          <p:cNvCxnSpPr>
+            <a:cxnSpLocks/>
+          </p:cNvCxnSpPr>
+          <p:nvPr/>
+        </p:nvCxnSpPr>
+        <p:spPr>
+          <a:xfrm>
+            <a:off x="3513050" y="3291783"/>
+            <a:ext cx="1371600" cy="0"/>
+          </a:xfrm>
+          <a:prstGeom prst="line">
+            <a:avLst/>
+          </a:prstGeom>
+          <a:ln w="12700">
+            <a:solidFill>
+              <a:srgbClr val="0432FF"/>
+            </a:solidFill>
+            <a:prstDash val="sysDash"/>
+          </a:ln>
+        </p:spPr>
+        <p:style>
+          <a:lnRef idx="1">
+            <a:schemeClr val="accent1"/>
+          </a:lnRef>
+          <a:fillRef idx="0">
+            <a:schemeClr val="accent1"/>
+          </a:fillRef>
+          <a:effectRef idx="0">
+            <a:schemeClr val="accent1"/>
+          </a:effectRef>
+          <a:fontRef idx="minor">
+            <a:schemeClr val="tx1"/>
+          </a:fontRef>
+        </p:style>
+      </p:cxnSp>
+      <p:cxnSp>
+        <p:nvCxnSpPr>
+          <p:cNvPr id="36" name="直線接點 35">
+            <a:extLst>
+              <a:ext uri="{FF2B5EF4-FFF2-40B4-BE49-F238E27FC236}">
+                <a16:creationId xmlns:a16="http://schemas.microsoft.com/office/drawing/2014/main" id="{F5DB9593-43A0-354A-897D-FE90E7F425CF}"/>
+              </a:ext>
+            </a:extLst>
+          </p:cNvPr>
+          <p:cNvCxnSpPr>
+            <a:cxnSpLocks/>
+          </p:cNvCxnSpPr>
+          <p:nvPr/>
+        </p:nvCxnSpPr>
+        <p:spPr>
+          <a:xfrm>
+            <a:off x="3513050" y="3484665"/>
+            <a:ext cx="1371600" cy="0"/>
+          </a:xfrm>
+          <a:prstGeom prst="line">
+            <a:avLst/>
+          </a:prstGeom>
+          <a:ln w="12700">
+            <a:solidFill>
+              <a:srgbClr val="0432FF"/>
+            </a:solidFill>
+            <a:prstDash val="sysDash"/>
+          </a:ln>
+        </p:spPr>
+        <p:style>
+          <a:lnRef idx="1">
+            <a:schemeClr val="accent1"/>
+          </a:lnRef>
+          <a:fillRef idx="0">
+            <a:schemeClr val="accent1"/>
+          </a:fillRef>
+          <a:effectRef idx="0">
+            <a:schemeClr val="accent1"/>
+          </a:effectRef>
+          <a:fontRef idx="minor">
+            <a:schemeClr val="tx1"/>
+          </a:fontRef>
+        </p:style>
+      </p:cxnSp>
+      <p:sp>
+        <p:nvSpPr>
+          <p:cNvPr id="37" name="右中括弧 36">
+            <a:extLst>
+              <a:ext uri="{FF2B5EF4-FFF2-40B4-BE49-F238E27FC236}">
+                <a16:creationId xmlns:a16="http://schemas.microsoft.com/office/drawing/2014/main" id="{5A9AC22D-BE39-E44E-86DF-3102147334E2}"/>
+              </a:ext>
+            </a:extLst>
+          </p:cNvPr>
+          <p:cNvSpPr/>
+          <p:nvPr/>
+        </p:nvSpPr>
+        <p:spPr>
+          <a:xfrm>
+            <a:off x="5380629" y="1448672"/>
+            <a:ext cx="116047" cy="625844"/>
+          </a:xfrm>
+          <a:prstGeom prst="rightBracket">
+            <a:avLst/>
+          </a:prstGeom>
+          <a:ln w="12700">
+            <a:solidFill>
+              <a:srgbClr val="7030A0"/>
+            </a:solidFill>
+            <a:prstDash val="sysDash"/>
+          </a:ln>
+        </p:spPr>
+        <p:style>
+          <a:lnRef idx="1">
+            <a:schemeClr val="accent1"/>
+          </a:lnRef>
+          <a:fillRef idx="0">
+            <a:schemeClr val="accent1"/>
+          </a:fillRef>
+          <a:effectRef idx="0">
+            <a:schemeClr val="accent1"/>
+          </a:effectRef>
+          <a:fontRef idx="minor">
+            <a:schemeClr val="tx1"/>
+          </a:fontRef>
+        </p:style>
+        <p:txBody>
+          <a:bodyPr rtlCol="0" anchor="ctr"/>
+          <a:lstStyle/>
+          <a:p>
+            <a:pPr algn="ctr"/>
+            <a:endParaRPr kumimoji="1" lang="zh-TW" altLang="en-US"/>
+          </a:p>
+        </p:txBody>
+      </p:sp>
+      <p:sp>
+        <p:nvSpPr>
+          <p:cNvPr id="38" name="文字方塊 37">
+            <a:extLst>
+              <a:ext uri="{FF2B5EF4-FFF2-40B4-BE49-F238E27FC236}">
+                <a16:creationId xmlns:a16="http://schemas.microsoft.com/office/drawing/2014/main" id="{2F56361F-CFB8-4942-AECA-525C021EE043}"/>
+              </a:ext>
+            </a:extLst>
+          </p:cNvPr>
+          <p:cNvSpPr txBox="1"/>
+          <p:nvPr/>
+        </p:nvSpPr>
+        <p:spPr>
+          <a:xfrm rot="5400000">
+            <a:off x="5474683" y="1623095"/>
+            <a:ext cx="463588" cy="276999"/>
+          </a:xfrm>
+          <a:prstGeom prst="rect">
+            <a:avLst/>
+          </a:prstGeom>
+          <a:noFill/>
+        </p:spPr>
+        <p:txBody>
+          <a:bodyPr wrap="none" rtlCol="0">
+            <a:spAutoFit/>
+          </a:bodyPr>
+          <a:lstStyle/>
+          <a:p>
+            <a:r>
+              <a:rPr kumimoji="1" lang="en-US" altLang="zh-TW" sz="1200" b="1" dirty="0">
+                <a:solidFill>
+                  <a:srgbClr val="7030A0"/>
+                </a:solidFill>
+              </a:rPr>
+              <a:t>O(1)</a:t>
+            </a:r>
+            <a:endParaRPr kumimoji="1" lang="zh-TW" altLang="en-US" sz="1200" b="1" dirty="0">
+              <a:solidFill>
+                <a:srgbClr val="7030A0"/>
+              </a:solidFill>
+            </a:endParaRPr>
+          </a:p>
+        </p:txBody>
+      </p:sp>
+      <p:sp>
+        <p:nvSpPr>
+          <p:cNvPr id="39" name="文字方塊 38">
+            <a:extLst>
+              <a:ext uri="{FF2B5EF4-FFF2-40B4-BE49-F238E27FC236}">
+                <a16:creationId xmlns:a16="http://schemas.microsoft.com/office/drawing/2014/main" id="{B53A22F1-E978-5140-9979-E9445043C66E}"/>
+              </a:ext>
+            </a:extLst>
+          </p:cNvPr>
+          <p:cNvSpPr txBox="1"/>
+          <p:nvPr/>
+        </p:nvSpPr>
+        <p:spPr>
+          <a:xfrm rot="5400000">
+            <a:off x="5865985" y="1382386"/>
+            <a:ext cx="463588" cy="276999"/>
+          </a:xfrm>
+          <a:prstGeom prst="rect">
+            <a:avLst/>
+          </a:prstGeom>
+          <a:noFill/>
+        </p:spPr>
+        <p:txBody>
+          <a:bodyPr wrap="none" rtlCol="0">
+            <a:spAutoFit/>
+          </a:bodyPr>
+          <a:lstStyle/>
+          <a:p>
+            <a:r>
+              <a:rPr kumimoji="1" lang="en-US" altLang="zh-TW" sz="1200" b="1" dirty="0">
+                <a:solidFill>
+                  <a:srgbClr val="7030A0"/>
+                </a:solidFill>
+              </a:rPr>
+              <a:t>O(E)</a:t>
+            </a:r>
+            <a:endParaRPr kumimoji="1" lang="zh-TW" altLang="en-US" sz="1200" b="1" dirty="0">
+              <a:solidFill>
+                <a:srgbClr val="7030A0"/>
+              </a:solidFill>
+            </a:endParaRPr>
+          </a:p>
+        </p:txBody>
+      </p:sp>
+      <p:sp>
+        <p:nvSpPr>
+          <p:cNvPr id="40" name="右中括弧 39">
+            <a:extLst>
+              <a:ext uri="{FF2B5EF4-FFF2-40B4-BE49-F238E27FC236}">
+                <a16:creationId xmlns:a16="http://schemas.microsoft.com/office/drawing/2014/main" id="{B44DE634-724C-544D-BC98-307EA88354AB}"/>
+              </a:ext>
+            </a:extLst>
+          </p:cNvPr>
+          <p:cNvSpPr/>
+          <p:nvPr/>
+        </p:nvSpPr>
+        <p:spPr>
+          <a:xfrm>
+            <a:off x="5832879" y="1274567"/>
+            <a:ext cx="116047" cy="490558"/>
+          </a:xfrm>
+          <a:prstGeom prst="rightBracket">
+            <a:avLst/>
+          </a:prstGeom>
+          <a:ln w="12700">
+            <a:solidFill>
+              <a:srgbClr val="7030A0"/>
+            </a:solidFill>
+            <a:prstDash val="sysDash"/>
+          </a:ln>
+        </p:spPr>
+        <p:style>
+          <a:lnRef idx="1">
+            <a:schemeClr val="accent1"/>
+          </a:lnRef>
+          <a:fillRef idx="0">
+            <a:schemeClr val="accent1"/>
+          </a:fillRef>
+          <a:effectRef idx="0">
+            <a:schemeClr val="accent1"/>
+          </a:effectRef>
+          <a:fontRef idx="minor">
+            <a:schemeClr val="tx1"/>
+          </a:fontRef>
+        </p:style>
+        <p:txBody>
+          <a:bodyPr rtlCol="0" anchor="ctr"/>
+          <a:lstStyle/>
+          <a:p>
+            <a:pPr algn="ctr"/>
+            <a:endParaRPr kumimoji="1" lang="zh-TW" altLang="en-US"/>
+          </a:p>
+        </p:txBody>
+      </p:sp>
+      <p:sp>
+        <p:nvSpPr>
+          <p:cNvPr id="41" name="右中括弧 40">
+            <a:extLst>
+              <a:ext uri="{FF2B5EF4-FFF2-40B4-BE49-F238E27FC236}">
+                <a16:creationId xmlns:a16="http://schemas.microsoft.com/office/drawing/2014/main" id="{D400CE70-74C3-E349-9A14-7F3940067857}"/>
+              </a:ext>
+            </a:extLst>
+          </p:cNvPr>
+          <p:cNvSpPr/>
+          <p:nvPr/>
+        </p:nvSpPr>
+        <p:spPr>
+          <a:xfrm>
+            <a:off x="6316574" y="1105154"/>
+            <a:ext cx="116047" cy="424645"/>
+          </a:xfrm>
+          <a:prstGeom prst="rightBracket">
+            <a:avLst/>
+          </a:prstGeom>
+          <a:ln w="12700">
+            <a:solidFill>
+              <a:srgbClr val="7030A0"/>
+            </a:solidFill>
+            <a:prstDash val="sysDash"/>
+          </a:ln>
+        </p:spPr>
+        <p:style>
+          <a:lnRef idx="1">
+            <a:schemeClr val="accent1"/>
+          </a:lnRef>
+          <a:fillRef idx="0">
+            <a:schemeClr val="accent1"/>
+          </a:fillRef>
+          <a:effectRef idx="0">
+            <a:schemeClr val="accent1"/>
+          </a:effectRef>
+          <a:fontRef idx="minor">
+            <a:schemeClr val="tx1"/>
+          </a:fontRef>
+        </p:style>
+        <p:txBody>
+          <a:bodyPr rtlCol="0" anchor="ctr"/>
+          <a:lstStyle/>
+          <a:p>
+            <a:pPr algn="ctr"/>
+            <a:endParaRPr kumimoji="1" lang="zh-TW" altLang="en-US"/>
+          </a:p>
+        </p:txBody>
+      </p:sp>
+      <p:sp>
+        <p:nvSpPr>
+          <p:cNvPr id="42" name="文字方塊 41">
+            <a:extLst>
+              <a:ext uri="{FF2B5EF4-FFF2-40B4-BE49-F238E27FC236}">
+                <a16:creationId xmlns:a16="http://schemas.microsoft.com/office/drawing/2014/main" id="{802FE25E-5188-214E-B92E-57D4BE71F907}"/>
+              </a:ext>
+            </a:extLst>
+          </p:cNvPr>
+          <p:cNvSpPr txBox="1"/>
+          <p:nvPr/>
+        </p:nvSpPr>
+        <p:spPr>
+          <a:xfrm rot="5400000">
+            <a:off x="6323563" y="1166525"/>
+            <a:ext cx="551754" cy="276999"/>
+          </a:xfrm>
+          <a:prstGeom prst="rect">
+            <a:avLst/>
+          </a:prstGeom>
+          <a:noFill/>
+        </p:spPr>
+        <p:txBody>
+          <a:bodyPr wrap="none" rtlCol="0">
+            <a:spAutoFit/>
+          </a:bodyPr>
+          <a:lstStyle/>
+          <a:p>
+            <a:r>
+              <a:rPr kumimoji="1" lang="en-US" altLang="zh-TW" sz="1200" b="1" dirty="0">
+                <a:solidFill>
+                  <a:srgbClr val="7030A0"/>
+                </a:solidFill>
+              </a:rPr>
+              <a:t>O(VE)</a:t>
+            </a:r>
+            <a:endParaRPr kumimoji="1" lang="zh-TW" altLang="en-US" sz="1200" b="1" dirty="0">
+              <a:solidFill>
+                <a:srgbClr val="7030A0"/>
+              </a:solidFill>
+            </a:endParaRPr>
+          </a:p>
+        </p:txBody>
+      </p:sp>
+      <p:sp>
+        <p:nvSpPr>
+          <p:cNvPr id="43" name="右中括弧 42">
+            <a:extLst>
+              <a:ext uri="{FF2B5EF4-FFF2-40B4-BE49-F238E27FC236}">
+                <a16:creationId xmlns:a16="http://schemas.microsoft.com/office/drawing/2014/main" id="{150E5EE9-C2B3-AE46-961E-84A8C1FBFDE8}"/>
+              </a:ext>
+            </a:extLst>
+          </p:cNvPr>
+          <p:cNvSpPr/>
+          <p:nvPr/>
+        </p:nvSpPr>
+        <p:spPr>
+          <a:xfrm>
+            <a:off x="5287290" y="2887370"/>
+            <a:ext cx="116047" cy="625844"/>
+          </a:xfrm>
+          <a:prstGeom prst="rightBracket">
+            <a:avLst/>
+          </a:prstGeom>
+          <a:ln w="12700">
+            <a:solidFill>
+              <a:srgbClr val="7030A0"/>
+            </a:solidFill>
+            <a:prstDash val="sysDash"/>
+          </a:ln>
+        </p:spPr>
+        <p:style>
+          <a:lnRef idx="1">
+            <a:schemeClr val="accent1"/>
+          </a:lnRef>
+          <a:fillRef idx="0">
+            <a:schemeClr val="accent1"/>
+          </a:fillRef>
+          <a:effectRef idx="0">
+            <a:schemeClr val="accent1"/>
+          </a:effectRef>
+          <a:fontRef idx="minor">
+            <a:schemeClr val="tx1"/>
+          </a:fontRef>
+        </p:style>
+        <p:txBody>
+          <a:bodyPr rtlCol="0" anchor="ctr"/>
+          <a:lstStyle/>
+          <a:p>
+            <a:pPr algn="ctr"/>
+            <a:endParaRPr kumimoji="1" lang="zh-TW" altLang="en-US"/>
+          </a:p>
+        </p:txBody>
+      </p:sp>
+      <p:sp>
+        <p:nvSpPr>
+          <p:cNvPr id="44" name="文字方塊 43">
+            <a:extLst>
+              <a:ext uri="{FF2B5EF4-FFF2-40B4-BE49-F238E27FC236}">
+                <a16:creationId xmlns:a16="http://schemas.microsoft.com/office/drawing/2014/main" id="{25FBB3ED-3061-CF42-9841-2DE9CFA80986}"/>
+              </a:ext>
+            </a:extLst>
+          </p:cNvPr>
+          <p:cNvSpPr txBox="1"/>
+          <p:nvPr/>
+        </p:nvSpPr>
+        <p:spPr>
+          <a:xfrm rot="5400000">
+            <a:off x="5381344" y="3061793"/>
+            <a:ext cx="463588" cy="276999"/>
+          </a:xfrm>
+          <a:prstGeom prst="rect">
+            <a:avLst/>
+          </a:prstGeom>
+          <a:noFill/>
+        </p:spPr>
+        <p:txBody>
+          <a:bodyPr wrap="none" rtlCol="0">
+            <a:spAutoFit/>
+          </a:bodyPr>
+          <a:lstStyle/>
+          <a:p>
+            <a:r>
+              <a:rPr kumimoji="1" lang="en-US" altLang="zh-TW" sz="1200" b="1" dirty="0">
+                <a:solidFill>
+                  <a:srgbClr val="7030A0"/>
+                </a:solidFill>
+              </a:rPr>
+              <a:t>O(1)</a:t>
+            </a:r>
+            <a:endParaRPr kumimoji="1" lang="zh-TW" altLang="en-US" sz="1200" b="1" dirty="0">
+              <a:solidFill>
+                <a:srgbClr val="7030A0"/>
+              </a:solidFill>
+            </a:endParaRPr>
+          </a:p>
+        </p:txBody>
+      </p:sp>
+      <p:sp>
+        <p:nvSpPr>
+          <p:cNvPr id="45" name="文字方塊 44">
+            <a:extLst>
+              <a:ext uri="{FF2B5EF4-FFF2-40B4-BE49-F238E27FC236}">
+                <a16:creationId xmlns:a16="http://schemas.microsoft.com/office/drawing/2014/main" id="{39D619F6-15CD-2149-ACEE-089F9BB8FA45}"/>
+              </a:ext>
+            </a:extLst>
+          </p:cNvPr>
+          <p:cNvSpPr txBox="1"/>
+          <p:nvPr/>
+        </p:nvSpPr>
+        <p:spPr>
+          <a:xfrm rot="5400000">
+            <a:off x="5774151" y="2861372"/>
+            <a:ext cx="463588" cy="276999"/>
+          </a:xfrm>
+          <a:prstGeom prst="rect">
+            <a:avLst/>
+          </a:prstGeom>
+          <a:noFill/>
+        </p:spPr>
+        <p:txBody>
+          <a:bodyPr wrap="none" rtlCol="0">
+            <a:spAutoFit/>
+          </a:bodyPr>
+          <a:lstStyle/>
+          <a:p>
+            <a:r>
+              <a:rPr kumimoji="1" lang="en-US" altLang="zh-TW" sz="1200" b="1" dirty="0">
+                <a:solidFill>
+                  <a:srgbClr val="7030A0"/>
+                </a:solidFill>
+              </a:rPr>
+              <a:t>O(E)</a:t>
+            </a:r>
+            <a:endParaRPr kumimoji="1" lang="zh-TW" altLang="en-US" sz="1200" b="1" dirty="0">
+              <a:solidFill>
+                <a:srgbClr val="7030A0"/>
+              </a:solidFill>
+            </a:endParaRPr>
+          </a:p>
+        </p:txBody>
+      </p:sp>
+      <p:sp>
+        <p:nvSpPr>
+          <p:cNvPr id="46" name="右中括弧 45">
+            <a:extLst>
+              <a:ext uri="{FF2B5EF4-FFF2-40B4-BE49-F238E27FC236}">
+                <a16:creationId xmlns:a16="http://schemas.microsoft.com/office/drawing/2014/main" id="{49977952-D72F-9B43-99F6-AA395819B28A}"/>
+              </a:ext>
+            </a:extLst>
+          </p:cNvPr>
+          <p:cNvSpPr/>
+          <p:nvPr/>
+        </p:nvSpPr>
+        <p:spPr>
+          <a:xfrm>
+            <a:off x="5741045" y="2753553"/>
+            <a:ext cx="116047" cy="490558"/>
+          </a:xfrm>
+          <a:prstGeom prst="rightBracket">
+            <a:avLst/>
+          </a:prstGeom>
+          <a:ln w="12700">
+            <a:solidFill>
+              <a:srgbClr val="7030A0"/>
+            </a:solidFill>
+            <a:prstDash val="sysDash"/>
+          </a:ln>
+        </p:spPr>
+        <p:style>
+          <a:lnRef idx="1">
+            <a:schemeClr val="accent1"/>
+          </a:lnRef>
+          <a:fillRef idx="0">
+            <a:schemeClr val="accent1"/>
+          </a:fillRef>
+          <a:effectRef idx="0">
+            <a:schemeClr val="accent1"/>
+          </a:effectRef>
+          <a:fontRef idx="minor">
+            <a:schemeClr val="tx1"/>
+          </a:fontRef>
+        </p:style>
+        <p:txBody>
+          <a:bodyPr rtlCol="0" anchor="ctr"/>
+          <a:lstStyle/>
+          <a:p>
+            <a:pPr algn="ctr"/>
+            <a:endParaRPr kumimoji="1" lang="zh-TW" altLang="en-US"/>
+          </a:p>
+        </p:txBody>
+      </p:sp>
+      <p:sp>
+        <p:nvSpPr>
+          <p:cNvPr id="47" name="文字方塊 46">
+            <a:extLst>
+              <a:ext uri="{FF2B5EF4-FFF2-40B4-BE49-F238E27FC236}">
+                <a16:creationId xmlns:a16="http://schemas.microsoft.com/office/drawing/2014/main" id="{59F83D6A-5006-AE4A-8920-235B81D070BB}"/>
+              </a:ext>
+            </a:extLst>
+          </p:cNvPr>
+          <p:cNvSpPr txBox="1"/>
+          <p:nvPr/>
+        </p:nvSpPr>
+        <p:spPr>
+          <a:xfrm>
+            <a:off x="3920549" y="4062595"/>
+            <a:ext cx="2885726" cy="276999"/>
+          </a:xfrm>
+          <a:prstGeom prst="rect">
+            <a:avLst/>
+          </a:prstGeom>
+          <a:noFill/>
+        </p:spPr>
+        <p:txBody>
+          <a:bodyPr wrap="none" rtlCol="0">
+            <a:spAutoFit/>
+          </a:bodyPr>
+          <a:lstStyle/>
+          <a:p>
+            <a:r>
+              <a:rPr kumimoji="1" lang="en-US" altLang="zh-TW" sz="1200" b="1" dirty="0"/>
+              <a:t>Time complexity: O(V + VE + E + 1) =</a:t>
+            </a:r>
+            <a:r>
+              <a:rPr kumimoji="1" lang="en-US" altLang="zh-TW" sz="1200" b="1" dirty="0">
+                <a:solidFill>
+                  <a:srgbClr val="FF0000"/>
+                </a:solidFill>
+              </a:rPr>
+              <a:t> O(EV)</a:t>
+            </a:r>
+            <a:endParaRPr kumimoji="1" lang="zh-TW" altLang="en-US" sz="1200" b="1" dirty="0">
+              <a:solidFill>
+                <a:srgbClr val="FF0000"/>
+              </a:solidFill>
+            </a:endParaRPr>
+          </a:p>
+        </p:txBody>
+      </p:sp>
+      <p:sp>
+        <p:nvSpPr>
+          <p:cNvPr id="48" name="文字方塊 47">
+            <a:extLst>
+              <a:ext uri="{FF2B5EF4-FFF2-40B4-BE49-F238E27FC236}">
+                <a16:creationId xmlns:a16="http://schemas.microsoft.com/office/drawing/2014/main" id="{9A5FBBAC-1B98-9D48-A02A-07C7E20E3C99}"/>
+              </a:ext>
+            </a:extLst>
+          </p:cNvPr>
+          <p:cNvSpPr txBox="1"/>
+          <p:nvPr/>
+        </p:nvSpPr>
+        <p:spPr>
+          <a:xfrm>
+            <a:off x="3352739" y="4068901"/>
+            <a:ext cx="463588" cy="276999"/>
+          </a:xfrm>
+          <a:prstGeom prst="rect">
+            <a:avLst/>
+          </a:prstGeom>
+          <a:noFill/>
+        </p:spPr>
+        <p:txBody>
+          <a:bodyPr wrap="none" rtlCol="0">
+            <a:spAutoFit/>
+          </a:bodyPr>
+          <a:lstStyle/>
+          <a:p>
+            <a:r>
+              <a:rPr kumimoji="1" lang="en-US" altLang="zh-TW" sz="1200" b="1" dirty="0">
+                <a:solidFill>
+                  <a:srgbClr val="009051"/>
+                </a:solidFill>
+              </a:rPr>
+              <a:t>O(1)</a:t>
+            </a:r>
+            <a:endParaRPr kumimoji="1" lang="zh-TW" altLang="en-US" sz="1200" b="1" dirty="0">
+              <a:solidFill>
+                <a:srgbClr val="009051"/>
+              </a:solidFill>
+            </a:endParaRPr>
+          </a:p>
+        </p:txBody>
+      </p:sp>
+      <p:cxnSp>
+        <p:nvCxnSpPr>
+          <p:cNvPr id="49" name="直線接點 48">
+            <a:extLst>
+              <a:ext uri="{FF2B5EF4-FFF2-40B4-BE49-F238E27FC236}">
+                <a16:creationId xmlns:a16="http://schemas.microsoft.com/office/drawing/2014/main" id="{89CB7748-7197-9C47-AD48-61B5FE80FD4A}"/>
+              </a:ext>
+            </a:extLst>
+          </p:cNvPr>
+          <p:cNvCxnSpPr>
+            <a:cxnSpLocks/>
+          </p:cNvCxnSpPr>
+          <p:nvPr/>
+        </p:nvCxnSpPr>
+        <p:spPr>
+          <a:xfrm>
+            <a:off x="2796357" y="4216855"/>
+            <a:ext cx="136305" cy="0"/>
+          </a:xfrm>
+          <a:prstGeom prst="line">
+            <a:avLst/>
+          </a:prstGeom>
+          <a:ln w="12700">
+            <a:solidFill>
+              <a:srgbClr val="0432FF"/>
+            </a:solidFill>
+            <a:prstDash val="sysDash"/>
+          </a:ln>
+        </p:spPr>
+        <p:style>
+          <a:lnRef idx="1">
+            <a:schemeClr val="accent1"/>
+          </a:lnRef>
+          <a:fillRef idx="0">
+            <a:schemeClr val="accent1"/>
+          </a:fillRef>
+          <a:effectRef idx="0">
+            <a:schemeClr val="accent1"/>
+          </a:effectRef>
+          <a:fontRef idx="minor">
+            <a:schemeClr val="tx1"/>
+          </a:fontRef>
+        </p:style>
+      </p:cxnSp>
+      <p:sp>
+        <p:nvSpPr>
+          <p:cNvPr id="51" name="文字方塊 50">
+            <a:extLst>
+              <a:ext uri="{FF2B5EF4-FFF2-40B4-BE49-F238E27FC236}">
+                <a16:creationId xmlns:a16="http://schemas.microsoft.com/office/drawing/2014/main" id="{4978385D-7DE2-1B4B-B1A7-0F30F53B2A08}"/>
+              </a:ext>
+            </a:extLst>
+          </p:cNvPr>
+          <p:cNvSpPr txBox="1"/>
+          <p:nvPr/>
+        </p:nvSpPr>
+        <p:spPr>
+          <a:xfrm>
+            <a:off x="2883427" y="4062595"/>
+            <a:ext cx="540084" cy="276999"/>
+          </a:xfrm>
+          <a:prstGeom prst="rect">
+            <a:avLst/>
+          </a:prstGeom>
+          <a:noFill/>
+        </p:spPr>
+        <p:txBody>
+          <a:bodyPr wrap="none" rtlCol="0">
+            <a:spAutoFit/>
+          </a:bodyPr>
+          <a:lstStyle/>
+          <a:p>
+            <a:r>
+              <a:rPr kumimoji="1" lang="en-US" altLang="zh-TW" sz="1200" dirty="0">
+                <a:solidFill>
+                  <a:srgbClr val="0432FF"/>
+                </a:solidFill>
+              </a:rPr>
+              <a:t>result</a:t>
+            </a:r>
+            <a:endParaRPr kumimoji="1" lang="zh-TW" altLang="en-US" sz="1200" b="1" dirty="0">
+              <a:solidFill>
+                <a:srgbClr val="009051"/>
+              </a:solidFill>
+            </a:endParaRPr>
+          </a:p>
+        </p:txBody>
+      </p:sp>
+      <p:pic>
+        <p:nvPicPr>
+          <p:cNvPr id="53" name="圖片 52">
+            <a:extLst>
+              <a:ext uri="{FF2B5EF4-FFF2-40B4-BE49-F238E27FC236}">
+                <a16:creationId xmlns:a16="http://schemas.microsoft.com/office/drawing/2014/main" id="{4BE83ECA-138E-0A4F-94CD-6F43F525D680}"/>
+              </a:ext>
+            </a:extLst>
+          </p:cNvPr>
+          <p:cNvPicPr>
+            <a:picLocks noChangeAspect="1"/>
+          </p:cNvPicPr>
+          <p:nvPr/>
+        </p:nvPicPr>
+        <p:blipFill>
+          <a:blip r:embed="rId2"/>
+          <a:stretch>
+            <a:fillRect/>
+          </a:stretch>
+        </p:blipFill>
+        <p:spPr>
+          <a:xfrm>
+            <a:off x="755036" y="5152041"/>
+            <a:ext cx="1889662" cy="1073671"/>
+          </a:xfrm>
+          <a:prstGeom prst="rect">
+            <a:avLst/>
+          </a:prstGeom>
+        </p:spPr>
+      </p:pic>
+      <p:sp>
+        <p:nvSpPr>
+          <p:cNvPr id="55" name="文字方塊 54">
+            <a:extLst>
+              <a:ext uri="{FF2B5EF4-FFF2-40B4-BE49-F238E27FC236}">
+                <a16:creationId xmlns:a16="http://schemas.microsoft.com/office/drawing/2014/main" id="{1C3F0BAF-4BDE-C247-873C-9016BC99BB6E}"/>
+              </a:ext>
+            </a:extLst>
+          </p:cNvPr>
+          <p:cNvSpPr txBox="1"/>
+          <p:nvPr/>
+        </p:nvSpPr>
+        <p:spPr>
+          <a:xfrm>
+            <a:off x="615012" y="4844150"/>
+            <a:ext cx="2270365" cy="276999"/>
+          </a:xfrm>
+          <a:prstGeom prst="rect">
+            <a:avLst/>
+          </a:prstGeom>
+          <a:noFill/>
+        </p:spPr>
+        <p:txBody>
+          <a:bodyPr wrap="none" rtlCol="0">
+            <a:spAutoFit/>
+          </a:bodyPr>
+          <a:lstStyle/>
+          <a:p>
+            <a:r>
+              <a:rPr kumimoji="1" lang="en-US" altLang="zh-TW" sz="1200" dirty="0">
+                <a:solidFill>
+                  <a:srgbClr val="0432FF"/>
+                </a:solidFill>
+              </a:rPr>
+              <a:t>Search shortest path from A to D:</a:t>
+            </a:r>
+            <a:endParaRPr kumimoji="1" lang="zh-TW" altLang="en-US" sz="1200" b="1" dirty="0">
+              <a:solidFill>
+                <a:srgbClr val="009051"/>
+              </a:solidFill>
+            </a:endParaRPr>
+          </a:p>
+        </p:txBody>
+      </p:sp>
+      <p:graphicFrame>
+        <p:nvGraphicFramePr>
+          <p:cNvPr id="56" name="表格 56">
+            <a:extLst>
+              <a:ext uri="{FF2B5EF4-FFF2-40B4-BE49-F238E27FC236}">
+                <a16:creationId xmlns:a16="http://schemas.microsoft.com/office/drawing/2014/main" id="{C9F24716-6A17-134C-A7FC-DD7BF71473C2}"/>
+              </a:ext>
+            </a:extLst>
+          </p:cNvPr>
+          <p:cNvGraphicFramePr>
+            <a:graphicFrameLocks noGrp="1"/>
+          </p:cNvGraphicFramePr>
+          <p:nvPr>
+            <p:extLst>
+              <p:ext uri="{D42A27DB-BD31-4B8C-83A1-F6EECF244321}">
+                <p14:modId xmlns:p14="http://schemas.microsoft.com/office/powerpoint/2010/main" val="4215000619"/>
+              </p:ext>
+            </p:extLst>
+          </p:nvPr>
+        </p:nvGraphicFramePr>
+        <p:xfrm>
+          <a:off x="569691" y="6256604"/>
+          <a:ext cx="2260351" cy="1449456"/>
+        </p:xfrm>
+        <a:graphic>
+          <a:graphicData uri="http://schemas.openxmlformats.org/drawingml/2006/table">
+            <a:tbl>
+              <a:tblPr firstRow="1" bandRow="1">
+                <a:tableStyleId>{5C22544A-7EE6-4342-B048-85BDC9FD1C3A}</a:tableStyleId>
+              </a:tblPr>
+              <a:tblGrid>
+                <a:gridCol w="1039331">
+                  <a:extLst>
+                    <a:ext uri="{9D8B030D-6E8A-4147-A177-3AD203B41FA5}">
+                      <a16:colId xmlns:a16="http://schemas.microsoft.com/office/drawing/2014/main" val="3247701678"/>
+                    </a:ext>
+                  </a:extLst>
+                </a:gridCol>
+                <a:gridCol w="1221020">
+                  <a:extLst>
+                    <a:ext uri="{9D8B030D-6E8A-4147-A177-3AD203B41FA5}">
+                      <a16:colId xmlns:a16="http://schemas.microsoft.com/office/drawing/2014/main" val="4013374876"/>
+                    </a:ext>
+                  </a:extLst>
+                </a:gridCol>
+              </a:tblGrid>
+              <a:tr h="238042">
+                <a:tc>
+                  <a:txBody>
+                    <a:bodyPr/>
+                    <a:lstStyle/>
+                    <a:p>
+                      <a:pPr marL="0" algn="ctr" defTabSz="685800" rtl="0" eaLnBrk="1" latinLnBrk="0" hangingPunct="1"/>
+                      <a:r>
+                        <a:rPr lang="en-US" altLang="zh-TW" sz="1200" b="0" kern="1200" dirty="0">
+                          <a:solidFill>
+                            <a:schemeClr val="dk1"/>
+                          </a:solidFill>
+                          <a:latin typeface="+mn-lt"/>
+                          <a:ea typeface="+mn-ea"/>
+                          <a:cs typeface="+mn-cs"/>
+                        </a:rPr>
+                        <a:t>Current vertex</a:t>
+                      </a:r>
+                      <a:endParaRPr lang="zh-TW" altLang="en-US" sz="1200" b="0" kern="1200" dirty="0">
+                        <a:solidFill>
+                          <a:schemeClr val="dk1"/>
+                        </a:solidFill>
+                        <a:latin typeface="+mn-lt"/>
+                        <a:ea typeface="+mn-ea"/>
+                        <a:cs typeface="+mn-cs"/>
+                      </a:endParaRPr>
+                    </a:p>
+                  </a:txBody>
+                  <a:tcPr marL="57600" marR="58695" marT="29348" marB="29348">
+                    <a:lnR w="12700" cmpd="sng">
+                      <a:noFill/>
+                    </a:lnR>
+                    <a:noFill/>
+                  </a:tcPr>
+                </a:tc>
+                <a:tc>
+                  <a:txBody>
+                    <a:bodyPr/>
+                    <a:lstStyle/>
+                    <a:p>
+                      <a:pPr marL="0" algn="ctr" defTabSz="685800" rtl="0" eaLnBrk="1" latinLnBrk="0" hangingPunct="1"/>
+                      <a:r>
+                        <a:rPr lang="en-US" altLang="zh-TW" sz="1200" b="0" kern="1200" dirty="0">
+                          <a:solidFill>
+                            <a:schemeClr val="dk1"/>
+                          </a:solidFill>
+                          <a:latin typeface="+mn-lt"/>
+                          <a:ea typeface="+mn-ea"/>
+                          <a:cs typeface="+mn-cs"/>
+                        </a:rPr>
+                        <a:t>Vertices in queue</a:t>
+                      </a:r>
+                      <a:endParaRPr lang="zh-TW" altLang="en-US" sz="1200" b="0" kern="1200" dirty="0">
+                        <a:solidFill>
+                          <a:schemeClr val="dk1"/>
+                        </a:solidFill>
+                        <a:latin typeface="+mn-lt"/>
+                        <a:ea typeface="+mn-ea"/>
+                        <a:cs typeface="+mn-cs"/>
+                      </a:endParaRPr>
+                    </a:p>
+                  </a:txBody>
+                  <a:tcPr marL="58695" marR="58695" marT="29348" marB="29348">
+                    <a:lnL w="12700" cmpd="sng">
+                      <a:noFill/>
+                    </a:lnL>
+                    <a:noFill/>
+                  </a:tcPr>
+                </a:tc>
+                <a:extLst>
+                  <a:ext uri="{0D108BD9-81ED-4DB2-BD59-A6C34878D82A}">
+                    <a16:rowId xmlns:a16="http://schemas.microsoft.com/office/drawing/2014/main" val="3955762702"/>
+                  </a:ext>
+                </a:extLst>
+              </a:tr>
+              <a:tr h="238042">
+                <a:tc>
+                  <a:txBody>
+                    <a:bodyPr/>
+                    <a:lstStyle/>
+                    <a:p>
+                      <a:pPr marL="0" algn="ctr" defTabSz="685800" rtl="0" eaLnBrk="1" latinLnBrk="0" hangingPunct="1"/>
+                      <a:r>
+                        <a:rPr lang="en-US" altLang="zh-TW" sz="1200" kern="1200" dirty="0">
+                          <a:solidFill>
+                            <a:schemeClr val="dk1"/>
+                          </a:solidFill>
+                          <a:latin typeface="+mn-lt"/>
+                          <a:ea typeface="+mn-ea"/>
+                          <a:cs typeface="+mn-cs"/>
+                        </a:rPr>
+                        <a:t>A</a:t>
+                      </a:r>
+                      <a:endParaRPr lang="zh-TW" altLang="en-US" sz="1200" kern="1200" dirty="0">
+                        <a:solidFill>
+                          <a:schemeClr val="dk1"/>
+                        </a:solidFill>
+                        <a:latin typeface="+mn-lt"/>
+                        <a:ea typeface="+mn-ea"/>
+                        <a:cs typeface="+mn-cs"/>
+                      </a:endParaRPr>
+                    </a:p>
+                  </a:txBody>
+                  <a:tcPr marL="58695" marR="58695" marT="29348" marB="29348"/>
+                </a:tc>
+                <a:tc>
+                  <a:txBody>
+                    <a:bodyPr/>
+                    <a:lstStyle/>
+                    <a:p>
+                      <a:pPr marL="0" algn="l" defTabSz="685800" rtl="0" eaLnBrk="1" latinLnBrk="0" hangingPunct="1"/>
+                      <a:r>
+                        <a:rPr lang="en-US" altLang="zh-TW" sz="1200" kern="1200" dirty="0">
+                          <a:solidFill>
+                            <a:schemeClr val="dk1"/>
+                          </a:solidFill>
+                          <a:latin typeface="+mn-lt"/>
+                          <a:ea typeface="+mn-ea"/>
+                          <a:cs typeface="+mn-cs"/>
+                        </a:rPr>
+                        <a:t>B(0, A), C(5, A)</a:t>
+                      </a:r>
+                      <a:endParaRPr lang="zh-TW" altLang="en-US" sz="1200" kern="1200" dirty="0">
+                        <a:solidFill>
+                          <a:schemeClr val="dk1"/>
+                        </a:solidFill>
+                        <a:latin typeface="+mn-lt"/>
+                        <a:ea typeface="+mn-ea"/>
+                        <a:cs typeface="+mn-cs"/>
+                      </a:endParaRPr>
+                    </a:p>
+                  </a:txBody>
+                  <a:tcPr marL="58695" marR="58695" marT="29348" marB="29348"/>
+                </a:tc>
+                <a:extLst>
+                  <a:ext uri="{0D108BD9-81ED-4DB2-BD59-A6C34878D82A}">
+                    <a16:rowId xmlns:a16="http://schemas.microsoft.com/office/drawing/2014/main" val="3991906144"/>
+                  </a:ext>
+                </a:extLst>
+              </a:tr>
+              <a:tr h="238042">
+                <a:tc>
+                  <a:txBody>
+                    <a:bodyPr/>
+                    <a:lstStyle/>
+                    <a:p>
+                      <a:pPr marL="0" algn="ctr" defTabSz="685800" rtl="0" eaLnBrk="1" latinLnBrk="0" hangingPunct="1"/>
+                      <a:r>
+                        <a:rPr lang="en-US" altLang="zh-TW" sz="1200" kern="1200" dirty="0">
+                          <a:solidFill>
+                            <a:schemeClr val="dk1"/>
+                          </a:solidFill>
+                          <a:latin typeface="+mn-lt"/>
+                          <a:ea typeface="+mn-ea"/>
+                          <a:cs typeface="+mn-cs"/>
+                        </a:rPr>
+                        <a:t>B</a:t>
+                      </a:r>
+                      <a:endParaRPr lang="zh-TW" altLang="en-US" sz="1200" kern="1200" dirty="0">
+                        <a:solidFill>
+                          <a:schemeClr val="dk1"/>
+                        </a:solidFill>
+                        <a:latin typeface="+mn-lt"/>
+                        <a:ea typeface="+mn-ea"/>
+                        <a:cs typeface="+mn-cs"/>
+                      </a:endParaRPr>
+                    </a:p>
+                  </a:txBody>
+                  <a:tcPr marL="58695" marR="58695" marT="29348" marB="29348"/>
+                </a:tc>
+                <a:tc>
+                  <a:txBody>
+                    <a:bodyPr/>
+                    <a:lstStyle/>
+                    <a:p>
+                      <a:pPr marL="0" algn="l" defTabSz="685800" rtl="0" eaLnBrk="1" latinLnBrk="0" hangingPunct="1"/>
+                      <a:r>
+                        <a:rPr lang="en-US" altLang="zh-TW" sz="1200" kern="1200" dirty="0">
+                          <a:solidFill>
+                            <a:schemeClr val="dk1"/>
+                          </a:solidFill>
+                          <a:latin typeface="+mn-lt"/>
+                          <a:ea typeface="+mn-ea"/>
+                          <a:cs typeface="+mn-cs"/>
+                        </a:rPr>
+                        <a:t>C(5, B), </a:t>
+                      </a:r>
+                      <a:r>
+                        <a:rPr lang="en-US" altLang="zh-TW" sz="1200" b="0" kern="1200" dirty="0">
+                          <a:solidFill>
+                            <a:schemeClr val="dk1"/>
+                          </a:solidFill>
+                          <a:latin typeface="+mn-lt"/>
+                          <a:ea typeface="+mn-ea"/>
+                          <a:cs typeface="+mn-cs"/>
+                        </a:rPr>
+                        <a:t>D(30, B)</a:t>
+                      </a:r>
+                      <a:endParaRPr lang="zh-TW" altLang="en-US" sz="1200" b="0" kern="1200" dirty="0">
+                        <a:solidFill>
+                          <a:schemeClr val="dk1"/>
+                        </a:solidFill>
+                        <a:latin typeface="+mn-lt"/>
+                        <a:ea typeface="+mn-ea"/>
+                        <a:cs typeface="+mn-cs"/>
+                      </a:endParaRPr>
+                    </a:p>
+                  </a:txBody>
+                  <a:tcPr marL="58695" marR="58695" marT="29348" marB="29348"/>
+                </a:tc>
+                <a:extLst>
+                  <a:ext uri="{0D108BD9-81ED-4DB2-BD59-A6C34878D82A}">
+                    <a16:rowId xmlns:a16="http://schemas.microsoft.com/office/drawing/2014/main" val="809511413"/>
+                  </a:ext>
+                </a:extLst>
+              </a:tr>
+              <a:tr h="238042">
+                <a:tc>
+                  <a:txBody>
+                    <a:bodyPr/>
+                    <a:lstStyle/>
+                    <a:p>
+                      <a:pPr marL="0" algn="ctr" defTabSz="685800" rtl="0" eaLnBrk="1" latinLnBrk="0" hangingPunct="1"/>
+                      <a:r>
+                        <a:rPr lang="en-US" altLang="zh-TW" sz="1200" kern="1200" dirty="0">
+                          <a:solidFill>
+                            <a:schemeClr val="dk1"/>
+                          </a:solidFill>
+                          <a:latin typeface="+mn-lt"/>
+                          <a:ea typeface="+mn-ea"/>
+                          <a:cs typeface="+mn-cs"/>
+                        </a:rPr>
+                        <a:t>C</a:t>
+                      </a:r>
+                      <a:endParaRPr lang="zh-TW" altLang="en-US" sz="1200" kern="1200" dirty="0">
+                        <a:solidFill>
+                          <a:schemeClr val="dk1"/>
+                        </a:solidFill>
+                        <a:latin typeface="+mn-lt"/>
+                        <a:ea typeface="+mn-ea"/>
+                        <a:cs typeface="+mn-cs"/>
+                      </a:endParaRPr>
+                    </a:p>
+                  </a:txBody>
+                  <a:tcPr marL="58695" marR="58695" marT="29348" marB="29348"/>
+                </a:tc>
+                <a:tc>
+                  <a:txBody>
+                    <a:bodyPr/>
+                    <a:lstStyle/>
+                    <a:p>
+                      <a:pPr marL="0" algn="l" defTabSz="685800" rtl="0" eaLnBrk="1" latinLnBrk="0" hangingPunct="1"/>
+                      <a:r>
+                        <a:rPr lang="en-US" altLang="zh-TW" sz="1200" kern="1200" dirty="0">
+                          <a:solidFill>
+                            <a:schemeClr val="dk1"/>
+                          </a:solidFill>
+                          <a:latin typeface="+mn-lt"/>
+                          <a:ea typeface="+mn-ea"/>
+                          <a:cs typeface="+mn-cs"/>
+                        </a:rPr>
+                        <a:t>B(-2, C), D(30, C)</a:t>
+                      </a:r>
+                      <a:endParaRPr lang="zh-TW" altLang="en-US" sz="1200" kern="1200" dirty="0">
+                        <a:solidFill>
+                          <a:schemeClr val="dk1"/>
+                        </a:solidFill>
+                        <a:latin typeface="+mn-lt"/>
+                        <a:ea typeface="+mn-ea"/>
+                        <a:cs typeface="+mn-cs"/>
+                      </a:endParaRPr>
+                    </a:p>
+                  </a:txBody>
+                  <a:tcPr marL="58695" marR="58695" marT="29348" marB="29348"/>
+                </a:tc>
+                <a:extLst>
+                  <a:ext uri="{0D108BD9-81ED-4DB2-BD59-A6C34878D82A}">
+                    <a16:rowId xmlns:a16="http://schemas.microsoft.com/office/drawing/2014/main" val="2676381122"/>
+                  </a:ext>
+                </a:extLst>
+              </a:tr>
+              <a:tr h="0">
+                <a:tc>
+                  <a:txBody>
+                    <a:bodyPr/>
+                    <a:lstStyle/>
+                    <a:p>
+                      <a:pPr marL="0" algn="ctr" defTabSz="685800" rtl="0" eaLnBrk="1" latinLnBrk="0" hangingPunct="1"/>
+                      <a:r>
+                        <a:rPr lang="en-US" altLang="zh-TW" sz="1200" kern="1200" dirty="0">
+                          <a:solidFill>
+                            <a:schemeClr val="dk1"/>
+                          </a:solidFill>
+                          <a:latin typeface="+mn-lt"/>
+                          <a:ea typeface="+mn-ea"/>
+                          <a:cs typeface="+mn-cs"/>
+                        </a:rPr>
+                        <a:t>B</a:t>
+                      </a:r>
+                      <a:endParaRPr lang="zh-TW" altLang="en-US" sz="1200" kern="1200" dirty="0">
+                        <a:solidFill>
+                          <a:schemeClr val="dk1"/>
+                        </a:solidFill>
+                        <a:latin typeface="+mn-lt"/>
+                        <a:ea typeface="+mn-ea"/>
+                        <a:cs typeface="+mn-cs"/>
+                      </a:endParaRPr>
+                    </a:p>
+                  </a:txBody>
+                  <a:tcPr marL="58695" marR="58695" marT="29348" marB="29348"/>
+                </a:tc>
+                <a:tc>
+                  <a:txBody>
+                    <a:bodyPr/>
+                    <a:lstStyle/>
+                    <a:p>
+                      <a:pPr marL="0" algn="l" defTabSz="685800" rtl="0" eaLnBrk="1" latinLnBrk="0" hangingPunct="1"/>
+                      <a:r>
+                        <a:rPr lang="en-US" altLang="zh-TW" sz="1200" kern="1200" dirty="0">
+                          <a:solidFill>
+                            <a:schemeClr val="dk1"/>
+                          </a:solidFill>
+                          <a:latin typeface="+mn-lt"/>
+                          <a:ea typeface="+mn-ea"/>
+                          <a:cs typeface="+mn-cs"/>
+                        </a:rPr>
+                        <a:t>D(28, B), D(28, B)</a:t>
+                      </a:r>
+                      <a:endParaRPr lang="zh-TW" altLang="en-US" sz="1200" kern="1200" dirty="0">
+                        <a:solidFill>
+                          <a:schemeClr val="dk1"/>
+                        </a:solidFill>
+                        <a:latin typeface="+mn-lt"/>
+                        <a:ea typeface="+mn-ea"/>
+                        <a:cs typeface="+mn-cs"/>
+                      </a:endParaRPr>
+                    </a:p>
+                  </a:txBody>
+                  <a:tcPr marL="58695" marR="58695" marT="29348" marB="29348"/>
+                </a:tc>
+                <a:extLst>
+                  <a:ext uri="{0D108BD9-81ED-4DB2-BD59-A6C34878D82A}">
+                    <a16:rowId xmlns:a16="http://schemas.microsoft.com/office/drawing/2014/main" val="2023990080"/>
+                  </a:ext>
+                </a:extLst>
+              </a:tr>
+              <a:tr h="0">
+                <a:tc>
+                  <a:txBody>
+                    <a:bodyPr/>
+                    <a:lstStyle/>
+                    <a:p>
+                      <a:pPr marL="0" algn="ctr" defTabSz="685800" rtl="0" eaLnBrk="1" latinLnBrk="0" hangingPunct="1"/>
+                      <a:r>
+                        <a:rPr lang="en-US" altLang="zh-TW" sz="1200" kern="1200" dirty="0">
+                          <a:solidFill>
+                            <a:schemeClr val="dk1"/>
+                          </a:solidFill>
+                          <a:latin typeface="+mn-lt"/>
+                          <a:ea typeface="+mn-ea"/>
+                          <a:cs typeface="+mn-cs"/>
+                        </a:rPr>
+                        <a:t>D</a:t>
+                      </a:r>
+                      <a:endParaRPr lang="zh-TW" altLang="en-US" sz="1200" kern="1200" dirty="0">
+                        <a:solidFill>
+                          <a:schemeClr val="dk1"/>
+                        </a:solidFill>
+                        <a:latin typeface="+mn-lt"/>
+                        <a:ea typeface="+mn-ea"/>
+                        <a:cs typeface="+mn-cs"/>
+                      </a:endParaRPr>
+                    </a:p>
+                  </a:txBody>
+                  <a:tcPr marL="58695" marR="58695" marT="29348" marB="29348"/>
+                </a:tc>
+                <a:tc>
+                  <a:txBody>
+                    <a:bodyPr/>
+                    <a:lstStyle/>
+                    <a:p>
+                      <a:pPr marL="0" algn="l" defTabSz="685800" rtl="0" eaLnBrk="1" latinLnBrk="0" hangingPunct="1"/>
+                      <a:r>
+                        <a:rPr lang="en-US" altLang="zh-TW" sz="1200" kern="1200" dirty="0">
+                          <a:solidFill>
+                            <a:schemeClr val="dk1"/>
+                          </a:solidFill>
+                          <a:latin typeface="+mn-lt"/>
+                          <a:ea typeface="+mn-ea"/>
+                          <a:cs typeface="+mn-cs"/>
+                        </a:rPr>
+                        <a:t>D(28, B)</a:t>
+                      </a:r>
+                      <a:endParaRPr lang="zh-TW" altLang="en-US" sz="1200" kern="1200" dirty="0">
+                        <a:solidFill>
+                          <a:schemeClr val="dk1"/>
+                        </a:solidFill>
+                        <a:latin typeface="+mn-lt"/>
+                        <a:ea typeface="+mn-ea"/>
+                        <a:cs typeface="+mn-cs"/>
+                      </a:endParaRPr>
+                    </a:p>
+                  </a:txBody>
+                  <a:tcPr marL="58695" marR="58695" marT="29348" marB="29348"/>
+                </a:tc>
+                <a:extLst>
+                  <a:ext uri="{0D108BD9-81ED-4DB2-BD59-A6C34878D82A}">
+                    <a16:rowId xmlns:a16="http://schemas.microsoft.com/office/drawing/2014/main" val="965229848"/>
+                  </a:ext>
+                </a:extLst>
+              </a:tr>
+            </a:tbl>
+          </a:graphicData>
+        </a:graphic>
+      </p:graphicFrame>
+      <p:sp>
+        <p:nvSpPr>
+          <p:cNvPr id="58" name="橢圓 57">
+            <a:extLst>
+              <a:ext uri="{FF2B5EF4-FFF2-40B4-BE49-F238E27FC236}">
+                <a16:creationId xmlns:a16="http://schemas.microsoft.com/office/drawing/2014/main" id="{388CC8FE-3251-3A41-8727-D9F04019E3AC}"/>
+              </a:ext>
+            </a:extLst>
+          </p:cNvPr>
+          <p:cNvSpPr/>
+          <p:nvPr/>
+        </p:nvSpPr>
+        <p:spPr>
+          <a:xfrm>
+            <a:off x="3995748" y="5232067"/>
+            <a:ext cx="291765" cy="291765"/>
+          </a:xfrm>
+          <a:prstGeom prst="ellipse">
+            <a:avLst/>
+          </a:prstGeom>
+          <a:noFill/>
+          <a:ln>
+            <a:solidFill>
+              <a:schemeClr val="tx1"/>
+            </a:solidFill>
+          </a:ln>
+        </p:spPr>
+        <p:style>
+          <a:lnRef idx="2">
+            <a:schemeClr val="accent1">
+              <a:shade val="50000"/>
+            </a:schemeClr>
+          </a:lnRef>
+          <a:fillRef idx="1">
+            <a:schemeClr val="accent1"/>
+          </a:fillRef>
+          <a:effectRef idx="0">
+            <a:schemeClr val="accent1"/>
+          </a:effectRef>
+          <a:fontRef idx="minor">
+            <a:schemeClr val="lt1"/>
+          </a:fontRef>
+        </p:style>
+        <p:txBody>
+          <a:bodyPr rtlCol="0" anchor="ctr"/>
+          <a:lstStyle/>
+          <a:p>
+            <a:pPr algn="ctr"/>
+            <a:r>
+              <a:rPr kumimoji="1" lang="en-US" altLang="zh-TW" sz="1200" dirty="0">
+                <a:solidFill>
+                  <a:schemeClr val="tx1"/>
+                </a:solidFill>
+              </a:rPr>
+              <a:t>C</a:t>
+            </a:r>
+            <a:endParaRPr kumimoji="1" lang="zh-TW" altLang="en-US" sz="1200" dirty="0">
+              <a:solidFill>
+                <a:schemeClr val="tx1"/>
+              </a:solidFill>
+            </a:endParaRPr>
+          </a:p>
+        </p:txBody>
+      </p:sp>
+      <p:sp>
+        <p:nvSpPr>
+          <p:cNvPr id="59" name="橢圓 58">
+            <a:extLst>
+              <a:ext uri="{FF2B5EF4-FFF2-40B4-BE49-F238E27FC236}">
+                <a16:creationId xmlns:a16="http://schemas.microsoft.com/office/drawing/2014/main" id="{095F2AC3-4C01-BF47-BCA6-70CE6559D197}"/>
+              </a:ext>
+            </a:extLst>
+          </p:cNvPr>
+          <p:cNvSpPr/>
+          <p:nvPr/>
+        </p:nvSpPr>
+        <p:spPr>
+          <a:xfrm>
+            <a:off x="3995748" y="5840208"/>
+            <a:ext cx="291765" cy="291765"/>
+          </a:xfrm>
+          <a:prstGeom prst="ellipse">
+            <a:avLst/>
+          </a:prstGeom>
+          <a:noFill/>
+          <a:ln>
+            <a:solidFill>
+              <a:schemeClr val="tx1"/>
+            </a:solidFill>
+          </a:ln>
+        </p:spPr>
+        <p:style>
+          <a:lnRef idx="2">
+            <a:schemeClr val="accent1">
+              <a:shade val="50000"/>
+            </a:schemeClr>
+          </a:lnRef>
+          <a:fillRef idx="1">
+            <a:schemeClr val="accent1"/>
+          </a:fillRef>
+          <a:effectRef idx="0">
+            <a:schemeClr val="accent1"/>
+          </a:effectRef>
+          <a:fontRef idx="minor">
+            <a:schemeClr val="lt1"/>
+          </a:fontRef>
+        </p:style>
+        <p:txBody>
+          <a:bodyPr rtlCol="0" anchor="ctr"/>
+          <a:lstStyle/>
+          <a:p>
+            <a:pPr algn="ctr"/>
+            <a:r>
+              <a:rPr kumimoji="1" lang="en-US" altLang="zh-TW" sz="1200" dirty="0">
+                <a:solidFill>
+                  <a:schemeClr val="tx1"/>
+                </a:solidFill>
+              </a:rPr>
+              <a:t>E</a:t>
+            </a:r>
+            <a:endParaRPr kumimoji="1" lang="zh-TW" altLang="en-US" sz="1200" dirty="0">
+              <a:solidFill>
+                <a:schemeClr val="tx1"/>
+              </a:solidFill>
+            </a:endParaRPr>
+          </a:p>
+        </p:txBody>
+      </p:sp>
+      <p:sp>
+        <p:nvSpPr>
+          <p:cNvPr id="60" name="橢圓 59">
+            <a:extLst>
+              <a:ext uri="{FF2B5EF4-FFF2-40B4-BE49-F238E27FC236}">
+                <a16:creationId xmlns:a16="http://schemas.microsoft.com/office/drawing/2014/main" id="{AEAB9143-DA17-E148-A9DD-33332FFAEA45}"/>
+              </a:ext>
+            </a:extLst>
+          </p:cNvPr>
+          <p:cNvSpPr/>
+          <p:nvPr/>
+        </p:nvSpPr>
+        <p:spPr>
+          <a:xfrm>
+            <a:off x="4801817" y="5232067"/>
+            <a:ext cx="291765" cy="291765"/>
+          </a:xfrm>
+          <a:prstGeom prst="ellipse">
+            <a:avLst/>
+          </a:prstGeom>
+          <a:noFill/>
+          <a:ln>
+            <a:solidFill>
+              <a:schemeClr val="tx1"/>
+            </a:solidFill>
+          </a:ln>
+        </p:spPr>
+        <p:style>
+          <a:lnRef idx="2">
+            <a:schemeClr val="accent1">
+              <a:shade val="50000"/>
+            </a:schemeClr>
+          </a:lnRef>
+          <a:fillRef idx="1">
+            <a:schemeClr val="accent1"/>
+          </a:fillRef>
+          <a:effectRef idx="0">
+            <a:schemeClr val="accent1"/>
+          </a:effectRef>
+          <a:fontRef idx="minor">
+            <a:schemeClr val="lt1"/>
+          </a:fontRef>
+        </p:style>
+        <p:txBody>
+          <a:bodyPr rtlCol="0" anchor="ctr"/>
+          <a:lstStyle/>
+          <a:p>
+            <a:pPr algn="ctr"/>
+            <a:r>
+              <a:rPr kumimoji="1" lang="en-US" altLang="zh-TW" sz="1200" dirty="0">
+                <a:solidFill>
+                  <a:schemeClr val="tx1"/>
+                </a:solidFill>
+              </a:rPr>
+              <a:t>B</a:t>
+            </a:r>
+            <a:endParaRPr kumimoji="1" lang="zh-TW" altLang="en-US" sz="1200" dirty="0">
+              <a:solidFill>
+                <a:schemeClr val="tx1"/>
+              </a:solidFill>
+            </a:endParaRPr>
+          </a:p>
+        </p:txBody>
+      </p:sp>
+      <p:sp>
+        <p:nvSpPr>
+          <p:cNvPr id="61" name="橢圓 60">
+            <a:extLst>
+              <a:ext uri="{FF2B5EF4-FFF2-40B4-BE49-F238E27FC236}">
+                <a16:creationId xmlns:a16="http://schemas.microsoft.com/office/drawing/2014/main" id="{12F62D2F-9F9A-7B4D-9367-3145C24BB453}"/>
+              </a:ext>
+            </a:extLst>
+          </p:cNvPr>
+          <p:cNvSpPr/>
+          <p:nvPr/>
+        </p:nvSpPr>
+        <p:spPr>
+          <a:xfrm>
+            <a:off x="4801817" y="5840208"/>
+            <a:ext cx="291765" cy="291765"/>
+          </a:xfrm>
+          <a:prstGeom prst="ellipse">
+            <a:avLst/>
+          </a:prstGeom>
+          <a:noFill/>
+          <a:ln>
+            <a:solidFill>
+              <a:schemeClr val="tx1"/>
+            </a:solidFill>
+          </a:ln>
+        </p:spPr>
+        <p:style>
+          <a:lnRef idx="2">
+            <a:schemeClr val="accent1">
+              <a:shade val="50000"/>
+            </a:schemeClr>
+          </a:lnRef>
+          <a:fillRef idx="1">
+            <a:schemeClr val="accent1"/>
+          </a:fillRef>
+          <a:effectRef idx="0">
+            <a:schemeClr val="accent1"/>
+          </a:effectRef>
+          <a:fontRef idx="minor">
+            <a:schemeClr val="lt1"/>
+          </a:fontRef>
+        </p:style>
+        <p:txBody>
+          <a:bodyPr rtlCol="0" anchor="ctr"/>
+          <a:lstStyle/>
+          <a:p>
+            <a:pPr algn="ctr"/>
+            <a:r>
+              <a:rPr kumimoji="1" lang="en-US" altLang="zh-TW" sz="1200" dirty="0">
+                <a:solidFill>
+                  <a:schemeClr val="tx1"/>
+                </a:solidFill>
+              </a:rPr>
+              <a:t>D</a:t>
+            </a:r>
+            <a:endParaRPr kumimoji="1" lang="zh-TW" altLang="en-US" sz="1200" dirty="0">
+              <a:solidFill>
+                <a:schemeClr val="tx1"/>
+              </a:solidFill>
+            </a:endParaRPr>
+          </a:p>
+        </p:txBody>
+      </p:sp>
+      <p:sp>
+        <p:nvSpPr>
+          <p:cNvPr id="62" name="橢圓 61">
+            <a:extLst>
+              <a:ext uri="{FF2B5EF4-FFF2-40B4-BE49-F238E27FC236}">
+                <a16:creationId xmlns:a16="http://schemas.microsoft.com/office/drawing/2014/main" id="{91FF89C3-67D4-4241-8257-B00A46839DAE}"/>
+              </a:ext>
+            </a:extLst>
+          </p:cNvPr>
+          <p:cNvSpPr/>
+          <p:nvPr/>
+        </p:nvSpPr>
+        <p:spPr>
+          <a:xfrm>
+            <a:off x="5632575" y="5518919"/>
+            <a:ext cx="291765" cy="291765"/>
+          </a:xfrm>
+          <a:prstGeom prst="ellipse">
+            <a:avLst/>
+          </a:prstGeom>
+          <a:noFill/>
+          <a:ln>
+            <a:solidFill>
+              <a:schemeClr val="tx1"/>
+            </a:solidFill>
+          </a:ln>
+        </p:spPr>
+        <p:style>
+          <a:lnRef idx="2">
+            <a:schemeClr val="accent1">
+              <a:shade val="50000"/>
+            </a:schemeClr>
+          </a:lnRef>
+          <a:fillRef idx="1">
+            <a:schemeClr val="accent1"/>
+          </a:fillRef>
+          <a:effectRef idx="0">
+            <a:schemeClr val="accent1"/>
+          </a:effectRef>
+          <a:fontRef idx="minor">
+            <a:schemeClr val="lt1"/>
+          </a:fontRef>
+        </p:style>
+        <p:txBody>
+          <a:bodyPr rtlCol="0" anchor="ctr"/>
+          <a:lstStyle/>
+          <a:p>
+            <a:pPr algn="ctr"/>
+            <a:r>
+              <a:rPr kumimoji="1" lang="en-US" altLang="zh-TW" sz="1200" dirty="0">
+                <a:solidFill>
+                  <a:schemeClr val="tx1"/>
+                </a:solidFill>
+              </a:rPr>
+              <a:t>A</a:t>
+            </a:r>
+            <a:endParaRPr kumimoji="1" lang="zh-TW" altLang="en-US" sz="1200" dirty="0">
+              <a:solidFill>
+                <a:schemeClr val="tx1"/>
+              </a:solidFill>
+            </a:endParaRPr>
+          </a:p>
+        </p:txBody>
+      </p:sp>
+      <p:cxnSp>
+        <p:nvCxnSpPr>
+          <p:cNvPr id="64" name="直線箭頭接點 63">
+            <a:extLst>
+              <a:ext uri="{FF2B5EF4-FFF2-40B4-BE49-F238E27FC236}">
+                <a16:creationId xmlns:a16="http://schemas.microsoft.com/office/drawing/2014/main" id="{882752E1-EB70-DC4B-A8B5-5F32856A000C}"/>
+              </a:ext>
+            </a:extLst>
+          </p:cNvPr>
+          <p:cNvCxnSpPr>
+            <a:cxnSpLocks/>
+          </p:cNvCxnSpPr>
+          <p:nvPr/>
+        </p:nvCxnSpPr>
+        <p:spPr>
+          <a:xfrm flipH="1" flipV="1">
+            <a:off x="5123024" y="5394133"/>
+            <a:ext cx="502123" cy="196143"/>
+          </a:xfrm>
+          <a:prstGeom prst="straightConnector1">
+            <a:avLst/>
+          </a:prstGeom>
+          <a:ln w="12700">
+            <a:solidFill>
+              <a:schemeClr val="tx1"/>
+            </a:solidFill>
+            <a:headEnd type="none" w="med" len="med"/>
+            <a:tailEnd type="arrow" w="med" len="med"/>
+          </a:ln>
+        </p:spPr>
+        <p:style>
+          <a:lnRef idx="1">
+            <a:schemeClr val="accent1"/>
+          </a:lnRef>
+          <a:fillRef idx="0">
+            <a:schemeClr val="accent1"/>
+          </a:fillRef>
+          <a:effectRef idx="0">
+            <a:schemeClr val="accent1"/>
+          </a:effectRef>
+          <a:fontRef idx="minor">
+            <a:schemeClr val="tx1"/>
+          </a:fontRef>
+        </p:style>
+      </p:cxnSp>
+      <p:cxnSp>
+        <p:nvCxnSpPr>
+          <p:cNvPr id="67" name="直線箭頭接點 66">
+            <a:extLst>
+              <a:ext uri="{FF2B5EF4-FFF2-40B4-BE49-F238E27FC236}">
+                <a16:creationId xmlns:a16="http://schemas.microsoft.com/office/drawing/2014/main" id="{901C8831-F1E9-544B-948E-08251486E526}"/>
+              </a:ext>
+            </a:extLst>
+          </p:cNvPr>
+          <p:cNvCxnSpPr>
+            <a:cxnSpLocks/>
+          </p:cNvCxnSpPr>
+          <p:nvPr/>
+        </p:nvCxnSpPr>
+        <p:spPr>
+          <a:xfrm flipH="1">
+            <a:off x="5131654" y="5733901"/>
+            <a:ext cx="484861" cy="212613"/>
+          </a:xfrm>
+          <a:prstGeom prst="straightConnector1">
+            <a:avLst/>
+          </a:prstGeom>
+          <a:ln w="12700">
+            <a:solidFill>
+              <a:schemeClr val="tx1"/>
+            </a:solidFill>
+            <a:headEnd type="none" w="med" len="med"/>
+            <a:tailEnd type="arrow" w="med" len="med"/>
+          </a:ln>
+        </p:spPr>
+        <p:style>
+          <a:lnRef idx="1">
+            <a:schemeClr val="accent1"/>
+          </a:lnRef>
+          <a:fillRef idx="0">
+            <a:schemeClr val="accent1"/>
+          </a:fillRef>
+          <a:effectRef idx="0">
+            <a:schemeClr val="accent1"/>
+          </a:effectRef>
+          <a:fontRef idx="minor">
+            <a:schemeClr val="tx1"/>
+          </a:fontRef>
+        </p:style>
+      </p:cxnSp>
+      <p:cxnSp>
+        <p:nvCxnSpPr>
+          <p:cNvPr id="68" name="直線箭頭接點 67">
+            <a:extLst>
+              <a:ext uri="{FF2B5EF4-FFF2-40B4-BE49-F238E27FC236}">
+                <a16:creationId xmlns:a16="http://schemas.microsoft.com/office/drawing/2014/main" id="{38DAC645-A838-304A-824B-1937112AE973}"/>
+              </a:ext>
+            </a:extLst>
+          </p:cNvPr>
+          <p:cNvCxnSpPr>
+            <a:cxnSpLocks/>
+          </p:cNvCxnSpPr>
+          <p:nvPr/>
+        </p:nvCxnSpPr>
+        <p:spPr>
+          <a:xfrm flipV="1">
+            <a:off x="4950831" y="5542666"/>
+            <a:ext cx="0" cy="273266"/>
+          </a:xfrm>
+          <a:prstGeom prst="straightConnector1">
+            <a:avLst/>
+          </a:prstGeom>
+          <a:ln w="12700">
+            <a:solidFill>
+              <a:schemeClr val="tx1"/>
+            </a:solidFill>
+            <a:headEnd type="none" w="med" len="med"/>
+            <a:tailEnd type="arrow" w="med" len="med"/>
+          </a:ln>
+        </p:spPr>
+        <p:style>
+          <a:lnRef idx="1">
+            <a:schemeClr val="accent1"/>
+          </a:lnRef>
+          <a:fillRef idx="0">
+            <a:schemeClr val="accent1"/>
+          </a:fillRef>
+          <a:effectRef idx="0">
+            <a:schemeClr val="accent1"/>
+          </a:effectRef>
+          <a:fontRef idx="minor">
+            <a:schemeClr val="tx1"/>
+          </a:fontRef>
+        </p:style>
+      </p:cxnSp>
+      <p:cxnSp>
+        <p:nvCxnSpPr>
+          <p:cNvPr id="73" name="直線箭頭接點 72">
+            <a:extLst>
+              <a:ext uri="{FF2B5EF4-FFF2-40B4-BE49-F238E27FC236}">
+                <a16:creationId xmlns:a16="http://schemas.microsoft.com/office/drawing/2014/main" id="{0612CBDA-007A-2147-972D-5351DCB50DC9}"/>
+              </a:ext>
+            </a:extLst>
+          </p:cNvPr>
+          <p:cNvCxnSpPr>
+            <a:cxnSpLocks/>
+          </p:cNvCxnSpPr>
+          <p:nvPr/>
+        </p:nvCxnSpPr>
+        <p:spPr>
+          <a:xfrm flipH="1">
+            <a:off x="4348776" y="5359724"/>
+            <a:ext cx="396063" cy="0"/>
+          </a:xfrm>
+          <a:prstGeom prst="straightConnector1">
+            <a:avLst/>
+          </a:prstGeom>
+          <a:ln w="12700">
+            <a:solidFill>
+              <a:schemeClr val="tx1"/>
+            </a:solidFill>
+            <a:headEnd type="none" w="med" len="med"/>
+            <a:tailEnd type="arrow" w="med" len="med"/>
+          </a:ln>
+        </p:spPr>
+        <p:style>
+          <a:lnRef idx="1">
+            <a:schemeClr val="accent1"/>
+          </a:lnRef>
+          <a:fillRef idx="0">
+            <a:schemeClr val="accent1"/>
+          </a:fillRef>
+          <a:effectRef idx="0">
+            <a:schemeClr val="accent1"/>
+          </a:effectRef>
+          <a:fontRef idx="minor">
+            <a:schemeClr val="tx1"/>
+          </a:fontRef>
+        </p:style>
+      </p:cxnSp>
+      <p:cxnSp>
+        <p:nvCxnSpPr>
+          <p:cNvPr id="76" name="直線箭頭接點 75">
+            <a:extLst>
+              <a:ext uri="{FF2B5EF4-FFF2-40B4-BE49-F238E27FC236}">
+                <a16:creationId xmlns:a16="http://schemas.microsoft.com/office/drawing/2014/main" id="{D5290F97-5D19-A24A-BDD0-B2E5B1617D31}"/>
+              </a:ext>
+            </a:extLst>
+          </p:cNvPr>
+          <p:cNvCxnSpPr>
+            <a:cxnSpLocks/>
+          </p:cNvCxnSpPr>
+          <p:nvPr/>
+        </p:nvCxnSpPr>
+        <p:spPr>
+          <a:xfrm>
+            <a:off x="4348776" y="5980795"/>
+            <a:ext cx="396063" cy="0"/>
+          </a:xfrm>
+          <a:prstGeom prst="straightConnector1">
+            <a:avLst/>
+          </a:prstGeom>
+          <a:ln w="12700">
+            <a:solidFill>
+              <a:schemeClr val="tx1"/>
+            </a:solidFill>
+            <a:headEnd type="none" w="med" len="med"/>
+            <a:tailEnd type="arrow" w="med" len="med"/>
+          </a:ln>
+        </p:spPr>
+        <p:style>
+          <a:lnRef idx="1">
+            <a:schemeClr val="accent1"/>
+          </a:lnRef>
+          <a:fillRef idx="0">
+            <a:schemeClr val="accent1"/>
+          </a:fillRef>
+          <a:effectRef idx="0">
+            <a:schemeClr val="accent1"/>
+          </a:effectRef>
+          <a:fontRef idx="minor">
+            <a:schemeClr val="tx1"/>
+          </a:fontRef>
+        </p:style>
+      </p:cxnSp>
+      <p:cxnSp>
+        <p:nvCxnSpPr>
+          <p:cNvPr id="77" name="直線箭頭接點 76">
+            <a:extLst>
+              <a:ext uri="{FF2B5EF4-FFF2-40B4-BE49-F238E27FC236}">
+                <a16:creationId xmlns:a16="http://schemas.microsoft.com/office/drawing/2014/main" id="{BA99B5D7-4026-4F41-A455-9CDE05FD7DCB}"/>
+              </a:ext>
+            </a:extLst>
+          </p:cNvPr>
+          <p:cNvCxnSpPr>
+            <a:cxnSpLocks/>
+          </p:cNvCxnSpPr>
+          <p:nvPr/>
+        </p:nvCxnSpPr>
+        <p:spPr>
+          <a:xfrm>
+            <a:off x="4136431" y="5542666"/>
+            <a:ext cx="0" cy="273266"/>
+          </a:xfrm>
+          <a:prstGeom prst="straightConnector1">
+            <a:avLst/>
+          </a:prstGeom>
+          <a:ln w="12700">
+            <a:solidFill>
+              <a:schemeClr val="tx1"/>
+            </a:solidFill>
+            <a:headEnd type="none" w="med" len="med"/>
+            <a:tailEnd type="arrow" w="med" len="med"/>
+          </a:ln>
+        </p:spPr>
+        <p:style>
+          <a:lnRef idx="1">
+            <a:schemeClr val="accent1"/>
+          </a:lnRef>
+          <a:fillRef idx="0">
+            <a:schemeClr val="accent1"/>
+          </a:fillRef>
+          <a:effectRef idx="0">
+            <a:schemeClr val="accent1"/>
+          </a:effectRef>
+          <a:fontRef idx="minor">
+            <a:schemeClr val="tx1"/>
+          </a:fontRef>
+        </p:style>
+      </p:cxnSp>
+      <p:cxnSp>
+        <p:nvCxnSpPr>
+          <p:cNvPr id="78" name="直線箭頭接點 77">
+            <a:extLst>
+              <a:ext uri="{FF2B5EF4-FFF2-40B4-BE49-F238E27FC236}">
+                <a16:creationId xmlns:a16="http://schemas.microsoft.com/office/drawing/2014/main" id="{786D78E3-19D4-AB4E-9800-92A22D758975}"/>
+              </a:ext>
+            </a:extLst>
+          </p:cNvPr>
+          <p:cNvCxnSpPr>
+            <a:cxnSpLocks/>
+          </p:cNvCxnSpPr>
+          <p:nvPr/>
+        </p:nvCxnSpPr>
+        <p:spPr>
+          <a:xfrm>
+            <a:off x="4279709" y="5495701"/>
+            <a:ext cx="532468" cy="371051"/>
+          </a:xfrm>
+          <a:prstGeom prst="straightConnector1">
+            <a:avLst/>
+          </a:prstGeom>
+          <a:ln w="12700">
+            <a:solidFill>
+              <a:schemeClr val="tx1"/>
+            </a:solidFill>
+            <a:headEnd type="none" w="med" len="med"/>
+            <a:tailEnd type="arrow" w="med" len="med"/>
+          </a:ln>
+        </p:spPr>
+        <p:style>
+          <a:lnRef idx="1">
+            <a:schemeClr val="accent1"/>
+          </a:lnRef>
+          <a:fillRef idx="0">
+            <a:schemeClr val="accent1"/>
+          </a:fillRef>
+          <a:effectRef idx="0">
+            <a:schemeClr val="accent1"/>
+          </a:effectRef>
+          <a:fontRef idx="minor">
+            <a:schemeClr val="tx1"/>
+          </a:fontRef>
+        </p:style>
+      </p:cxnSp>
+      <p:sp>
+        <p:nvSpPr>
+          <p:cNvPr id="81" name="文字方塊 80">
+            <a:extLst>
+              <a:ext uri="{FF2B5EF4-FFF2-40B4-BE49-F238E27FC236}">
+                <a16:creationId xmlns:a16="http://schemas.microsoft.com/office/drawing/2014/main" id="{52BABA96-93E7-CE4D-8100-2A7BA05BCCF7}"/>
+              </a:ext>
+            </a:extLst>
+          </p:cNvPr>
+          <p:cNvSpPr txBox="1"/>
+          <p:nvPr/>
+        </p:nvSpPr>
+        <p:spPr>
+          <a:xfrm>
+            <a:off x="3859746" y="4836575"/>
+            <a:ext cx="2251129" cy="276999"/>
+          </a:xfrm>
+          <a:prstGeom prst="rect">
+            <a:avLst/>
+          </a:prstGeom>
+          <a:noFill/>
+        </p:spPr>
+        <p:txBody>
+          <a:bodyPr wrap="none" rtlCol="0">
+            <a:spAutoFit/>
+          </a:bodyPr>
+          <a:lstStyle/>
+          <a:p>
+            <a:r>
+              <a:rPr kumimoji="1" lang="en-US" altLang="zh-TW" sz="1200" dirty="0">
+                <a:solidFill>
+                  <a:srgbClr val="0432FF"/>
+                </a:solidFill>
+              </a:rPr>
+              <a:t>Search shortest path from A to E:</a:t>
+            </a:r>
+            <a:endParaRPr kumimoji="1" lang="zh-TW" altLang="en-US" sz="1200" b="1" dirty="0">
+              <a:solidFill>
+                <a:srgbClr val="009051"/>
+              </a:solidFill>
+            </a:endParaRPr>
+          </a:p>
+        </p:txBody>
+      </p:sp>
+      <p:sp>
+        <p:nvSpPr>
+          <p:cNvPr id="82" name="文字方塊 81">
+            <a:extLst>
+              <a:ext uri="{FF2B5EF4-FFF2-40B4-BE49-F238E27FC236}">
+                <a16:creationId xmlns:a16="http://schemas.microsoft.com/office/drawing/2014/main" id="{02EE2413-B129-BA47-861C-BF98D2ABAE5C}"/>
+              </a:ext>
+            </a:extLst>
+          </p:cNvPr>
+          <p:cNvSpPr txBox="1"/>
+          <p:nvPr/>
+        </p:nvSpPr>
+        <p:spPr>
+          <a:xfrm>
+            <a:off x="5357496" y="5272698"/>
+            <a:ext cx="250390" cy="246221"/>
+          </a:xfrm>
+          <a:prstGeom prst="rect">
+            <a:avLst/>
+          </a:prstGeom>
+          <a:noFill/>
+        </p:spPr>
+        <p:txBody>
+          <a:bodyPr wrap="none" rtlCol="0">
+            <a:spAutoFit/>
+          </a:bodyPr>
+          <a:lstStyle/>
+          <a:p>
+            <a:r>
+              <a:rPr kumimoji="1" lang="en-US" altLang="zh-TW" sz="1000" dirty="0"/>
+              <a:t>4</a:t>
+            </a:r>
+            <a:endParaRPr kumimoji="1" lang="zh-TW" altLang="en-US" sz="1000" b="1" dirty="0"/>
+          </a:p>
+        </p:txBody>
+      </p:sp>
+      <p:sp>
+        <p:nvSpPr>
+          <p:cNvPr id="84" name="文字方塊 83">
+            <a:extLst>
+              <a:ext uri="{FF2B5EF4-FFF2-40B4-BE49-F238E27FC236}">
+                <a16:creationId xmlns:a16="http://schemas.microsoft.com/office/drawing/2014/main" id="{1AA50202-717C-7D47-8206-E8F5EDECF3C7}"/>
+              </a:ext>
+            </a:extLst>
+          </p:cNvPr>
+          <p:cNvSpPr txBox="1"/>
+          <p:nvPr/>
+        </p:nvSpPr>
+        <p:spPr>
+          <a:xfrm>
+            <a:off x="4945462" y="5569711"/>
+            <a:ext cx="250390" cy="246221"/>
+          </a:xfrm>
+          <a:prstGeom prst="rect">
+            <a:avLst/>
+          </a:prstGeom>
+          <a:noFill/>
+        </p:spPr>
+        <p:txBody>
+          <a:bodyPr wrap="none" rtlCol="0">
+            <a:spAutoFit/>
+          </a:bodyPr>
+          <a:lstStyle/>
+          <a:p>
+            <a:r>
+              <a:rPr kumimoji="1" lang="en-US" altLang="zh-TW" sz="1000" dirty="0"/>
+              <a:t>1</a:t>
+            </a:r>
+            <a:endParaRPr kumimoji="1" lang="zh-TW" altLang="en-US" sz="1000" b="1" dirty="0"/>
+          </a:p>
+        </p:txBody>
+      </p:sp>
+      <p:sp>
+        <p:nvSpPr>
+          <p:cNvPr id="85" name="文字方塊 84">
+            <a:extLst>
+              <a:ext uri="{FF2B5EF4-FFF2-40B4-BE49-F238E27FC236}">
+                <a16:creationId xmlns:a16="http://schemas.microsoft.com/office/drawing/2014/main" id="{CD1B921D-D6CA-6A4B-BFB2-0778B71F5847}"/>
+              </a:ext>
+            </a:extLst>
+          </p:cNvPr>
+          <p:cNvSpPr txBox="1"/>
+          <p:nvPr/>
+        </p:nvSpPr>
+        <p:spPr>
+          <a:xfrm>
+            <a:off x="5342751" y="5780249"/>
+            <a:ext cx="250390" cy="246221"/>
+          </a:xfrm>
+          <a:prstGeom prst="rect">
+            <a:avLst/>
+          </a:prstGeom>
+          <a:noFill/>
+        </p:spPr>
+        <p:txBody>
+          <a:bodyPr wrap="none" rtlCol="0">
+            <a:spAutoFit/>
+          </a:bodyPr>
+          <a:lstStyle/>
+          <a:p>
+            <a:r>
+              <a:rPr kumimoji="1" lang="en-US" altLang="zh-TW" sz="1000" dirty="0"/>
+              <a:t>2</a:t>
+            </a:r>
+            <a:endParaRPr kumimoji="1" lang="zh-TW" altLang="en-US" sz="1000" b="1" dirty="0"/>
+          </a:p>
+        </p:txBody>
+      </p:sp>
+      <p:sp>
+        <p:nvSpPr>
+          <p:cNvPr id="86" name="文字方塊 85">
+            <a:extLst>
+              <a:ext uri="{FF2B5EF4-FFF2-40B4-BE49-F238E27FC236}">
+                <a16:creationId xmlns:a16="http://schemas.microsoft.com/office/drawing/2014/main" id="{14FB8BD9-6A2C-244B-9114-4FE65D48D7B7}"/>
+              </a:ext>
+            </a:extLst>
+          </p:cNvPr>
+          <p:cNvSpPr txBox="1"/>
+          <p:nvPr/>
+        </p:nvSpPr>
+        <p:spPr>
+          <a:xfrm>
+            <a:off x="4464750" y="5107559"/>
+            <a:ext cx="250390" cy="246221"/>
+          </a:xfrm>
+          <a:prstGeom prst="rect">
+            <a:avLst/>
+          </a:prstGeom>
+          <a:noFill/>
+        </p:spPr>
+        <p:txBody>
+          <a:bodyPr wrap="none" rtlCol="0">
+            <a:spAutoFit/>
+          </a:bodyPr>
+          <a:lstStyle/>
+          <a:p>
+            <a:r>
+              <a:rPr kumimoji="1" lang="en-US" altLang="zh-TW" sz="1000" dirty="0"/>
+              <a:t>3</a:t>
+            </a:r>
+            <a:endParaRPr kumimoji="1" lang="zh-TW" altLang="en-US" sz="1000" b="1" dirty="0"/>
+          </a:p>
+        </p:txBody>
+      </p:sp>
+      <p:sp>
+        <p:nvSpPr>
+          <p:cNvPr id="87" name="文字方塊 86">
+            <a:extLst>
+              <a:ext uri="{FF2B5EF4-FFF2-40B4-BE49-F238E27FC236}">
+                <a16:creationId xmlns:a16="http://schemas.microsoft.com/office/drawing/2014/main" id="{919A8C2E-F8D9-514C-8D21-A28B969A3B03}"/>
+              </a:ext>
+            </a:extLst>
+          </p:cNvPr>
+          <p:cNvSpPr txBox="1"/>
+          <p:nvPr/>
+        </p:nvSpPr>
+        <p:spPr>
+          <a:xfrm>
+            <a:off x="4457861" y="5470598"/>
+            <a:ext cx="288862" cy="246221"/>
+          </a:xfrm>
+          <a:prstGeom prst="rect">
+            <a:avLst/>
+          </a:prstGeom>
+          <a:noFill/>
+        </p:spPr>
+        <p:txBody>
+          <a:bodyPr wrap="none" rtlCol="0">
+            <a:spAutoFit/>
+          </a:bodyPr>
+          <a:lstStyle/>
+          <a:p>
+            <a:r>
+              <a:rPr kumimoji="1" lang="en-US" altLang="zh-TW" sz="1000" dirty="0">
+                <a:solidFill>
+                  <a:srgbClr val="FF0000"/>
+                </a:solidFill>
+              </a:rPr>
+              <a:t>-6</a:t>
+            </a:r>
+            <a:endParaRPr kumimoji="1" lang="zh-TW" altLang="en-US" sz="1000" b="1" dirty="0">
+              <a:solidFill>
+                <a:srgbClr val="FF0000"/>
+              </a:solidFill>
+            </a:endParaRPr>
+          </a:p>
+        </p:txBody>
+      </p:sp>
+      <p:sp>
+        <p:nvSpPr>
+          <p:cNvPr id="88" name="文字方塊 87">
+            <a:extLst>
+              <a:ext uri="{FF2B5EF4-FFF2-40B4-BE49-F238E27FC236}">
+                <a16:creationId xmlns:a16="http://schemas.microsoft.com/office/drawing/2014/main" id="{32F18135-298B-A348-9ACC-45CB2833F169}"/>
+              </a:ext>
+            </a:extLst>
+          </p:cNvPr>
+          <p:cNvSpPr txBox="1"/>
+          <p:nvPr/>
+        </p:nvSpPr>
+        <p:spPr>
+          <a:xfrm>
+            <a:off x="4365621" y="5951783"/>
+            <a:ext cx="250390" cy="246221"/>
+          </a:xfrm>
+          <a:prstGeom prst="rect">
+            <a:avLst/>
+          </a:prstGeom>
+          <a:noFill/>
+        </p:spPr>
+        <p:txBody>
+          <a:bodyPr wrap="none" rtlCol="0">
+            <a:spAutoFit/>
+          </a:bodyPr>
+          <a:lstStyle/>
+          <a:p>
+            <a:r>
+              <a:rPr kumimoji="1" lang="en-US" altLang="zh-TW" sz="1000" dirty="0"/>
+              <a:t>2</a:t>
+            </a:r>
+            <a:endParaRPr kumimoji="1" lang="zh-TW" altLang="en-US" sz="1000" b="1" dirty="0"/>
+          </a:p>
+        </p:txBody>
+      </p:sp>
+      <p:sp>
+        <p:nvSpPr>
+          <p:cNvPr id="89" name="文字方塊 88">
+            <a:extLst>
+              <a:ext uri="{FF2B5EF4-FFF2-40B4-BE49-F238E27FC236}">
+                <a16:creationId xmlns:a16="http://schemas.microsoft.com/office/drawing/2014/main" id="{1AFD6993-8D2B-E14F-9460-1DBE2913BE28}"/>
+              </a:ext>
+            </a:extLst>
+          </p:cNvPr>
+          <p:cNvSpPr txBox="1"/>
+          <p:nvPr/>
+        </p:nvSpPr>
+        <p:spPr>
+          <a:xfrm>
+            <a:off x="3855813" y="5529087"/>
+            <a:ext cx="250390" cy="246221"/>
+          </a:xfrm>
+          <a:prstGeom prst="rect">
+            <a:avLst/>
+          </a:prstGeom>
+          <a:noFill/>
+        </p:spPr>
+        <p:txBody>
+          <a:bodyPr wrap="none" rtlCol="0">
+            <a:spAutoFit/>
+          </a:bodyPr>
+          <a:lstStyle/>
+          <a:p>
+            <a:r>
+              <a:rPr kumimoji="1" lang="en-US" altLang="zh-TW" sz="1000" dirty="0"/>
+              <a:t>6</a:t>
+            </a:r>
+            <a:endParaRPr kumimoji="1" lang="zh-TW" altLang="en-US" sz="1000" b="1" dirty="0"/>
+          </a:p>
+        </p:txBody>
+      </p:sp>
+      <p:graphicFrame>
+        <p:nvGraphicFramePr>
+          <p:cNvPr id="90" name="表格 56">
+            <a:extLst>
+              <a:ext uri="{FF2B5EF4-FFF2-40B4-BE49-F238E27FC236}">
+                <a16:creationId xmlns:a16="http://schemas.microsoft.com/office/drawing/2014/main" id="{FF52026B-ACEF-2241-92A9-748DB0F386E1}"/>
+              </a:ext>
+            </a:extLst>
+          </p:cNvPr>
+          <p:cNvGraphicFramePr>
+            <a:graphicFrameLocks noGrp="1"/>
+          </p:cNvGraphicFramePr>
+          <p:nvPr>
+            <p:extLst>
+              <p:ext uri="{D42A27DB-BD31-4B8C-83A1-F6EECF244321}">
+                <p14:modId xmlns:p14="http://schemas.microsoft.com/office/powerpoint/2010/main" val="1303252756"/>
+              </p:ext>
+            </p:extLst>
+          </p:nvPr>
+        </p:nvGraphicFramePr>
+        <p:xfrm>
+          <a:off x="3564543" y="6256604"/>
+          <a:ext cx="2753746" cy="1932608"/>
+        </p:xfrm>
+        <a:graphic>
+          <a:graphicData uri="http://schemas.openxmlformats.org/drawingml/2006/table">
+            <a:tbl>
+              <a:tblPr firstRow="1" bandRow="1">
+                <a:tableStyleId>{5C22544A-7EE6-4342-B048-85BDC9FD1C3A}</a:tableStyleId>
+              </a:tblPr>
+              <a:tblGrid>
+                <a:gridCol w="1039331">
+                  <a:extLst>
+                    <a:ext uri="{9D8B030D-6E8A-4147-A177-3AD203B41FA5}">
+                      <a16:colId xmlns:a16="http://schemas.microsoft.com/office/drawing/2014/main" val="3247701678"/>
+                    </a:ext>
+                  </a:extLst>
+                </a:gridCol>
+                <a:gridCol w="1714415">
+                  <a:extLst>
+                    <a:ext uri="{9D8B030D-6E8A-4147-A177-3AD203B41FA5}">
+                      <a16:colId xmlns:a16="http://schemas.microsoft.com/office/drawing/2014/main" val="4013374876"/>
+                    </a:ext>
+                  </a:extLst>
+                </a:gridCol>
+              </a:tblGrid>
+              <a:tr h="238042">
+                <a:tc>
+                  <a:txBody>
+                    <a:bodyPr/>
+                    <a:lstStyle/>
+                    <a:p>
+                      <a:pPr marL="0" algn="ctr" defTabSz="685800" rtl="0" eaLnBrk="1" latinLnBrk="0" hangingPunct="1"/>
+                      <a:r>
+                        <a:rPr lang="en-US" altLang="zh-TW" sz="1200" b="0" kern="1200" dirty="0">
+                          <a:solidFill>
+                            <a:schemeClr val="dk1"/>
+                          </a:solidFill>
+                          <a:latin typeface="+mn-lt"/>
+                          <a:ea typeface="+mn-ea"/>
+                          <a:cs typeface="+mn-cs"/>
+                        </a:rPr>
+                        <a:t>Current vertex</a:t>
+                      </a:r>
+                      <a:endParaRPr lang="zh-TW" altLang="en-US" sz="1200" b="0" kern="1200" dirty="0">
+                        <a:solidFill>
+                          <a:schemeClr val="dk1"/>
+                        </a:solidFill>
+                        <a:latin typeface="+mn-lt"/>
+                        <a:ea typeface="+mn-ea"/>
+                        <a:cs typeface="+mn-cs"/>
+                      </a:endParaRPr>
+                    </a:p>
+                  </a:txBody>
+                  <a:tcPr marL="57600" marR="58695" marT="29348" marB="29348">
+                    <a:lnR w="12700" cmpd="sng">
+                      <a:noFill/>
+                    </a:lnR>
+                    <a:noFill/>
+                  </a:tcPr>
+                </a:tc>
+                <a:tc>
+                  <a:txBody>
+                    <a:bodyPr/>
+                    <a:lstStyle/>
+                    <a:p>
+                      <a:pPr marL="0" algn="ctr" defTabSz="685800" rtl="0" eaLnBrk="1" latinLnBrk="0" hangingPunct="1"/>
+                      <a:r>
+                        <a:rPr lang="en-US" altLang="zh-TW" sz="1200" b="0" kern="1200" dirty="0">
+                          <a:solidFill>
+                            <a:schemeClr val="dk1"/>
+                          </a:solidFill>
+                          <a:latin typeface="+mn-lt"/>
+                          <a:ea typeface="+mn-ea"/>
+                          <a:cs typeface="+mn-cs"/>
+                        </a:rPr>
+                        <a:t>Vertices in queue</a:t>
+                      </a:r>
+                      <a:endParaRPr lang="zh-TW" altLang="en-US" sz="1200" b="0" kern="1200" dirty="0">
+                        <a:solidFill>
+                          <a:schemeClr val="dk1"/>
+                        </a:solidFill>
+                        <a:latin typeface="+mn-lt"/>
+                        <a:ea typeface="+mn-ea"/>
+                        <a:cs typeface="+mn-cs"/>
+                      </a:endParaRPr>
+                    </a:p>
+                  </a:txBody>
+                  <a:tcPr marL="58695" marR="58695" marT="29348" marB="29348">
+                    <a:lnL w="12700" cmpd="sng">
+                      <a:noFill/>
+                    </a:lnL>
+                    <a:noFill/>
+                  </a:tcPr>
+                </a:tc>
+                <a:extLst>
+                  <a:ext uri="{0D108BD9-81ED-4DB2-BD59-A6C34878D82A}">
+                    <a16:rowId xmlns:a16="http://schemas.microsoft.com/office/drawing/2014/main" val="3955762702"/>
+                  </a:ext>
+                </a:extLst>
+              </a:tr>
+              <a:tr h="238042">
+                <a:tc>
+                  <a:txBody>
+                    <a:bodyPr/>
+                    <a:lstStyle/>
+                    <a:p>
+                      <a:pPr marL="0" algn="ctr" defTabSz="685800" rtl="0" eaLnBrk="1" latinLnBrk="0" hangingPunct="1"/>
+                      <a:r>
+                        <a:rPr lang="en-US" altLang="zh-TW" sz="1200" kern="1200" dirty="0">
+                          <a:solidFill>
+                            <a:schemeClr val="dk1"/>
+                          </a:solidFill>
+                          <a:latin typeface="+mn-lt"/>
+                          <a:ea typeface="+mn-ea"/>
+                          <a:cs typeface="+mn-cs"/>
+                        </a:rPr>
+                        <a:t>A</a:t>
+                      </a:r>
+                      <a:endParaRPr lang="zh-TW" altLang="en-US" sz="1200" kern="1200" dirty="0">
+                        <a:solidFill>
+                          <a:schemeClr val="dk1"/>
+                        </a:solidFill>
+                        <a:latin typeface="+mn-lt"/>
+                        <a:ea typeface="+mn-ea"/>
+                        <a:cs typeface="+mn-cs"/>
+                      </a:endParaRPr>
+                    </a:p>
+                  </a:txBody>
+                  <a:tcPr marL="58695" marR="58695" marT="29348" marB="29348"/>
+                </a:tc>
+                <a:tc>
+                  <a:txBody>
+                    <a:bodyPr/>
+                    <a:lstStyle/>
+                    <a:p>
+                      <a:pPr marL="0" algn="l" defTabSz="685800" rtl="0" eaLnBrk="1" latinLnBrk="0" hangingPunct="1"/>
+                      <a:r>
+                        <a:rPr lang="en-US" altLang="zh-TW" sz="1200" kern="1200" dirty="0">
+                          <a:solidFill>
+                            <a:schemeClr val="dk1"/>
+                          </a:solidFill>
+                          <a:latin typeface="+mn-lt"/>
+                          <a:ea typeface="+mn-ea"/>
+                          <a:cs typeface="+mn-cs"/>
+                        </a:rPr>
+                        <a:t>D(2, A), B(4, A)</a:t>
+                      </a:r>
+                      <a:endParaRPr lang="zh-TW" altLang="en-US" sz="1200" kern="1200" dirty="0">
+                        <a:solidFill>
+                          <a:schemeClr val="dk1"/>
+                        </a:solidFill>
+                        <a:latin typeface="+mn-lt"/>
+                        <a:ea typeface="+mn-ea"/>
+                        <a:cs typeface="+mn-cs"/>
+                      </a:endParaRPr>
+                    </a:p>
+                  </a:txBody>
+                  <a:tcPr marL="58695" marR="58695" marT="29348" marB="29348"/>
+                </a:tc>
+                <a:extLst>
+                  <a:ext uri="{0D108BD9-81ED-4DB2-BD59-A6C34878D82A}">
+                    <a16:rowId xmlns:a16="http://schemas.microsoft.com/office/drawing/2014/main" val="3991906144"/>
+                  </a:ext>
+                </a:extLst>
+              </a:tr>
+              <a:tr h="238042">
+                <a:tc>
+                  <a:txBody>
+                    <a:bodyPr/>
+                    <a:lstStyle/>
+                    <a:p>
+                      <a:pPr marL="0" algn="ctr" defTabSz="685800" rtl="0" eaLnBrk="1" latinLnBrk="0" hangingPunct="1"/>
+                      <a:r>
+                        <a:rPr lang="en-US" altLang="zh-TW" sz="1200" kern="1200" dirty="0">
+                          <a:solidFill>
+                            <a:schemeClr val="dk1"/>
+                          </a:solidFill>
+                          <a:latin typeface="+mn-lt"/>
+                          <a:ea typeface="+mn-ea"/>
+                          <a:cs typeface="+mn-cs"/>
+                        </a:rPr>
+                        <a:t>D</a:t>
+                      </a:r>
+                      <a:endParaRPr lang="zh-TW" altLang="en-US" sz="1200" kern="1200" dirty="0">
+                        <a:solidFill>
+                          <a:schemeClr val="dk1"/>
+                        </a:solidFill>
+                        <a:latin typeface="+mn-lt"/>
+                        <a:ea typeface="+mn-ea"/>
+                        <a:cs typeface="+mn-cs"/>
+                      </a:endParaRPr>
+                    </a:p>
+                  </a:txBody>
+                  <a:tcPr marL="58695" marR="58695" marT="29348" marB="29348"/>
+                </a:tc>
+                <a:tc>
+                  <a:txBody>
+                    <a:bodyPr/>
+                    <a:lstStyle/>
+                    <a:p>
+                      <a:pPr marL="0" algn="l" defTabSz="685800" rtl="0" eaLnBrk="1" latinLnBrk="0" hangingPunct="1"/>
+                      <a:r>
+                        <a:rPr lang="en-US" altLang="zh-TW" sz="1200" kern="1200" dirty="0">
+                          <a:solidFill>
+                            <a:schemeClr val="dk1"/>
+                          </a:solidFill>
+                          <a:latin typeface="+mn-lt"/>
+                          <a:ea typeface="+mn-ea"/>
+                          <a:cs typeface="+mn-cs"/>
+                        </a:rPr>
+                        <a:t>B(3, D), B(3, D)</a:t>
+                      </a:r>
+                      <a:endParaRPr lang="zh-TW" altLang="en-US" sz="1200" b="0" kern="1200" dirty="0">
+                        <a:solidFill>
+                          <a:schemeClr val="dk1"/>
+                        </a:solidFill>
+                        <a:latin typeface="+mn-lt"/>
+                        <a:ea typeface="+mn-ea"/>
+                        <a:cs typeface="+mn-cs"/>
+                      </a:endParaRPr>
+                    </a:p>
+                  </a:txBody>
+                  <a:tcPr marL="58695" marR="58695" marT="29348" marB="29348"/>
+                </a:tc>
+                <a:extLst>
+                  <a:ext uri="{0D108BD9-81ED-4DB2-BD59-A6C34878D82A}">
+                    <a16:rowId xmlns:a16="http://schemas.microsoft.com/office/drawing/2014/main" val="809511413"/>
+                  </a:ext>
+                </a:extLst>
+              </a:tr>
+              <a:tr h="238042">
+                <a:tc>
+                  <a:txBody>
+                    <a:bodyPr/>
+                    <a:lstStyle/>
+                    <a:p>
+                      <a:pPr marL="0" algn="ctr" defTabSz="685800" rtl="0" eaLnBrk="1" latinLnBrk="0" hangingPunct="1"/>
+                      <a:r>
+                        <a:rPr lang="en-US" altLang="zh-TW" sz="1200" kern="1200" dirty="0">
+                          <a:solidFill>
+                            <a:schemeClr val="dk1"/>
+                          </a:solidFill>
+                          <a:latin typeface="+mn-lt"/>
+                          <a:ea typeface="+mn-ea"/>
+                          <a:cs typeface="+mn-cs"/>
+                        </a:rPr>
+                        <a:t>B</a:t>
+                      </a:r>
+                      <a:endParaRPr lang="zh-TW" altLang="en-US" sz="1200" kern="1200" dirty="0">
+                        <a:solidFill>
+                          <a:schemeClr val="dk1"/>
+                        </a:solidFill>
+                        <a:latin typeface="+mn-lt"/>
+                        <a:ea typeface="+mn-ea"/>
+                        <a:cs typeface="+mn-cs"/>
+                      </a:endParaRPr>
+                    </a:p>
+                  </a:txBody>
+                  <a:tcPr marL="58695" marR="58695" marT="29348" marB="29348"/>
+                </a:tc>
+                <a:tc>
+                  <a:txBody>
+                    <a:bodyPr/>
+                    <a:lstStyle/>
+                    <a:p>
+                      <a:pPr marL="0" algn="l" defTabSz="685800" rtl="0" eaLnBrk="1" latinLnBrk="0" hangingPunct="1"/>
+                      <a:r>
+                        <a:rPr lang="en-US" altLang="zh-TW" sz="1200" kern="1200" dirty="0">
+                          <a:solidFill>
+                            <a:schemeClr val="dk1"/>
+                          </a:solidFill>
+                          <a:latin typeface="+mn-lt"/>
+                          <a:ea typeface="+mn-ea"/>
+                          <a:cs typeface="+mn-cs"/>
+                        </a:rPr>
+                        <a:t>C(6, B)</a:t>
+                      </a:r>
+                      <a:endParaRPr lang="zh-TW" altLang="en-US" sz="1200" kern="1200" dirty="0">
+                        <a:solidFill>
+                          <a:schemeClr val="dk1"/>
+                        </a:solidFill>
+                        <a:latin typeface="+mn-lt"/>
+                        <a:ea typeface="+mn-ea"/>
+                        <a:cs typeface="+mn-cs"/>
+                      </a:endParaRPr>
+                    </a:p>
+                  </a:txBody>
+                  <a:tcPr marL="58695" marR="58695" marT="29348" marB="29348"/>
+                </a:tc>
+                <a:extLst>
+                  <a:ext uri="{0D108BD9-81ED-4DB2-BD59-A6C34878D82A}">
+                    <a16:rowId xmlns:a16="http://schemas.microsoft.com/office/drawing/2014/main" val="2676381122"/>
+                  </a:ext>
+                </a:extLst>
+              </a:tr>
+              <a:tr h="0">
+                <a:tc>
+                  <a:txBody>
+                    <a:bodyPr/>
+                    <a:lstStyle/>
+                    <a:p>
+                      <a:pPr marL="0" algn="ctr" defTabSz="685800" rtl="0" eaLnBrk="1" latinLnBrk="0" hangingPunct="1"/>
+                      <a:r>
+                        <a:rPr lang="en-US" altLang="zh-TW" sz="1200" kern="1200" dirty="0">
+                          <a:solidFill>
+                            <a:schemeClr val="dk1"/>
+                          </a:solidFill>
+                          <a:latin typeface="+mn-lt"/>
+                          <a:ea typeface="+mn-ea"/>
+                          <a:cs typeface="+mn-cs"/>
+                        </a:rPr>
+                        <a:t>C</a:t>
+                      </a:r>
+                      <a:endParaRPr lang="zh-TW" altLang="en-US" sz="1200" kern="1200" dirty="0">
+                        <a:solidFill>
+                          <a:schemeClr val="dk1"/>
+                        </a:solidFill>
+                        <a:latin typeface="+mn-lt"/>
+                        <a:ea typeface="+mn-ea"/>
+                        <a:cs typeface="+mn-cs"/>
+                      </a:endParaRPr>
+                    </a:p>
+                  </a:txBody>
+                  <a:tcPr marL="58695" marR="58695" marT="29348" marB="29348"/>
+                </a:tc>
+                <a:tc>
+                  <a:txBody>
+                    <a:bodyPr/>
+                    <a:lstStyle/>
+                    <a:p>
+                      <a:pPr marL="0" algn="l" defTabSz="685800" rtl="0" eaLnBrk="1" latinLnBrk="0" hangingPunct="1"/>
+                      <a:r>
+                        <a:rPr lang="en-US" altLang="zh-TW" sz="1200" kern="1200" dirty="0">
+                          <a:solidFill>
+                            <a:schemeClr val="dk1"/>
+                          </a:solidFill>
+                          <a:latin typeface="+mn-lt"/>
+                          <a:ea typeface="+mn-ea"/>
+                          <a:cs typeface="+mn-cs"/>
+                        </a:rPr>
+                        <a:t>D(0, C), E(12, C)</a:t>
+                      </a:r>
+                      <a:endParaRPr lang="zh-TW" altLang="en-US" sz="1200" kern="1200" dirty="0">
+                        <a:solidFill>
+                          <a:schemeClr val="dk1"/>
+                        </a:solidFill>
+                        <a:latin typeface="+mn-lt"/>
+                        <a:ea typeface="+mn-ea"/>
+                        <a:cs typeface="+mn-cs"/>
+                      </a:endParaRPr>
+                    </a:p>
+                  </a:txBody>
+                  <a:tcPr marL="58695" marR="58695" marT="29348" marB="29348"/>
+                </a:tc>
+                <a:extLst>
+                  <a:ext uri="{0D108BD9-81ED-4DB2-BD59-A6C34878D82A}">
+                    <a16:rowId xmlns:a16="http://schemas.microsoft.com/office/drawing/2014/main" val="2023990080"/>
+                  </a:ext>
+                </a:extLst>
+              </a:tr>
+              <a:tr h="0">
+                <a:tc>
+                  <a:txBody>
+                    <a:bodyPr/>
+                    <a:lstStyle/>
+                    <a:p>
+                      <a:pPr marL="0" algn="ctr" defTabSz="685800" rtl="0" eaLnBrk="1" latinLnBrk="0" hangingPunct="1"/>
+                      <a:r>
+                        <a:rPr lang="en-US" altLang="zh-TW" sz="1200" kern="1200" dirty="0">
+                          <a:solidFill>
+                            <a:schemeClr val="dk1"/>
+                          </a:solidFill>
+                          <a:latin typeface="+mn-lt"/>
+                          <a:ea typeface="+mn-ea"/>
+                          <a:cs typeface="+mn-cs"/>
+                        </a:rPr>
+                        <a:t>D</a:t>
+                      </a:r>
+                      <a:endParaRPr lang="zh-TW" altLang="en-US" sz="1200" kern="1200" dirty="0">
+                        <a:solidFill>
+                          <a:schemeClr val="dk1"/>
+                        </a:solidFill>
+                        <a:latin typeface="+mn-lt"/>
+                        <a:ea typeface="+mn-ea"/>
+                        <a:cs typeface="+mn-cs"/>
+                      </a:endParaRPr>
+                    </a:p>
+                  </a:txBody>
+                  <a:tcPr marL="58695" marR="58695" marT="29348" marB="29348"/>
+                </a:tc>
+                <a:tc>
+                  <a:txBody>
+                    <a:bodyPr/>
+                    <a:lstStyle/>
+                    <a:p>
+                      <a:pPr marL="0" algn="l" defTabSz="685800" rtl="0" eaLnBrk="1" latinLnBrk="0" hangingPunct="1"/>
+                      <a:r>
+                        <a:rPr lang="en-US" altLang="zh-TW" sz="1200" kern="1200" dirty="0">
+                          <a:solidFill>
+                            <a:schemeClr val="dk1"/>
+                          </a:solidFill>
+                          <a:latin typeface="+mn-lt"/>
+                          <a:ea typeface="+mn-ea"/>
+                          <a:cs typeface="+mn-cs"/>
+                        </a:rPr>
+                        <a:t>B(1, D), E(12, C)</a:t>
+                      </a:r>
+                      <a:endParaRPr lang="zh-TW" altLang="en-US" sz="1200" kern="1200" dirty="0">
+                        <a:solidFill>
+                          <a:schemeClr val="dk1"/>
+                        </a:solidFill>
+                        <a:latin typeface="+mn-lt"/>
+                        <a:ea typeface="+mn-ea"/>
+                        <a:cs typeface="+mn-cs"/>
+                      </a:endParaRPr>
+                    </a:p>
+                  </a:txBody>
+                  <a:tcPr marL="58695" marR="58695" marT="29348" marB="29348"/>
+                </a:tc>
+                <a:extLst>
+                  <a:ext uri="{0D108BD9-81ED-4DB2-BD59-A6C34878D82A}">
+                    <a16:rowId xmlns:a16="http://schemas.microsoft.com/office/drawing/2014/main" val="965229848"/>
+                  </a:ext>
+                </a:extLst>
+              </a:tr>
+              <a:tr h="0">
+                <a:tc>
+                  <a:txBody>
+                    <a:bodyPr/>
+                    <a:lstStyle/>
+                    <a:p>
+                      <a:pPr marL="0" algn="ctr" defTabSz="685800" rtl="0" eaLnBrk="1" latinLnBrk="0" hangingPunct="1"/>
+                      <a:r>
+                        <a:rPr lang="en-US" altLang="zh-TW" sz="1200" kern="1200" dirty="0">
+                          <a:solidFill>
+                            <a:schemeClr val="dk1"/>
+                          </a:solidFill>
+                          <a:latin typeface="+mn-lt"/>
+                          <a:ea typeface="+mn-ea"/>
+                          <a:cs typeface="+mn-cs"/>
+                        </a:rPr>
+                        <a:t>B</a:t>
+                      </a:r>
+                      <a:endParaRPr lang="zh-TW" altLang="en-US" sz="1200" kern="1200" dirty="0">
+                        <a:solidFill>
+                          <a:schemeClr val="dk1"/>
+                        </a:solidFill>
+                        <a:latin typeface="+mn-lt"/>
+                        <a:ea typeface="+mn-ea"/>
+                        <a:cs typeface="+mn-cs"/>
+                      </a:endParaRPr>
+                    </a:p>
+                  </a:txBody>
+                  <a:tcPr marL="58695" marR="58695" marT="29348" marB="29348"/>
+                </a:tc>
+                <a:tc>
+                  <a:txBody>
+                    <a:bodyPr/>
+                    <a:lstStyle/>
+                    <a:p>
+                      <a:pPr marL="0" algn="l" defTabSz="685800" rtl="0" eaLnBrk="1" latinLnBrk="0" hangingPunct="1"/>
+                      <a:r>
+                        <a:rPr lang="en-US" altLang="zh-TW" sz="1200" kern="1200" dirty="0">
+                          <a:solidFill>
+                            <a:schemeClr val="dk1"/>
+                          </a:solidFill>
+                          <a:latin typeface="+mn-lt"/>
+                          <a:ea typeface="+mn-ea"/>
+                          <a:cs typeface="+mn-cs"/>
+                        </a:rPr>
+                        <a:t>C(4, B), E(12, C)</a:t>
+                      </a:r>
+                      <a:endParaRPr lang="zh-TW" altLang="en-US" sz="1200" kern="1200" dirty="0">
+                        <a:solidFill>
+                          <a:schemeClr val="dk1"/>
+                        </a:solidFill>
+                        <a:latin typeface="+mn-lt"/>
+                        <a:ea typeface="+mn-ea"/>
+                        <a:cs typeface="+mn-cs"/>
+                      </a:endParaRPr>
+                    </a:p>
+                  </a:txBody>
+                  <a:tcPr marL="58695" marR="58695" marT="29348" marB="29348"/>
+                </a:tc>
+                <a:extLst>
+                  <a:ext uri="{0D108BD9-81ED-4DB2-BD59-A6C34878D82A}">
+                    <a16:rowId xmlns:a16="http://schemas.microsoft.com/office/drawing/2014/main" val="463024728"/>
+                  </a:ext>
+                </a:extLst>
+              </a:tr>
+              <a:tr h="0">
+                <a:tc>
+                  <a:txBody>
+                    <a:bodyPr/>
+                    <a:lstStyle/>
+                    <a:p>
+                      <a:pPr marL="0" algn="ctr" defTabSz="685800" rtl="0" eaLnBrk="1" latinLnBrk="0" hangingPunct="1"/>
+                      <a:r>
+                        <a:rPr lang="en-US" altLang="zh-TW" sz="1200" kern="1200" dirty="0">
+                          <a:solidFill>
+                            <a:schemeClr val="dk1"/>
+                          </a:solidFill>
+                          <a:latin typeface="+mn-lt"/>
+                          <a:ea typeface="+mn-ea"/>
+                          <a:cs typeface="+mn-cs"/>
+                        </a:rPr>
+                        <a:t>C</a:t>
+                      </a:r>
+                      <a:endParaRPr lang="zh-TW" altLang="en-US" sz="1200" kern="1200" dirty="0">
+                        <a:solidFill>
+                          <a:schemeClr val="dk1"/>
+                        </a:solidFill>
+                        <a:latin typeface="+mn-lt"/>
+                        <a:ea typeface="+mn-ea"/>
+                        <a:cs typeface="+mn-cs"/>
+                      </a:endParaRPr>
+                    </a:p>
+                  </a:txBody>
+                  <a:tcPr marL="58695" marR="58695" marT="29348" marB="29348"/>
+                </a:tc>
+                <a:tc>
+                  <a:txBody>
+                    <a:bodyPr/>
+                    <a:lstStyle/>
+                    <a:p>
+                      <a:pPr marL="0" algn="l" defTabSz="685800" rtl="0" eaLnBrk="1" latinLnBrk="0" hangingPunct="1"/>
+                      <a:r>
+                        <a:rPr lang="en-US" altLang="zh-TW" sz="1200" kern="1200" dirty="0">
+                          <a:solidFill>
+                            <a:schemeClr val="dk1"/>
+                          </a:solidFill>
+                          <a:latin typeface="+mn-lt"/>
+                          <a:ea typeface="+mn-ea"/>
+                          <a:cs typeface="+mn-cs"/>
+                        </a:rPr>
+                        <a:t>D(-2, C), E(10, C), E(10, C)</a:t>
+                      </a:r>
+                      <a:endParaRPr lang="zh-TW" altLang="en-US" sz="1200" kern="1200" dirty="0">
+                        <a:solidFill>
+                          <a:schemeClr val="dk1"/>
+                        </a:solidFill>
+                        <a:latin typeface="+mn-lt"/>
+                        <a:ea typeface="+mn-ea"/>
+                        <a:cs typeface="+mn-cs"/>
+                      </a:endParaRPr>
+                    </a:p>
+                  </a:txBody>
+                  <a:tcPr marL="58695" marR="58695" marT="29348" marB="29348"/>
+                </a:tc>
+                <a:extLst>
+                  <a:ext uri="{0D108BD9-81ED-4DB2-BD59-A6C34878D82A}">
+                    <a16:rowId xmlns:a16="http://schemas.microsoft.com/office/drawing/2014/main" val="3239767033"/>
+                  </a:ext>
+                </a:extLst>
+              </a:tr>
+            </a:tbl>
+          </a:graphicData>
+        </a:graphic>
+      </p:graphicFrame>
+      <p:sp>
+        <p:nvSpPr>
+          <p:cNvPr id="91" name="文字方塊 90">
+            <a:extLst>
+              <a:ext uri="{FF2B5EF4-FFF2-40B4-BE49-F238E27FC236}">
+                <a16:creationId xmlns:a16="http://schemas.microsoft.com/office/drawing/2014/main" id="{470C446A-2015-C54C-8AEA-9247E71C06D6}"/>
+              </a:ext>
+            </a:extLst>
+          </p:cNvPr>
+          <p:cNvSpPr txBox="1"/>
+          <p:nvPr/>
+        </p:nvSpPr>
+        <p:spPr>
+          <a:xfrm>
+            <a:off x="483411" y="7706060"/>
+            <a:ext cx="2432910" cy="276999"/>
+          </a:xfrm>
+          <a:prstGeom prst="rect">
+            <a:avLst/>
+          </a:prstGeom>
+          <a:noFill/>
+        </p:spPr>
+        <p:txBody>
+          <a:bodyPr wrap="none" rtlCol="0">
+            <a:spAutoFit/>
+          </a:bodyPr>
+          <a:lstStyle/>
+          <a:p>
+            <a:r>
+              <a:rPr kumimoji="1" lang="en-US" altLang="zh-TW" sz="1200" dirty="0">
+                <a:solidFill>
+                  <a:srgbClr val="FF0000"/>
+                </a:solidFill>
+              </a:rPr>
+              <a:t>Path: A → B → D, but total cost = 28</a:t>
+            </a:r>
+            <a:endParaRPr kumimoji="1" lang="zh-TW" altLang="en-US" sz="1200" dirty="0">
+              <a:solidFill>
+                <a:srgbClr val="FF0000"/>
+              </a:solidFill>
+            </a:endParaRPr>
+          </a:p>
+        </p:txBody>
+      </p:sp>
+      <p:sp>
+        <p:nvSpPr>
+          <p:cNvPr id="92" name="文字方塊 91">
+            <a:extLst>
+              <a:ext uri="{FF2B5EF4-FFF2-40B4-BE49-F238E27FC236}">
+                <a16:creationId xmlns:a16="http://schemas.microsoft.com/office/drawing/2014/main" id="{D457AD57-AB74-8548-A3BF-03C89A506D86}"/>
+              </a:ext>
+            </a:extLst>
+          </p:cNvPr>
+          <p:cNvSpPr txBox="1"/>
+          <p:nvPr/>
+        </p:nvSpPr>
+        <p:spPr>
+          <a:xfrm>
+            <a:off x="4611186" y="8175343"/>
+            <a:ext cx="679289" cy="276999"/>
+          </a:xfrm>
+          <a:prstGeom prst="rect">
+            <a:avLst/>
+          </a:prstGeom>
+          <a:noFill/>
+        </p:spPr>
+        <p:txBody>
+          <a:bodyPr wrap="none" rtlCol="0">
+            <a:spAutoFit/>
+          </a:bodyPr>
+          <a:lstStyle/>
+          <a:p>
+            <a:r>
+              <a:rPr kumimoji="1" lang="en-US" altLang="zh-TW" sz="1200" dirty="0">
+                <a:solidFill>
+                  <a:srgbClr val="FF0000"/>
+                </a:solidFill>
+              </a:rPr>
+              <a:t>No exit!</a:t>
+            </a:r>
+            <a:endParaRPr kumimoji="1" lang="zh-TW" altLang="en-US" sz="1200" dirty="0">
+              <a:solidFill>
+                <a:srgbClr val="FF0000"/>
+              </a:solidFill>
+            </a:endParaRPr>
+          </a:p>
+        </p:txBody>
+      </p:sp>
+    </p:spTree>
+    <p:extLst>
+      <p:ext uri="{BB962C8B-B14F-4D97-AF65-F5344CB8AC3E}">
+        <p14:creationId xmlns:p14="http://schemas.microsoft.com/office/powerpoint/2010/main" val="805551600"/>
       </p:ext>
     </p:extLst>
   </p:cSld>

--- a/Data Structures and Object-oriented Programming/NCTU/HW2/pic.pptx
+++ b/Data Structures and Object-oriented Programming/NCTU/HW2/pic.pptx
@@ -5,7 +5,7 @@
     <p:sldMasterId id="2147483660" r:id="rId1"/>
   </p:sldMasterIdLst>
   <p:notesMasterIdLst>
-    <p:notesMasterId r:id="rId9"/>
+    <p:notesMasterId r:id="rId11"/>
   </p:notesMasterIdLst>
   <p:sldIdLst>
     <p:sldId id="256" r:id="rId2"/>
@@ -15,6 +15,8 @@
     <p:sldId id="260" r:id="rId6"/>
     <p:sldId id="261" r:id="rId7"/>
     <p:sldId id="262" r:id="rId8"/>
+    <p:sldId id="263" r:id="rId9"/>
+    <p:sldId id="264" r:id="rId10"/>
   </p:sldIdLst>
   <p:sldSz cx="6858000" cy="9906000" type="A4"/>
   <p:notesSz cx="6858000" cy="9144000"/>
@@ -203,7 +205,7 @@
           <a:p>
             <a:fld id="{A47AD686-E6AE-7F48-BF8F-892B7C164BF4}" type="datetimeFigureOut">
               <a:rPr kumimoji="1" lang="zh-TW" altLang="en-US" smtClean="0"/>
-              <a:t>2021/6/8</a:t>
+              <a:t>2021/6/9</a:t>
             </a:fld>
             <a:endParaRPr kumimoji="1" lang="zh-TW" altLang="en-US"/>
           </a:p>
@@ -685,7 +687,7 @@
           <a:p>
             <a:fld id="{84EB5F0A-ED25-2B44-8E50-65012C9869D1}" type="datetimeFigureOut">
               <a:rPr kumimoji="1" lang="zh-TW" altLang="en-US" smtClean="0"/>
-              <a:t>2021/6/8</a:t>
+              <a:t>2021/6/9</a:t>
             </a:fld>
             <a:endParaRPr kumimoji="1" lang="zh-TW" altLang="en-US"/>
           </a:p>
@@ -855,7 +857,7 @@
           <a:p>
             <a:fld id="{84EB5F0A-ED25-2B44-8E50-65012C9869D1}" type="datetimeFigureOut">
               <a:rPr kumimoji="1" lang="zh-TW" altLang="en-US" smtClean="0"/>
-              <a:t>2021/6/8</a:t>
+              <a:t>2021/6/9</a:t>
             </a:fld>
             <a:endParaRPr kumimoji="1" lang="zh-TW" altLang="en-US"/>
           </a:p>
@@ -1035,7 +1037,7 @@
           <a:p>
             <a:fld id="{84EB5F0A-ED25-2B44-8E50-65012C9869D1}" type="datetimeFigureOut">
               <a:rPr kumimoji="1" lang="zh-TW" altLang="en-US" smtClean="0"/>
-              <a:t>2021/6/8</a:t>
+              <a:t>2021/6/9</a:t>
             </a:fld>
             <a:endParaRPr kumimoji="1" lang="zh-TW" altLang="en-US"/>
           </a:p>
@@ -1205,7 +1207,7 @@
           <a:p>
             <a:fld id="{84EB5F0A-ED25-2B44-8E50-65012C9869D1}" type="datetimeFigureOut">
               <a:rPr kumimoji="1" lang="zh-TW" altLang="en-US" smtClean="0"/>
-              <a:t>2021/6/8</a:t>
+              <a:t>2021/6/9</a:t>
             </a:fld>
             <a:endParaRPr kumimoji="1" lang="zh-TW" altLang="en-US"/>
           </a:p>
@@ -1449,7 +1451,7 @@
           <a:p>
             <a:fld id="{84EB5F0A-ED25-2B44-8E50-65012C9869D1}" type="datetimeFigureOut">
               <a:rPr kumimoji="1" lang="zh-TW" altLang="en-US" smtClean="0"/>
-              <a:t>2021/6/8</a:t>
+              <a:t>2021/6/9</a:t>
             </a:fld>
             <a:endParaRPr kumimoji="1" lang="zh-TW" altLang="en-US"/>
           </a:p>
@@ -1681,7 +1683,7 @@
           <a:p>
             <a:fld id="{84EB5F0A-ED25-2B44-8E50-65012C9869D1}" type="datetimeFigureOut">
               <a:rPr kumimoji="1" lang="zh-TW" altLang="en-US" smtClean="0"/>
-              <a:t>2021/6/8</a:t>
+              <a:t>2021/6/9</a:t>
             </a:fld>
             <a:endParaRPr kumimoji="1" lang="zh-TW" altLang="en-US"/>
           </a:p>
@@ -2048,7 +2050,7 @@
           <a:p>
             <a:fld id="{84EB5F0A-ED25-2B44-8E50-65012C9869D1}" type="datetimeFigureOut">
               <a:rPr kumimoji="1" lang="zh-TW" altLang="en-US" smtClean="0"/>
-              <a:t>2021/6/8</a:t>
+              <a:t>2021/6/9</a:t>
             </a:fld>
             <a:endParaRPr kumimoji="1" lang="zh-TW" altLang="en-US"/>
           </a:p>
@@ -2166,7 +2168,7 @@
           <a:p>
             <a:fld id="{84EB5F0A-ED25-2B44-8E50-65012C9869D1}" type="datetimeFigureOut">
               <a:rPr kumimoji="1" lang="zh-TW" altLang="en-US" smtClean="0"/>
-              <a:t>2021/6/8</a:t>
+              <a:t>2021/6/9</a:t>
             </a:fld>
             <a:endParaRPr kumimoji="1" lang="zh-TW" altLang="en-US"/>
           </a:p>
@@ -2261,7 +2263,7 @@
           <a:p>
             <a:fld id="{84EB5F0A-ED25-2B44-8E50-65012C9869D1}" type="datetimeFigureOut">
               <a:rPr kumimoji="1" lang="zh-TW" altLang="en-US" smtClean="0"/>
-              <a:t>2021/6/8</a:t>
+              <a:t>2021/6/9</a:t>
             </a:fld>
             <a:endParaRPr kumimoji="1" lang="zh-TW" altLang="en-US"/>
           </a:p>
@@ -2538,7 +2540,7 @@
           <a:p>
             <a:fld id="{84EB5F0A-ED25-2B44-8E50-65012C9869D1}" type="datetimeFigureOut">
               <a:rPr kumimoji="1" lang="zh-TW" altLang="en-US" smtClean="0"/>
-              <a:t>2021/6/8</a:t>
+              <a:t>2021/6/9</a:t>
             </a:fld>
             <a:endParaRPr kumimoji="1" lang="zh-TW" altLang="en-US"/>
           </a:p>
@@ -2795,7 +2797,7 @@
           <a:p>
             <a:fld id="{84EB5F0A-ED25-2B44-8E50-65012C9869D1}" type="datetimeFigureOut">
               <a:rPr kumimoji="1" lang="zh-TW" altLang="en-US" smtClean="0"/>
-              <a:t>2021/6/8</a:t>
+              <a:t>2021/6/9</a:t>
             </a:fld>
             <a:endParaRPr kumimoji="1" lang="zh-TW" altLang="en-US"/>
           </a:p>
@@ -3008,7 +3010,7 @@
           <a:p>
             <a:fld id="{84EB5F0A-ED25-2B44-8E50-65012C9869D1}" type="datetimeFigureOut">
               <a:rPr kumimoji="1" lang="zh-TW" altLang="en-US" smtClean="0"/>
-              <a:t>2021/6/8</a:t>
+              <a:t>2021/6/9</a:t>
             </a:fld>
             <a:endParaRPr kumimoji="1" lang="zh-TW" altLang="en-US"/>
           </a:p>
@@ -3462,24 +3464,8 @@
             <a:lstStyle/>
             <a:p>
               <a:r>
-                <a:rPr lang="en" altLang="zh-TW" sz="1200" dirty="0">
-                  <a:solidFill>
-                    <a:srgbClr val="009051"/>
-                  </a:solidFill>
-                </a:rPr>
-                <a:t>void quicksort(vector&lt;int&gt; &amp;array, int left, int right)</a:t>
-              </a:r>
-              <a:r>
                 <a:rPr lang="en" altLang="zh-TW" sz="1200" dirty="0"/>
-                <a:t> </a:t>
-              </a:r>
-              <a:r>
-                <a:rPr lang="en" altLang="zh-TW" sz="1200" dirty="0">
-                  <a:solidFill>
-                    <a:srgbClr val="009051"/>
-                  </a:solidFill>
-                </a:rPr>
-                <a:t>{</a:t>
+                <a:t>void quicksort(vector&lt;int&gt; &amp;array, int left, int right) {</a:t>
               </a:r>
             </a:p>
             <a:p>
@@ -3620,18 +3606,10 @@
             </a:p>
             <a:p>
               <a:r>
-                <a:rPr lang="en" altLang="zh-TW" sz="1200" dirty="0">
-                  <a:solidFill>
-                    <a:srgbClr val="009051"/>
-                  </a:solidFill>
-                </a:rPr>
+                <a:rPr lang="en" altLang="zh-TW" sz="1200" dirty="0"/>
                 <a:t>}</a:t>
               </a:r>
-              <a:endParaRPr lang="zh-TW" altLang="en-US" sz="1200" dirty="0">
-                <a:solidFill>
-                  <a:srgbClr val="009051"/>
-                </a:solidFill>
-              </a:endParaRPr>
+              <a:endParaRPr lang="zh-TW" altLang="en-US" sz="1200" dirty="0"/>
             </a:p>
           </p:txBody>
         </p:sp>
@@ -4240,11 +4218,7 @@
             <a:lstStyle/>
             <a:p>
               <a:r>
-                <a:rPr lang="en" altLang="zh-TW" sz="1200" dirty="0">
-                  <a:solidFill>
-                    <a:srgbClr val="009051"/>
-                  </a:solidFill>
-                </a:rPr>
+                <a:rPr lang="en" altLang="zh-TW" sz="1200" dirty="0"/>
                 <a:t>void mergesort(vector&lt;int&gt; &amp;array, vector&lt;int&gt; &amp;temp, int left, int right) {</a:t>
               </a:r>
             </a:p>
@@ -4394,18 +4368,10 @@
             </a:p>
             <a:p>
               <a:r>
-                <a:rPr lang="en" altLang="zh-TW" sz="1200" dirty="0">
-                  <a:solidFill>
-                    <a:srgbClr val="009051"/>
-                  </a:solidFill>
-                </a:rPr>
+                <a:rPr lang="en" altLang="zh-TW" sz="1200" dirty="0"/>
                 <a:t>}</a:t>
               </a:r>
-              <a:endParaRPr lang="zh-TW" altLang="en-US" sz="1200" dirty="0">
-                <a:solidFill>
-                  <a:srgbClr val="009051"/>
-                </a:solidFill>
-              </a:endParaRPr>
+              <a:endParaRPr lang="zh-TW" altLang="en-US" sz="1200" dirty="0"/>
             </a:p>
           </p:txBody>
         </p:sp>
@@ -21598,7 +21564,7 @@
                   </a:schemeClr>
                 </a:solidFill>
               </a:rPr>
-              <a:t>    int weight;</a:t>
+              <a:t>    int index, weight;</a:t>
             </a:r>
           </a:p>
           <a:p>
@@ -21622,7 +21588,7 @@
                   </a:schemeClr>
                 </a:solidFill>
               </a:rPr>
-              <a:t>    Node* parent;</a:t>
+              <a:t>    Vertex* parent;</a:t>
             </a:r>
           </a:p>
           <a:p>
@@ -23707,8 +23673,8 @@
         </p:nvSpPr>
         <p:spPr>
           <a:xfrm>
-            <a:off x="3993977" y="5331047"/>
-            <a:ext cx="2811988" cy="276999"/>
+            <a:off x="3908197" y="5331047"/>
+            <a:ext cx="2890535" cy="276999"/>
           </a:xfrm>
           <a:prstGeom prst="rect">
             <a:avLst/>
@@ -23723,7 +23689,7 @@
           <a:p>
             <a:r>
               <a:rPr kumimoji="1" lang="en-US" altLang="zh-TW" sz="1200" b="1" dirty="0"/>
-              <a:t>Time complexity: O(V + ElogV) =</a:t>
+              <a:t>Time complexity: O(V + ElogV) →</a:t>
             </a:r>
             <a:r>
               <a:rPr kumimoji="1" lang="en-US" altLang="zh-TW" sz="1200" b="1" dirty="0">
@@ -24165,51 +24131,19 @@
           <a:p>
             <a:r>
               <a:rPr lang="en" altLang="zh-TW" sz="1200" dirty="0"/>
-              <a:t>int totalCost = 0, </a:t>
-            </a:r>
-            <a:r>
-              <a:rPr lang="en" altLang="zh-TW" sz="1200" dirty="0" err="1"/>
-              <a:t>i_edges</a:t>
-            </a:r>
+              <a:t>int totalCost = 0, i_edges = 0;</a:t>
+            </a:r>
+          </a:p>
+          <a:p>
             <a:r>
               <a:rPr lang="en" altLang="zh-TW" sz="1200" dirty="0"/>
-              <a:t> = 0;</a:t>
+              <a:t>while (i_res &lt; numberOfVertices - 1 &amp;&amp; i_edges &lt; numberOfEdges) {</a:t>
             </a:r>
           </a:p>
           <a:p>
             <a:r>
               <a:rPr lang="en" altLang="zh-TW" sz="1200" dirty="0"/>
-              <a:t>while (</a:t>
-            </a:r>
-            <a:r>
-              <a:rPr lang="en" altLang="zh-TW" sz="1200" dirty="0" err="1"/>
-              <a:t>i_res</a:t>
-            </a:r>
-            <a:r>
-              <a:rPr lang="en" altLang="zh-TW" sz="1200" dirty="0"/>
-              <a:t> &lt; numberOfVertices - 1 &amp;&amp; </a:t>
-            </a:r>
-            <a:r>
-              <a:rPr lang="en" altLang="zh-TW" sz="1200" dirty="0" err="1"/>
-              <a:t>i_edges</a:t>
-            </a:r>
-            <a:r>
-              <a:rPr lang="en" altLang="zh-TW" sz="1200" dirty="0"/>
-              <a:t> &lt; numberOfEdges) {</a:t>
-            </a:r>
-          </a:p>
-          <a:p>
-            <a:r>
-              <a:rPr lang="en" altLang="zh-TW" sz="1200" dirty="0"/>
-              <a:t>    Edge&amp; cur = edges[</a:t>
-            </a:r>
-            <a:r>
-              <a:rPr lang="en" altLang="zh-TW" sz="1200" dirty="0" err="1"/>
-              <a:t>i_edges</a:t>
-            </a:r>
-            <a:r>
-              <a:rPr lang="en" altLang="zh-TW" sz="1200" dirty="0"/>
-              <a:t>++]; </a:t>
+              <a:t>    Edge&amp; cur = edges[i_edges++]; </a:t>
             </a:r>
           </a:p>
           <a:p>
@@ -24233,15 +24167,7 @@
           <a:p>
             <a:r>
               <a:rPr lang="en" altLang="zh-TW" sz="1200" dirty="0"/>
-              <a:t>        </a:t>
-            </a:r>
-            <a:r>
-              <a:rPr lang="en" altLang="zh-TW" sz="1200" dirty="0" err="1"/>
-              <a:t>i_res</a:t>
-            </a:r>
-            <a:r>
-              <a:rPr lang="en" altLang="zh-TW" sz="1200" dirty="0"/>
-              <a:t>++;</a:t>
+              <a:t>        i_res++;</a:t>
             </a:r>
           </a:p>
           <a:p>
@@ -25745,8 +25671,8 @@
         </p:nvSpPr>
         <p:spPr>
           <a:xfrm>
-            <a:off x="3572639" y="6241481"/>
-            <a:ext cx="3241593" cy="276999"/>
+            <a:off x="3510122" y="6241481"/>
+            <a:ext cx="3304110" cy="276999"/>
           </a:xfrm>
           <a:prstGeom prst="rect">
             <a:avLst/>
@@ -25761,7 +25687,7 @@
           <a:p>
             <a:r>
               <a:rPr kumimoji="1" lang="en-US" altLang="zh-TW" sz="1200" b="1" dirty="0"/>
-              <a:t>Time complexity: O(V + E + ElogE + E) =</a:t>
+              <a:t>Time complexity: O(V + E + ElogE + E) →</a:t>
             </a:r>
             <a:r>
               <a:rPr kumimoji="1" lang="en-US" altLang="zh-TW" sz="1200" b="1" dirty="0">
@@ -27800,8 +27726,8 @@
         </p:nvSpPr>
         <p:spPr>
           <a:xfrm>
-            <a:off x="3993977" y="4239217"/>
-            <a:ext cx="2811988" cy="276999"/>
+            <a:off x="3910300" y="4239217"/>
+            <a:ext cx="2890535" cy="276999"/>
           </a:xfrm>
           <a:prstGeom prst="rect">
             <a:avLst/>
@@ -27816,7 +27742,7 @@
           <a:p>
             <a:r>
               <a:rPr kumimoji="1" lang="en-US" altLang="zh-TW" sz="1200" b="1" dirty="0"/>
-              <a:t>Time complexity: O(V + ElogV) =</a:t>
+              <a:t>Time complexity: O(V + ElogV) →</a:t>
             </a:r>
             <a:r>
               <a:rPr kumimoji="1" lang="en-US" altLang="zh-TW" sz="1200" b="1" dirty="0">
@@ -29677,7 +29603,7 @@
         <p:spPr>
           <a:xfrm>
             <a:off x="3920549" y="4062595"/>
-            <a:ext cx="2885726" cy="276999"/>
+            <a:ext cx="2948243" cy="276999"/>
           </a:xfrm>
           <a:prstGeom prst="rect">
             <a:avLst/>
@@ -29692,7 +29618,7 @@
           <a:p>
             <a:r>
               <a:rPr kumimoji="1" lang="en-US" altLang="zh-TW" sz="1200" b="1" dirty="0"/>
-              <a:t>Time complexity: O(V + VE + E + 1) =</a:t>
+              <a:t>Time complexity: O(V + VE + E + 1) →</a:t>
             </a:r>
             <a:r>
               <a:rPr kumimoji="1" lang="en-US" altLang="zh-TW" sz="1200" b="1" dirty="0">
@@ -29700,7 +29626,7 @@
                   <a:srgbClr val="FF0000"/>
                 </a:solidFill>
               </a:rPr>
-              <a:t> O(EV)</a:t>
+              <a:t> O(VE)</a:t>
             </a:r>
             <a:endParaRPr kumimoji="1" lang="zh-TW" altLang="en-US" sz="1200" b="1" dirty="0">
               <a:solidFill>
@@ -29842,36 +29768,6 @@
           </a:p>
         </p:txBody>
       </p:sp>
-      <p:pic>
-        <p:nvPicPr>
-          <p:cNvPr id="53" name="圖片 52">
-            <a:extLst>
-              <a:ext uri="{FF2B5EF4-FFF2-40B4-BE49-F238E27FC236}">
-                <a16:creationId xmlns:a16="http://schemas.microsoft.com/office/drawing/2014/main" id="{4BE83ECA-138E-0A4F-94CD-6F43F525D680}"/>
-              </a:ext>
-            </a:extLst>
-          </p:cNvPr>
-          <p:cNvPicPr>
-            <a:picLocks noChangeAspect="1"/>
-          </p:cNvPicPr>
-          <p:nvPr/>
-        </p:nvPicPr>
-        <p:blipFill>
-          <a:blip r:embed="rId2"/>
-          <a:stretch>
-            <a:fillRect/>
-          </a:stretch>
-        </p:blipFill>
-        <p:spPr>
-          <a:xfrm>
-            <a:off x="755036" y="5152041"/>
-            <a:ext cx="1889662" cy="1073671"/>
-          </a:xfrm>
-          <a:prstGeom prst="rect">
-            <a:avLst/>
-          </a:prstGeom>
-        </p:spPr>
-      </p:pic>
       <p:sp>
         <p:nvSpPr>
           <p:cNvPr id="55" name="文字方塊 54">
@@ -29886,7 +29782,7 @@
         </p:nvSpPr>
         <p:spPr>
           <a:xfrm>
-            <a:off x="615012" y="4844150"/>
+            <a:off x="500506" y="4844150"/>
             <a:ext cx="2270365" cy="276999"/>
           </a:xfrm>
           <a:prstGeom prst="rect">
@@ -29906,7 +29802,7 @@
                   <a:srgbClr val="0432FF"/>
                 </a:solidFill>
               </a:rPr>
-              <a:t>Search shortest path from A to D:</a:t>
+              <a:t>Search shortest path from A to C:</a:t>
             </a:r>
             <a:endParaRPr kumimoji="1" lang="zh-TW" altLang="en-US" sz="1200" b="1" dirty="0">
               <a:solidFill>
@@ -29931,14 +29827,14 @@
           <p:nvPr>
             <p:extLst>
               <p:ext uri="{D42A27DB-BD31-4B8C-83A1-F6EECF244321}">
-                <p14:modId xmlns:p14="http://schemas.microsoft.com/office/powerpoint/2010/main" val="4215000619"/>
+                <p14:modId xmlns:p14="http://schemas.microsoft.com/office/powerpoint/2010/main" val="2329048537"/>
               </p:ext>
             </p:extLst>
           </p:nvPr>
         </p:nvGraphicFramePr>
         <p:xfrm>
-          <a:off x="569691" y="6256604"/>
-          <a:ext cx="2260351" cy="1449456"/>
+          <a:off x="455185" y="6256604"/>
+          <a:ext cx="2260351" cy="724728"/>
         </p:xfrm>
         <a:graphic>
           <a:graphicData uri="http://schemas.openxmlformats.org/drawingml/2006/table">
@@ -30082,7 +29978,7 @@
                           <a:ea typeface="+mn-ea"/>
                           <a:cs typeface="+mn-cs"/>
                         </a:rPr>
-                        <a:t>B(0, A), C(5, A)</a:t>
+                        <a:t>C(2, A), B(5, A)</a:t>
                       </a:r>
                       <a:endParaRPr lang="zh-TW" altLang="en-US" sz="1200" kern="1200" dirty="0">
                         <a:solidFill>
@@ -30099,82 +29995,6 @@
                 <a:extLst>
                   <a:ext uri="{0D108BD9-81ED-4DB2-BD59-A6C34878D82A}">
                     <a16:rowId xmlns:a16="http://schemas.microsoft.com/office/drawing/2014/main" val="3991906144"/>
-                  </a:ext>
-                </a:extLst>
-              </a:tr>
-              <a:tr h="238042">
-                <a:tc>
-                  <a:txBody>
-                    <a:bodyPr/>
-                    <a:lstStyle/>
-                    <a:p>
-                      <a:pPr marL="0" algn="ctr" defTabSz="685800" rtl="0" eaLnBrk="1" latinLnBrk="0" hangingPunct="1"/>
-                      <a:r>
-                        <a:rPr lang="en-US" altLang="zh-TW" sz="1200" kern="1200" dirty="0">
-                          <a:solidFill>
-                            <a:schemeClr val="dk1"/>
-                          </a:solidFill>
-                          <a:latin typeface="+mn-lt"/>
-                          <a:ea typeface="+mn-ea"/>
-                          <a:cs typeface="+mn-cs"/>
-                        </a:rPr>
-                        <a:t>B</a:t>
-                      </a:r>
-                      <a:endParaRPr lang="zh-TW" altLang="en-US" sz="1200" kern="1200" dirty="0">
-                        <a:solidFill>
-                          <a:schemeClr val="dk1"/>
-                        </a:solidFill>
-                        <a:latin typeface="+mn-lt"/>
-                        <a:ea typeface="+mn-ea"/>
-                        <a:cs typeface="+mn-cs"/>
-                      </a:endParaRPr>
-                    </a:p>
-                  </a:txBody>
-                  <a:tcPr marL="58695" marR="58695" marT="29348" marB="29348"/>
-                </a:tc>
-                <a:tc>
-                  <a:txBody>
-                    <a:bodyPr/>
-                    <a:lstStyle/>
-                    <a:p>
-                      <a:pPr marL="0" algn="l" defTabSz="685800" rtl="0" eaLnBrk="1" latinLnBrk="0" hangingPunct="1"/>
-                      <a:r>
-                        <a:rPr lang="en-US" altLang="zh-TW" sz="1200" kern="1200" dirty="0">
-                          <a:solidFill>
-                            <a:schemeClr val="dk1"/>
-                          </a:solidFill>
-                          <a:latin typeface="+mn-lt"/>
-                          <a:ea typeface="+mn-ea"/>
-                          <a:cs typeface="+mn-cs"/>
-                        </a:rPr>
-                        <a:t>C(5, B), </a:t>
-                      </a:r>
-                      <a:r>
-                        <a:rPr lang="en-US" altLang="zh-TW" sz="1200" b="0" kern="1200" dirty="0">
-                          <a:solidFill>
-                            <a:schemeClr val="dk1"/>
-                          </a:solidFill>
-                          <a:latin typeface="+mn-lt"/>
-                          <a:ea typeface="+mn-ea"/>
-                          <a:cs typeface="+mn-cs"/>
-                        </a:rPr>
-                        <a:t>D(30, B)</a:t>
-                      </a:r>
-                      <a:endParaRPr lang="zh-TW" altLang="en-US" sz="1200" b="0" kern="1200" dirty="0">
-                        <a:solidFill>
-                          <a:schemeClr val="dk1"/>
-                        </a:solidFill>
-                        <a:latin typeface="+mn-lt"/>
-                        <a:ea typeface="+mn-ea"/>
-                        <a:cs typeface="+mn-cs"/>
-                      </a:endParaRPr>
-                    </a:p>
-                  </a:txBody>
-                  <a:tcPr marL="58695" marR="58695" marT="29348" marB="29348"/>
-                </a:tc>
-                <a:extLst>
-                  <a:ext uri="{0D108BD9-81ED-4DB2-BD59-A6C34878D82A}">
-                    <a16:rowId xmlns:a16="http://schemas.microsoft.com/office/drawing/2014/main" val="809511413"/>
                   </a:ext>
                 </a:extLst>
               </a:tr>
@@ -30223,7 +30043,7 @@
                           <a:ea typeface="+mn-ea"/>
                           <a:cs typeface="+mn-cs"/>
                         </a:rPr>
-                        <a:t>B(-2, C), D(30, C)</a:t>
+                        <a:t>B(5, A)</a:t>
                       </a:r>
                       <a:endParaRPr lang="zh-TW" altLang="en-US" sz="1200" kern="1200" dirty="0">
                         <a:solidFill>
@@ -30239,137 +30059,7 @@
                 </a:tc>
                 <a:extLst>
                   <a:ext uri="{0D108BD9-81ED-4DB2-BD59-A6C34878D82A}">
-                    <a16:rowId xmlns:a16="http://schemas.microsoft.com/office/drawing/2014/main" val="2676381122"/>
-                  </a:ext>
-                </a:extLst>
-              </a:tr>
-              <a:tr h="0">
-                <a:tc>
-                  <a:txBody>
-                    <a:bodyPr/>
-                    <a:lstStyle/>
-                    <a:p>
-                      <a:pPr marL="0" algn="ctr" defTabSz="685800" rtl="0" eaLnBrk="1" latinLnBrk="0" hangingPunct="1"/>
-                      <a:r>
-                        <a:rPr lang="en-US" altLang="zh-TW" sz="1200" kern="1200" dirty="0">
-                          <a:solidFill>
-                            <a:schemeClr val="dk1"/>
-                          </a:solidFill>
-                          <a:latin typeface="+mn-lt"/>
-                          <a:ea typeface="+mn-ea"/>
-                          <a:cs typeface="+mn-cs"/>
-                        </a:rPr>
-                        <a:t>B</a:t>
-                      </a:r>
-                      <a:endParaRPr lang="zh-TW" altLang="en-US" sz="1200" kern="1200" dirty="0">
-                        <a:solidFill>
-                          <a:schemeClr val="dk1"/>
-                        </a:solidFill>
-                        <a:latin typeface="+mn-lt"/>
-                        <a:ea typeface="+mn-ea"/>
-                        <a:cs typeface="+mn-cs"/>
-                      </a:endParaRPr>
-                    </a:p>
-                  </a:txBody>
-                  <a:tcPr marL="58695" marR="58695" marT="29348" marB="29348"/>
-                </a:tc>
-                <a:tc>
-                  <a:txBody>
-                    <a:bodyPr/>
-                    <a:lstStyle/>
-                    <a:p>
-                      <a:pPr marL="0" algn="l" defTabSz="685800" rtl="0" eaLnBrk="1" latinLnBrk="0" hangingPunct="1"/>
-                      <a:r>
-                        <a:rPr lang="en-US" altLang="zh-TW" sz="1200" kern="1200" dirty="0">
-                          <a:solidFill>
-                            <a:schemeClr val="dk1"/>
-                          </a:solidFill>
-                          <a:latin typeface="+mn-lt"/>
-                          <a:ea typeface="+mn-ea"/>
-                          <a:cs typeface="+mn-cs"/>
-                        </a:rPr>
-                        <a:t>D(28, B), D(28, B)</a:t>
-                      </a:r>
-                      <a:endParaRPr lang="zh-TW" altLang="en-US" sz="1200" kern="1200" dirty="0">
-                        <a:solidFill>
-                          <a:schemeClr val="dk1"/>
-                        </a:solidFill>
-                        <a:latin typeface="+mn-lt"/>
-                        <a:ea typeface="+mn-ea"/>
-                        <a:cs typeface="+mn-cs"/>
-                      </a:endParaRPr>
-                    </a:p>
-                  </a:txBody>
-                  <a:tcPr marL="58695" marR="58695" marT="29348" marB="29348"/>
-                </a:tc>
-                <a:extLst>
-                  <a:ext uri="{0D108BD9-81ED-4DB2-BD59-A6C34878D82A}">
-                    <a16:rowId xmlns:a16="http://schemas.microsoft.com/office/drawing/2014/main" val="2023990080"/>
-                  </a:ext>
-                </a:extLst>
-              </a:tr>
-              <a:tr h="0">
-                <a:tc>
-                  <a:txBody>
-                    <a:bodyPr/>
-                    <a:lstStyle/>
-                    <a:p>
-                      <a:pPr marL="0" algn="ctr" defTabSz="685800" rtl="0" eaLnBrk="1" latinLnBrk="0" hangingPunct="1"/>
-                      <a:r>
-                        <a:rPr lang="en-US" altLang="zh-TW" sz="1200" kern="1200" dirty="0">
-                          <a:solidFill>
-                            <a:schemeClr val="dk1"/>
-                          </a:solidFill>
-                          <a:latin typeface="+mn-lt"/>
-                          <a:ea typeface="+mn-ea"/>
-                          <a:cs typeface="+mn-cs"/>
-                        </a:rPr>
-                        <a:t>D</a:t>
-                      </a:r>
-                      <a:endParaRPr lang="zh-TW" altLang="en-US" sz="1200" kern="1200" dirty="0">
-                        <a:solidFill>
-                          <a:schemeClr val="dk1"/>
-                        </a:solidFill>
-                        <a:latin typeface="+mn-lt"/>
-                        <a:ea typeface="+mn-ea"/>
-                        <a:cs typeface="+mn-cs"/>
-                      </a:endParaRPr>
-                    </a:p>
-                  </a:txBody>
-                  <a:tcPr marL="58695" marR="58695" marT="29348" marB="29348"/>
-                </a:tc>
-                <a:tc>
-                  <a:txBody>
-                    <a:bodyPr/>
-                    <a:lstStyle/>
-                    <a:p>
-                      <a:pPr marL="0" algn="l" defTabSz="685800" rtl="0" eaLnBrk="1" latinLnBrk="0" hangingPunct="1"/>
-                      <a:r>
-                        <a:rPr lang="en-US" altLang="zh-TW" sz="1200" kern="1200" dirty="0">
-                          <a:solidFill>
-                            <a:schemeClr val="dk1"/>
-                          </a:solidFill>
-                          <a:latin typeface="+mn-lt"/>
-                          <a:ea typeface="+mn-ea"/>
-                          <a:cs typeface="+mn-cs"/>
-                        </a:rPr>
-                        <a:t>D(28, B)</a:t>
-                      </a:r>
-                      <a:endParaRPr lang="zh-TW" altLang="en-US" sz="1200" kern="1200" dirty="0">
-                        <a:solidFill>
-                          <a:schemeClr val="dk1"/>
-                        </a:solidFill>
-                        <a:latin typeface="+mn-lt"/>
-                        <a:ea typeface="+mn-ea"/>
-                        <a:cs typeface="+mn-cs"/>
-                      </a:endParaRPr>
-                    </a:p>
-                  </a:txBody>
-                  <a:tcPr marL="58695" marR="58695" marT="29348" marB="29348"/>
-                </a:tc>
-                <a:extLst>
-                  <a:ext uri="{0D108BD9-81ED-4DB2-BD59-A6C34878D82A}">
-                    <a16:rowId xmlns:a16="http://schemas.microsoft.com/office/drawing/2014/main" val="965229848"/>
+                    <a16:rowId xmlns:a16="http://schemas.microsoft.com/office/drawing/2014/main" val="809511413"/>
                   </a:ext>
                 </a:extLst>
               </a:tr>
@@ -30391,7 +30081,7 @@
         </p:nvSpPr>
         <p:spPr>
           <a:xfrm>
-            <a:off x="3995748" y="5232067"/>
+            <a:off x="3895087" y="5232067"/>
             <a:ext cx="291765" cy="291765"/>
           </a:xfrm>
           <a:prstGeom prst="ellipse">
@@ -30455,7 +30145,7 @@
         </p:nvSpPr>
         <p:spPr>
           <a:xfrm>
-            <a:off x="3995748" y="5840208"/>
+            <a:off x="3895087" y="5840208"/>
             <a:ext cx="291765" cy="291765"/>
           </a:xfrm>
           <a:prstGeom prst="ellipse">
@@ -30519,7 +30209,7 @@
         </p:nvSpPr>
         <p:spPr>
           <a:xfrm>
-            <a:off x="4801817" y="5232067"/>
+            <a:off x="4701156" y="5232067"/>
             <a:ext cx="291765" cy="291765"/>
           </a:xfrm>
           <a:prstGeom prst="ellipse">
@@ -30583,7 +30273,7 @@
         </p:nvSpPr>
         <p:spPr>
           <a:xfrm>
-            <a:off x="4801817" y="5840208"/>
+            <a:off x="4701156" y="5840208"/>
             <a:ext cx="291765" cy="291765"/>
           </a:xfrm>
           <a:prstGeom prst="ellipse">
@@ -30647,7 +30337,7 @@
         </p:nvSpPr>
         <p:spPr>
           <a:xfrm>
-            <a:off x="5632575" y="5518919"/>
+            <a:off x="5531914" y="5518919"/>
             <a:ext cx="291765" cy="291765"/>
           </a:xfrm>
           <a:prstGeom prst="ellipse">
@@ -30713,7 +30403,7 @@
         </p:nvCxnSpPr>
         <p:spPr>
           <a:xfrm flipH="1" flipV="1">
-            <a:off x="5123024" y="5394133"/>
+            <a:off x="5022363" y="5394133"/>
             <a:ext cx="502123" cy="196143"/>
           </a:xfrm>
           <a:prstGeom prst="straightConnector1">
@@ -30758,7 +30448,7 @@
         </p:nvCxnSpPr>
         <p:spPr>
           <a:xfrm flipH="1">
-            <a:off x="5131654" y="5733901"/>
+            <a:off x="5030993" y="5733901"/>
             <a:ext cx="484861" cy="212613"/>
           </a:xfrm>
           <a:prstGeom prst="straightConnector1">
@@ -30803,7 +30493,7 @@
         </p:nvCxnSpPr>
         <p:spPr>
           <a:xfrm flipV="1">
-            <a:off x="4950831" y="5542666"/>
+            <a:off x="4850170" y="5542666"/>
             <a:ext cx="0" cy="273266"/>
           </a:xfrm>
           <a:prstGeom prst="straightConnector1">
@@ -30848,7 +30538,7 @@
         </p:nvCxnSpPr>
         <p:spPr>
           <a:xfrm flipH="1">
-            <a:off x="4348776" y="5359724"/>
+            <a:off x="4248115" y="5359724"/>
             <a:ext cx="396063" cy="0"/>
           </a:xfrm>
           <a:prstGeom prst="straightConnector1">
@@ -30893,7 +30583,7 @@
         </p:nvCxnSpPr>
         <p:spPr>
           <a:xfrm>
-            <a:off x="4348776" y="5980795"/>
+            <a:off x="4248115" y="5980795"/>
             <a:ext cx="396063" cy="0"/>
           </a:xfrm>
           <a:prstGeom prst="straightConnector1">
@@ -30938,7 +30628,7 @@
         </p:nvCxnSpPr>
         <p:spPr>
           <a:xfrm>
-            <a:off x="4136431" y="5542666"/>
+            <a:off x="4035770" y="5542666"/>
             <a:ext cx="0" cy="273266"/>
           </a:xfrm>
           <a:prstGeom prst="straightConnector1">
@@ -30983,7 +30673,7 @@
         </p:nvCxnSpPr>
         <p:spPr>
           <a:xfrm>
-            <a:off x="4279709" y="5495701"/>
+            <a:off x="4179048" y="5495701"/>
             <a:ext cx="532468" cy="371051"/>
           </a:xfrm>
           <a:prstGeom prst="straightConnector1">
@@ -31026,7 +30716,7 @@
         </p:nvSpPr>
         <p:spPr>
           <a:xfrm>
-            <a:off x="3859746" y="4836575"/>
+            <a:off x="3759085" y="4836575"/>
             <a:ext cx="2251129" cy="276999"/>
           </a:xfrm>
           <a:prstGeom prst="rect">
@@ -31070,7 +30760,7 @@
         </p:nvSpPr>
         <p:spPr>
           <a:xfrm>
-            <a:off x="5357496" y="5272698"/>
+            <a:off x="5256835" y="5272698"/>
             <a:ext cx="250390" cy="246221"/>
           </a:xfrm>
           <a:prstGeom prst="rect">
@@ -31106,7 +30796,7 @@
         </p:nvSpPr>
         <p:spPr>
           <a:xfrm>
-            <a:off x="4945462" y="5569711"/>
+            <a:off x="4844801" y="5569711"/>
             <a:ext cx="250390" cy="246221"/>
           </a:xfrm>
           <a:prstGeom prst="rect">
@@ -31142,7 +30832,7 @@
         </p:nvSpPr>
         <p:spPr>
           <a:xfrm>
-            <a:off x="5342751" y="5780249"/>
+            <a:off x="5242090" y="5780249"/>
             <a:ext cx="250390" cy="246221"/>
           </a:xfrm>
           <a:prstGeom prst="rect">
@@ -31178,7 +30868,7 @@
         </p:nvSpPr>
         <p:spPr>
           <a:xfrm>
-            <a:off x="4464750" y="5107559"/>
+            <a:off x="4364089" y="5107559"/>
             <a:ext cx="250390" cy="246221"/>
           </a:xfrm>
           <a:prstGeom prst="rect">
@@ -31214,7 +30904,7 @@
         </p:nvSpPr>
         <p:spPr>
           <a:xfrm>
-            <a:off x="4457861" y="5470598"/>
+            <a:off x="4357200" y="5470598"/>
             <a:ext cx="288862" cy="246221"/>
           </a:xfrm>
           <a:prstGeom prst="rect">
@@ -31258,7 +30948,7 @@
         </p:nvSpPr>
         <p:spPr>
           <a:xfrm>
-            <a:off x="4365621" y="5951783"/>
+            <a:off x="4264960" y="5951783"/>
             <a:ext cx="250390" cy="246221"/>
           </a:xfrm>
           <a:prstGeom prst="rect">
@@ -31294,7 +30984,7 @@
         </p:nvSpPr>
         <p:spPr>
           <a:xfrm>
-            <a:off x="3855813" y="5529087"/>
+            <a:off x="3755152" y="5529087"/>
             <a:ext cx="250390" cy="246221"/>
           </a:xfrm>
           <a:prstGeom prst="rect">
@@ -31331,14 +31021,14 @@
           <p:nvPr>
             <p:extLst>
               <p:ext uri="{D42A27DB-BD31-4B8C-83A1-F6EECF244321}">
-                <p14:modId xmlns:p14="http://schemas.microsoft.com/office/powerpoint/2010/main" val="1303252756"/>
+                <p14:modId xmlns:p14="http://schemas.microsoft.com/office/powerpoint/2010/main" val="2887272583"/>
               </p:ext>
             </p:extLst>
           </p:nvPr>
         </p:nvGraphicFramePr>
         <p:xfrm>
-          <a:off x="3564543" y="6256604"/>
-          <a:ext cx="2753746" cy="1932608"/>
+          <a:off x="3254078" y="6256604"/>
+          <a:ext cx="3233171" cy="1932608"/>
         </p:xfrm>
         <a:graphic>
           <a:graphicData uri="http://schemas.openxmlformats.org/drawingml/2006/table">
@@ -31354,7 +31044,7 @@
                     </a:ext>
                   </a:extLst>
                 </a:gridCol>
-                <a:gridCol w="1714415">
+                <a:gridCol w="2193840">
                   <a:extLst>
                     <a:ext uri="{9D8B030D-6E8A-4147-A177-3AD203B41FA5}">
                       <a16:colId xmlns:a16="http://schemas.microsoft.com/office/drawing/2014/main" val="4013374876"/>
@@ -31602,7 +31292,23 @@
                     <a:bodyPr/>
                     <a:lstStyle/>
                     <a:p>
-                      <a:pPr marL="0" algn="l" defTabSz="685800" rtl="0" eaLnBrk="1" latinLnBrk="0" hangingPunct="1"/>
+                      <a:pPr marL="0" marR="0" lvl="0" indent="0" algn="l" defTabSz="685800" rtl="0" eaLnBrk="1" fontAlgn="auto" latinLnBrk="0" hangingPunct="1">
+                        <a:lnSpc>
+                          <a:spcPct val="100000"/>
+                        </a:lnSpc>
+                        <a:spcBef>
+                          <a:spcPts val="0"/>
+                        </a:spcBef>
+                        <a:spcAft>
+                          <a:spcPts val="0"/>
+                        </a:spcAft>
+                        <a:buClrTx/>
+                        <a:buSzTx/>
+                        <a:buFontTx/>
+                        <a:buNone/>
+                        <a:tabLst/>
+                        <a:defRPr/>
+                      </a:pPr>
                       <a:r>
                         <a:rPr lang="en-US" altLang="zh-TW" sz="1200" kern="1200" dirty="0">
                           <a:solidFill>
@@ -31612,7 +31318,7 @@
                           <a:ea typeface="+mn-ea"/>
                           <a:cs typeface="+mn-cs"/>
                         </a:rPr>
-                        <a:t>C(6, B)</a:t>
+                        <a:t>C(6, B), C(6, B)</a:t>
                       </a:r>
                       <a:endParaRPr lang="zh-TW" altLang="en-US" sz="1200" kern="1200" dirty="0">
                         <a:solidFill>
@@ -31677,7 +31383,7 @@
                           <a:ea typeface="+mn-ea"/>
                           <a:cs typeface="+mn-cs"/>
                         </a:rPr>
-                        <a:t>D(0, C), E(12, C)</a:t>
+                        <a:t>D(0, C), C(6, B), E(12, C)</a:t>
                       </a:r>
                       <a:endParaRPr lang="zh-TW" altLang="en-US" sz="1200" kern="1200" dirty="0">
                         <a:solidFill>
@@ -31742,7 +31448,7 @@
                           <a:ea typeface="+mn-ea"/>
                           <a:cs typeface="+mn-cs"/>
                         </a:rPr>
-                        <a:t>B(1, D), E(12, C)</a:t>
+                        <a:t>B(1, D), C(6, B), E(12, C)</a:t>
                       </a:r>
                       <a:endParaRPr lang="zh-TW" altLang="en-US" sz="1200" kern="1200" dirty="0">
                         <a:solidFill>
@@ -31807,7 +31513,7 @@
                           <a:ea typeface="+mn-ea"/>
                           <a:cs typeface="+mn-cs"/>
                         </a:rPr>
-                        <a:t>C(4, B), E(12, C)</a:t>
+                        <a:t>C(4, B), C(4, B), E(12, C)</a:t>
                       </a:r>
                       <a:endParaRPr lang="zh-TW" altLang="en-US" sz="1200" kern="1200" dirty="0">
                         <a:solidFill>
@@ -31872,7 +31578,7 @@
                           <a:ea typeface="+mn-ea"/>
                           <a:cs typeface="+mn-cs"/>
                         </a:rPr>
-                        <a:t>D(-2, C), E(10, C), E(10, C)</a:t>
+                        <a:t>D(-2, C), C(4, B), E(10, C), E(10, C)</a:t>
                       </a:r>
                       <a:endParaRPr lang="zh-TW" altLang="en-US" sz="1200" kern="1200" dirty="0">
                         <a:solidFill>
@@ -31910,8 +31616,8 @@
         </p:nvSpPr>
         <p:spPr>
           <a:xfrm>
-            <a:off x="483411" y="7706060"/>
-            <a:ext cx="2432910" cy="276999"/>
+            <a:off x="399823" y="7121471"/>
+            <a:ext cx="2705549" cy="646331"/>
           </a:xfrm>
           <a:prstGeom prst="rect">
             <a:avLst/>
@@ -31930,7 +31636,27 @@
                   <a:srgbClr val="FF0000"/>
                 </a:solidFill>
               </a:rPr>
-              <a:t>Path: A → B → D, but total cost = 28</a:t>
+              <a:t>Result path: A → C, total cost = 2</a:t>
+            </a:r>
+          </a:p>
+          <a:p>
+            <a:r>
+              <a:rPr kumimoji="1" lang="en-US" altLang="zh-TW" sz="1200" dirty="0">
+                <a:solidFill>
+                  <a:srgbClr val="FF0000"/>
+                </a:solidFill>
+              </a:rPr>
+              <a:t>         !=</a:t>
+            </a:r>
+          </a:p>
+          <a:p>
+            <a:r>
+              <a:rPr kumimoji="1" lang="en-US" altLang="zh-TW" sz="1200" dirty="0">
+                <a:solidFill>
+                  <a:srgbClr val="FF0000"/>
+                </a:solidFill>
+              </a:rPr>
+              <a:t>Shortest path: A → B → C, total cost = -5</a:t>
             </a:r>
             <a:endParaRPr kumimoji="1" lang="zh-TW" altLang="en-US" sz="1200" dirty="0">
               <a:solidFill>
@@ -31954,7 +31680,7 @@
         </p:nvSpPr>
         <p:spPr>
           <a:xfrm>
-            <a:off x="4611186" y="8175343"/>
+            <a:off x="4510525" y="8175343"/>
             <a:ext cx="679289" cy="276999"/>
           </a:xfrm>
           <a:prstGeom prst="rect">
@@ -31984,10 +31710,8572 @@
           </a:p>
         </p:txBody>
       </p:sp>
+      <p:sp>
+        <p:nvSpPr>
+          <p:cNvPr id="70" name="橢圓 69">
+            <a:extLst>
+              <a:ext uri="{FF2B5EF4-FFF2-40B4-BE49-F238E27FC236}">
+                <a16:creationId xmlns:a16="http://schemas.microsoft.com/office/drawing/2014/main" id="{59626F53-4363-5946-AD38-11996A840609}"/>
+              </a:ext>
+            </a:extLst>
+          </p:cNvPr>
+          <p:cNvSpPr/>
+          <p:nvPr/>
+        </p:nvSpPr>
+        <p:spPr>
+          <a:xfrm>
+            <a:off x="1017947" y="5262502"/>
+            <a:ext cx="291765" cy="291765"/>
+          </a:xfrm>
+          <a:prstGeom prst="ellipse">
+            <a:avLst/>
+          </a:prstGeom>
+          <a:noFill/>
+          <a:ln>
+            <a:solidFill>
+              <a:schemeClr val="tx1"/>
+            </a:solidFill>
+          </a:ln>
+        </p:spPr>
+        <p:style>
+          <a:lnRef idx="2">
+            <a:schemeClr val="accent1">
+              <a:shade val="50000"/>
+            </a:schemeClr>
+          </a:lnRef>
+          <a:fillRef idx="1">
+            <a:schemeClr val="accent1"/>
+          </a:fillRef>
+          <a:effectRef idx="0">
+            <a:schemeClr val="accent1"/>
+          </a:effectRef>
+          <a:fontRef idx="minor">
+            <a:schemeClr val="lt1"/>
+          </a:fontRef>
+        </p:style>
+        <p:txBody>
+          <a:bodyPr rtlCol="0" anchor="ctr"/>
+          <a:lstStyle/>
+          <a:p>
+            <a:pPr algn="ctr"/>
+            <a:r>
+              <a:rPr kumimoji="1" lang="en-US" altLang="zh-TW" sz="1200" dirty="0">
+                <a:solidFill>
+                  <a:schemeClr val="tx1"/>
+                </a:solidFill>
+              </a:rPr>
+              <a:t>A</a:t>
+            </a:r>
+            <a:endParaRPr kumimoji="1" lang="zh-TW" altLang="en-US" sz="1200" dirty="0">
+              <a:solidFill>
+                <a:schemeClr val="tx1"/>
+              </a:solidFill>
+            </a:endParaRPr>
+          </a:p>
+        </p:txBody>
+      </p:sp>
+      <p:sp>
+        <p:nvSpPr>
+          <p:cNvPr id="71" name="橢圓 70">
+            <a:extLst>
+              <a:ext uri="{FF2B5EF4-FFF2-40B4-BE49-F238E27FC236}">
+                <a16:creationId xmlns:a16="http://schemas.microsoft.com/office/drawing/2014/main" id="{459E74CF-F130-0847-8C62-F4396CC0D4E9}"/>
+              </a:ext>
+            </a:extLst>
+          </p:cNvPr>
+          <p:cNvSpPr/>
+          <p:nvPr/>
+        </p:nvSpPr>
+        <p:spPr>
+          <a:xfrm>
+            <a:off x="1017947" y="5870643"/>
+            <a:ext cx="291765" cy="291765"/>
+          </a:xfrm>
+          <a:prstGeom prst="ellipse">
+            <a:avLst/>
+          </a:prstGeom>
+          <a:noFill/>
+          <a:ln>
+            <a:solidFill>
+              <a:schemeClr val="tx1"/>
+            </a:solidFill>
+          </a:ln>
+        </p:spPr>
+        <p:style>
+          <a:lnRef idx="2">
+            <a:schemeClr val="accent1">
+              <a:shade val="50000"/>
+            </a:schemeClr>
+          </a:lnRef>
+          <a:fillRef idx="1">
+            <a:schemeClr val="accent1"/>
+          </a:fillRef>
+          <a:effectRef idx="0">
+            <a:schemeClr val="accent1"/>
+          </a:effectRef>
+          <a:fontRef idx="minor">
+            <a:schemeClr val="lt1"/>
+          </a:fontRef>
+        </p:style>
+        <p:txBody>
+          <a:bodyPr rtlCol="0" anchor="ctr"/>
+          <a:lstStyle/>
+          <a:p>
+            <a:pPr algn="ctr"/>
+            <a:r>
+              <a:rPr kumimoji="1" lang="en-US" altLang="zh-TW" sz="1200" dirty="0">
+                <a:solidFill>
+                  <a:schemeClr val="tx1"/>
+                </a:solidFill>
+              </a:rPr>
+              <a:t>B</a:t>
+            </a:r>
+            <a:endParaRPr kumimoji="1" lang="zh-TW" altLang="en-US" sz="1200" dirty="0">
+              <a:solidFill>
+                <a:schemeClr val="tx1"/>
+              </a:solidFill>
+            </a:endParaRPr>
+          </a:p>
+        </p:txBody>
+      </p:sp>
+      <p:sp>
+        <p:nvSpPr>
+          <p:cNvPr id="74" name="橢圓 73">
+            <a:extLst>
+              <a:ext uri="{FF2B5EF4-FFF2-40B4-BE49-F238E27FC236}">
+                <a16:creationId xmlns:a16="http://schemas.microsoft.com/office/drawing/2014/main" id="{3862D1B5-96C1-6D4E-8800-F1F3E3AC2E3B}"/>
+              </a:ext>
+            </a:extLst>
+          </p:cNvPr>
+          <p:cNvSpPr/>
+          <p:nvPr/>
+        </p:nvSpPr>
+        <p:spPr>
+          <a:xfrm>
+            <a:off x="1824016" y="5870643"/>
+            <a:ext cx="291765" cy="291765"/>
+          </a:xfrm>
+          <a:prstGeom prst="ellipse">
+            <a:avLst/>
+          </a:prstGeom>
+          <a:noFill/>
+          <a:ln>
+            <a:solidFill>
+              <a:schemeClr val="tx1"/>
+            </a:solidFill>
+          </a:ln>
+        </p:spPr>
+        <p:style>
+          <a:lnRef idx="2">
+            <a:schemeClr val="accent1">
+              <a:shade val="50000"/>
+            </a:schemeClr>
+          </a:lnRef>
+          <a:fillRef idx="1">
+            <a:schemeClr val="accent1"/>
+          </a:fillRef>
+          <a:effectRef idx="0">
+            <a:schemeClr val="accent1"/>
+          </a:effectRef>
+          <a:fontRef idx="minor">
+            <a:schemeClr val="lt1"/>
+          </a:fontRef>
+        </p:style>
+        <p:txBody>
+          <a:bodyPr rtlCol="0" anchor="ctr"/>
+          <a:lstStyle/>
+          <a:p>
+            <a:pPr algn="ctr"/>
+            <a:r>
+              <a:rPr kumimoji="1" lang="en-US" altLang="zh-TW" sz="1200" dirty="0">
+                <a:solidFill>
+                  <a:schemeClr val="tx1"/>
+                </a:solidFill>
+              </a:rPr>
+              <a:t>C</a:t>
+            </a:r>
+            <a:endParaRPr kumimoji="1" lang="zh-TW" altLang="en-US" sz="1200" dirty="0">
+              <a:solidFill>
+                <a:schemeClr val="tx1"/>
+              </a:solidFill>
+            </a:endParaRPr>
+          </a:p>
+        </p:txBody>
+      </p:sp>
+      <p:cxnSp>
+        <p:nvCxnSpPr>
+          <p:cNvPr id="94" name="直線箭頭接點 93">
+            <a:extLst>
+              <a:ext uri="{FF2B5EF4-FFF2-40B4-BE49-F238E27FC236}">
+                <a16:creationId xmlns:a16="http://schemas.microsoft.com/office/drawing/2014/main" id="{FA02A40A-14BA-5E4C-953E-EC9F29B2DBAE}"/>
+              </a:ext>
+            </a:extLst>
+          </p:cNvPr>
+          <p:cNvCxnSpPr>
+            <a:cxnSpLocks/>
+          </p:cNvCxnSpPr>
+          <p:nvPr/>
+        </p:nvCxnSpPr>
+        <p:spPr>
+          <a:xfrm>
+            <a:off x="1343580" y="6011230"/>
+            <a:ext cx="457326" cy="0"/>
+          </a:xfrm>
+          <a:prstGeom prst="straightConnector1">
+            <a:avLst/>
+          </a:prstGeom>
+          <a:ln w="12700">
+            <a:solidFill>
+              <a:schemeClr val="tx1"/>
+            </a:solidFill>
+            <a:headEnd type="none" w="med" len="med"/>
+            <a:tailEnd type="arrow" w="med" len="med"/>
+          </a:ln>
+        </p:spPr>
+        <p:style>
+          <a:lnRef idx="1">
+            <a:schemeClr val="accent1"/>
+          </a:lnRef>
+          <a:fillRef idx="0">
+            <a:schemeClr val="accent1"/>
+          </a:fillRef>
+          <a:effectRef idx="0">
+            <a:schemeClr val="accent1"/>
+          </a:effectRef>
+          <a:fontRef idx="minor">
+            <a:schemeClr val="tx1"/>
+          </a:fontRef>
+        </p:style>
+      </p:cxnSp>
+      <p:cxnSp>
+        <p:nvCxnSpPr>
+          <p:cNvPr id="95" name="直線箭頭接點 94">
+            <a:extLst>
+              <a:ext uri="{FF2B5EF4-FFF2-40B4-BE49-F238E27FC236}">
+                <a16:creationId xmlns:a16="http://schemas.microsoft.com/office/drawing/2014/main" id="{38021D94-00F2-DF4C-B8B4-5AD89F1B897A}"/>
+              </a:ext>
+            </a:extLst>
+          </p:cNvPr>
+          <p:cNvCxnSpPr>
+            <a:cxnSpLocks/>
+          </p:cNvCxnSpPr>
+          <p:nvPr/>
+        </p:nvCxnSpPr>
+        <p:spPr>
+          <a:xfrm>
+            <a:off x="1158630" y="5573101"/>
+            <a:ext cx="0" cy="273266"/>
+          </a:xfrm>
+          <a:prstGeom prst="straightConnector1">
+            <a:avLst/>
+          </a:prstGeom>
+          <a:ln w="12700">
+            <a:solidFill>
+              <a:schemeClr val="tx1"/>
+            </a:solidFill>
+            <a:headEnd type="none" w="med" len="med"/>
+            <a:tailEnd type="arrow" w="med" len="med"/>
+          </a:ln>
+        </p:spPr>
+        <p:style>
+          <a:lnRef idx="1">
+            <a:schemeClr val="accent1"/>
+          </a:lnRef>
+          <a:fillRef idx="0">
+            <a:schemeClr val="accent1"/>
+          </a:fillRef>
+          <a:effectRef idx="0">
+            <a:schemeClr val="accent1"/>
+          </a:effectRef>
+          <a:fontRef idx="minor">
+            <a:schemeClr val="tx1"/>
+          </a:fontRef>
+        </p:style>
+      </p:cxnSp>
+      <p:cxnSp>
+        <p:nvCxnSpPr>
+          <p:cNvPr id="96" name="直線箭頭接點 95">
+            <a:extLst>
+              <a:ext uri="{FF2B5EF4-FFF2-40B4-BE49-F238E27FC236}">
+                <a16:creationId xmlns:a16="http://schemas.microsoft.com/office/drawing/2014/main" id="{F991343D-DAD3-D240-A3A7-7D70C889897C}"/>
+              </a:ext>
+            </a:extLst>
+          </p:cNvPr>
+          <p:cNvCxnSpPr>
+            <a:cxnSpLocks/>
+          </p:cNvCxnSpPr>
+          <p:nvPr/>
+        </p:nvCxnSpPr>
+        <p:spPr>
+          <a:xfrm>
+            <a:off x="1301908" y="5526136"/>
+            <a:ext cx="532468" cy="371051"/>
+          </a:xfrm>
+          <a:prstGeom prst="straightConnector1">
+            <a:avLst/>
+          </a:prstGeom>
+          <a:ln w="12700">
+            <a:solidFill>
+              <a:schemeClr val="tx1"/>
+            </a:solidFill>
+            <a:headEnd type="none" w="med" len="med"/>
+            <a:tailEnd type="arrow" w="med" len="med"/>
+          </a:ln>
+        </p:spPr>
+        <p:style>
+          <a:lnRef idx="1">
+            <a:schemeClr val="accent1"/>
+          </a:lnRef>
+          <a:fillRef idx="0">
+            <a:schemeClr val="accent1"/>
+          </a:fillRef>
+          <a:effectRef idx="0">
+            <a:schemeClr val="accent1"/>
+          </a:effectRef>
+          <a:fontRef idx="minor">
+            <a:schemeClr val="tx1"/>
+          </a:fontRef>
+        </p:style>
+      </p:cxnSp>
+      <p:sp>
+        <p:nvSpPr>
+          <p:cNvPr id="102" name="文字方塊 101">
+            <a:extLst>
+              <a:ext uri="{FF2B5EF4-FFF2-40B4-BE49-F238E27FC236}">
+                <a16:creationId xmlns:a16="http://schemas.microsoft.com/office/drawing/2014/main" id="{5EAB8ADA-7A95-BA46-9A50-31080D701F64}"/>
+              </a:ext>
+            </a:extLst>
+          </p:cNvPr>
+          <p:cNvSpPr txBox="1"/>
+          <p:nvPr/>
+        </p:nvSpPr>
+        <p:spPr>
+          <a:xfrm>
+            <a:off x="1480060" y="5501033"/>
+            <a:ext cx="250390" cy="246221"/>
+          </a:xfrm>
+          <a:prstGeom prst="rect">
+            <a:avLst/>
+          </a:prstGeom>
+          <a:noFill/>
+        </p:spPr>
+        <p:txBody>
+          <a:bodyPr wrap="none" rtlCol="0">
+            <a:spAutoFit/>
+          </a:bodyPr>
+          <a:lstStyle/>
+          <a:p>
+            <a:r>
+              <a:rPr kumimoji="1" lang="en-US" altLang="zh-TW" sz="1000" dirty="0"/>
+              <a:t>2</a:t>
+            </a:r>
+            <a:endParaRPr kumimoji="1" lang="zh-TW" altLang="en-US" sz="1000" b="1" dirty="0"/>
+          </a:p>
+        </p:txBody>
+      </p:sp>
+      <p:sp>
+        <p:nvSpPr>
+          <p:cNvPr id="103" name="文字方塊 102">
+            <a:extLst>
+              <a:ext uri="{FF2B5EF4-FFF2-40B4-BE49-F238E27FC236}">
+                <a16:creationId xmlns:a16="http://schemas.microsoft.com/office/drawing/2014/main" id="{C2A31064-F3BF-FB4C-BF05-8DC2EC04CC67}"/>
+              </a:ext>
+            </a:extLst>
+          </p:cNvPr>
+          <p:cNvSpPr txBox="1"/>
+          <p:nvPr/>
+        </p:nvSpPr>
+        <p:spPr>
+          <a:xfrm>
+            <a:off x="1349756" y="6030456"/>
+            <a:ext cx="354584" cy="246221"/>
+          </a:xfrm>
+          <a:prstGeom prst="rect">
+            <a:avLst/>
+          </a:prstGeom>
+          <a:noFill/>
+        </p:spPr>
+        <p:txBody>
+          <a:bodyPr wrap="none" rtlCol="0">
+            <a:spAutoFit/>
+          </a:bodyPr>
+          <a:lstStyle/>
+          <a:p>
+            <a:r>
+              <a:rPr kumimoji="1" lang="en-US" altLang="zh-TW" sz="1000" dirty="0">
+                <a:solidFill>
+                  <a:srgbClr val="FF0000"/>
+                </a:solidFill>
+              </a:rPr>
+              <a:t>-10</a:t>
+            </a:r>
+            <a:endParaRPr kumimoji="1" lang="zh-TW" altLang="en-US" sz="1000" b="1" dirty="0">
+              <a:solidFill>
+                <a:srgbClr val="FF0000"/>
+              </a:solidFill>
+            </a:endParaRPr>
+          </a:p>
+        </p:txBody>
+      </p:sp>
+      <p:sp>
+        <p:nvSpPr>
+          <p:cNvPr id="104" name="文字方塊 103">
+            <a:extLst>
+              <a:ext uri="{FF2B5EF4-FFF2-40B4-BE49-F238E27FC236}">
+                <a16:creationId xmlns:a16="http://schemas.microsoft.com/office/drawing/2014/main" id="{02BD1D59-ACC8-494C-A28B-A3AA6F3EDC4B}"/>
+              </a:ext>
+            </a:extLst>
+          </p:cNvPr>
+          <p:cNvSpPr txBox="1"/>
+          <p:nvPr/>
+        </p:nvSpPr>
+        <p:spPr>
+          <a:xfrm>
+            <a:off x="878012" y="5559522"/>
+            <a:ext cx="250390" cy="246221"/>
+          </a:xfrm>
+          <a:prstGeom prst="rect">
+            <a:avLst/>
+          </a:prstGeom>
+          <a:noFill/>
+        </p:spPr>
+        <p:txBody>
+          <a:bodyPr wrap="none" rtlCol="0">
+            <a:spAutoFit/>
+          </a:bodyPr>
+          <a:lstStyle/>
+          <a:p>
+            <a:r>
+              <a:rPr kumimoji="1" lang="en-US" altLang="zh-TW" sz="1000" dirty="0"/>
+              <a:t>5</a:t>
+            </a:r>
+            <a:endParaRPr kumimoji="1" lang="zh-TW" altLang="en-US" sz="1000" b="1" dirty="0"/>
+          </a:p>
+        </p:txBody>
+      </p:sp>
     </p:spTree>
     <p:extLst>
       <p:ext uri="{BB962C8B-B14F-4D97-AF65-F5344CB8AC3E}">
         <p14:creationId xmlns:p14="http://schemas.microsoft.com/office/powerpoint/2010/main" val="805551600"/>
+      </p:ext>
+    </p:extLst>
+  </p:cSld>
+  <p:clrMapOvr>
+    <a:masterClrMapping/>
+  </p:clrMapOvr>
+</p:sld>
+</file>
+
+<file path=ppt/slides/slide8.xml><?xml version="1.0" encoding="utf-8"?>
+<p:sld xmlns:a="http://schemas.openxmlformats.org/drawingml/2006/main" xmlns:r="http://schemas.openxmlformats.org/officeDocument/2006/relationships" xmlns:p="http://schemas.openxmlformats.org/presentationml/2006/main">
+  <p:cSld>
+    <p:spTree>
+      <p:nvGrpSpPr>
+        <p:cNvPr id="1" name=""/>
+        <p:cNvGrpSpPr/>
+        <p:nvPr/>
+      </p:nvGrpSpPr>
+      <p:grpSpPr>
+        <a:xfrm>
+          <a:off x="0" y="0"/>
+          <a:ext cx="0" cy="0"/>
+          <a:chOff x="0" y="0"/>
+          <a:chExt cx="0" cy="0"/>
+        </a:xfrm>
+      </p:grpSpPr>
+      <p:sp>
+        <p:nvSpPr>
+          <p:cNvPr id="5" name="文字方塊 4">
+            <a:extLst>
+              <a:ext uri="{FF2B5EF4-FFF2-40B4-BE49-F238E27FC236}">
+                <a16:creationId xmlns:a16="http://schemas.microsoft.com/office/drawing/2014/main" id="{277CA532-3DCE-D241-9E34-42799519F6C3}"/>
+              </a:ext>
+            </a:extLst>
+          </p:cNvPr>
+          <p:cNvSpPr txBox="1"/>
+          <p:nvPr/>
+        </p:nvSpPr>
+        <p:spPr>
+          <a:xfrm>
+            <a:off x="1819884" y="35617"/>
+            <a:ext cx="2257541" cy="276999"/>
+          </a:xfrm>
+          <a:prstGeom prst="rect">
+            <a:avLst/>
+          </a:prstGeom>
+          <a:noFill/>
+        </p:spPr>
+        <p:txBody>
+          <a:bodyPr wrap="none" rtlCol="0">
+            <a:spAutoFit/>
+          </a:bodyPr>
+          <a:lstStyle/>
+          <a:p>
+            <a:r>
+              <a:rPr kumimoji="1" lang="en-US" altLang="zh-TW" sz="1200" dirty="0">
+                <a:solidFill>
+                  <a:srgbClr val="0432FF"/>
+                </a:solidFill>
+              </a:rPr>
+              <a:t>Search shortest path from A to C:</a:t>
+            </a:r>
+            <a:endParaRPr kumimoji="1" lang="zh-TW" altLang="en-US" sz="1200" b="1" dirty="0">
+              <a:solidFill>
+                <a:srgbClr val="009051"/>
+              </a:solidFill>
+            </a:endParaRPr>
+          </a:p>
+        </p:txBody>
+      </p:sp>
+      <p:graphicFrame>
+        <p:nvGraphicFramePr>
+          <p:cNvPr id="6" name="表格 56">
+            <a:extLst>
+              <a:ext uri="{FF2B5EF4-FFF2-40B4-BE49-F238E27FC236}">
+                <a16:creationId xmlns:a16="http://schemas.microsoft.com/office/drawing/2014/main" id="{95F8B1DA-AB83-CF46-A6BA-FDEDEA49735D}"/>
+              </a:ext>
+            </a:extLst>
+          </p:cNvPr>
+          <p:cNvGraphicFramePr>
+            <a:graphicFrameLocks noGrp="1"/>
+          </p:cNvGraphicFramePr>
+          <p:nvPr>
+            <p:extLst>
+              <p:ext uri="{D42A27DB-BD31-4B8C-83A1-F6EECF244321}">
+                <p14:modId xmlns:p14="http://schemas.microsoft.com/office/powerpoint/2010/main" val="95214221"/>
+              </p:ext>
+            </p:extLst>
+          </p:nvPr>
+        </p:nvGraphicFramePr>
+        <p:xfrm>
+          <a:off x="268163" y="1631801"/>
+          <a:ext cx="1667161" cy="966304"/>
+        </p:xfrm>
+        <a:graphic>
+          <a:graphicData uri="http://schemas.openxmlformats.org/drawingml/2006/table">
+            <a:tbl>
+              <a:tblPr firstRow="1" bandRow="1">
+                <a:tableStyleId>{5C22544A-7EE6-4342-B048-85BDC9FD1C3A}</a:tableStyleId>
+              </a:tblPr>
+              <a:tblGrid>
+                <a:gridCol w="536348">
+                  <a:extLst>
+                    <a:ext uri="{9D8B030D-6E8A-4147-A177-3AD203B41FA5}">
+                      <a16:colId xmlns:a16="http://schemas.microsoft.com/office/drawing/2014/main" val="3247701678"/>
+                    </a:ext>
+                  </a:extLst>
+                </a:gridCol>
+                <a:gridCol w="570764">
+                  <a:extLst>
+                    <a:ext uri="{9D8B030D-6E8A-4147-A177-3AD203B41FA5}">
+                      <a16:colId xmlns:a16="http://schemas.microsoft.com/office/drawing/2014/main" val="2128976714"/>
+                    </a:ext>
+                  </a:extLst>
+                </a:gridCol>
+                <a:gridCol w="560049">
+                  <a:extLst>
+                    <a:ext uri="{9D8B030D-6E8A-4147-A177-3AD203B41FA5}">
+                      <a16:colId xmlns:a16="http://schemas.microsoft.com/office/drawing/2014/main" val="4013374876"/>
+                    </a:ext>
+                  </a:extLst>
+                </a:gridCol>
+              </a:tblGrid>
+              <a:tr h="238042">
+                <a:tc>
+                  <a:txBody>
+                    <a:bodyPr/>
+                    <a:lstStyle/>
+                    <a:p>
+                      <a:pPr marL="0" algn="ctr" defTabSz="685800" rtl="0" eaLnBrk="1" latinLnBrk="0" hangingPunct="1"/>
+                      <a:r>
+                        <a:rPr lang="en-US" altLang="zh-TW" sz="1200" b="0" kern="1200" dirty="0">
+                          <a:solidFill>
+                            <a:schemeClr val="bg1"/>
+                          </a:solidFill>
+                        </a:rPr>
+                        <a:t>vertex</a:t>
+                      </a:r>
+                      <a:endParaRPr lang="zh-TW" altLang="en-US" sz="1200" b="0" kern="1200" dirty="0">
+                        <a:solidFill>
+                          <a:schemeClr val="bg1"/>
+                        </a:solidFill>
+                        <a:latin typeface="+mn-lt"/>
+                        <a:ea typeface="+mn-ea"/>
+                        <a:cs typeface="+mn-cs"/>
+                      </a:endParaRPr>
+                    </a:p>
+                  </a:txBody>
+                  <a:tcPr marL="57600" marR="58695" marT="29348" marB="29348"/>
+                </a:tc>
+                <a:tc>
+                  <a:txBody>
+                    <a:bodyPr/>
+                    <a:lstStyle/>
+                    <a:p>
+                      <a:pPr marL="0" algn="ctr" defTabSz="685800" rtl="0" eaLnBrk="1" latinLnBrk="0" hangingPunct="1"/>
+                      <a:r>
+                        <a:rPr lang="en-US" altLang="zh-TW" sz="1200" b="0" kern="1200" dirty="0">
+                          <a:solidFill>
+                            <a:schemeClr val="bg1"/>
+                          </a:solidFill>
+                          <a:latin typeface="+mn-lt"/>
+                          <a:ea typeface="+mn-ea"/>
+                          <a:cs typeface="+mn-cs"/>
+                        </a:rPr>
+                        <a:t>weight</a:t>
+                      </a:r>
+                      <a:endParaRPr lang="zh-TW" altLang="en-US" sz="1200" b="0" kern="1200" dirty="0">
+                        <a:solidFill>
+                          <a:schemeClr val="bg1"/>
+                        </a:solidFill>
+                        <a:latin typeface="+mn-lt"/>
+                        <a:ea typeface="+mn-ea"/>
+                        <a:cs typeface="+mn-cs"/>
+                      </a:endParaRPr>
+                    </a:p>
+                  </a:txBody>
+                  <a:tcPr marL="57600" marR="58695" marT="29348" marB="29348"/>
+                </a:tc>
+                <a:tc>
+                  <a:txBody>
+                    <a:bodyPr/>
+                    <a:lstStyle/>
+                    <a:p>
+                      <a:pPr marL="0" algn="ctr" defTabSz="685800" rtl="0" eaLnBrk="1" latinLnBrk="0" hangingPunct="1"/>
+                      <a:r>
+                        <a:rPr lang="en-US" altLang="zh-TW" sz="1200" b="0" kern="1200" dirty="0">
+                          <a:solidFill>
+                            <a:schemeClr val="bg1"/>
+                          </a:solidFill>
+                          <a:latin typeface="+mn-lt"/>
+                          <a:ea typeface="+mn-ea"/>
+                          <a:cs typeface="+mn-cs"/>
+                        </a:rPr>
+                        <a:t>parent</a:t>
+                      </a:r>
+                      <a:endParaRPr lang="zh-TW" altLang="en-US" sz="1200" b="0" kern="1200" dirty="0">
+                        <a:solidFill>
+                          <a:schemeClr val="bg1"/>
+                        </a:solidFill>
+                        <a:latin typeface="+mn-lt"/>
+                        <a:ea typeface="+mn-ea"/>
+                        <a:cs typeface="+mn-cs"/>
+                      </a:endParaRPr>
+                    </a:p>
+                  </a:txBody>
+                  <a:tcPr marL="58695" marR="58695" marT="29348" marB="29348"/>
+                </a:tc>
+                <a:extLst>
+                  <a:ext uri="{0D108BD9-81ED-4DB2-BD59-A6C34878D82A}">
+                    <a16:rowId xmlns:a16="http://schemas.microsoft.com/office/drawing/2014/main" val="3955762702"/>
+                  </a:ext>
+                </a:extLst>
+              </a:tr>
+              <a:tr h="238042">
+                <a:tc>
+                  <a:txBody>
+                    <a:bodyPr/>
+                    <a:lstStyle/>
+                    <a:p>
+                      <a:pPr marL="0" algn="ctr" defTabSz="685800" rtl="0" eaLnBrk="1" latinLnBrk="0" hangingPunct="1"/>
+                      <a:r>
+                        <a:rPr lang="en-US" altLang="zh-TW" sz="1200" kern="1200" dirty="0">
+                          <a:solidFill>
+                            <a:schemeClr val="dk1"/>
+                          </a:solidFill>
+                        </a:rPr>
+                        <a:t>A</a:t>
+                      </a:r>
+                      <a:endParaRPr lang="zh-TW" altLang="en-US" sz="1200" kern="1200" dirty="0">
+                        <a:solidFill>
+                          <a:schemeClr val="dk1"/>
+                        </a:solidFill>
+                        <a:latin typeface="+mn-lt"/>
+                        <a:ea typeface="+mn-ea"/>
+                        <a:cs typeface="+mn-cs"/>
+                      </a:endParaRPr>
+                    </a:p>
+                  </a:txBody>
+                  <a:tcPr marL="58695" marR="58695" marT="29348" marB="29348"/>
+                </a:tc>
+                <a:tc>
+                  <a:txBody>
+                    <a:bodyPr/>
+                    <a:lstStyle/>
+                    <a:p>
+                      <a:pPr marL="0" algn="ctr" defTabSz="685800" rtl="0" eaLnBrk="1" latinLnBrk="0" hangingPunct="1"/>
+                      <a:r>
+                        <a:rPr lang="en-US" altLang="zh-TW" sz="1200" kern="1200" dirty="0">
+                          <a:solidFill>
+                            <a:schemeClr val="dk1"/>
+                          </a:solidFill>
+                          <a:latin typeface="+mn-lt"/>
+                          <a:ea typeface="+mn-ea"/>
+                          <a:cs typeface="+mn-cs"/>
+                        </a:rPr>
+                        <a:t>0</a:t>
+                      </a:r>
+                      <a:endParaRPr lang="zh-TW" altLang="en-US" sz="1200" kern="1200" dirty="0">
+                        <a:solidFill>
+                          <a:schemeClr val="dk1"/>
+                        </a:solidFill>
+                        <a:latin typeface="+mn-lt"/>
+                        <a:ea typeface="+mn-ea"/>
+                        <a:cs typeface="+mn-cs"/>
+                      </a:endParaRPr>
+                    </a:p>
+                  </a:txBody>
+                  <a:tcPr marL="58695" marR="58695" marT="29348" marB="29348"/>
+                </a:tc>
+                <a:tc>
+                  <a:txBody>
+                    <a:bodyPr/>
+                    <a:lstStyle/>
+                    <a:p>
+                      <a:pPr marL="0" algn="ctr" defTabSz="685800" rtl="0" eaLnBrk="1" latinLnBrk="0" hangingPunct="1"/>
+                      <a:r>
+                        <a:rPr lang="en-US" altLang="zh-TW" sz="1200" kern="1200" dirty="0">
+                          <a:solidFill>
+                            <a:schemeClr val="dk1"/>
+                          </a:solidFill>
+                          <a:latin typeface="+mn-lt"/>
+                          <a:ea typeface="+mn-ea"/>
+                          <a:cs typeface="+mn-cs"/>
+                        </a:rPr>
+                        <a:t>-</a:t>
+                      </a:r>
+                      <a:endParaRPr lang="zh-TW" altLang="en-US" sz="1200" kern="1200" dirty="0">
+                        <a:solidFill>
+                          <a:schemeClr val="dk1"/>
+                        </a:solidFill>
+                        <a:latin typeface="+mn-lt"/>
+                        <a:ea typeface="+mn-ea"/>
+                        <a:cs typeface="+mn-cs"/>
+                      </a:endParaRPr>
+                    </a:p>
+                  </a:txBody>
+                  <a:tcPr marL="58695" marR="58695" marT="29348" marB="29348"/>
+                </a:tc>
+                <a:extLst>
+                  <a:ext uri="{0D108BD9-81ED-4DB2-BD59-A6C34878D82A}">
+                    <a16:rowId xmlns:a16="http://schemas.microsoft.com/office/drawing/2014/main" val="3991906144"/>
+                  </a:ext>
+                </a:extLst>
+              </a:tr>
+              <a:tr h="238042">
+                <a:tc>
+                  <a:txBody>
+                    <a:bodyPr/>
+                    <a:lstStyle/>
+                    <a:p>
+                      <a:pPr marL="0" algn="ctr" defTabSz="685800" rtl="0" eaLnBrk="1" latinLnBrk="0" hangingPunct="1"/>
+                      <a:r>
+                        <a:rPr lang="en-US" altLang="zh-TW" sz="1200" kern="1200" dirty="0">
+                          <a:solidFill>
+                            <a:schemeClr val="dk1"/>
+                          </a:solidFill>
+                        </a:rPr>
+                        <a:t>B</a:t>
+                      </a:r>
+                      <a:endParaRPr lang="zh-TW" altLang="en-US" sz="1200" kern="1200" dirty="0">
+                        <a:solidFill>
+                          <a:schemeClr val="dk1"/>
+                        </a:solidFill>
+                        <a:latin typeface="+mn-lt"/>
+                        <a:ea typeface="+mn-ea"/>
+                        <a:cs typeface="+mn-cs"/>
+                      </a:endParaRPr>
+                    </a:p>
+                  </a:txBody>
+                  <a:tcPr marL="58695" marR="58695" marT="29348" marB="29348"/>
+                </a:tc>
+                <a:tc>
+                  <a:txBody>
+                    <a:bodyPr/>
+                    <a:lstStyle/>
+                    <a:p>
+                      <a:pPr marL="0" algn="ctr" defTabSz="685800" rtl="0" eaLnBrk="1" latinLnBrk="0" hangingPunct="1"/>
+                      <a:r>
+                        <a:rPr lang="en-US" altLang="zh-TW" sz="1200" kern="1200" dirty="0">
+                          <a:solidFill>
+                            <a:srgbClr val="FF0000"/>
+                          </a:solidFill>
+                          <a:latin typeface="+mn-lt"/>
+                          <a:ea typeface="+mn-ea"/>
+                          <a:cs typeface="+mn-cs"/>
+                        </a:rPr>
+                        <a:t>5</a:t>
+                      </a:r>
+                      <a:endParaRPr lang="zh-TW" altLang="en-US" sz="1200" kern="1200" dirty="0">
+                        <a:solidFill>
+                          <a:srgbClr val="FF0000"/>
+                        </a:solidFill>
+                        <a:latin typeface="+mn-lt"/>
+                        <a:ea typeface="+mn-ea"/>
+                        <a:cs typeface="+mn-cs"/>
+                      </a:endParaRPr>
+                    </a:p>
+                  </a:txBody>
+                  <a:tcPr marL="58695" marR="58695" marT="29348" marB="29348"/>
+                </a:tc>
+                <a:tc>
+                  <a:txBody>
+                    <a:bodyPr/>
+                    <a:lstStyle/>
+                    <a:p>
+                      <a:pPr marL="0" algn="ctr" defTabSz="685800" rtl="0" eaLnBrk="1" latinLnBrk="0" hangingPunct="1"/>
+                      <a:r>
+                        <a:rPr lang="en-US" altLang="zh-TW" sz="1200" b="0" kern="1200" dirty="0">
+                          <a:solidFill>
+                            <a:srgbClr val="FF0000"/>
+                          </a:solidFill>
+                          <a:latin typeface="+mn-lt"/>
+                          <a:ea typeface="+mn-ea"/>
+                          <a:cs typeface="+mn-cs"/>
+                        </a:rPr>
+                        <a:t>A</a:t>
+                      </a:r>
+                      <a:endParaRPr lang="zh-TW" altLang="en-US" sz="1200" b="0" kern="1200" dirty="0">
+                        <a:solidFill>
+                          <a:srgbClr val="FF0000"/>
+                        </a:solidFill>
+                        <a:latin typeface="+mn-lt"/>
+                        <a:ea typeface="+mn-ea"/>
+                        <a:cs typeface="+mn-cs"/>
+                      </a:endParaRPr>
+                    </a:p>
+                  </a:txBody>
+                  <a:tcPr marL="58695" marR="58695" marT="29348" marB="29348"/>
+                </a:tc>
+                <a:extLst>
+                  <a:ext uri="{0D108BD9-81ED-4DB2-BD59-A6C34878D82A}">
+                    <a16:rowId xmlns:a16="http://schemas.microsoft.com/office/drawing/2014/main" val="809511413"/>
+                  </a:ext>
+                </a:extLst>
+              </a:tr>
+              <a:tr h="238042">
+                <a:tc>
+                  <a:txBody>
+                    <a:bodyPr/>
+                    <a:lstStyle/>
+                    <a:p>
+                      <a:pPr marL="0" algn="ctr" defTabSz="685800" rtl="0" eaLnBrk="1" latinLnBrk="0" hangingPunct="1"/>
+                      <a:r>
+                        <a:rPr lang="en-US" altLang="zh-TW" sz="1200" kern="1200" dirty="0">
+                          <a:solidFill>
+                            <a:schemeClr val="dk1"/>
+                          </a:solidFill>
+                        </a:rPr>
+                        <a:t>C</a:t>
+                      </a:r>
+                      <a:endParaRPr lang="zh-TW" altLang="en-US" sz="1200" kern="1200" dirty="0">
+                        <a:solidFill>
+                          <a:schemeClr val="dk1"/>
+                        </a:solidFill>
+                        <a:latin typeface="+mn-lt"/>
+                        <a:ea typeface="+mn-ea"/>
+                        <a:cs typeface="+mn-cs"/>
+                      </a:endParaRPr>
+                    </a:p>
+                  </a:txBody>
+                  <a:tcPr marL="58695" marR="58695" marT="29348" marB="29348"/>
+                </a:tc>
+                <a:tc>
+                  <a:txBody>
+                    <a:bodyPr/>
+                    <a:lstStyle/>
+                    <a:p>
+                      <a:pPr marL="0" algn="ctr" defTabSz="685800" rtl="0" eaLnBrk="1" latinLnBrk="0" hangingPunct="1"/>
+                      <a:r>
+                        <a:rPr lang="en-US" altLang="zh-TW" sz="1200" kern="1200" dirty="0">
+                          <a:solidFill>
+                            <a:srgbClr val="FF0000"/>
+                          </a:solidFill>
+                          <a:latin typeface="+mn-lt"/>
+                          <a:ea typeface="+mn-ea"/>
+                          <a:cs typeface="+mn-cs"/>
+                        </a:rPr>
+                        <a:t>-5</a:t>
+                      </a:r>
+                      <a:endParaRPr lang="zh-TW" altLang="en-US" sz="1200" kern="1200" dirty="0">
+                        <a:solidFill>
+                          <a:srgbClr val="FF0000"/>
+                        </a:solidFill>
+                        <a:latin typeface="+mn-lt"/>
+                        <a:ea typeface="+mn-ea"/>
+                        <a:cs typeface="+mn-cs"/>
+                      </a:endParaRPr>
+                    </a:p>
+                  </a:txBody>
+                  <a:tcPr marL="58695" marR="58695" marT="29348" marB="29348"/>
+                </a:tc>
+                <a:tc>
+                  <a:txBody>
+                    <a:bodyPr/>
+                    <a:lstStyle/>
+                    <a:p>
+                      <a:pPr marL="0" algn="ctr" defTabSz="685800" rtl="0" eaLnBrk="1" latinLnBrk="0" hangingPunct="1"/>
+                      <a:r>
+                        <a:rPr lang="en-US" altLang="zh-TW" sz="1200" kern="1200" dirty="0">
+                          <a:solidFill>
+                            <a:srgbClr val="FF0000"/>
+                          </a:solidFill>
+                          <a:latin typeface="+mn-lt"/>
+                          <a:ea typeface="+mn-ea"/>
+                          <a:cs typeface="+mn-cs"/>
+                        </a:rPr>
+                        <a:t>B</a:t>
+                      </a:r>
+                      <a:endParaRPr lang="zh-TW" altLang="en-US" sz="1200" kern="1200" dirty="0">
+                        <a:solidFill>
+                          <a:srgbClr val="FF0000"/>
+                        </a:solidFill>
+                        <a:latin typeface="+mn-lt"/>
+                        <a:ea typeface="+mn-ea"/>
+                        <a:cs typeface="+mn-cs"/>
+                      </a:endParaRPr>
+                    </a:p>
+                  </a:txBody>
+                  <a:tcPr marL="58695" marR="58695" marT="29348" marB="29348"/>
+                </a:tc>
+                <a:extLst>
+                  <a:ext uri="{0D108BD9-81ED-4DB2-BD59-A6C34878D82A}">
+                    <a16:rowId xmlns:a16="http://schemas.microsoft.com/office/drawing/2014/main" val="2676381122"/>
+                  </a:ext>
+                </a:extLst>
+              </a:tr>
+            </a:tbl>
+          </a:graphicData>
+        </a:graphic>
+      </p:graphicFrame>
+      <p:graphicFrame>
+        <p:nvGraphicFramePr>
+          <p:cNvPr id="7" name="表格 56">
+            <a:extLst>
+              <a:ext uri="{FF2B5EF4-FFF2-40B4-BE49-F238E27FC236}">
+                <a16:creationId xmlns:a16="http://schemas.microsoft.com/office/drawing/2014/main" id="{85126B7A-8660-8D4E-922A-CBAABEAE7405}"/>
+              </a:ext>
+            </a:extLst>
+          </p:cNvPr>
+          <p:cNvGraphicFramePr>
+            <a:graphicFrameLocks noGrp="1"/>
+          </p:cNvGraphicFramePr>
+          <p:nvPr>
+            <p:extLst>
+              <p:ext uri="{D42A27DB-BD31-4B8C-83A1-F6EECF244321}">
+                <p14:modId xmlns:p14="http://schemas.microsoft.com/office/powerpoint/2010/main" val="1235696832"/>
+              </p:ext>
+            </p:extLst>
+          </p:nvPr>
+        </p:nvGraphicFramePr>
+        <p:xfrm>
+          <a:off x="1984895" y="1631801"/>
+          <a:ext cx="1667161" cy="966304"/>
+        </p:xfrm>
+        <a:graphic>
+          <a:graphicData uri="http://schemas.openxmlformats.org/drawingml/2006/table">
+            <a:tbl>
+              <a:tblPr firstRow="1" bandRow="1">
+                <a:tableStyleId>{5C22544A-7EE6-4342-B048-85BDC9FD1C3A}</a:tableStyleId>
+              </a:tblPr>
+              <a:tblGrid>
+                <a:gridCol w="536348">
+                  <a:extLst>
+                    <a:ext uri="{9D8B030D-6E8A-4147-A177-3AD203B41FA5}">
+                      <a16:colId xmlns:a16="http://schemas.microsoft.com/office/drawing/2014/main" val="3247701678"/>
+                    </a:ext>
+                  </a:extLst>
+                </a:gridCol>
+                <a:gridCol w="570764">
+                  <a:extLst>
+                    <a:ext uri="{9D8B030D-6E8A-4147-A177-3AD203B41FA5}">
+                      <a16:colId xmlns:a16="http://schemas.microsoft.com/office/drawing/2014/main" val="2128976714"/>
+                    </a:ext>
+                  </a:extLst>
+                </a:gridCol>
+                <a:gridCol w="560049">
+                  <a:extLst>
+                    <a:ext uri="{9D8B030D-6E8A-4147-A177-3AD203B41FA5}">
+                      <a16:colId xmlns:a16="http://schemas.microsoft.com/office/drawing/2014/main" val="4013374876"/>
+                    </a:ext>
+                  </a:extLst>
+                </a:gridCol>
+              </a:tblGrid>
+              <a:tr h="238042">
+                <a:tc>
+                  <a:txBody>
+                    <a:bodyPr/>
+                    <a:lstStyle/>
+                    <a:p>
+                      <a:pPr marL="0" algn="ctr" defTabSz="685800" rtl="0" eaLnBrk="1" latinLnBrk="0" hangingPunct="1"/>
+                      <a:r>
+                        <a:rPr lang="en-US" altLang="zh-TW" sz="1200" b="0" kern="1200" dirty="0">
+                          <a:solidFill>
+                            <a:schemeClr val="bg1"/>
+                          </a:solidFill>
+                        </a:rPr>
+                        <a:t>vertex</a:t>
+                      </a:r>
+                      <a:endParaRPr lang="zh-TW" altLang="en-US" sz="1200" b="0" kern="1200" dirty="0">
+                        <a:solidFill>
+                          <a:schemeClr val="bg1"/>
+                        </a:solidFill>
+                        <a:latin typeface="+mn-lt"/>
+                        <a:ea typeface="+mn-ea"/>
+                        <a:cs typeface="+mn-cs"/>
+                      </a:endParaRPr>
+                    </a:p>
+                  </a:txBody>
+                  <a:tcPr marL="57600" marR="58695" marT="29348" marB="29348"/>
+                </a:tc>
+                <a:tc>
+                  <a:txBody>
+                    <a:bodyPr/>
+                    <a:lstStyle/>
+                    <a:p>
+                      <a:pPr marL="0" algn="ctr" defTabSz="685800" rtl="0" eaLnBrk="1" latinLnBrk="0" hangingPunct="1"/>
+                      <a:r>
+                        <a:rPr lang="en-US" altLang="zh-TW" sz="1200" b="0" kern="1200" dirty="0">
+                          <a:solidFill>
+                            <a:schemeClr val="bg1"/>
+                          </a:solidFill>
+                          <a:latin typeface="+mn-lt"/>
+                          <a:ea typeface="+mn-ea"/>
+                          <a:cs typeface="+mn-cs"/>
+                        </a:rPr>
+                        <a:t>weight</a:t>
+                      </a:r>
+                      <a:endParaRPr lang="zh-TW" altLang="en-US" sz="1200" b="0" kern="1200" dirty="0">
+                        <a:solidFill>
+                          <a:schemeClr val="bg1"/>
+                        </a:solidFill>
+                        <a:latin typeface="+mn-lt"/>
+                        <a:ea typeface="+mn-ea"/>
+                        <a:cs typeface="+mn-cs"/>
+                      </a:endParaRPr>
+                    </a:p>
+                  </a:txBody>
+                  <a:tcPr marL="57600" marR="58695" marT="29348" marB="29348"/>
+                </a:tc>
+                <a:tc>
+                  <a:txBody>
+                    <a:bodyPr/>
+                    <a:lstStyle/>
+                    <a:p>
+                      <a:pPr marL="0" algn="ctr" defTabSz="685800" rtl="0" eaLnBrk="1" latinLnBrk="0" hangingPunct="1"/>
+                      <a:r>
+                        <a:rPr lang="en-US" altLang="zh-TW" sz="1200" b="0" kern="1200" dirty="0">
+                          <a:solidFill>
+                            <a:schemeClr val="bg1"/>
+                          </a:solidFill>
+                          <a:latin typeface="+mn-lt"/>
+                          <a:ea typeface="+mn-ea"/>
+                          <a:cs typeface="+mn-cs"/>
+                        </a:rPr>
+                        <a:t>parent</a:t>
+                      </a:r>
+                      <a:endParaRPr lang="zh-TW" altLang="en-US" sz="1200" b="0" kern="1200" dirty="0">
+                        <a:solidFill>
+                          <a:schemeClr val="bg1"/>
+                        </a:solidFill>
+                        <a:latin typeface="+mn-lt"/>
+                        <a:ea typeface="+mn-ea"/>
+                        <a:cs typeface="+mn-cs"/>
+                      </a:endParaRPr>
+                    </a:p>
+                  </a:txBody>
+                  <a:tcPr marL="58695" marR="58695" marT="29348" marB="29348"/>
+                </a:tc>
+                <a:extLst>
+                  <a:ext uri="{0D108BD9-81ED-4DB2-BD59-A6C34878D82A}">
+                    <a16:rowId xmlns:a16="http://schemas.microsoft.com/office/drawing/2014/main" val="3955762702"/>
+                  </a:ext>
+                </a:extLst>
+              </a:tr>
+              <a:tr h="238042">
+                <a:tc>
+                  <a:txBody>
+                    <a:bodyPr/>
+                    <a:lstStyle/>
+                    <a:p>
+                      <a:pPr marL="0" algn="ctr" defTabSz="685800" rtl="0" eaLnBrk="1" latinLnBrk="0" hangingPunct="1"/>
+                      <a:r>
+                        <a:rPr lang="en-US" altLang="zh-TW" sz="1200" kern="1200" dirty="0">
+                          <a:solidFill>
+                            <a:schemeClr val="dk1"/>
+                          </a:solidFill>
+                        </a:rPr>
+                        <a:t>A</a:t>
+                      </a:r>
+                      <a:endParaRPr lang="zh-TW" altLang="en-US" sz="1200" kern="1200" dirty="0">
+                        <a:solidFill>
+                          <a:schemeClr val="dk1"/>
+                        </a:solidFill>
+                        <a:latin typeface="+mn-lt"/>
+                        <a:ea typeface="+mn-ea"/>
+                        <a:cs typeface="+mn-cs"/>
+                      </a:endParaRPr>
+                    </a:p>
+                  </a:txBody>
+                  <a:tcPr marL="58695" marR="58695" marT="29348" marB="29348"/>
+                </a:tc>
+                <a:tc>
+                  <a:txBody>
+                    <a:bodyPr/>
+                    <a:lstStyle/>
+                    <a:p>
+                      <a:pPr marL="0" algn="ctr" defTabSz="685800" rtl="0" eaLnBrk="1" latinLnBrk="0" hangingPunct="1"/>
+                      <a:r>
+                        <a:rPr lang="en-US" altLang="zh-TW" sz="1200" kern="1200" dirty="0">
+                          <a:solidFill>
+                            <a:schemeClr val="dk1"/>
+                          </a:solidFill>
+                          <a:latin typeface="+mn-lt"/>
+                          <a:ea typeface="+mn-ea"/>
+                          <a:cs typeface="+mn-cs"/>
+                        </a:rPr>
+                        <a:t>0</a:t>
+                      </a:r>
+                      <a:endParaRPr lang="zh-TW" altLang="en-US" sz="1200" kern="1200" dirty="0">
+                        <a:solidFill>
+                          <a:schemeClr val="dk1"/>
+                        </a:solidFill>
+                        <a:latin typeface="+mn-lt"/>
+                        <a:ea typeface="+mn-ea"/>
+                        <a:cs typeface="+mn-cs"/>
+                      </a:endParaRPr>
+                    </a:p>
+                  </a:txBody>
+                  <a:tcPr marL="58695" marR="58695" marT="29348" marB="29348"/>
+                </a:tc>
+                <a:tc>
+                  <a:txBody>
+                    <a:bodyPr/>
+                    <a:lstStyle/>
+                    <a:p>
+                      <a:pPr marL="0" algn="ctr" defTabSz="685800" rtl="0" eaLnBrk="1" latinLnBrk="0" hangingPunct="1"/>
+                      <a:r>
+                        <a:rPr lang="en-US" altLang="zh-TW" sz="1200" kern="1200" dirty="0">
+                          <a:solidFill>
+                            <a:schemeClr val="dk1"/>
+                          </a:solidFill>
+                          <a:latin typeface="+mn-lt"/>
+                          <a:ea typeface="+mn-ea"/>
+                          <a:cs typeface="+mn-cs"/>
+                        </a:rPr>
+                        <a:t>-</a:t>
+                      </a:r>
+                      <a:endParaRPr lang="zh-TW" altLang="en-US" sz="1200" kern="1200" dirty="0">
+                        <a:solidFill>
+                          <a:schemeClr val="dk1"/>
+                        </a:solidFill>
+                        <a:latin typeface="+mn-lt"/>
+                        <a:ea typeface="+mn-ea"/>
+                        <a:cs typeface="+mn-cs"/>
+                      </a:endParaRPr>
+                    </a:p>
+                  </a:txBody>
+                  <a:tcPr marL="58695" marR="58695" marT="29348" marB="29348"/>
+                </a:tc>
+                <a:extLst>
+                  <a:ext uri="{0D108BD9-81ED-4DB2-BD59-A6C34878D82A}">
+                    <a16:rowId xmlns:a16="http://schemas.microsoft.com/office/drawing/2014/main" val="3991906144"/>
+                  </a:ext>
+                </a:extLst>
+              </a:tr>
+              <a:tr h="238042">
+                <a:tc>
+                  <a:txBody>
+                    <a:bodyPr/>
+                    <a:lstStyle/>
+                    <a:p>
+                      <a:pPr marL="0" algn="ctr" defTabSz="685800" rtl="0" eaLnBrk="1" latinLnBrk="0" hangingPunct="1"/>
+                      <a:r>
+                        <a:rPr lang="en-US" altLang="zh-TW" sz="1200" kern="1200" dirty="0">
+                          <a:solidFill>
+                            <a:schemeClr val="dk1"/>
+                          </a:solidFill>
+                        </a:rPr>
+                        <a:t>B</a:t>
+                      </a:r>
+                      <a:endParaRPr lang="zh-TW" altLang="en-US" sz="1200" kern="1200" dirty="0">
+                        <a:solidFill>
+                          <a:schemeClr val="dk1"/>
+                        </a:solidFill>
+                        <a:latin typeface="+mn-lt"/>
+                        <a:ea typeface="+mn-ea"/>
+                        <a:cs typeface="+mn-cs"/>
+                      </a:endParaRPr>
+                    </a:p>
+                  </a:txBody>
+                  <a:tcPr marL="58695" marR="58695" marT="29348" marB="29348"/>
+                </a:tc>
+                <a:tc>
+                  <a:txBody>
+                    <a:bodyPr/>
+                    <a:lstStyle/>
+                    <a:p>
+                      <a:pPr marL="0" algn="ctr" defTabSz="685800" rtl="0" eaLnBrk="1" latinLnBrk="0" hangingPunct="1"/>
+                      <a:r>
+                        <a:rPr lang="en-US" altLang="zh-TW" sz="1200" kern="1200" dirty="0">
+                          <a:solidFill>
+                            <a:schemeClr val="tx1"/>
+                          </a:solidFill>
+                          <a:latin typeface="+mn-lt"/>
+                          <a:ea typeface="+mn-ea"/>
+                          <a:cs typeface="+mn-cs"/>
+                        </a:rPr>
+                        <a:t>5</a:t>
+                      </a:r>
+                      <a:endParaRPr lang="zh-TW" altLang="en-US" sz="1200" kern="1200" dirty="0">
+                        <a:solidFill>
+                          <a:schemeClr val="tx1"/>
+                        </a:solidFill>
+                        <a:latin typeface="+mn-lt"/>
+                        <a:ea typeface="+mn-ea"/>
+                        <a:cs typeface="+mn-cs"/>
+                      </a:endParaRPr>
+                    </a:p>
+                  </a:txBody>
+                  <a:tcPr marL="58695" marR="58695" marT="29348" marB="29348"/>
+                </a:tc>
+                <a:tc>
+                  <a:txBody>
+                    <a:bodyPr/>
+                    <a:lstStyle/>
+                    <a:p>
+                      <a:pPr marL="0" algn="ctr" defTabSz="685800" rtl="0" eaLnBrk="1" latinLnBrk="0" hangingPunct="1"/>
+                      <a:r>
+                        <a:rPr lang="en-US" altLang="zh-TW" sz="1200" b="0" kern="1200" dirty="0">
+                          <a:solidFill>
+                            <a:schemeClr val="tx1"/>
+                          </a:solidFill>
+                          <a:latin typeface="+mn-lt"/>
+                          <a:ea typeface="+mn-ea"/>
+                          <a:cs typeface="+mn-cs"/>
+                        </a:rPr>
+                        <a:t>A</a:t>
+                      </a:r>
+                      <a:endParaRPr lang="zh-TW" altLang="en-US" sz="1200" b="0" kern="1200" dirty="0">
+                        <a:solidFill>
+                          <a:schemeClr val="tx1"/>
+                        </a:solidFill>
+                        <a:latin typeface="+mn-lt"/>
+                        <a:ea typeface="+mn-ea"/>
+                        <a:cs typeface="+mn-cs"/>
+                      </a:endParaRPr>
+                    </a:p>
+                  </a:txBody>
+                  <a:tcPr marL="58695" marR="58695" marT="29348" marB="29348"/>
+                </a:tc>
+                <a:extLst>
+                  <a:ext uri="{0D108BD9-81ED-4DB2-BD59-A6C34878D82A}">
+                    <a16:rowId xmlns:a16="http://schemas.microsoft.com/office/drawing/2014/main" val="809511413"/>
+                  </a:ext>
+                </a:extLst>
+              </a:tr>
+              <a:tr h="238042">
+                <a:tc>
+                  <a:txBody>
+                    <a:bodyPr/>
+                    <a:lstStyle/>
+                    <a:p>
+                      <a:pPr marL="0" algn="ctr" defTabSz="685800" rtl="0" eaLnBrk="1" latinLnBrk="0" hangingPunct="1"/>
+                      <a:r>
+                        <a:rPr lang="en-US" altLang="zh-TW" sz="1200" kern="1200" dirty="0">
+                          <a:solidFill>
+                            <a:schemeClr val="dk1"/>
+                          </a:solidFill>
+                        </a:rPr>
+                        <a:t>C</a:t>
+                      </a:r>
+                      <a:endParaRPr lang="zh-TW" altLang="en-US" sz="1200" kern="1200" dirty="0">
+                        <a:solidFill>
+                          <a:schemeClr val="dk1"/>
+                        </a:solidFill>
+                        <a:latin typeface="+mn-lt"/>
+                        <a:ea typeface="+mn-ea"/>
+                        <a:cs typeface="+mn-cs"/>
+                      </a:endParaRPr>
+                    </a:p>
+                  </a:txBody>
+                  <a:tcPr marL="58695" marR="58695" marT="29348" marB="29348"/>
+                </a:tc>
+                <a:tc>
+                  <a:txBody>
+                    <a:bodyPr/>
+                    <a:lstStyle/>
+                    <a:p>
+                      <a:pPr marL="0" algn="ctr" defTabSz="685800" rtl="0" eaLnBrk="1" latinLnBrk="0" hangingPunct="1"/>
+                      <a:r>
+                        <a:rPr lang="en-US" altLang="zh-TW" sz="1200" kern="1200" dirty="0">
+                          <a:solidFill>
+                            <a:schemeClr val="tx1"/>
+                          </a:solidFill>
+                          <a:latin typeface="+mn-lt"/>
+                          <a:ea typeface="+mn-ea"/>
+                          <a:cs typeface="+mn-cs"/>
+                        </a:rPr>
+                        <a:t>-5</a:t>
+                      </a:r>
+                      <a:endParaRPr lang="zh-TW" altLang="en-US" sz="1200" kern="1200" dirty="0">
+                        <a:solidFill>
+                          <a:schemeClr val="tx1"/>
+                        </a:solidFill>
+                        <a:latin typeface="+mn-lt"/>
+                        <a:ea typeface="+mn-ea"/>
+                        <a:cs typeface="+mn-cs"/>
+                      </a:endParaRPr>
+                    </a:p>
+                  </a:txBody>
+                  <a:tcPr marL="58695" marR="58695" marT="29348" marB="29348"/>
+                </a:tc>
+                <a:tc>
+                  <a:txBody>
+                    <a:bodyPr/>
+                    <a:lstStyle/>
+                    <a:p>
+                      <a:pPr marL="0" algn="ctr" defTabSz="685800" rtl="0" eaLnBrk="1" latinLnBrk="0" hangingPunct="1"/>
+                      <a:r>
+                        <a:rPr lang="en-US" altLang="zh-TW" sz="1200" kern="1200" dirty="0">
+                          <a:solidFill>
+                            <a:schemeClr val="tx1"/>
+                          </a:solidFill>
+                          <a:latin typeface="+mn-lt"/>
+                          <a:ea typeface="+mn-ea"/>
+                          <a:cs typeface="+mn-cs"/>
+                        </a:rPr>
+                        <a:t>B</a:t>
+                      </a:r>
+                      <a:endParaRPr lang="zh-TW" altLang="en-US" sz="1200" kern="1200" dirty="0">
+                        <a:solidFill>
+                          <a:schemeClr val="tx1"/>
+                        </a:solidFill>
+                        <a:latin typeface="+mn-lt"/>
+                        <a:ea typeface="+mn-ea"/>
+                        <a:cs typeface="+mn-cs"/>
+                      </a:endParaRPr>
+                    </a:p>
+                  </a:txBody>
+                  <a:tcPr marL="58695" marR="58695" marT="29348" marB="29348"/>
+                </a:tc>
+                <a:extLst>
+                  <a:ext uri="{0D108BD9-81ED-4DB2-BD59-A6C34878D82A}">
+                    <a16:rowId xmlns:a16="http://schemas.microsoft.com/office/drawing/2014/main" val="2676381122"/>
+                  </a:ext>
+                </a:extLst>
+              </a:tr>
+            </a:tbl>
+          </a:graphicData>
+        </a:graphic>
+      </p:graphicFrame>
+      <p:graphicFrame>
+        <p:nvGraphicFramePr>
+          <p:cNvPr id="9" name="表格 56">
+            <a:extLst>
+              <a:ext uri="{FF2B5EF4-FFF2-40B4-BE49-F238E27FC236}">
+                <a16:creationId xmlns:a16="http://schemas.microsoft.com/office/drawing/2014/main" id="{33BFC3E3-E86E-754C-BD1A-6ED683484753}"/>
+              </a:ext>
+            </a:extLst>
+          </p:cNvPr>
+          <p:cNvGraphicFramePr>
+            <a:graphicFrameLocks noGrp="1"/>
+          </p:cNvGraphicFramePr>
+          <p:nvPr>
+            <p:extLst>
+              <p:ext uri="{D42A27DB-BD31-4B8C-83A1-F6EECF244321}">
+                <p14:modId xmlns:p14="http://schemas.microsoft.com/office/powerpoint/2010/main" val="1160350677"/>
+              </p:ext>
+            </p:extLst>
+          </p:nvPr>
+        </p:nvGraphicFramePr>
+        <p:xfrm>
+          <a:off x="3701626" y="1631801"/>
+          <a:ext cx="1667161" cy="966304"/>
+        </p:xfrm>
+        <a:graphic>
+          <a:graphicData uri="http://schemas.openxmlformats.org/drawingml/2006/table">
+            <a:tbl>
+              <a:tblPr firstRow="1" bandRow="1">
+                <a:tableStyleId>{5C22544A-7EE6-4342-B048-85BDC9FD1C3A}</a:tableStyleId>
+              </a:tblPr>
+              <a:tblGrid>
+                <a:gridCol w="536348">
+                  <a:extLst>
+                    <a:ext uri="{9D8B030D-6E8A-4147-A177-3AD203B41FA5}">
+                      <a16:colId xmlns:a16="http://schemas.microsoft.com/office/drawing/2014/main" val="3247701678"/>
+                    </a:ext>
+                  </a:extLst>
+                </a:gridCol>
+                <a:gridCol w="570764">
+                  <a:extLst>
+                    <a:ext uri="{9D8B030D-6E8A-4147-A177-3AD203B41FA5}">
+                      <a16:colId xmlns:a16="http://schemas.microsoft.com/office/drawing/2014/main" val="2128976714"/>
+                    </a:ext>
+                  </a:extLst>
+                </a:gridCol>
+                <a:gridCol w="560049">
+                  <a:extLst>
+                    <a:ext uri="{9D8B030D-6E8A-4147-A177-3AD203B41FA5}">
+                      <a16:colId xmlns:a16="http://schemas.microsoft.com/office/drawing/2014/main" val="4013374876"/>
+                    </a:ext>
+                  </a:extLst>
+                </a:gridCol>
+              </a:tblGrid>
+              <a:tr h="238042">
+                <a:tc>
+                  <a:txBody>
+                    <a:bodyPr/>
+                    <a:lstStyle/>
+                    <a:p>
+                      <a:pPr marL="0" algn="ctr" defTabSz="685800" rtl="0" eaLnBrk="1" latinLnBrk="0" hangingPunct="1"/>
+                      <a:r>
+                        <a:rPr lang="en-US" altLang="zh-TW" sz="1200" b="0" kern="1200" dirty="0">
+                          <a:solidFill>
+                            <a:schemeClr val="bg1"/>
+                          </a:solidFill>
+                        </a:rPr>
+                        <a:t>vertex</a:t>
+                      </a:r>
+                      <a:endParaRPr lang="zh-TW" altLang="en-US" sz="1200" b="0" kern="1200" dirty="0">
+                        <a:solidFill>
+                          <a:schemeClr val="bg1"/>
+                        </a:solidFill>
+                        <a:latin typeface="+mn-lt"/>
+                        <a:ea typeface="+mn-ea"/>
+                        <a:cs typeface="+mn-cs"/>
+                      </a:endParaRPr>
+                    </a:p>
+                  </a:txBody>
+                  <a:tcPr marL="57600" marR="58695" marT="29348" marB="29348"/>
+                </a:tc>
+                <a:tc>
+                  <a:txBody>
+                    <a:bodyPr/>
+                    <a:lstStyle/>
+                    <a:p>
+                      <a:pPr marL="0" algn="ctr" defTabSz="685800" rtl="0" eaLnBrk="1" latinLnBrk="0" hangingPunct="1"/>
+                      <a:r>
+                        <a:rPr lang="en-US" altLang="zh-TW" sz="1200" b="0" kern="1200" dirty="0">
+                          <a:solidFill>
+                            <a:schemeClr val="bg1"/>
+                          </a:solidFill>
+                          <a:latin typeface="+mn-lt"/>
+                          <a:ea typeface="+mn-ea"/>
+                          <a:cs typeface="+mn-cs"/>
+                        </a:rPr>
+                        <a:t>weight</a:t>
+                      </a:r>
+                      <a:endParaRPr lang="zh-TW" altLang="en-US" sz="1200" b="0" kern="1200" dirty="0">
+                        <a:solidFill>
+                          <a:schemeClr val="bg1"/>
+                        </a:solidFill>
+                        <a:latin typeface="+mn-lt"/>
+                        <a:ea typeface="+mn-ea"/>
+                        <a:cs typeface="+mn-cs"/>
+                      </a:endParaRPr>
+                    </a:p>
+                  </a:txBody>
+                  <a:tcPr marL="57600" marR="58695" marT="29348" marB="29348"/>
+                </a:tc>
+                <a:tc>
+                  <a:txBody>
+                    <a:bodyPr/>
+                    <a:lstStyle/>
+                    <a:p>
+                      <a:pPr marL="0" algn="ctr" defTabSz="685800" rtl="0" eaLnBrk="1" latinLnBrk="0" hangingPunct="1"/>
+                      <a:r>
+                        <a:rPr lang="en-US" altLang="zh-TW" sz="1200" b="0" kern="1200" dirty="0">
+                          <a:solidFill>
+                            <a:schemeClr val="bg1"/>
+                          </a:solidFill>
+                          <a:latin typeface="+mn-lt"/>
+                          <a:ea typeface="+mn-ea"/>
+                          <a:cs typeface="+mn-cs"/>
+                        </a:rPr>
+                        <a:t>parent</a:t>
+                      </a:r>
+                      <a:endParaRPr lang="zh-TW" altLang="en-US" sz="1200" b="0" kern="1200" dirty="0">
+                        <a:solidFill>
+                          <a:schemeClr val="bg1"/>
+                        </a:solidFill>
+                        <a:latin typeface="+mn-lt"/>
+                        <a:ea typeface="+mn-ea"/>
+                        <a:cs typeface="+mn-cs"/>
+                      </a:endParaRPr>
+                    </a:p>
+                  </a:txBody>
+                  <a:tcPr marL="58695" marR="58695" marT="29348" marB="29348"/>
+                </a:tc>
+                <a:extLst>
+                  <a:ext uri="{0D108BD9-81ED-4DB2-BD59-A6C34878D82A}">
+                    <a16:rowId xmlns:a16="http://schemas.microsoft.com/office/drawing/2014/main" val="3955762702"/>
+                  </a:ext>
+                </a:extLst>
+              </a:tr>
+              <a:tr h="238042">
+                <a:tc>
+                  <a:txBody>
+                    <a:bodyPr/>
+                    <a:lstStyle/>
+                    <a:p>
+                      <a:pPr marL="0" algn="ctr" defTabSz="685800" rtl="0" eaLnBrk="1" latinLnBrk="0" hangingPunct="1"/>
+                      <a:r>
+                        <a:rPr lang="en-US" altLang="zh-TW" sz="1200" kern="1200" dirty="0">
+                          <a:solidFill>
+                            <a:schemeClr val="dk1"/>
+                          </a:solidFill>
+                        </a:rPr>
+                        <a:t>A</a:t>
+                      </a:r>
+                      <a:endParaRPr lang="zh-TW" altLang="en-US" sz="1200" kern="1200" dirty="0">
+                        <a:solidFill>
+                          <a:schemeClr val="dk1"/>
+                        </a:solidFill>
+                        <a:latin typeface="+mn-lt"/>
+                        <a:ea typeface="+mn-ea"/>
+                        <a:cs typeface="+mn-cs"/>
+                      </a:endParaRPr>
+                    </a:p>
+                  </a:txBody>
+                  <a:tcPr marL="58695" marR="58695" marT="29348" marB="29348"/>
+                </a:tc>
+                <a:tc>
+                  <a:txBody>
+                    <a:bodyPr/>
+                    <a:lstStyle/>
+                    <a:p>
+                      <a:pPr marL="0" algn="ctr" defTabSz="685800" rtl="0" eaLnBrk="1" latinLnBrk="0" hangingPunct="1"/>
+                      <a:r>
+                        <a:rPr lang="en-US" altLang="zh-TW" sz="1200" kern="1200" dirty="0">
+                          <a:solidFill>
+                            <a:schemeClr val="dk1"/>
+                          </a:solidFill>
+                          <a:latin typeface="+mn-lt"/>
+                          <a:ea typeface="+mn-ea"/>
+                          <a:cs typeface="+mn-cs"/>
+                        </a:rPr>
+                        <a:t>0</a:t>
+                      </a:r>
+                      <a:endParaRPr lang="zh-TW" altLang="en-US" sz="1200" kern="1200" dirty="0">
+                        <a:solidFill>
+                          <a:schemeClr val="dk1"/>
+                        </a:solidFill>
+                        <a:latin typeface="+mn-lt"/>
+                        <a:ea typeface="+mn-ea"/>
+                        <a:cs typeface="+mn-cs"/>
+                      </a:endParaRPr>
+                    </a:p>
+                  </a:txBody>
+                  <a:tcPr marL="58695" marR="58695" marT="29348" marB="29348"/>
+                </a:tc>
+                <a:tc>
+                  <a:txBody>
+                    <a:bodyPr/>
+                    <a:lstStyle/>
+                    <a:p>
+                      <a:pPr marL="0" algn="ctr" defTabSz="685800" rtl="0" eaLnBrk="1" latinLnBrk="0" hangingPunct="1"/>
+                      <a:r>
+                        <a:rPr lang="en-US" altLang="zh-TW" sz="1200" kern="1200" dirty="0">
+                          <a:solidFill>
+                            <a:schemeClr val="dk1"/>
+                          </a:solidFill>
+                          <a:latin typeface="+mn-lt"/>
+                          <a:ea typeface="+mn-ea"/>
+                          <a:cs typeface="+mn-cs"/>
+                        </a:rPr>
+                        <a:t>-</a:t>
+                      </a:r>
+                      <a:endParaRPr lang="zh-TW" altLang="en-US" sz="1200" kern="1200" dirty="0">
+                        <a:solidFill>
+                          <a:schemeClr val="dk1"/>
+                        </a:solidFill>
+                        <a:latin typeface="+mn-lt"/>
+                        <a:ea typeface="+mn-ea"/>
+                        <a:cs typeface="+mn-cs"/>
+                      </a:endParaRPr>
+                    </a:p>
+                  </a:txBody>
+                  <a:tcPr marL="58695" marR="58695" marT="29348" marB="29348"/>
+                </a:tc>
+                <a:extLst>
+                  <a:ext uri="{0D108BD9-81ED-4DB2-BD59-A6C34878D82A}">
+                    <a16:rowId xmlns:a16="http://schemas.microsoft.com/office/drawing/2014/main" val="3991906144"/>
+                  </a:ext>
+                </a:extLst>
+              </a:tr>
+              <a:tr h="238042">
+                <a:tc>
+                  <a:txBody>
+                    <a:bodyPr/>
+                    <a:lstStyle/>
+                    <a:p>
+                      <a:pPr marL="0" algn="ctr" defTabSz="685800" rtl="0" eaLnBrk="1" latinLnBrk="0" hangingPunct="1"/>
+                      <a:r>
+                        <a:rPr lang="en-US" altLang="zh-TW" sz="1200" kern="1200" dirty="0">
+                          <a:solidFill>
+                            <a:schemeClr val="dk1"/>
+                          </a:solidFill>
+                        </a:rPr>
+                        <a:t>B</a:t>
+                      </a:r>
+                      <a:endParaRPr lang="zh-TW" altLang="en-US" sz="1200" kern="1200" dirty="0">
+                        <a:solidFill>
+                          <a:schemeClr val="dk1"/>
+                        </a:solidFill>
+                        <a:latin typeface="+mn-lt"/>
+                        <a:ea typeface="+mn-ea"/>
+                        <a:cs typeface="+mn-cs"/>
+                      </a:endParaRPr>
+                    </a:p>
+                  </a:txBody>
+                  <a:tcPr marL="58695" marR="58695" marT="29348" marB="29348"/>
+                </a:tc>
+                <a:tc>
+                  <a:txBody>
+                    <a:bodyPr/>
+                    <a:lstStyle/>
+                    <a:p>
+                      <a:pPr marL="0" algn="ctr" defTabSz="685800" rtl="0" eaLnBrk="1" latinLnBrk="0" hangingPunct="1"/>
+                      <a:r>
+                        <a:rPr lang="en-US" altLang="zh-TW" sz="1200" kern="1200" dirty="0">
+                          <a:solidFill>
+                            <a:schemeClr val="tx1"/>
+                          </a:solidFill>
+                          <a:latin typeface="+mn-lt"/>
+                          <a:ea typeface="+mn-ea"/>
+                          <a:cs typeface="+mn-cs"/>
+                        </a:rPr>
+                        <a:t>5</a:t>
+                      </a:r>
+                      <a:endParaRPr lang="zh-TW" altLang="en-US" sz="1200" kern="1200" dirty="0">
+                        <a:solidFill>
+                          <a:schemeClr val="tx1"/>
+                        </a:solidFill>
+                        <a:latin typeface="+mn-lt"/>
+                        <a:ea typeface="+mn-ea"/>
+                        <a:cs typeface="+mn-cs"/>
+                      </a:endParaRPr>
+                    </a:p>
+                  </a:txBody>
+                  <a:tcPr marL="58695" marR="58695" marT="29348" marB="29348"/>
+                </a:tc>
+                <a:tc>
+                  <a:txBody>
+                    <a:bodyPr/>
+                    <a:lstStyle/>
+                    <a:p>
+                      <a:pPr marL="0" algn="ctr" defTabSz="685800" rtl="0" eaLnBrk="1" latinLnBrk="0" hangingPunct="1"/>
+                      <a:r>
+                        <a:rPr lang="en-US" altLang="zh-TW" sz="1200" b="0" kern="1200" dirty="0">
+                          <a:solidFill>
+                            <a:schemeClr val="tx1"/>
+                          </a:solidFill>
+                          <a:latin typeface="+mn-lt"/>
+                          <a:ea typeface="+mn-ea"/>
+                          <a:cs typeface="+mn-cs"/>
+                        </a:rPr>
+                        <a:t>A</a:t>
+                      </a:r>
+                      <a:endParaRPr lang="zh-TW" altLang="en-US" sz="1200" b="0" kern="1200" dirty="0">
+                        <a:solidFill>
+                          <a:schemeClr val="tx1"/>
+                        </a:solidFill>
+                        <a:latin typeface="+mn-lt"/>
+                        <a:ea typeface="+mn-ea"/>
+                        <a:cs typeface="+mn-cs"/>
+                      </a:endParaRPr>
+                    </a:p>
+                  </a:txBody>
+                  <a:tcPr marL="58695" marR="58695" marT="29348" marB="29348"/>
+                </a:tc>
+                <a:extLst>
+                  <a:ext uri="{0D108BD9-81ED-4DB2-BD59-A6C34878D82A}">
+                    <a16:rowId xmlns:a16="http://schemas.microsoft.com/office/drawing/2014/main" val="809511413"/>
+                  </a:ext>
+                </a:extLst>
+              </a:tr>
+              <a:tr h="238042">
+                <a:tc>
+                  <a:txBody>
+                    <a:bodyPr/>
+                    <a:lstStyle/>
+                    <a:p>
+                      <a:pPr marL="0" algn="ctr" defTabSz="685800" rtl="0" eaLnBrk="1" latinLnBrk="0" hangingPunct="1"/>
+                      <a:r>
+                        <a:rPr lang="en-US" altLang="zh-TW" sz="1200" kern="1200" dirty="0">
+                          <a:solidFill>
+                            <a:schemeClr val="dk1"/>
+                          </a:solidFill>
+                        </a:rPr>
+                        <a:t>C</a:t>
+                      </a:r>
+                      <a:endParaRPr lang="zh-TW" altLang="en-US" sz="1200" kern="1200" dirty="0">
+                        <a:solidFill>
+                          <a:schemeClr val="dk1"/>
+                        </a:solidFill>
+                        <a:latin typeface="+mn-lt"/>
+                        <a:ea typeface="+mn-ea"/>
+                        <a:cs typeface="+mn-cs"/>
+                      </a:endParaRPr>
+                    </a:p>
+                  </a:txBody>
+                  <a:tcPr marL="58695" marR="58695" marT="29348" marB="29348"/>
+                </a:tc>
+                <a:tc>
+                  <a:txBody>
+                    <a:bodyPr/>
+                    <a:lstStyle/>
+                    <a:p>
+                      <a:pPr marL="0" algn="ctr" defTabSz="685800" rtl="0" eaLnBrk="1" latinLnBrk="0" hangingPunct="1"/>
+                      <a:r>
+                        <a:rPr lang="en-US" altLang="zh-TW" sz="1200" kern="1200" dirty="0">
+                          <a:solidFill>
+                            <a:schemeClr val="tx1"/>
+                          </a:solidFill>
+                          <a:latin typeface="+mn-lt"/>
+                          <a:ea typeface="+mn-ea"/>
+                          <a:cs typeface="+mn-cs"/>
+                        </a:rPr>
+                        <a:t>-5</a:t>
+                      </a:r>
+                      <a:endParaRPr lang="zh-TW" altLang="en-US" sz="1200" kern="1200" dirty="0">
+                        <a:solidFill>
+                          <a:schemeClr val="tx1"/>
+                        </a:solidFill>
+                        <a:latin typeface="+mn-lt"/>
+                        <a:ea typeface="+mn-ea"/>
+                        <a:cs typeface="+mn-cs"/>
+                      </a:endParaRPr>
+                    </a:p>
+                  </a:txBody>
+                  <a:tcPr marL="58695" marR="58695" marT="29348" marB="29348"/>
+                </a:tc>
+                <a:tc>
+                  <a:txBody>
+                    <a:bodyPr/>
+                    <a:lstStyle/>
+                    <a:p>
+                      <a:pPr marL="0" algn="ctr" defTabSz="685800" rtl="0" eaLnBrk="1" latinLnBrk="0" hangingPunct="1"/>
+                      <a:r>
+                        <a:rPr lang="en-US" altLang="zh-TW" sz="1200" kern="1200" dirty="0">
+                          <a:solidFill>
+                            <a:schemeClr val="tx1"/>
+                          </a:solidFill>
+                          <a:latin typeface="+mn-lt"/>
+                          <a:ea typeface="+mn-ea"/>
+                          <a:cs typeface="+mn-cs"/>
+                        </a:rPr>
+                        <a:t>B</a:t>
+                      </a:r>
+                      <a:endParaRPr lang="zh-TW" altLang="en-US" sz="1200" kern="1200" dirty="0">
+                        <a:solidFill>
+                          <a:schemeClr val="tx1"/>
+                        </a:solidFill>
+                        <a:latin typeface="+mn-lt"/>
+                        <a:ea typeface="+mn-ea"/>
+                        <a:cs typeface="+mn-cs"/>
+                      </a:endParaRPr>
+                    </a:p>
+                  </a:txBody>
+                  <a:tcPr marL="58695" marR="58695" marT="29348" marB="29348"/>
+                </a:tc>
+                <a:extLst>
+                  <a:ext uri="{0D108BD9-81ED-4DB2-BD59-A6C34878D82A}">
+                    <a16:rowId xmlns:a16="http://schemas.microsoft.com/office/drawing/2014/main" val="2676381122"/>
+                  </a:ext>
+                </a:extLst>
+              </a:tr>
+            </a:tbl>
+          </a:graphicData>
+        </a:graphic>
+      </p:graphicFrame>
+      <p:sp>
+        <p:nvSpPr>
+          <p:cNvPr id="10" name="文字方塊 9">
+            <a:extLst>
+              <a:ext uri="{FF2B5EF4-FFF2-40B4-BE49-F238E27FC236}">
+                <a16:creationId xmlns:a16="http://schemas.microsoft.com/office/drawing/2014/main" id="{683C1CB1-F3E7-3E40-80FC-04FB2061CB84}"/>
+              </a:ext>
+            </a:extLst>
+          </p:cNvPr>
+          <p:cNvSpPr txBox="1"/>
+          <p:nvPr/>
+        </p:nvSpPr>
+        <p:spPr>
+          <a:xfrm>
+            <a:off x="684706" y="1354802"/>
+            <a:ext cx="834074" cy="276999"/>
+          </a:xfrm>
+          <a:prstGeom prst="rect">
+            <a:avLst/>
+          </a:prstGeom>
+          <a:noFill/>
+        </p:spPr>
+        <p:txBody>
+          <a:bodyPr wrap="none" rtlCol="0">
+            <a:spAutoFit/>
+          </a:bodyPr>
+          <a:lstStyle/>
+          <a:p>
+            <a:r>
+              <a:rPr kumimoji="1" lang="en-US" altLang="zh-TW" sz="1200" dirty="0"/>
+              <a:t>Iteration 1</a:t>
+            </a:r>
+            <a:endParaRPr kumimoji="1" lang="zh-TW" altLang="en-US" sz="1200" b="1" dirty="0"/>
+          </a:p>
+        </p:txBody>
+      </p:sp>
+      <p:sp>
+        <p:nvSpPr>
+          <p:cNvPr id="11" name="文字方塊 10">
+            <a:extLst>
+              <a:ext uri="{FF2B5EF4-FFF2-40B4-BE49-F238E27FC236}">
+                <a16:creationId xmlns:a16="http://schemas.microsoft.com/office/drawing/2014/main" id="{1A6282E3-90A2-3F48-87B9-31A2EBA7BD62}"/>
+              </a:ext>
+            </a:extLst>
+          </p:cNvPr>
+          <p:cNvSpPr txBox="1"/>
+          <p:nvPr/>
+        </p:nvSpPr>
+        <p:spPr>
+          <a:xfrm>
+            <a:off x="2389738" y="1354802"/>
+            <a:ext cx="834074" cy="276999"/>
+          </a:xfrm>
+          <a:prstGeom prst="rect">
+            <a:avLst/>
+          </a:prstGeom>
+          <a:noFill/>
+        </p:spPr>
+        <p:txBody>
+          <a:bodyPr wrap="none" rtlCol="0">
+            <a:spAutoFit/>
+          </a:bodyPr>
+          <a:lstStyle/>
+          <a:p>
+            <a:r>
+              <a:rPr kumimoji="1" lang="en-US" altLang="zh-TW" sz="1200" dirty="0"/>
+              <a:t>Iteration 2</a:t>
+            </a:r>
+            <a:endParaRPr kumimoji="1" lang="zh-TW" altLang="en-US" sz="1200" b="1" dirty="0"/>
+          </a:p>
+        </p:txBody>
+      </p:sp>
+      <p:sp>
+        <p:nvSpPr>
+          <p:cNvPr id="13" name="文字方塊 12">
+            <a:extLst>
+              <a:ext uri="{FF2B5EF4-FFF2-40B4-BE49-F238E27FC236}">
+                <a16:creationId xmlns:a16="http://schemas.microsoft.com/office/drawing/2014/main" id="{1015DE6B-17AE-224F-A773-AF4E5373EDFA}"/>
+              </a:ext>
+            </a:extLst>
+          </p:cNvPr>
+          <p:cNvSpPr txBox="1"/>
+          <p:nvPr/>
+        </p:nvSpPr>
+        <p:spPr>
+          <a:xfrm>
+            <a:off x="4212494" y="1354802"/>
+            <a:ext cx="559769" cy="276999"/>
+          </a:xfrm>
+          <a:prstGeom prst="rect">
+            <a:avLst/>
+          </a:prstGeom>
+          <a:noFill/>
+        </p:spPr>
+        <p:txBody>
+          <a:bodyPr wrap="none" rtlCol="0">
+            <a:spAutoFit/>
+          </a:bodyPr>
+          <a:lstStyle/>
+          <a:p>
+            <a:r>
+              <a:rPr kumimoji="1" lang="en-US" altLang="zh-TW" sz="1200" dirty="0"/>
+              <a:t>Check</a:t>
+            </a:r>
+            <a:endParaRPr kumimoji="1" lang="zh-TW" altLang="en-US" sz="1200" b="1" dirty="0"/>
+          </a:p>
+        </p:txBody>
+      </p:sp>
+      <p:grpSp>
+        <p:nvGrpSpPr>
+          <p:cNvPr id="34" name="群組 33">
+            <a:extLst>
+              <a:ext uri="{FF2B5EF4-FFF2-40B4-BE49-F238E27FC236}">
+                <a16:creationId xmlns:a16="http://schemas.microsoft.com/office/drawing/2014/main" id="{3EAD9545-9648-8748-99FB-85FB02A428D5}"/>
+              </a:ext>
+            </a:extLst>
+          </p:cNvPr>
+          <p:cNvGrpSpPr/>
+          <p:nvPr/>
+        </p:nvGrpSpPr>
+        <p:grpSpPr>
+          <a:xfrm>
+            <a:off x="1288488" y="2719317"/>
+            <a:ext cx="2251129" cy="1356522"/>
+            <a:chOff x="3755152" y="4841482"/>
+            <a:chExt cx="2251129" cy="1356522"/>
+          </a:xfrm>
+        </p:grpSpPr>
+        <p:sp>
+          <p:nvSpPr>
+            <p:cNvPr id="14" name="橢圓 13">
+              <a:extLst>
+                <a:ext uri="{FF2B5EF4-FFF2-40B4-BE49-F238E27FC236}">
+                  <a16:creationId xmlns:a16="http://schemas.microsoft.com/office/drawing/2014/main" id="{8F2F6887-92CB-B343-9297-7DD0E44AF8CD}"/>
+                </a:ext>
+              </a:extLst>
+            </p:cNvPr>
+            <p:cNvSpPr/>
+            <p:nvPr/>
+          </p:nvSpPr>
+          <p:spPr>
+            <a:xfrm>
+              <a:off x="3895087" y="5232067"/>
+              <a:ext cx="291765" cy="291765"/>
+            </a:xfrm>
+            <a:prstGeom prst="ellipse">
+              <a:avLst/>
+            </a:prstGeom>
+            <a:noFill/>
+            <a:ln>
+              <a:solidFill>
+                <a:schemeClr val="tx1"/>
+              </a:solidFill>
+            </a:ln>
+          </p:spPr>
+          <p:style>
+            <a:lnRef idx="2">
+              <a:schemeClr val="accent1">
+                <a:shade val="50000"/>
+              </a:schemeClr>
+            </a:lnRef>
+            <a:fillRef idx="1">
+              <a:schemeClr val="accent1"/>
+            </a:fillRef>
+            <a:effectRef idx="0">
+              <a:schemeClr val="accent1"/>
+            </a:effectRef>
+            <a:fontRef idx="minor">
+              <a:schemeClr val="lt1"/>
+            </a:fontRef>
+          </p:style>
+          <p:txBody>
+            <a:bodyPr rtlCol="0" anchor="ctr"/>
+            <a:lstStyle/>
+            <a:p>
+              <a:pPr algn="ctr"/>
+              <a:r>
+                <a:rPr kumimoji="1" lang="en-US" altLang="zh-TW" sz="1200" dirty="0">
+                  <a:solidFill>
+                    <a:schemeClr val="tx1"/>
+                  </a:solidFill>
+                </a:rPr>
+                <a:t>C</a:t>
+              </a:r>
+              <a:endParaRPr kumimoji="1" lang="zh-TW" altLang="en-US" sz="1200" dirty="0">
+                <a:solidFill>
+                  <a:schemeClr val="tx1"/>
+                </a:solidFill>
+              </a:endParaRPr>
+            </a:p>
+          </p:txBody>
+        </p:sp>
+        <p:sp>
+          <p:nvSpPr>
+            <p:cNvPr id="15" name="橢圓 14">
+              <a:extLst>
+                <a:ext uri="{FF2B5EF4-FFF2-40B4-BE49-F238E27FC236}">
+                  <a16:creationId xmlns:a16="http://schemas.microsoft.com/office/drawing/2014/main" id="{750A1103-E183-304B-A338-6DED60875163}"/>
+                </a:ext>
+              </a:extLst>
+            </p:cNvPr>
+            <p:cNvSpPr/>
+            <p:nvPr/>
+          </p:nvSpPr>
+          <p:spPr>
+            <a:xfrm>
+              <a:off x="3895087" y="5840208"/>
+              <a:ext cx="291765" cy="291765"/>
+            </a:xfrm>
+            <a:prstGeom prst="ellipse">
+              <a:avLst/>
+            </a:prstGeom>
+            <a:noFill/>
+            <a:ln>
+              <a:solidFill>
+                <a:schemeClr val="tx1"/>
+              </a:solidFill>
+            </a:ln>
+          </p:spPr>
+          <p:style>
+            <a:lnRef idx="2">
+              <a:schemeClr val="accent1">
+                <a:shade val="50000"/>
+              </a:schemeClr>
+            </a:lnRef>
+            <a:fillRef idx="1">
+              <a:schemeClr val="accent1"/>
+            </a:fillRef>
+            <a:effectRef idx="0">
+              <a:schemeClr val="accent1"/>
+            </a:effectRef>
+            <a:fontRef idx="minor">
+              <a:schemeClr val="lt1"/>
+            </a:fontRef>
+          </p:style>
+          <p:txBody>
+            <a:bodyPr rtlCol="0" anchor="ctr"/>
+            <a:lstStyle/>
+            <a:p>
+              <a:pPr algn="ctr"/>
+              <a:r>
+                <a:rPr kumimoji="1" lang="en-US" altLang="zh-TW" sz="1200" dirty="0">
+                  <a:solidFill>
+                    <a:schemeClr val="tx1"/>
+                  </a:solidFill>
+                </a:rPr>
+                <a:t>E</a:t>
+              </a:r>
+              <a:endParaRPr kumimoji="1" lang="zh-TW" altLang="en-US" sz="1200" dirty="0">
+                <a:solidFill>
+                  <a:schemeClr val="tx1"/>
+                </a:solidFill>
+              </a:endParaRPr>
+            </a:p>
+          </p:txBody>
+        </p:sp>
+        <p:sp>
+          <p:nvSpPr>
+            <p:cNvPr id="16" name="橢圓 15">
+              <a:extLst>
+                <a:ext uri="{FF2B5EF4-FFF2-40B4-BE49-F238E27FC236}">
+                  <a16:creationId xmlns:a16="http://schemas.microsoft.com/office/drawing/2014/main" id="{B9613618-74C4-764F-B558-B8060AFD78CB}"/>
+                </a:ext>
+              </a:extLst>
+            </p:cNvPr>
+            <p:cNvSpPr/>
+            <p:nvPr/>
+          </p:nvSpPr>
+          <p:spPr>
+            <a:xfrm>
+              <a:off x="4701156" y="5232067"/>
+              <a:ext cx="291765" cy="291765"/>
+            </a:xfrm>
+            <a:prstGeom prst="ellipse">
+              <a:avLst/>
+            </a:prstGeom>
+            <a:noFill/>
+            <a:ln>
+              <a:solidFill>
+                <a:schemeClr val="tx1"/>
+              </a:solidFill>
+            </a:ln>
+          </p:spPr>
+          <p:style>
+            <a:lnRef idx="2">
+              <a:schemeClr val="accent1">
+                <a:shade val="50000"/>
+              </a:schemeClr>
+            </a:lnRef>
+            <a:fillRef idx="1">
+              <a:schemeClr val="accent1"/>
+            </a:fillRef>
+            <a:effectRef idx="0">
+              <a:schemeClr val="accent1"/>
+            </a:effectRef>
+            <a:fontRef idx="minor">
+              <a:schemeClr val="lt1"/>
+            </a:fontRef>
+          </p:style>
+          <p:txBody>
+            <a:bodyPr rtlCol="0" anchor="ctr"/>
+            <a:lstStyle/>
+            <a:p>
+              <a:pPr algn="ctr"/>
+              <a:r>
+                <a:rPr kumimoji="1" lang="en-US" altLang="zh-TW" sz="1200" dirty="0">
+                  <a:solidFill>
+                    <a:schemeClr val="tx1"/>
+                  </a:solidFill>
+                </a:rPr>
+                <a:t>B</a:t>
+              </a:r>
+              <a:endParaRPr kumimoji="1" lang="zh-TW" altLang="en-US" sz="1200" dirty="0">
+                <a:solidFill>
+                  <a:schemeClr val="tx1"/>
+                </a:solidFill>
+              </a:endParaRPr>
+            </a:p>
+          </p:txBody>
+        </p:sp>
+        <p:sp>
+          <p:nvSpPr>
+            <p:cNvPr id="17" name="橢圓 16">
+              <a:extLst>
+                <a:ext uri="{FF2B5EF4-FFF2-40B4-BE49-F238E27FC236}">
+                  <a16:creationId xmlns:a16="http://schemas.microsoft.com/office/drawing/2014/main" id="{58C716A3-CAA2-AD48-9004-B90F7891D5D8}"/>
+                </a:ext>
+              </a:extLst>
+            </p:cNvPr>
+            <p:cNvSpPr/>
+            <p:nvPr/>
+          </p:nvSpPr>
+          <p:spPr>
+            <a:xfrm>
+              <a:off x="4701156" y="5840208"/>
+              <a:ext cx="291765" cy="291765"/>
+            </a:xfrm>
+            <a:prstGeom prst="ellipse">
+              <a:avLst/>
+            </a:prstGeom>
+            <a:noFill/>
+            <a:ln>
+              <a:solidFill>
+                <a:schemeClr val="tx1"/>
+              </a:solidFill>
+            </a:ln>
+          </p:spPr>
+          <p:style>
+            <a:lnRef idx="2">
+              <a:schemeClr val="accent1">
+                <a:shade val="50000"/>
+              </a:schemeClr>
+            </a:lnRef>
+            <a:fillRef idx="1">
+              <a:schemeClr val="accent1"/>
+            </a:fillRef>
+            <a:effectRef idx="0">
+              <a:schemeClr val="accent1"/>
+            </a:effectRef>
+            <a:fontRef idx="minor">
+              <a:schemeClr val="lt1"/>
+            </a:fontRef>
+          </p:style>
+          <p:txBody>
+            <a:bodyPr rtlCol="0" anchor="ctr"/>
+            <a:lstStyle/>
+            <a:p>
+              <a:pPr algn="ctr"/>
+              <a:r>
+                <a:rPr kumimoji="1" lang="en-US" altLang="zh-TW" sz="1200" dirty="0">
+                  <a:solidFill>
+                    <a:schemeClr val="tx1"/>
+                  </a:solidFill>
+                </a:rPr>
+                <a:t>D</a:t>
+              </a:r>
+              <a:endParaRPr kumimoji="1" lang="zh-TW" altLang="en-US" sz="1200" dirty="0">
+                <a:solidFill>
+                  <a:schemeClr val="tx1"/>
+                </a:solidFill>
+              </a:endParaRPr>
+            </a:p>
+          </p:txBody>
+        </p:sp>
+        <p:sp>
+          <p:nvSpPr>
+            <p:cNvPr id="18" name="橢圓 17">
+              <a:extLst>
+                <a:ext uri="{FF2B5EF4-FFF2-40B4-BE49-F238E27FC236}">
+                  <a16:creationId xmlns:a16="http://schemas.microsoft.com/office/drawing/2014/main" id="{519D4B4B-3894-2F45-811A-C636B8649022}"/>
+                </a:ext>
+              </a:extLst>
+            </p:cNvPr>
+            <p:cNvSpPr/>
+            <p:nvPr/>
+          </p:nvSpPr>
+          <p:spPr>
+            <a:xfrm>
+              <a:off x="5531914" y="5518919"/>
+              <a:ext cx="291765" cy="291765"/>
+            </a:xfrm>
+            <a:prstGeom prst="ellipse">
+              <a:avLst/>
+            </a:prstGeom>
+            <a:noFill/>
+            <a:ln>
+              <a:solidFill>
+                <a:schemeClr val="tx1"/>
+              </a:solidFill>
+            </a:ln>
+          </p:spPr>
+          <p:style>
+            <a:lnRef idx="2">
+              <a:schemeClr val="accent1">
+                <a:shade val="50000"/>
+              </a:schemeClr>
+            </a:lnRef>
+            <a:fillRef idx="1">
+              <a:schemeClr val="accent1"/>
+            </a:fillRef>
+            <a:effectRef idx="0">
+              <a:schemeClr val="accent1"/>
+            </a:effectRef>
+            <a:fontRef idx="minor">
+              <a:schemeClr val="lt1"/>
+            </a:fontRef>
+          </p:style>
+          <p:txBody>
+            <a:bodyPr rtlCol="0" anchor="ctr"/>
+            <a:lstStyle/>
+            <a:p>
+              <a:pPr algn="ctr"/>
+              <a:r>
+                <a:rPr kumimoji="1" lang="en-US" altLang="zh-TW" sz="1200" dirty="0">
+                  <a:solidFill>
+                    <a:schemeClr val="tx1"/>
+                  </a:solidFill>
+                </a:rPr>
+                <a:t>A</a:t>
+              </a:r>
+              <a:endParaRPr kumimoji="1" lang="zh-TW" altLang="en-US" sz="1200" dirty="0">
+                <a:solidFill>
+                  <a:schemeClr val="tx1"/>
+                </a:solidFill>
+              </a:endParaRPr>
+            </a:p>
+          </p:txBody>
+        </p:sp>
+        <p:cxnSp>
+          <p:nvCxnSpPr>
+            <p:cNvPr id="19" name="直線箭頭接點 18">
+              <a:extLst>
+                <a:ext uri="{FF2B5EF4-FFF2-40B4-BE49-F238E27FC236}">
+                  <a16:creationId xmlns:a16="http://schemas.microsoft.com/office/drawing/2014/main" id="{4E9254B9-135E-2240-BD09-45F70F5E88EB}"/>
+                </a:ext>
+              </a:extLst>
+            </p:cNvPr>
+            <p:cNvCxnSpPr>
+              <a:cxnSpLocks/>
+            </p:cNvCxnSpPr>
+            <p:nvPr/>
+          </p:nvCxnSpPr>
+          <p:spPr>
+            <a:xfrm flipH="1" flipV="1">
+              <a:off x="5022363" y="5394133"/>
+              <a:ext cx="502123" cy="196143"/>
+            </a:xfrm>
+            <a:prstGeom prst="straightConnector1">
+              <a:avLst/>
+            </a:prstGeom>
+            <a:ln w="12700">
+              <a:solidFill>
+                <a:schemeClr val="tx1"/>
+              </a:solidFill>
+              <a:headEnd type="none" w="med" len="med"/>
+              <a:tailEnd type="arrow" w="med" len="med"/>
+            </a:ln>
+          </p:spPr>
+          <p:style>
+            <a:lnRef idx="1">
+              <a:schemeClr val="accent1"/>
+            </a:lnRef>
+            <a:fillRef idx="0">
+              <a:schemeClr val="accent1"/>
+            </a:fillRef>
+            <a:effectRef idx="0">
+              <a:schemeClr val="accent1"/>
+            </a:effectRef>
+            <a:fontRef idx="minor">
+              <a:schemeClr val="tx1"/>
+            </a:fontRef>
+          </p:style>
+        </p:cxnSp>
+        <p:cxnSp>
+          <p:nvCxnSpPr>
+            <p:cNvPr id="20" name="直線箭頭接點 19">
+              <a:extLst>
+                <a:ext uri="{FF2B5EF4-FFF2-40B4-BE49-F238E27FC236}">
+                  <a16:creationId xmlns:a16="http://schemas.microsoft.com/office/drawing/2014/main" id="{AF876267-6E9E-524A-B592-CCCDB469E694}"/>
+                </a:ext>
+              </a:extLst>
+            </p:cNvPr>
+            <p:cNvCxnSpPr>
+              <a:cxnSpLocks/>
+            </p:cNvCxnSpPr>
+            <p:nvPr/>
+          </p:nvCxnSpPr>
+          <p:spPr>
+            <a:xfrm flipH="1">
+              <a:off x="5030993" y="5733901"/>
+              <a:ext cx="484861" cy="212613"/>
+            </a:xfrm>
+            <a:prstGeom prst="straightConnector1">
+              <a:avLst/>
+            </a:prstGeom>
+            <a:ln w="12700">
+              <a:solidFill>
+                <a:schemeClr val="tx1"/>
+              </a:solidFill>
+              <a:headEnd type="none" w="med" len="med"/>
+              <a:tailEnd type="arrow" w="med" len="med"/>
+            </a:ln>
+          </p:spPr>
+          <p:style>
+            <a:lnRef idx="1">
+              <a:schemeClr val="accent1"/>
+            </a:lnRef>
+            <a:fillRef idx="0">
+              <a:schemeClr val="accent1"/>
+            </a:fillRef>
+            <a:effectRef idx="0">
+              <a:schemeClr val="accent1"/>
+            </a:effectRef>
+            <a:fontRef idx="minor">
+              <a:schemeClr val="tx1"/>
+            </a:fontRef>
+          </p:style>
+        </p:cxnSp>
+        <p:cxnSp>
+          <p:nvCxnSpPr>
+            <p:cNvPr id="21" name="直線箭頭接點 20">
+              <a:extLst>
+                <a:ext uri="{FF2B5EF4-FFF2-40B4-BE49-F238E27FC236}">
+                  <a16:creationId xmlns:a16="http://schemas.microsoft.com/office/drawing/2014/main" id="{0676DB34-028C-224C-B11B-254698809071}"/>
+                </a:ext>
+              </a:extLst>
+            </p:cNvPr>
+            <p:cNvCxnSpPr>
+              <a:cxnSpLocks/>
+            </p:cNvCxnSpPr>
+            <p:nvPr/>
+          </p:nvCxnSpPr>
+          <p:spPr>
+            <a:xfrm flipV="1">
+              <a:off x="4850170" y="5542666"/>
+              <a:ext cx="0" cy="273266"/>
+            </a:xfrm>
+            <a:prstGeom prst="straightConnector1">
+              <a:avLst/>
+            </a:prstGeom>
+            <a:ln w="12700">
+              <a:solidFill>
+                <a:schemeClr val="tx1"/>
+              </a:solidFill>
+              <a:headEnd type="none" w="med" len="med"/>
+              <a:tailEnd type="arrow" w="med" len="med"/>
+            </a:ln>
+          </p:spPr>
+          <p:style>
+            <a:lnRef idx="1">
+              <a:schemeClr val="accent1"/>
+            </a:lnRef>
+            <a:fillRef idx="0">
+              <a:schemeClr val="accent1"/>
+            </a:fillRef>
+            <a:effectRef idx="0">
+              <a:schemeClr val="accent1"/>
+            </a:effectRef>
+            <a:fontRef idx="minor">
+              <a:schemeClr val="tx1"/>
+            </a:fontRef>
+          </p:style>
+        </p:cxnSp>
+        <p:cxnSp>
+          <p:nvCxnSpPr>
+            <p:cNvPr id="22" name="直線箭頭接點 21">
+              <a:extLst>
+                <a:ext uri="{FF2B5EF4-FFF2-40B4-BE49-F238E27FC236}">
+                  <a16:creationId xmlns:a16="http://schemas.microsoft.com/office/drawing/2014/main" id="{C7ACCA08-3D84-3D49-B5A0-DD6B4EE93E19}"/>
+                </a:ext>
+              </a:extLst>
+            </p:cNvPr>
+            <p:cNvCxnSpPr>
+              <a:cxnSpLocks/>
+            </p:cNvCxnSpPr>
+            <p:nvPr/>
+          </p:nvCxnSpPr>
+          <p:spPr>
+            <a:xfrm flipH="1">
+              <a:off x="4248115" y="5359724"/>
+              <a:ext cx="396063" cy="0"/>
+            </a:xfrm>
+            <a:prstGeom prst="straightConnector1">
+              <a:avLst/>
+            </a:prstGeom>
+            <a:ln w="12700">
+              <a:solidFill>
+                <a:schemeClr val="tx1"/>
+              </a:solidFill>
+              <a:headEnd type="none" w="med" len="med"/>
+              <a:tailEnd type="arrow" w="med" len="med"/>
+            </a:ln>
+          </p:spPr>
+          <p:style>
+            <a:lnRef idx="1">
+              <a:schemeClr val="accent1"/>
+            </a:lnRef>
+            <a:fillRef idx="0">
+              <a:schemeClr val="accent1"/>
+            </a:fillRef>
+            <a:effectRef idx="0">
+              <a:schemeClr val="accent1"/>
+            </a:effectRef>
+            <a:fontRef idx="minor">
+              <a:schemeClr val="tx1"/>
+            </a:fontRef>
+          </p:style>
+        </p:cxnSp>
+        <p:cxnSp>
+          <p:nvCxnSpPr>
+            <p:cNvPr id="23" name="直線箭頭接點 22">
+              <a:extLst>
+                <a:ext uri="{FF2B5EF4-FFF2-40B4-BE49-F238E27FC236}">
+                  <a16:creationId xmlns:a16="http://schemas.microsoft.com/office/drawing/2014/main" id="{B5FA6BB3-FAD0-9448-943C-9816DD035F82}"/>
+                </a:ext>
+              </a:extLst>
+            </p:cNvPr>
+            <p:cNvCxnSpPr>
+              <a:cxnSpLocks/>
+            </p:cNvCxnSpPr>
+            <p:nvPr/>
+          </p:nvCxnSpPr>
+          <p:spPr>
+            <a:xfrm>
+              <a:off x="4248115" y="5980795"/>
+              <a:ext cx="396063" cy="0"/>
+            </a:xfrm>
+            <a:prstGeom prst="straightConnector1">
+              <a:avLst/>
+            </a:prstGeom>
+            <a:ln w="12700">
+              <a:solidFill>
+                <a:schemeClr val="tx1"/>
+              </a:solidFill>
+              <a:headEnd type="none" w="med" len="med"/>
+              <a:tailEnd type="arrow" w="med" len="med"/>
+            </a:ln>
+          </p:spPr>
+          <p:style>
+            <a:lnRef idx="1">
+              <a:schemeClr val="accent1"/>
+            </a:lnRef>
+            <a:fillRef idx="0">
+              <a:schemeClr val="accent1"/>
+            </a:fillRef>
+            <a:effectRef idx="0">
+              <a:schemeClr val="accent1"/>
+            </a:effectRef>
+            <a:fontRef idx="minor">
+              <a:schemeClr val="tx1"/>
+            </a:fontRef>
+          </p:style>
+        </p:cxnSp>
+        <p:cxnSp>
+          <p:nvCxnSpPr>
+            <p:cNvPr id="24" name="直線箭頭接點 23">
+              <a:extLst>
+                <a:ext uri="{FF2B5EF4-FFF2-40B4-BE49-F238E27FC236}">
+                  <a16:creationId xmlns:a16="http://schemas.microsoft.com/office/drawing/2014/main" id="{A47D1E2B-022F-9D46-9B2A-DD7D8C093BCE}"/>
+                </a:ext>
+              </a:extLst>
+            </p:cNvPr>
+            <p:cNvCxnSpPr>
+              <a:cxnSpLocks/>
+            </p:cNvCxnSpPr>
+            <p:nvPr/>
+          </p:nvCxnSpPr>
+          <p:spPr>
+            <a:xfrm>
+              <a:off x="4035770" y="5542666"/>
+              <a:ext cx="0" cy="273266"/>
+            </a:xfrm>
+            <a:prstGeom prst="straightConnector1">
+              <a:avLst/>
+            </a:prstGeom>
+            <a:ln w="12700">
+              <a:solidFill>
+                <a:schemeClr val="tx1"/>
+              </a:solidFill>
+              <a:headEnd type="none" w="med" len="med"/>
+              <a:tailEnd type="arrow" w="med" len="med"/>
+            </a:ln>
+          </p:spPr>
+          <p:style>
+            <a:lnRef idx="1">
+              <a:schemeClr val="accent1"/>
+            </a:lnRef>
+            <a:fillRef idx="0">
+              <a:schemeClr val="accent1"/>
+            </a:fillRef>
+            <a:effectRef idx="0">
+              <a:schemeClr val="accent1"/>
+            </a:effectRef>
+            <a:fontRef idx="minor">
+              <a:schemeClr val="tx1"/>
+            </a:fontRef>
+          </p:style>
+        </p:cxnSp>
+        <p:cxnSp>
+          <p:nvCxnSpPr>
+            <p:cNvPr id="25" name="直線箭頭接點 24">
+              <a:extLst>
+                <a:ext uri="{FF2B5EF4-FFF2-40B4-BE49-F238E27FC236}">
+                  <a16:creationId xmlns:a16="http://schemas.microsoft.com/office/drawing/2014/main" id="{A31C9633-431C-AC4E-A41D-CAD9A57D4D16}"/>
+                </a:ext>
+              </a:extLst>
+            </p:cNvPr>
+            <p:cNvCxnSpPr>
+              <a:cxnSpLocks/>
+            </p:cNvCxnSpPr>
+            <p:nvPr/>
+          </p:nvCxnSpPr>
+          <p:spPr>
+            <a:xfrm>
+              <a:off x="4179048" y="5495701"/>
+              <a:ext cx="532468" cy="371051"/>
+            </a:xfrm>
+            <a:prstGeom prst="straightConnector1">
+              <a:avLst/>
+            </a:prstGeom>
+            <a:ln w="12700">
+              <a:solidFill>
+                <a:schemeClr val="tx1"/>
+              </a:solidFill>
+              <a:headEnd type="none" w="med" len="med"/>
+              <a:tailEnd type="arrow" w="med" len="med"/>
+            </a:ln>
+          </p:spPr>
+          <p:style>
+            <a:lnRef idx="1">
+              <a:schemeClr val="accent1"/>
+            </a:lnRef>
+            <a:fillRef idx="0">
+              <a:schemeClr val="accent1"/>
+            </a:fillRef>
+            <a:effectRef idx="0">
+              <a:schemeClr val="accent1"/>
+            </a:effectRef>
+            <a:fontRef idx="minor">
+              <a:schemeClr val="tx1"/>
+            </a:fontRef>
+          </p:style>
+        </p:cxnSp>
+        <p:sp>
+          <p:nvSpPr>
+            <p:cNvPr id="26" name="文字方塊 25">
+              <a:extLst>
+                <a:ext uri="{FF2B5EF4-FFF2-40B4-BE49-F238E27FC236}">
+                  <a16:creationId xmlns:a16="http://schemas.microsoft.com/office/drawing/2014/main" id="{F16DB7C5-2B0C-FA4C-8AE2-99BD3D56124D}"/>
+                </a:ext>
+              </a:extLst>
+            </p:cNvPr>
+            <p:cNvSpPr txBox="1"/>
+            <p:nvPr/>
+          </p:nvSpPr>
+          <p:spPr>
+            <a:xfrm>
+              <a:off x="3755152" y="4841482"/>
+              <a:ext cx="2251129" cy="276999"/>
+            </a:xfrm>
+            <a:prstGeom prst="rect">
+              <a:avLst/>
+            </a:prstGeom>
+            <a:noFill/>
+          </p:spPr>
+          <p:txBody>
+            <a:bodyPr wrap="none" rtlCol="0">
+              <a:spAutoFit/>
+            </a:bodyPr>
+            <a:lstStyle/>
+            <a:p>
+              <a:r>
+                <a:rPr kumimoji="1" lang="en-US" altLang="zh-TW" sz="1200" dirty="0">
+                  <a:solidFill>
+                    <a:srgbClr val="0432FF"/>
+                  </a:solidFill>
+                </a:rPr>
+                <a:t>Search shortest path from A to E:</a:t>
+              </a:r>
+              <a:endParaRPr kumimoji="1" lang="zh-TW" altLang="en-US" sz="1200" b="1" dirty="0">
+                <a:solidFill>
+                  <a:srgbClr val="009051"/>
+                </a:solidFill>
+              </a:endParaRPr>
+            </a:p>
+          </p:txBody>
+        </p:sp>
+        <p:sp>
+          <p:nvSpPr>
+            <p:cNvPr id="27" name="文字方塊 26">
+              <a:extLst>
+                <a:ext uri="{FF2B5EF4-FFF2-40B4-BE49-F238E27FC236}">
+                  <a16:creationId xmlns:a16="http://schemas.microsoft.com/office/drawing/2014/main" id="{0B221DE9-AB70-6E47-B19F-4071061348DD}"/>
+                </a:ext>
+              </a:extLst>
+            </p:cNvPr>
+            <p:cNvSpPr txBox="1"/>
+            <p:nvPr/>
+          </p:nvSpPr>
+          <p:spPr>
+            <a:xfrm>
+              <a:off x="5256835" y="5272698"/>
+              <a:ext cx="250390" cy="246221"/>
+            </a:xfrm>
+            <a:prstGeom prst="rect">
+              <a:avLst/>
+            </a:prstGeom>
+            <a:noFill/>
+          </p:spPr>
+          <p:txBody>
+            <a:bodyPr wrap="none" rtlCol="0">
+              <a:spAutoFit/>
+            </a:bodyPr>
+            <a:lstStyle/>
+            <a:p>
+              <a:r>
+                <a:rPr kumimoji="1" lang="en-US" altLang="zh-TW" sz="1000" dirty="0"/>
+                <a:t>4</a:t>
+              </a:r>
+              <a:endParaRPr kumimoji="1" lang="zh-TW" altLang="en-US" sz="1000" b="1" dirty="0"/>
+            </a:p>
+          </p:txBody>
+        </p:sp>
+        <p:sp>
+          <p:nvSpPr>
+            <p:cNvPr id="28" name="文字方塊 27">
+              <a:extLst>
+                <a:ext uri="{FF2B5EF4-FFF2-40B4-BE49-F238E27FC236}">
+                  <a16:creationId xmlns:a16="http://schemas.microsoft.com/office/drawing/2014/main" id="{7BA3EEC2-7DB0-8A40-B718-1236FC276614}"/>
+                </a:ext>
+              </a:extLst>
+            </p:cNvPr>
+            <p:cNvSpPr txBox="1"/>
+            <p:nvPr/>
+          </p:nvSpPr>
+          <p:spPr>
+            <a:xfrm>
+              <a:off x="4844801" y="5569711"/>
+              <a:ext cx="250390" cy="246221"/>
+            </a:xfrm>
+            <a:prstGeom prst="rect">
+              <a:avLst/>
+            </a:prstGeom>
+            <a:noFill/>
+          </p:spPr>
+          <p:txBody>
+            <a:bodyPr wrap="none" rtlCol="0">
+              <a:spAutoFit/>
+            </a:bodyPr>
+            <a:lstStyle/>
+            <a:p>
+              <a:r>
+                <a:rPr kumimoji="1" lang="en-US" altLang="zh-TW" sz="1000" dirty="0"/>
+                <a:t>1</a:t>
+              </a:r>
+              <a:endParaRPr kumimoji="1" lang="zh-TW" altLang="en-US" sz="1000" b="1" dirty="0"/>
+            </a:p>
+          </p:txBody>
+        </p:sp>
+        <p:sp>
+          <p:nvSpPr>
+            <p:cNvPr id="29" name="文字方塊 28">
+              <a:extLst>
+                <a:ext uri="{FF2B5EF4-FFF2-40B4-BE49-F238E27FC236}">
+                  <a16:creationId xmlns:a16="http://schemas.microsoft.com/office/drawing/2014/main" id="{E30E86A1-E615-8242-A589-E5813EAFE597}"/>
+                </a:ext>
+              </a:extLst>
+            </p:cNvPr>
+            <p:cNvSpPr txBox="1"/>
+            <p:nvPr/>
+          </p:nvSpPr>
+          <p:spPr>
+            <a:xfrm>
+              <a:off x="5242090" y="5780249"/>
+              <a:ext cx="250390" cy="246221"/>
+            </a:xfrm>
+            <a:prstGeom prst="rect">
+              <a:avLst/>
+            </a:prstGeom>
+            <a:noFill/>
+          </p:spPr>
+          <p:txBody>
+            <a:bodyPr wrap="none" rtlCol="0">
+              <a:spAutoFit/>
+            </a:bodyPr>
+            <a:lstStyle/>
+            <a:p>
+              <a:r>
+                <a:rPr kumimoji="1" lang="en-US" altLang="zh-TW" sz="1000" dirty="0"/>
+                <a:t>2</a:t>
+              </a:r>
+              <a:endParaRPr kumimoji="1" lang="zh-TW" altLang="en-US" sz="1000" b="1" dirty="0"/>
+            </a:p>
+          </p:txBody>
+        </p:sp>
+        <p:sp>
+          <p:nvSpPr>
+            <p:cNvPr id="30" name="文字方塊 29">
+              <a:extLst>
+                <a:ext uri="{FF2B5EF4-FFF2-40B4-BE49-F238E27FC236}">
+                  <a16:creationId xmlns:a16="http://schemas.microsoft.com/office/drawing/2014/main" id="{4834929F-B070-A44E-8AD0-F695964CA4BF}"/>
+                </a:ext>
+              </a:extLst>
+            </p:cNvPr>
+            <p:cNvSpPr txBox="1"/>
+            <p:nvPr/>
+          </p:nvSpPr>
+          <p:spPr>
+            <a:xfrm>
+              <a:off x="4364089" y="5107559"/>
+              <a:ext cx="250390" cy="246221"/>
+            </a:xfrm>
+            <a:prstGeom prst="rect">
+              <a:avLst/>
+            </a:prstGeom>
+            <a:noFill/>
+          </p:spPr>
+          <p:txBody>
+            <a:bodyPr wrap="none" rtlCol="0">
+              <a:spAutoFit/>
+            </a:bodyPr>
+            <a:lstStyle/>
+            <a:p>
+              <a:r>
+                <a:rPr kumimoji="1" lang="en-US" altLang="zh-TW" sz="1000" dirty="0"/>
+                <a:t>3</a:t>
+              </a:r>
+              <a:endParaRPr kumimoji="1" lang="zh-TW" altLang="en-US" sz="1000" b="1" dirty="0"/>
+            </a:p>
+          </p:txBody>
+        </p:sp>
+        <p:sp>
+          <p:nvSpPr>
+            <p:cNvPr id="31" name="文字方塊 30">
+              <a:extLst>
+                <a:ext uri="{FF2B5EF4-FFF2-40B4-BE49-F238E27FC236}">
+                  <a16:creationId xmlns:a16="http://schemas.microsoft.com/office/drawing/2014/main" id="{366D0030-7F97-FD41-B39D-7F0DDAAE2353}"/>
+                </a:ext>
+              </a:extLst>
+            </p:cNvPr>
+            <p:cNvSpPr txBox="1"/>
+            <p:nvPr/>
+          </p:nvSpPr>
+          <p:spPr>
+            <a:xfrm>
+              <a:off x="4357200" y="5470598"/>
+              <a:ext cx="288862" cy="246221"/>
+            </a:xfrm>
+            <a:prstGeom prst="rect">
+              <a:avLst/>
+            </a:prstGeom>
+            <a:noFill/>
+          </p:spPr>
+          <p:txBody>
+            <a:bodyPr wrap="none" rtlCol="0">
+              <a:spAutoFit/>
+            </a:bodyPr>
+            <a:lstStyle/>
+            <a:p>
+              <a:r>
+                <a:rPr kumimoji="1" lang="en-US" altLang="zh-TW" sz="1000" dirty="0">
+                  <a:solidFill>
+                    <a:srgbClr val="FF0000"/>
+                  </a:solidFill>
+                </a:rPr>
+                <a:t>-6</a:t>
+              </a:r>
+              <a:endParaRPr kumimoji="1" lang="zh-TW" altLang="en-US" sz="1000" b="1" dirty="0">
+                <a:solidFill>
+                  <a:srgbClr val="FF0000"/>
+                </a:solidFill>
+              </a:endParaRPr>
+            </a:p>
+          </p:txBody>
+        </p:sp>
+        <p:sp>
+          <p:nvSpPr>
+            <p:cNvPr id="32" name="文字方塊 31">
+              <a:extLst>
+                <a:ext uri="{FF2B5EF4-FFF2-40B4-BE49-F238E27FC236}">
+                  <a16:creationId xmlns:a16="http://schemas.microsoft.com/office/drawing/2014/main" id="{373132EA-5FDF-BE42-92CA-A6EF32806502}"/>
+                </a:ext>
+              </a:extLst>
+            </p:cNvPr>
+            <p:cNvSpPr txBox="1"/>
+            <p:nvPr/>
+          </p:nvSpPr>
+          <p:spPr>
+            <a:xfrm>
+              <a:off x="4264960" y="5951783"/>
+              <a:ext cx="250390" cy="246221"/>
+            </a:xfrm>
+            <a:prstGeom prst="rect">
+              <a:avLst/>
+            </a:prstGeom>
+            <a:noFill/>
+          </p:spPr>
+          <p:txBody>
+            <a:bodyPr wrap="none" rtlCol="0">
+              <a:spAutoFit/>
+            </a:bodyPr>
+            <a:lstStyle/>
+            <a:p>
+              <a:r>
+                <a:rPr kumimoji="1" lang="en-US" altLang="zh-TW" sz="1000" dirty="0"/>
+                <a:t>2</a:t>
+              </a:r>
+              <a:endParaRPr kumimoji="1" lang="zh-TW" altLang="en-US" sz="1000" b="1" dirty="0"/>
+            </a:p>
+          </p:txBody>
+        </p:sp>
+        <p:sp>
+          <p:nvSpPr>
+            <p:cNvPr id="33" name="文字方塊 32">
+              <a:extLst>
+                <a:ext uri="{FF2B5EF4-FFF2-40B4-BE49-F238E27FC236}">
+                  <a16:creationId xmlns:a16="http://schemas.microsoft.com/office/drawing/2014/main" id="{8AB479F9-D9D1-0046-8053-B3B9BB9B5D16}"/>
+                </a:ext>
+              </a:extLst>
+            </p:cNvPr>
+            <p:cNvSpPr txBox="1"/>
+            <p:nvPr/>
+          </p:nvSpPr>
+          <p:spPr>
+            <a:xfrm>
+              <a:off x="3755152" y="5529087"/>
+              <a:ext cx="250390" cy="246221"/>
+            </a:xfrm>
+            <a:prstGeom prst="rect">
+              <a:avLst/>
+            </a:prstGeom>
+            <a:noFill/>
+          </p:spPr>
+          <p:txBody>
+            <a:bodyPr wrap="none" rtlCol="0">
+              <a:spAutoFit/>
+            </a:bodyPr>
+            <a:lstStyle/>
+            <a:p>
+              <a:r>
+                <a:rPr kumimoji="1" lang="en-US" altLang="zh-TW" sz="1000" dirty="0"/>
+                <a:t>6</a:t>
+              </a:r>
+              <a:endParaRPr kumimoji="1" lang="zh-TW" altLang="en-US" sz="1000" b="1" dirty="0"/>
+            </a:p>
+          </p:txBody>
+        </p:sp>
+      </p:grpSp>
+      <p:sp>
+        <p:nvSpPr>
+          <p:cNvPr id="35" name="文字方塊 34">
+            <a:extLst>
+              <a:ext uri="{FF2B5EF4-FFF2-40B4-BE49-F238E27FC236}">
+                <a16:creationId xmlns:a16="http://schemas.microsoft.com/office/drawing/2014/main" id="{E0D2C99D-D223-2945-882C-5BF1744480A3}"/>
+              </a:ext>
+            </a:extLst>
+          </p:cNvPr>
+          <p:cNvSpPr txBox="1"/>
+          <p:nvPr/>
+        </p:nvSpPr>
+        <p:spPr>
+          <a:xfrm>
+            <a:off x="454414" y="4157104"/>
+            <a:ext cx="834074" cy="276999"/>
+          </a:xfrm>
+          <a:prstGeom prst="rect">
+            <a:avLst/>
+          </a:prstGeom>
+          <a:noFill/>
+        </p:spPr>
+        <p:txBody>
+          <a:bodyPr wrap="none" rtlCol="0">
+            <a:spAutoFit/>
+          </a:bodyPr>
+          <a:lstStyle/>
+          <a:p>
+            <a:r>
+              <a:rPr kumimoji="1" lang="en-US" altLang="zh-TW" sz="1200" dirty="0"/>
+              <a:t>Iteration 1</a:t>
+            </a:r>
+            <a:endParaRPr kumimoji="1" lang="zh-TW" altLang="en-US" sz="1200" b="1" dirty="0"/>
+          </a:p>
+        </p:txBody>
+      </p:sp>
+      <p:graphicFrame>
+        <p:nvGraphicFramePr>
+          <p:cNvPr id="36" name="表格 56">
+            <a:extLst>
+              <a:ext uri="{FF2B5EF4-FFF2-40B4-BE49-F238E27FC236}">
+                <a16:creationId xmlns:a16="http://schemas.microsoft.com/office/drawing/2014/main" id="{9A496754-D6AE-9741-A5DA-37CAA0951298}"/>
+              </a:ext>
+            </a:extLst>
+          </p:cNvPr>
+          <p:cNvGraphicFramePr>
+            <a:graphicFrameLocks noGrp="1"/>
+          </p:cNvGraphicFramePr>
+          <p:nvPr>
+            <p:extLst>
+              <p:ext uri="{D42A27DB-BD31-4B8C-83A1-F6EECF244321}">
+                <p14:modId xmlns:p14="http://schemas.microsoft.com/office/powerpoint/2010/main" val="2576936341"/>
+              </p:ext>
+            </p:extLst>
+          </p:nvPr>
+        </p:nvGraphicFramePr>
+        <p:xfrm>
+          <a:off x="37871" y="4397879"/>
+          <a:ext cx="1667161" cy="1449456"/>
+        </p:xfrm>
+        <a:graphic>
+          <a:graphicData uri="http://schemas.openxmlformats.org/drawingml/2006/table">
+            <a:tbl>
+              <a:tblPr firstRow="1" bandRow="1">
+                <a:tableStyleId>{5C22544A-7EE6-4342-B048-85BDC9FD1C3A}</a:tableStyleId>
+              </a:tblPr>
+              <a:tblGrid>
+                <a:gridCol w="536348">
+                  <a:extLst>
+                    <a:ext uri="{9D8B030D-6E8A-4147-A177-3AD203B41FA5}">
+                      <a16:colId xmlns:a16="http://schemas.microsoft.com/office/drawing/2014/main" val="3247701678"/>
+                    </a:ext>
+                  </a:extLst>
+                </a:gridCol>
+                <a:gridCol w="570764">
+                  <a:extLst>
+                    <a:ext uri="{9D8B030D-6E8A-4147-A177-3AD203B41FA5}">
+                      <a16:colId xmlns:a16="http://schemas.microsoft.com/office/drawing/2014/main" val="2128976714"/>
+                    </a:ext>
+                  </a:extLst>
+                </a:gridCol>
+                <a:gridCol w="560049">
+                  <a:extLst>
+                    <a:ext uri="{9D8B030D-6E8A-4147-A177-3AD203B41FA5}">
+                      <a16:colId xmlns:a16="http://schemas.microsoft.com/office/drawing/2014/main" val="4013374876"/>
+                    </a:ext>
+                  </a:extLst>
+                </a:gridCol>
+              </a:tblGrid>
+              <a:tr h="238042">
+                <a:tc>
+                  <a:txBody>
+                    <a:bodyPr/>
+                    <a:lstStyle/>
+                    <a:p>
+                      <a:pPr marL="0" algn="ctr" defTabSz="685800" rtl="0" eaLnBrk="1" latinLnBrk="0" hangingPunct="1"/>
+                      <a:r>
+                        <a:rPr lang="en-US" altLang="zh-TW" sz="1200" b="0" kern="1200" dirty="0">
+                          <a:solidFill>
+                            <a:schemeClr val="bg1"/>
+                          </a:solidFill>
+                        </a:rPr>
+                        <a:t>vertex</a:t>
+                      </a:r>
+                      <a:endParaRPr lang="zh-TW" altLang="en-US" sz="1200" b="0" kern="1200" dirty="0">
+                        <a:solidFill>
+                          <a:schemeClr val="bg1"/>
+                        </a:solidFill>
+                        <a:latin typeface="+mn-lt"/>
+                        <a:ea typeface="+mn-ea"/>
+                        <a:cs typeface="+mn-cs"/>
+                      </a:endParaRPr>
+                    </a:p>
+                  </a:txBody>
+                  <a:tcPr marL="57600" marR="58695" marT="29348" marB="29348"/>
+                </a:tc>
+                <a:tc>
+                  <a:txBody>
+                    <a:bodyPr/>
+                    <a:lstStyle/>
+                    <a:p>
+                      <a:pPr marL="0" algn="ctr" defTabSz="685800" rtl="0" eaLnBrk="1" latinLnBrk="0" hangingPunct="1"/>
+                      <a:r>
+                        <a:rPr lang="en-US" altLang="zh-TW" sz="1200" b="0" kern="1200" dirty="0">
+                          <a:solidFill>
+                            <a:schemeClr val="bg1"/>
+                          </a:solidFill>
+                          <a:latin typeface="+mn-lt"/>
+                          <a:ea typeface="+mn-ea"/>
+                          <a:cs typeface="+mn-cs"/>
+                        </a:rPr>
+                        <a:t>weight</a:t>
+                      </a:r>
+                      <a:endParaRPr lang="zh-TW" altLang="en-US" sz="1200" b="0" kern="1200" dirty="0">
+                        <a:solidFill>
+                          <a:schemeClr val="bg1"/>
+                        </a:solidFill>
+                        <a:latin typeface="+mn-lt"/>
+                        <a:ea typeface="+mn-ea"/>
+                        <a:cs typeface="+mn-cs"/>
+                      </a:endParaRPr>
+                    </a:p>
+                  </a:txBody>
+                  <a:tcPr marL="57600" marR="58695" marT="29348" marB="29348"/>
+                </a:tc>
+                <a:tc>
+                  <a:txBody>
+                    <a:bodyPr/>
+                    <a:lstStyle/>
+                    <a:p>
+                      <a:pPr marL="0" algn="ctr" defTabSz="685800" rtl="0" eaLnBrk="1" latinLnBrk="0" hangingPunct="1"/>
+                      <a:r>
+                        <a:rPr lang="en-US" altLang="zh-TW" sz="1200" b="0" kern="1200" dirty="0">
+                          <a:solidFill>
+                            <a:schemeClr val="bg1"/>
+                          </a:solidFill>
+                          <a:latin typeface="+mn-lt"/>
+                          <a:ea typeface="+mn-ea"/>
+                          <a:cs typeface="+mn-cs"/>
+                        </a:rPr>
+                        <a:t>parent</a:t>
+                      </a:r>
+                      <a:endParaRPr lang="zh-TW" altLang="en-US" sz="1200" b="0" kern="1200" dirty="0">
+                        <a:solidFill>
+                          <a:schemeClr val="bg1"/>
+                        </a:solidFill>
+                        <a:latin typeface="+mn-lt"/>
+                        <a:ea typeface="+mn-ea"/>
+                        <a:cs typeface="+mn-cs"/>
+                      </a:endParaRPr>
+                    </a:p>
+                  </a:txBody>
+                  <a:tcPr marL="58695" marR="58695" marT="29348" marB="29348"/>
+                </a:tc>
+                <a:extLst>
+                  <a:ext uri="{0D108BD9-81ED-4DB2-BD59-A6C34878D82A}">
+                    <a16:rowId xmlns:a16="http://schemas.microsoft.com/office/drawing/2014/main" val="3955762702"/>
+                  </a:ext>
+                </a:extLst>
+              </a:tr>
+              <a:tr h="238042">
+                <a:tc>
+                  <a:txBody>
+                    <a:bodyPr/>
+                    <a:lstStyle/>
+                    <a:p>
+                      <a:pPr marL="0" algn="ctr" defTabSz="685800" rtl="0" eaLnBrk="1" latinLnBrk="0" hangingPunct="1"/>
+                      <a:r>
+                        <a:rPr lang="en-US" altLang="zh-TW" sz="1200" kern="1200" dirty="0">
+                          <a:solidFill>
+                            <a:schemeClr val="dk1"/>
+                          </a:solidFill>
+                        </a:rPr>
+                        <a:t>A</a:t>
+                      </a:r>
+                      <a:endParaRPr lang="zh-TW" altLang="en-US" sz="1200" kern="1200" dirty="0">
+                        <a:solidFill>
+                          <a:schemeClr val="dk1"/>
+                        </a:solidFill>
+                        <a:latin typeface="+mn-lt"/>
+                        <a:ea typeface="+mn-ea"/>
+                        <a:cs typeface="+mn-cs"/>
+                      </a:endParaRPr>
+                    </a:p>
+                  </a:txBody>
+                  <a:tcPr marL="58695" marR="58695" marT="29348" marB="29348"/>
+                </a:tc>
+                <a:tc>
+                  <a:txBody>
+                    <a:bodyPr/>
+                    <a:lstStyle/>
+                    <a:p>
+                      <a:pPr marL="0" algn="ctr" defTabSz="685800" rtl="0" eaLnBrk="1" latinLnBrk="0" hangingPunct="1"/>
+                      <a:r>
+                        <a:rPr lang="en-US" altLang="zh-TW" sz="1200" kern="1200" dirty="0">
+                          <a:solidFill>
+                            <a:schemeClr val="tx1"/>
+                          </a:solidFill>
+                          <a:latin typeface="+mn-lt"/>
+                          <a:ea typeface="+mn-ea"/>
+                          <a:cs typeface="+mn-cs"/>
+                        </a:rPr>
+                        <a:t>0</a:t>
+                      </a:r>
+                      <a:endParaRPr lang="zh-TW" altLang="en-US" sz="1200" kern="1200" dirty="0">
+                        <a:solidFill>
+                          <a:schemeClr val="tx1"/>
+                        </a:solidFill>
+                        <a:latin typeface="+mn-lt"/>
+                        <a:ea typeface="+mn-ea"/>
+                        <a:cs typeface="+mn-cs"/>
+                      </a:endParaRPr>
+                    </a:p>
+                  </a:txBody>
+                  <a:tcPr marL="58695" marR="58695" marT="29348" marB="29348"/>
+                </a:tc>
+                <a:tc>
+                  <a:txBody>
+                    <a:bodyPr/>
+                    <a:lstStyle/>
+                    <a:p>
+                      <a:pPr marL="0" algn="ctr" defTabSz="685800" rtl="0" eaLnBrk="1" latinLnBrk="0" hangingPunct="1"/>
+                      <a:r>
+                        <a:rPr lang="en-US" altLang="zh-TW" sz="1200" kern="1200" dirty="0">
+                          <a:solidFill>
+                            <a:schemeClr val="tx1"/>
+                          </a:solidFill>
+                          <a:latin typeface="+mn-lt"/>
+                          <a:ea typeface="+mn-ea"/>
+                          <a:cs typeface="+mn-cs"/>
+                        </a:rPr>
+                        <a:t>-</a:t>
+                      </a:r>
+                      <a:endParaRPr lang="zh-TW" altLang="en-US" sz="1200" kern="1200" dirty="0">
+                        <a:solidFill>
+                          <a:schemeClr val="tx1"/>
+                        </a:solidFill>
+                        <a:latin typeface="+mn-lt"/>
+                        <a:ea typeface="+mn-ea"/>
+                        <a:cs typeface="+mn-cs"/>
+                      </a:endParaRPr>
+                    </a:p>
+                  </a:txBody>
+                  <a:tcPr marL="58695" marR="58695" marT="29348" marB="29348"/>
+                </a:tc>
+                <a:extLst>
+                  <a:ext uri="{0D108BD9-81ED-4DB2-BD59-A6C34878D82A}">
+                    <a16:rowId xmlns:a16="http://schemas.microsoft.com/office/drawing/2014/main" val="3991906144"/>
+                  </a:ext>
+                </a:extLst>
+              </a:tr>
+              <a:tr h="238042">
+                <a:tc>
+                  <a:txBody>
+                    <a:bodyPr/>
+                    <a:lstStyle/>
+                    <a:p>
+                      <a:pPr marL="0" algn="ctr" defTabSz="685800" rtl="0" eaLnBrk="1" latinLnBrk="0" hangingPunct="1"/>
+                      <a:r>
+                        <a:rPr lang="en-US" altLang="zh-TW" sz="1200" kern="1200" dirty="0">
+                          <a:solidFill>
+                            <a:schemeClr val="tx1"/>
+                          </a:solidFill>
+                        </a:rPr>
+                        <a:t>B</a:t>
+                      </a:r>
+                      <a:endParaRPr lang="zh-TW" altLang="en-US" sz="1200" kern="1200" dirty="0">
+                        <a:solidFill>
+                          <a:schemeClr val="tx1"/>
+                        </a:solidFill>
+                        <a:latin typeface="+mn-lt"/>
+                        <a:ea typeface="+mn-ea"/>
+                        <a:cs typeface="+mn-cs"/>
+                      </a:endParaRPr>
+                    </a:p>
+                  </a:txBody>
+                  <a:tcPr marL="58695" marR="58695" marT="29348" marB="29348"/>
+                </a:tc>
+                <a:tc>
+                  <a:txBody>
+                    <a:bodyPr/>
+                    <a:lstStyle/>
+                    <a:p>
+                      <a:pPr marL="0" algn="ctr" defTabSz="685800" rtl="0" eaLnBrk="1" latinLnBrk="0" hangingPunct="1"/>
+                      <a:r>
+                        <a:rPr lang="en-US" altLang="zh-TW" sz="1200" kern="1200" dirty="0">
+                          <a:solidFill>
+                            <a:srgbClr val="FF0000"/>
+                          </a:solidFill>
+                          <a:latin typeface="+mn-lt"/>
+                          <a:ea typeface="+mn-ea"/>
+                          <a:cs typeface="+mn-cs"/>
+                        </a:rPr>
+                        <a:t>4</a:t>
+                      </a:r>
+                      <a:endParaRPr lang="zh-TW" altLang="en-US" sz="1200" kern="1200" dirty="0">
+                        <a:solidFill>
+                          <a:srgbClr val="FF0000"/>
+                        </a:solidFill>
+                        <a:latin typeface="+mn-lt"/>
+                        <a:ea typeface="+mn-ea"/>
+                        <a:cs typeface="+mn-cs"/>
+                      </a:endParaRPr>
+                    </a:p>
+                  </a:txBody>
+                  <a:tcPr marL="58695" marR="58695" marT="29348" marB="29348"/>
+                </a:tc>
+                <a:tc>
+                  <a:txBody>
+                    <a:bodyPr/>
+                    <a:lstStyle/>
+                    <a:p>
+                      <a:pPr marL="0" algn="ctr" defTabSz="685800" rtl="0" eaLnBrk="1" latinLnBrk="0" hangingPunct="1"/>
+                      <a:r>
+                        <a:rPr lang="en-US" altLang="zh-TW" sz="1200" b="0" kern="1200" dirty="0">
+                          <a:solidFill>
+                            <a:srgbClr val="FF0000"/>
+                          </a:solidFill>
+                          <a:latin typeface="+mn-lt"/>
+                          <a:ea typeface="+mn-ea"/>
+                          <a:cs typeface="+mn-cs"/>
+                        </a:rPr>
+                        <a:t>A</a:t>
+                      </a:r>
+                      <a:endParaRPr lang="zh-TW" altLang="en-US" sz="1200" b="0" kern="1200" dirty="0">
+                        <a:solidFill>
+                          <a:srgbClr val="FF0000"/>
+                        </a:solidFill>
+                        <a:latin typeface="+mn-lt"/>
+                        <a:ea typeface="+mn-ea"/>
+                        <a:cs typeface="+mn-cs"/>
+                      </a:endParaRPr>
+                    </a:p>
+                  </a:txBody>
+                  <a:tcPr marL="58695" marR="58695" marT="29348" marB="29348"/>
+                </a:tc>
+                <a:extLst>
+                  <a:ext uri="{0D108BD9-81ED-4DB2-BD59-A6C34878D82A}">
+                    <a16:rowId xmlns:a16="http://schemas.microsoft.com/office/drawing/2014/main" val="809511413"/>
+                  </a:ext>
+                </a:extLst>
+              </a:tr>
+              <a:tr h="238042">
+                <a:tc>
+                  <a:txBody>
+                    <a:bodyPr/>
+                    <a:lstStyle/>
+                    <a:p>
+                      <a:pPr marL="0" algn="ctr" defTabSz="685800" rtl="0" eaLnBrk="1" latinLnBrk="0" hangingPunct="1"/>
+                      <a:r>
+                        <a:rPr lang="en-US" altLang="zh-TW" sz="1200" kern="1200" dirty="0">
+                          <a:solidFill>
+                            <a:schemeClr val="tx1"/>
+                          </a:solidFill>
+                        </a:rPr>
+                        <a:t>C</a:t>
+                      </a:r>
+                      <a:endParaRPr lang="zh-TW" altLang="en-US" sz="1200" kern="1200" dirty="0">
+                        <a:solidFill>
+                          <a:schemeClr val="tx1"/>
+                        </a:solidFill>
+                        <a:latin typeface="+mn-lt"/>
+                        <a:ea typeface="+mn-ea"/>
+                        <a:cs typeface="+mn-cs"/>
+                      </a:endParaRPr>
+                    </a:p>
+                  </a:txBody>
+                  <a:tcPr marL="58695" marR="58695" marT="29348" marB="29348"/>
+                </a:tc>
+                <a:tc>
+                  <a:txBody>
+                    <a:bodyPr/>
+                    <a:lstStyle/>
+                    <a:p>
+                      <a:pPr marL="0" algn="ctr" defTabSz="685800" rtl="0" eaLnBrk="1" latinLnBrk="0" hangingPunct="1"/>
+                      <a:r>
+                        <a:rPr lang="en-US" altLang="zh-TW" sz="1200" kern="1200" dirty="0">
+                          <a:solidFill>
+                            <a:srgbClr val="FF0000"/>
+                          </a:solidFill>
+                          <a:latin typeface="+mn-lt"/>
+                          <a:ea typeface="+mn-ea"/>
+                          <a:cs typeface="+mn-cs"/>
+                        </a:rPr>
+                        <a:t>7</a:t>
+                      </a:r>
+                      <a:endParaRPr lang="zh-TW" altLang="en-US" sz="1200" kern="1200" dirty="0">
+                        <a:solidFill>
+                          <a:srgbClr val="FF0000"/>
+                        </a:solidFill>
+                        <a:latin typeface="+mn-lt"/>
+                        <a:ea typeface="+mn-ea"/>
+                        <a:cs typeface="+mn-cs"/>
+                      </a:endParaRPr>
+                    </a:p>
+                  </a:txBody>
+                  <a:tcPr marL="58695" marR="58695" marT="29348" marB="29348"/>
+                </a:tc>
+                <a:tc>
+                  <a:txBody>
+                    <a:bodyPr/>
+                    <a:lstStyle/>
+                    <a:p>
+                      <a:pPr marL="0" algn="ctr" defTabSz="685800" rtl="0" eaLnBrk="1" latinLnBrk="0" hangingPunct="1"/>
+                      <a:r>
+                        <a:rPr lang="en-US" altLang="zh-TW" sz="1200" kern="1200" dirty="0">
+                          <a:solidFill>
+                            <a:srgbClr val="FF0000"/>
+                          </a:solidFill>
+                          <a:latin typeface="+mn-lt"/>
+                          <a:ea typeface="+mn-ea"/>
+                          <a:cs typeface="+mn-cs"/>
+                        </a:rPr>
+                        <a:t>B</a:t>
+                      </a:r>
+                      <a:endParaRPr lang="zh-TW" altLang="en-US" sz="1200" kern="1200" dirty="0">
+                        <a:solidFill>
+                          <a:srgbClr val="FF0000"/>
+                        </a:solidFill>
+                        <a:latin typeface="+mn-lt"/>
+                        <a:ea typeface="+mn-ea"/>
+                        <a:cs typeface="+mn-cs"/>
+                      </a:endParaRPr>
+                    </a:p>
+                  </a:txBody>
+                  <a:tcPr marL="58695" marR="58695" marT="29348" marB="29348"/>
+                </a:tc>
+                <a:extLst>
+                  <a:ext uri="{0D108BD9-81ED-4DB2-BD59-A6C34878D82A}">
+                    <a16:rowId xmlns:a16="http://schemas.microsoft.com/office/drawing/2014/main" val="2676381122"/>
+                  </a:ext>
+                </a:extLst>
+              </a:tr>
+              <a:tr h="0">
+                <a:tc>
+                  <a:txBody>
+                    <a:bodyPr/>
+                    <a:lstStyle/>
+                    <a:p>
+                      <a:pPr marL="0" algn="ctr" defTabSz="685800" rtl="0" eaLnBrk="1" latinLnBrk="0" hangingPunct="1"/>
+                      <a:r>
+                        <a:rPr lang="en-US" altLang="zh-TW" sz="1200" kern="1200" dirty="0">
+                          <a:solidFill>
+                            <a:schemeClr val="tx1"/>
+                          </a:solidFill>
+                        </a:rPr>
+                        <a:t>D</a:t>
+                      </a:r>
+                      <a:endParaRPr lang="zh-TW" altLang="en-US" sz="1200" kern="1200" dirty="0">
+                        <a:solidFill>
+                          <a:schemeClr val="tx1"/>
+                        </a:solidFill>
+                        <a:latin typeface="+mn-lt"/>
+                        <a:ea typeface="+mn-ea"/>
+                        <a:cs typeface="+mn-cs"/>
+                      </a:endParaRPr>
+                    </a:p>
+                  </a:txBody>
+                  <a:tcPr marL="58695" marR="58695" marT="29348" marB="29348"/>
+                </a:tc>
+                <a:tc>
+                  <a:txBody>
+                    <a:bodyPr/>
+                    <a:lstStyle/>
+                    <a:p>
+                      <a:pPr marL="0" algn="ctr" defTabSz="685800" rtl="0" eaLnBrk="1" latinLnBrk="0" hangingPunct="1"/>
+                      <a:r>
+                        <a:rPr lang="en-US" altLang="zh-TW" sz="1200" kern="1200" dirty="0">
+                          <a:solidFill>
+                            <a:srgbClr val="FF0000"/>
+                          </a:solidFill>
+                          <a:latin typeface="+mn-lt"/>
+                          <a:ea typeface="+mn-ea"/>
+                          <a:cs typeface="+mn-cs"/>
+                        </a:rPr>
+                        <a:t>2</a:t>
+                      </a:r>
+                      <a:endParaRPr lang="zh-TW" altLang="en-US" sz="1200" kern="1200" dirty="0">
+                        <a:solidFill>
+                          <a:srgbClr val="FF0000"/>
+                        </a:solidFill>
+                        <a:latin typeface="+mn-lt"/>
+                        <a:ea typeface="+mn-ea"/>
+                        <a:cs typeface="+mn-cs"/>
+                      </a:endParaRPr>
+                    </a:p>
+                  </a:txBody>
+                  <a:tcPr marL="58695" marR="58695" marT="29348" marB="29348"/>
+                </a:tc>
+                <a:tc>
+                  <a:txBody>
+                    <a:bodyPr/>
+                    <a:lstStyle/>
+                    <a:p>
+                      <a:pPr marL="0" algn="ctr" defTabSz="685800" rtl="0" eaLnBrk="1" latinLnBrk="0" hangingPunct="1"/>
+                      <a:r>
+                        <a:rPr lang="en-US" altLang="zh-TW" sz="1200" kern="1200" dirty="0">
+                          <a:solidFill>
+                            <a:srgbClr val="FF0000"/>
+                          </a:solidFill>
+                          <a:latin typeface="+mn-lt"/>
+                          <a:ea typeface="+mn-ea"/>
+                          <a:cs typeface="+mn-cs"/>
+                        </a:rPr>
+                        <a:t>A</a:t>
+                      </a:r>
+                      <a:endParaRPr lang="zh-TW" altLang="en-US" sz="1200" kern="1200" dirty="0">
+                        <a:solidFill>
+                          <a:srgbClr val="FF0000"/>
+                        </a:solidFill>
+                        <a:latin typeface="+mn-lt"/>
+                        <a:ea typeface="+mn-ea"/>
+                        <a:cs typeface="+mn-cs"/>
+                      </a:endParaRPr>
+                    </a:p>
+                  </a:txBody>
+                  <a:tcPr marL="58695" marR="58695" marT="29348" marB="29348"/>
+                </a:tc>
+                <a:extLst>
+                  <a:ext uri="{0D108BD9-81ED-4DB2-BD59-A6C34878D82A}">
+                    <a16:rowId xmlns:a16="http://schemas.microsoft.com/office/drawing/2014/main" val="965229848"/>
+                  </a:ext>
+                </a:extLst>
+              </a:tr>
+              <a:tr h="0">
+                <a:tc>
+                  <a:txBody>
+                    <a:bodyPr/>
+                    <a:lstStyle/>
+                    <a:p>
+                      <a:pPr marL="0" algn="ctr" defTabSz="685800" rtl="0" eaLnBrk="1" latinLnBrk="0" hangingPunct="1"/>
+                      <a:r>
+                        <a:rPr lang="en-US" altLang="zh-TW" sz="1200" kern="1200" dirty="0">
+                          <a:solidFill>
+                            <a:schemeClr val="tx1"/>
+                          </a:solidFill>
+                          <a:latin typeface="+mn-lt"/>
+                          <a:ea typeface="+mn-ea"/>
+                          <a:cs typeface="+mn-cs"/>
+                        </a:rPr>
+                        <a:t>E</a:t>
+                      </a:r>
+                      <a:endParaRPr lang="zh-TW" altLang="en-US" sz="1200" kern="1200" dirty="0">
+                        <a:solidFill>
+                          <a:schemeClr val="tx1"/>
+                        </a:solidFill>
+                        <a:latin typeface="+mn-lt"/>
+                        <a:ea typeface="+mn-ea"/>
+                        <a:cs typeface="+mn-cs"/>
+                      </a:endParaRPr>
+                    </a:p>
+                  </a:txBody>
+                  <a:tcPr marL="58695" marR="58695" marT="29348" marB="29348"/>
+                </a:tc>
+                <a:tc>
+                  <a:txBody>
+                    <a:bodyPr/>
+                    <a:lstStyle/>
+                    <a:p>
+                      <a:pPr marL="0" algn="ctr" defTabSz="685800" rtl="0" eaLnBrk="1" latinLnBrk="0" hangingPunct="1"/>
+                      <a:r>
+                        <a:rPr lang="en-US" altLang="zh-TW" sz="1200" kern="1200" dirty="0">
+                          <a:solidFill>
+                            <a:schemeClr val="tx1"/>
+                          </a:solidFill>
+                          <a:latin typeface="+mn-lt"/>
+                          <a:ea typeface="+mn-ea"/>
+                          <a:cs typeface="+mn-cs"/>
+                        </a:rPr>
+                        <a:t>inf</a:t>
+                      </a:r>
+                      <a:endParaRPr lang="zh-TW" altLang="en-US" sz="1200" kern="1200" dirty="0">
+                        <a:solidFill>
+                          <a:schemeClr val="tx1"/>
+                        </a:solidFill>
+                        <a:latin typeface="+mn-lt"/>
+                        <a:ea typeface="+mn-ea"/>
+                        <a:cs typeface="+mn-cs"/>
+                      </a:endParaRPr>
+                    </a:p>
+                  </a:txBody>
+                  <a:tcPr marL="58695" marR="58695" marT="29348" marB="29348"/>
+                </a:tc>
+                <a:tc>
+                  <a:txBody>
+                    <a:bodyPr/>
+                    <a:lstStyle/>
+                    <a:p>
+                      <a:pPr marL="0" algn="ctr" defTabSz="685800" rtl="0" eaLnBrk="1" latinLnBrk="0" hangingPunct="1"/>
+                      <a:r>
+                        <a:rPr lang="en-US" altLang="zh-TW" sz="1200" kern="1200" dirty="0">
+                          <a:solidFill>
+                            <a:schemeClr val="tx1"/>
+                          </a:solidFill>
+                          <a:latin typeface="+mn-lt"/>
+                          <a:ea typeface="+mn-ea"/>
+                          <a:cs typeface="+mn-cs"/>
+                        </a:rPr>
+                        <a:t>-</a:t>
+                      </a:r>
+                      <a:endParaRPr lang="zh-TW" altLang="en-US" sz="1200" kern="1200" dirty="0">
+                        <a:solidFill>
+                          <a:schemeClr val="tx1"/>
+                        </a:solidFill>
+                        <a:latin typeface="+mn-lt"/>
+                        <a:ea typeface="+mn-ea"/>
+                        <a:cs typeface="+mn-cs"/>
+                      </a:endParaRPr>
+                    </a:p>
+                  </a:txBody>
+                  <a:tcPr marL="58695" marR="58695" marT="29348" marB="29348"/>
+                </a:tc>
+                <a:extLst>
+                  <a:ext uri="{0D108BD9-81ED-4DB2-BD59-A6C34878D82A}">
+                    <a16:rowId xmlns:a16="http://schemas.microsoft.com/office/drawing/2014/main" val="1689420351"/>
+                  </a:ext>
+                </a:extLst>
+              </a:tr>
+            </a:tbl>
+          </a:graphicData>
+        </a:graphic>
+      </p:graphicFrame>
+      <p:sp>
+        <p:nvSpPr>
+          <p:cNvPr id="37" name="文字方塊 36">
+            <a:extLst>
+              <a:ext uri="{FF2B5EF4-FFF2-40B4-BE49-F238E27FC236}">
+                <a16:creationId xmlns:a16="http://schemas.microsoft.com/office/drawing/2014/main" id="{D5B4D9ED-54F0-864D-AE05-995F56B8D5FF}"/>
+              </a:ext>
+            </a:extLst>
+          </p:cNvPr>
+          <p:cNvSpPr txBox="1"/>
+          <p:nvPr/>
+        </p:nvSpPr>
+        <p:spPr>
+          <a:xfrm>
+            <a:off x="2159446" y="4157104"/>
+            <a:ext cx="834074" cy="276999"/>
+          </a:xfrm>
+          <a:prstGeom prst="rect">
+            <a:avLst/>
+          </a:prstGeom>
+          <a:noFill/>
+        </p:spPr>
+        <p:txBody>
+          <a:bodyPr wrap="none" rtlCol="0">
+            <a:spAutoFit/>
+          </a:bodyPr>
+          <a:lstStyle/>
+          <a:p>
+            <a:r>
+              <a:rPr kumimoji="1" lang="en-US" altLang="zh-TW" sz="1200" dirty="0"/>
+              <a:t>Iteration 2</a:t>
+            </a:r>
+            <a:endParaRPr kumimoji="1" lang="zh-TW" altLang="en-US" sz="1200" b="1" dirty="0"/>
+          </a:p>
+        </p:txBody>
+      </p:sp>
+      <p:graphicFrame>
+        <p:nvGraphicFramePr>
+          <p:cNvPr id="38" name="表格 56">
+            <a:extLst>
+              <a:ext uri="{FF2B5EF4-FFF2-40B4-BE49-F238E27FC236}">
+                <a16:creationId xmlns:a16="http://schemas.microsoft.com/office/drawing/2014/main" id="{A599C646-273B-3D45-996C-A81EB4166CF2}"/>
+              </a:ext>
+            </a:extLst>
+          </p:cNvPr>
+          <p:cNvGraphicFramePr>
+            <a:graphicFrameLocks noGrp="1"/>
+          </p:cNvGraphicFramePr>
+          <p:nvPr>
+            <p:extLst>
+              <p:ext uri="{D42A27DB-BD31-4B8C-83A1-F6EECF244321}">
+                <p14:modId xmlns:p14="http://schemas.microsoft.com/office/powerpoint/2010/main" val="2553347615"/>
+              </p:ext>
+            </p:extLst>
+          </p:nvPr>
+        </p:nvGraphicFramePr>
+        <p:xfrm>
+          <a:off x="1742903" y="4397879"/>
+          <a:ext cx="1667161" cy="1449456"/>
+        </p:xfrm>
+        <a:graphic>
+          <a:graphicData uri="http://schemas.openxmlformats.org/drawingml/2006/table">
+            <a:tbl>
+              <a:tblPr firstRow="1" bandRow="1">
+                <a:tableStyleId>{5C22544A-7EE6-4342-B048-85BDC9FD1C3A}</a:tableStyleId>
+              </a:tblPr>
+              <a:tblGrid>
+                <a:gridCol w="536348">
+                  <a:extLst>
+                    <a:ext uri="{9D8B030D-6E8A-4147-A177-3AD203B41FA5}">
+                      <a16:colId xmlns:a16="http://schemas.microsoft.com/office/drawing/2014/main" val="3247701678"/>
+                    </a:ext>
+                  </a:extLst>
+                </a:gridCol>
+                <a:gridCol w="570764">
+                  <a:extLst>
+                    <a:ext uri="{9D8B030D-6E8A-4147-A177-3AD203B41FA5}">
+                      <a16:colId xmlns:a16="http://schemas.microsoft.com/office/drawing/2014/main" val="2128976714"/>
+                    </a:ext>
+                  </a:extLst>
+                </a:gridCol>
+                <a:gridCol w="560049">
+                  <a:extLst>
+                    <a:ext uri="{9D8B030D-6E8A-4147-A177-3AD203B41FA5}">
+                      <a16:colId xmlns:a16="http://schemas.microsoft.com/office/drawing/2014/main" val="4013374876"/>
+                    </a:ext>
+                  </a:extLst>
+                </a:gridCol>
+              </a:tblGrid>
+              <a:tr h="238042">
+                <a:tc>
+                  <a:txBody>
+                    <a:bodyPr/>
+                    <a:lstStyle/>
+                    <a:p>
+                      <a:pPr marL="0" algn="ctr" defTabSz="685800" rtl="0" eaLnBrk="1" latinLnBrk="0" hangingPunct="1"/>
+                      <a:r>
+                        <a:rPr lang="en-US" altLang="zh-TW" sz="1200" b="0" kern="1200" dirty="0">
+                          <a:solidFill>
+                            <a:schemeClr val="bg1"/>
+                          </a:solidFill>
+                        </a:rPr>
+                        <a:t>vertex</a:t>
+                      </a:r>
+                      <a:endParaRPr lang="zh-TW" altLang="en-US" sz="1200" b="0" kern="1200" dirty="0">
+                        <a:solidFill>
+                          <a:schemeClr val="bg1"/>
+                        </a:solidFill>
+                        <a:latin typeface="+mn-lt"/>
+                        <a:ea typeface="+mn-ea"/>
+                        <a:cs typeface="+mn-cs"/>
+                      </a:endParaRPr>
+                    </a:p>
+                  </a:txBody>
+                  <a:tcPr marL="57600" marR="58695" marT="29348" marB="29348"/>
+                </a:tc>
+                <a:tc>
+                  <a:txBody>
+                    <a:bodyPr/>
+                    <a:lstStyle/>
+                    <a:p>
+                      <a:pPr marL="0" algn="ctr" defTabSz="685800" rtl="0" eaLnBrk="1" latinLnBrk="0" hangingPunct="1"/>
+                      <a:r>
+                        <a:rPr lang="en-US" altLang="zh-TW" sz="1200" b="0" kern="1200" dirty="0">
+                          <a:solidFill>
+                            <a:schemeClr val="bg1"/>
+                          </a:solidFill>
+                          <a:latin typeface="+mn-lt"/>
+                          <a:ea typeface="+mn-ea"/>
+                          <a:cs typeface="+mn-cs"/>
+                        </a:rPr>
+                        <a:t>weight</a:t>
+                      </a:r>
+                      <a:endParaRPr lang="zh-TW" altLang="en-US" sz="1200" b="0" kern="1200" dirty="0">
+                        <a:solidFill>
+                          <a:schemeClr val="bg1"/>
+                        </a:solidFill>
+                        <a:latin typeface="+mn-lt"/>
+                        <a:ea typeface="+mn-ea"/>
+                        <a:cs typeface="+mn-cs"/>
+                      </a:endParaRPr>
+                    </a:p>
+                  </a:txBody>
+                  <a:tcPr marL="57600" marR="58695" marT="29348" marB="29348"/>
+                </a:tc>
+                <a:tc>
+                  <a:txBody>
+                    <a:bodyPr/>
+                    <a:lstStyle/>
+                    <a:p>
+                      <a:pPr marL="0" algn="ctr" defTabSz="685800" rtl="0" eaLnBrk="1" latinLnBrk="0" hangingPunct="1"/>
+                      <a:r>
+                        <a:rPr lang="en-US" altLang="zh-TW" sz="1200" b="0" kern="1200" dirty="0">
+                          <a:solidFill>
+                            <a:schemeClr val="bg1"/>
+                          </a:solidFill>
+                          <a:latin typeface="+mn-lt"/>
+                          <a:ea typeface="+mn-ea"/>
+                          <a:cs typeface="+mn-cs"/>
+                        </a:rPr>
+                        <a:t>parent</a:t>
+                      </a:r>
+                      <a:endParaRPr lang="zh-TW" altLang="en-US" sz="1200" b="0" kern="1200" dirty="0">
+                        <a:solidFill>
+                          <a:schemeClr val="bg1"/>
+                        </a:solidFill>
+                        <a:latin typeface="+mn-lt"/>
+                        <a:ea typeface="+mn-ea"/>
+                        <a:cs typeface="+mn-cs"/>
+                      </a:endParaRPr>
+                    </a:p>
+                  </a:txBody>
+                  <a:tcPr marL="58695" marR="58695" marT="29348" marB="29348"/>
+                </a:tc>
+                <a:extLst>
+                  <a:ext uri="{0D108BD9-81ED-4DB2-BD59-A6C34878D82A}">
+                    <a16:rowId xmlns:a16="http://schemas.microsoft.com/office/drawing/2014/main" val="3955762702"/>
+                  </a:ext>
+                </a:extLst>
+              </a:tr>
+              <a:tr h="238042">
+                <a:tc>
+                  <a:txBody>
+                    <a:bodyPr/>
+                    <a:lstStyle/>
+                    <a:p>
+                      <a:pPr marL="0" algn="ctr" defTabSz="685800" rtl="0" eaLnBrk="1" latinLnBrk="0" hangingPunct="1"/>
+                      <a:r>
+                        <a:rPr lang="en-US" altLang="zh-TW" sz="1200" kern="1200" dirty="0">
+                          <a:solidFill>
+                            <a:schemeClr val="dk1"/>
+                          </a:solidFill>
+                        </a:rPr>
+                        <a:t>A</a:t>
+                      </a:r>
+                      <a:endParaRPr lang="zh-TW" altLang="en-US" sz="1200" kern="1200" dirty="0">
+                        <a:solidFill>
+                          <a:schemeClr val="dk1"/>
+                        </a:solidFill>
+                        <a:latin typeface="+mn-lt"/>
+                        <a:ea typeface="+mn-ea"/>
+                        <a:cs typeface="+mn-cs"/>
+                      </a:endParaRPr>
+                    </a:p>
+                  </a:txBody>
+                  <a:tcPr marL="58695" marR="58695" marT="29348" marB="29348"/>
+                </a:tc>
+                <a:tc>
+                  <a:txBody>
+                    <a:bodyPr/>
+                    <a:lstStyle/>
+                    <a:p>
+                      <a:pPr marL="0" algn="ctr" defTabSz="685800" rtl="0" eaLnBrk="1" latinLnBrk="0" hangingPunct="1"/>
+                      <a:r>
+                        <a:rPr lang="en-US" altLang="zh-TW" sz="1200" kern="1200" dirty="0">
+                          <a:solidFill>
+                            <a:schemeClr val="dk1"/>
+                          </a:solidFill>
+                          <a:latin typeface="+mn-lt"/>
+                          <a:ea typeface="+mn-ea"/>
+                          <a:cs typeface="+mn-cs"/>
+                        </a:rPr>
+                        <a:t>0</a:t>
+                      </a:r>
+                      <a:endParaRPr lang="zh-TW" altLang="en-US" sz="1200" kern="1200" dirty="0">
+                        <a:solidFill>
+                          <a:schemeClr val="dk1"/>
+                        </a:solidFill>
+                        <a:latin typeface="+mn-lt"/>
+                        <a:ea typeface="+mn-ea"/>
+                        <a:cs typeface="+mn-cs"/>
+                      </a:endParaRPr>
+                    </a:p>
+                  </a:txBody>
+                  <a:tcPr marL="58695" marR="58695" marT="29348" marB="29348"/>
+                </a:tc>
+                <a:tc>
+                  <a:txBody>
+                    <a:bodyPr/>
+                    <a:lstStyle/>
+                    <a:p>
+                      <a:pPr marL="0" algn="ctr" defTabSz="685800" rtl="0" eaLnBrk="1" latinLnBrk="0" hangingPunct="1"/>
+                      <a:r>
+                        <a:rPr lang="en-US" altLang="zh-TW" sz="1200" kern="1200" dirty="0">
+                          <a:solidFill>
+                            <a:schemeClr val="dk1"/>
+                          </a:solidFill>
+                          <a:latin typeface="+mn-lt"/>
+                          <a:ea typeface="+mn-ea"/>
+                          <a:cs typeface="+mn-cs"/>
+                        </a:rPr>
+                        <a:t>-</a:t>
+                      </a:r>
+                      <a:endParaRPr lang="zh-TW" altLang="en-US" sz="1200" kern="1200" dirty="0">
+                        <a:solidFill>
+                          <a:schemeClr val="dk1"/>
+                        </a:solidFill>
+                        <a:latin typeface="+mn-lt"/>
+                        <a:ea typeface="+mn-ea"/>
+                        <a:cs typeface="+mn-cs"/>
+                      </a:endParaRPr>
+                    </a:p>
+                  </a:txBody>
+                  <a:tcPr marL="58695" marR="58695" marT="29348" marB="29348"/>
+                </a:tc>
+                <a:extLst>
+                  <a:ext uri="{0D108BD9-81ED-4DB2-BD59-A6C34878D82A}">
+                    <a16:rowId xmlns:a16="http://schemas.microsoft.com/office/drawing/2014/main" val="3991906144"/>
+                  </a:ext>
+                </a:extLst>
+              </a:tr>
+              <a:tr h="238042">
+                <a:tc>
+                  <a:txBody>
+                    <a:bodyPr/>
+                    <a:lstStyle/>
+                    <a:p>
+                      <a:pPr marL="0" algn="ctr" defTabSz="685800" rtl="0" eaLnBrk="1" latinLnBrk="0" hangingPunct="1"/>
+                      <a:r>
+                        <a:rPr lang="en-US" altLang="zh-TW" sz="1200" kern="1200" dirty="0">
+                          <a:solidFill>
+                            <a:schemeClr val="tx1"/>
+                          </a:solidFill>
+                        </a:rPr>
+                        <a:t>B</a:t>
+                      </a:r>
+                      <a:endParaRPr lang="zh-TW" altLang="en-US" sz="1200" kern="1200" dirty="0">
+                        <a:solidFill>
+                          <a:schemeClr val="tx1"/>
+                        </a:solidFill>
+                        <a:latin typeface="+mn-lt"/>
+                        <a:ea typeface="+mn-ea"/>
+                        <a:cs typeface="+mn-cs"/>
+                      </a:endParaRPr>
+                    </a:p>
+                  </a:txBody>
+                  <a:tcPr marL="58695" marR="58695" marT="29348" marB="29348"/>
+                </a:tc>
+                <a:tc>
+                  <a:txBody>
+                    <a:bodyPr/>
+                    <a:lstStyle/>
+                    <a:p>
+                      <a:pPr marL="0" algn="ctr" defTabSz="685800" rtl="0" eaLnBrk="1" latinLnBrk="0" hangingPunct="1"/>
+                      <a:r>
+                        <a:rPr lang="en-US" altLang="zh-TW" sz="1200" kern="1200" dirty="0">
+                          <a:solidFill>
+                            <a:srgbClr val="FF0000"/>
+                          </a:solidFill>
+                          <a:latin typeface="+mn-lt"/>
+                          <a:ea typeface="+mn-ea"/>
+                          <a:cs typeface="+mn-cs"/>
+                        </a:rPr>
+                        <a:t>2</a:t>
+                      </a:r>
+                      <a:endParaRPr lang="zh-TW" altLang="en-US" sz="1200" kern="1200" dirty="0">
+                        <a:solidFill>
+                          <a:srgbClr val="FF0000"/>
+                        </a:solidFill>
+                        <a:latin typeface="+mn-lt"/>
+                        <a:ea typeface="+mn-ea"/>
+                        <a:cs typeface="+mn-cs"/>
+                      </a:endParaRPr>
+                    </a:p>
+                  </a:txBody>
+                  <a:tcPr marL="58695" marR="58695" marT="29348" marB="29348"/>
+                </a:tc>
+                <a:tc>
+                  <a:txBody>
+                    <a:bodyPr/>
+                    <a:lstStyle/>
+                    <a:p>
+                      <a:pPr marL="0" algn="ctr" defTabSz="685800" rtl="0" eaLnBrk="1" latinLnBrk="0" hangingPunct="1"/>
+                      <a:r>
+                        <a:rPr lang="en-US" altLang="zh-TW" sz="1200" b="0" kern="1200" dirty="0">
+                          <a:solidFill>
+                            <a:srgbClr val="FF0000"/>
+                          </a:solidFill>
+                          <a:latin typeface="+mn-lt"/>
+                          <a:ea typeface="+mn-ea"/>
+                          <a:cs typeface="+mn-cs"/>
+                        </a:rPr>
+                        <a:t>D</a:t>
+                      </a:r>
+                      <a:endParaRPr lang="zh-TW" altLang="en-US" sz="1200" b="0" kern="1200" dirty="0">
+                        <a:solidFill>
+                          <a:srgbClr val="FF0000"/>
+                        </a:solidFill>
+                        <a:latin typeface="+mn-lt"/>
+                        <a:ea typeface="+mn-ea"/>
+                        <a:cs typeface="+mn-cs"/>
+                      </a:endParaRPr>
+                    </a:p>
+                  </a:txBody>
+                  <a:tcPr marL="58695" marR="58695" marT="29348" marB="29348"/>
+                </a:tc>
+                <a:extLst>
+                  <a:ext uri="{0D108BD9-81ED-4DB2-BD59-A6C34878D82A}">
+                    <a16:rowId xmlns:a16="http://schemas.microsoft.com/office/drawing/2014/main" val="809511413"/>
+                  </a:ext>
+                </a:extLst>
+              </a:tr>
+              <a:tr h="238042">
+                <a:tc>
+                  <a:txBody>
+                    <a:bodyPr/>
+                    <a:lstStyle/>
+                    <a:p>
+                      <a:pPr marL="0" algn="ctr" defTabSz="685800" rtl="0" eaLnBrk="1" latinLnBrk="0" hangingPunct="1"/>
+                      <a:r>
+                        <a:rPr lang="en-US" altLang="zh-TW" sz="1200" kern="1200" dirty="0">
+                          <a:solidFill>
+                            <a:schemeClr val="tx1"/>
+                          </a:solidFill>
+                        </a:rPr>
+                        <a:t>C</a:t>
+                      </a:r>
+                      <a:endParaRPr lang="zh-TW" altLang="en-US" sz="1200" kern="1200" dirty="0">
+                        <a:solidFill>
+                          <a:schemeClr val="tx1"/>
+                        </a:solidFill>
+                        <a:latin typeface="+mn-lt"/>
+                        <a:ea typeface="+mn-ea"/>
+                        <a:cs typeface="+mn-cs"/>
+                      </a:endParaRPr>
+                    </a:p>
+                  </a:txBody>
+                  <a:tcPr marL="58695" marR="58695" marT="29348" marB="29348"/>
+                </a:tc>
+                <a:tc>
+                  <a:txBody>
+                    <a:bodyPr/>
+                    <a:lstStyle/>
+                    <a:p>
+                      <a:pPr marL="0" algn="ctr" defTabSz="685800" rtl="0" eaLnBrk="1" latinLnBrk="0" hangingPunct="1"/>
+                      <a:r>
+                        <a:rPr lang="en-US" altLang="zh-TW" sz="1200" kern="1200" dirty="0">
+                          <a:solidFill>
+                            <a:srgbClr val="FF0000"/>
+                          </a:solidFill>
+                          <a:latin typeface="+mn-lt"/>
+                          <a:ea typeface="+mn-ea"/>
+                          <a:cs typeface="+mn-cs"/>
+                        </a:rPr>
+                        <a:t>5</a:t>
+                      </a:r>
+                      <a:endParaRPr lang="zh-TW" altLang="en-US" sz="1200" kern="1200" dirty="0">
+                        <a:solidFill>
+                          <a:srgbClr val="FF0000"/>
+                        </a:solidFill>
+                        <a:latin typeface="+mn-lt"/>
+                        <a:ea typeface="+mn-ea"/>
+                        <a:cs typeface="+mn-cs"/>
+                      </a:endParaRPr>
+                    </a:p>
+                  </a:txBody>
+                  <a:tcPr marL="58695" marR="58695" marT="29348" marB="29348"/>
+                </a:tc>
+                <a:tc>
+                  <a:txBody>
+                    <a:bodyPr/>
+                    <a:lstStyle/>
+                    <a:p>
+                      <a:pPr marL="0" algn="ctr" defTabSz="685800" rtl="0" eaLnBrk="1" latinLnBrk="0" hangingPunct="1"/>
+                      <a:r>
+                        <a:rPr lang="en-US" altLang="zh-TW" sz="1200" kern="1200" dirty="0">
+                          <a:solidFill>
+                            <a:srgbClr val="FF0000"/>
+                          </a:solidFill>
+                          <a:latin typeface="+mn-lt"/>
+                          <a:ea typeface="+mn-ea"/>
+                          <a:cs typeface="+mn-cs"/>
+                        </a:rPr>
+                        <a:t>B</a:t>
+                      </a:r>
+                      <a:endParaRPr lang="zh-TW" altLang="en-US" sz="1200" kern="1200" dirty="0">
+                        <a:solidFill>
+                          <a:srgbClr val="FF0000"/>
+                        </a:solidFill>
+                        <a:latin typeface="+mn-lt"/>
+                        <a:ea typeface="+mn-ea"/>
+                        <a:cs typeface="+mn-cs"/>
+                      </a:endParaRPr>
+                    </a:p>
+                  </a:txBody>
+                  <a:tcPr marL="58695" marR="58695" marT="29348" marB="29348"/>
+                </a:tc>
+                <a:extLst>
+                  <a:ext uri="{0D108BD9-81ED-4DB2-BD59-A6C34878D82A}">
+                    <a16:rowId xmlns:a16="http://schemas.microsoft.com/office/drawing/2014/main" val="2676381122"/>
+                  </a:ext>
+                </a:extLst>
+              </a:tr>
+              <a:tr h="0">
+                <a:tc>
+                  <a:txBody>
+                    <a:bodyPr/>
+                    <a:lstStyle/>
+                    <a:p>
+                      <a:pPr marL="0" algn="ctr" defTabSz="685800" rtl="0" eaLnBrk="1" latinLnBrk="0" hangingPunct="1"/>
+                      <a:r>
+                        <a:rPr lang="en-US" altLang="zh-TW" sz="1200" kern="1200" dirty="0">
+                          <a:solidFill>
+                            <a:schemeClr val="tx1"/>
+                          </a:solidFill>
+                        </a:rPr>
+                        <a:t>D</a:t>
+                      </a:r>
+                      <a:endParaRPr lang="zh-TW" altLang="en-US" sz="1200" kern="1200" dirty="0">
+                        <a:solidFill>
+                          <a:schemeClr val="tx1"/>
+                        </a:solidFill>
+                        <a:latin typeface="+mn-lt"/>
+                        <a:ea typeface="+mn-ea"/>
+                        <a:cs typeface="+mn-cs"/>
+                      </a:endParaRPr>
+                    </a:p>
+                  </a:txBody>
+                  <a:tcPr marL="58695" marR="58695" marT="29348" marB="29348"/>
+                </a:tc>
+                <a:tc>
+                  <a:txBody>
+                    <a:bodyPr/>
+                    <a:lstStyle/>
+                    <a:p>
+                      <a:pPr marL="0" algn="ctr" defTabSz="685800" rtl="0" eaLnBrk="1" latinLnBrk="0" hangingPunct="1"/>
+                      <a:r>
+                        <a:rPr lang="en-US" altLang="zh-TW" sz="1200" kern="1200" dirty="0">
+                          <a:solidFill>
+                            <a:srgbClr val="FF0000"/>
+                          </a:solidFill>
+                          <a:latin typeface="+mn-lt"/>
+                          <a:ea typeface="+mn-ea"/>
+                          <a:cs typeface="+mn-cs"/>
+                        </a:rPr>
+                        <a:t>1</a:t>
+                      </a:r>
+                      <a:endParaRPr lang="zh-TW" altLang="en-US" sz="1200" kern="1200" dirty="0">
+                        <a:solidFill>
+                          <a:srgbClr val="FF0000"/>
+                        </a:solidFill>
+                        <a:latin typeface="+mn-lt"/>
+                        <a:ea typeface="+mn-ea"/>
+                        <a:cs typeface="+mn-cs"/>
+                      </a:endParaRPr>
+                    </a:p>
+                  </a:txBody>
+                  <a:tcPr marL="58695" marR="58695" marT="29348" marB="29348"/>
+                </a:tc>
+                <a:tc>
+                  <a:txBody>
+                    <a:bodyPr/>
+                    <a:lstStyle/>
+                    <a:p>
+                      <a:pPr marL="0" algn="ctr" defTabSz="685800" rtl="0" eaLnBrk="1" latinLnBrk="0" hangingPunct="1"/>
+                      <a:r>
+                        <a:rPr lang="en-US" altLang="zh-TW" sz="1200" kern="1200" dirty="0">
+                          <a:solidFill>
+                            <a:srgbClr val="FF0000"/>
+                          </a:solidFill>
+                          <a:latin typeface="+mn-lt"/>
+                          <a:ea typeface="+mn-ea"/>
+                          <a:cs typeface="+mn-cs"/>
+                        </a:rPr>
+                        <a:t>C</a:t>
+                      </a:r>
+                      <a:endParaRPr lang="zh-TW" altLang="en-US" sz="1200" kern="1200" dirty="0">
+                        <a:solidFill>
+                          <a:srgbClr val="FF0000"/>
+                        </a:solidFill>
+                        <a:latin typeface="+mn-lt"/>
+                        <a:ea typeface="+mn-ea"/>
+                        <a:cs typeface="+mn-cs"/>
+                      </a:endParaRPr>
+                    </a:p>
+                  </a:txBody>
+                  <a:tcPr marL="58695" marR="58695" marT="29348" marB="29348"/>
+                </a:tc>
+                <a:extLst>
+                  <a:ext uri="{0D108BD9-81ED-4DB2-BD59-A6C34878D82A}">
+                    <a16:rowId xmlns:a16="http://schemas.microsoft.com/office/drawing/2014/main" val="965229848"/>
+                  </a:ext>
+                </a:extLst>
+              </a:tr>
+              <a:tr h="0">
+                <a:tc>
+                  <a:txBody>
+                    <a:bodyPr/>
+                    <a:lstStyle/>
+                    <a:p>
+                      <a:pPr marL="0" algn="ctr" defTabSz="685800" rtl="0" eaLnBrk="1" latinLnBrk="0" hangingPunct="1"/>
+                      <a:r>
+                        <a:rPr lang="en-US" altLang="zh-TW" sz="1200" kern="1200" dirty="0">
+                          <a:solidFill>
+                            <a:schemeClr val="tx1"/>
+                          </a:solidFill>
+                          <a:latin typeface="+mn-lt"/>
+                          <a:ea typeface="+mn-ea"/>
+                          <a:cs typeface="+mn-cs"/>
+                        </a:rPr>
+                        <a:t>E</a:t>
+                      </a:r>
+                      <a:endParaRPr lang="zh-TW" altLang="en-US" sz="1200" kern="1200" dirty="0">
+                        <a:solidFill>
+                          <a:schemeClr val="tx1"/>
+                        </a:solidFill>
+                        <a:latin typeface="+mn-lt"/>
+                        <a:ea typeface="+mn-ea"/>
+                        <a:cs typeface="+mn-cs"/>
+                      </a:endParaRPr>
+                    </a:p>
+                  </a:txBody>
+                  <a:tcPr marL="58695" marR="58695" marT="29348" marB="29348"/>
+                </a:tc>
+                <a:tc>
+                  <a:txBody>
+                    <a:bodyPr/>
+                    <a:lstStyle/>
+                    <a:p>
+                      <a:pPr marL="0" algn="ctr" defTabSz="685800" rtl="0" eaLnBrk="1" latinLnBrk="0" hangingPunct="1"/>
+                      <a:r>
+                        <a:rPr lang="en-US" altLang="zh-TW" sz="1200" kern="1200" dirty="0">
+                          <a:solidFill>
+                            <a:srgbClr val="FF0000"/>
+                          </a:solidFill>
+                          <a:latin typeface="+mn-lt"/>
+                          <a:ea typeface="+mn-ea"/>
+                          <a:cs typeface="+mn-cs"/>
+                        </a:rPr>
+                        <a:t>13</a:t>
+                      </a:r>
+                      <a:endParaRPr lang="zh-TW" altLang="en-US" sz="1200" kern="1200" dirty="0">
+                        <a:solidFill>
+                          <a:srgbClr val="FF0000"/>
+                        </a:solidFill>
+                        <a:latin typeface="+mn-lt"/>
+                        <a:ea typeface="+mn-ea"/>
+                        <a:cs typeface="+mn-cs"/>
+                      </a:endParaRPr>
+                    </a:p>
+                  </a:txBody>
+                  <a:tcPr marL="58695" marR="58695" marT="29348" marB="29348"/>
+                </a:tc>
+                <a:tc>
+                  <a:txBody>
+                    <a:bodyPr/>
+                    <a:lstStyle/>
+                    <a:p>
+                      <a:pPr marL="0" algn="ctr" defTabSz="685800" rtl="0" eaLnBrk="1" latinLnBrk="0" hangingPunct="1"/>
+                      <a:r>
+                        <a:rPr lang="en-US" altLang="zh-TW" sz="1200" b="0" kern="1200" dirty="0">
+                          <a:solidFill>
+                            <a:srgbClr val="FF0000"/>
+                          </a:solidFill>
+                          <a:latin typeface="+mn-lt"/>
+                          <a:ea typeface="+mn-ea"/>
+                          <a:cs typeface="+mn-cs"/>
+                        </a:rPr>
+                        <a:t>C</a:t>
+                      </a:r>
+                      <a:endParaRPr lang="zh-TW" altLang="en-US" sz="1200" b="0" kern="1200" dirty="0">
+                        <a:solidFill>
+                          <a:srgbClr val="FF0000"/>
+                        </a:solidFill>
+                        <a:latin typeface="+mn-lt"/>
+                        <a:ea typeface="+mn-ea"/>
+                        <a:cs typeface="+mn-cs"/>
+                      </a:endParaRPr>
+                    </a:p>
+                  </a:txBody>
+                  <a:tcPr marL="58695" marR="58695" marT="29348" marB="29348"/>
+                </a:tc>
+                <a:extLst>
+                  <a:ext uri="{0D108BD9-81ED-4DB2-BD59-A6C34878D82A}">
+                    <a16:rowId xmlns:a16="http://schemas.microsoft.com/office/drawing/2014/main" val="1689420351"/>
+                  </a:ext>
+                </a:extLst>
+              </a:tr>
+            </a:tbl>
+          </a:graphicData>
+        </a:graphic>
+      </p:graphicFrame>
+      <p:graphicFrame>
+        <p:nvGraphicFramePr>
+          <p:cNvPr id="39" name="表格 56">
+            <a:extLst>
+              <a:ext uri="{FF2B5EF4-FFF2-40B4-BE49-F238E27FC236}">
+                <a16:creationId xmlns:a16="http://schemas.microsoft.com/office/drawing/2014/main" id="{1406F44A-1B60-B24C-8E47-632067BDCB32}"/>
+              </a:ext>
+            </a:extLst>
+          </p:cNvPr>
+          <p:cNvGraphicFramePr>
+            <a:graphicFrameLocks noGrp="1"/>
+          </p:cNvGraphicFramePr>
+          <p:nvPr>
+            <p:extLst>
+              <p:ext uri="{D42A27DB-BD31-4B8C-83A1-F6EECF244321}">
+                <p14:modId xmlns:p14="http://schemas.microsoft.com/office/powerpoint/2010/main" val="1435743867"/>
+              </p:ext>
+            </p:extLst>
+          </p:nvPr>
+        </p:nvGraphicFramePr>
+        <p:xfrm>
+          <a:off x="4396897" y="255835"/>
+          <a:ext cx="1338590" cy="966304"/>
+        </p:xfrm>
+        <a:graphic>
+          <a:graphicData uri="http://schemas.openxmlformats.org/drawingml/2006/table">
+            <a:tbl>
+              <a:tblPr firstRow="1" bandRow="1">
+                <a:tableStyleId>{21E4AEA4-8DFA-4A89-87EB-49C32662AFE0}</a:tableStyleId>
+              </a:tblPr>
+              <a:tblGrid>
+                <a:gridCol w="360670">
+                  <a:extLst>
+                    <a:ext uri="{9D8B030D-6E8A-4147-A177-3AD203B41FA5}">
+                      <a16:colId xmlns:a16="http://schemas.microsoft.com/office/drawing/2014/main" val="1404779237"/>
+                    </a:ext>
+                  </a:extLst>
+                </a:gridCol>
+                <a:gridCol w="571415">
+                  <a:extLst>
+                    <a:ext uri="{9D8B030D-6E8A-4147-A177-3AD203B41FA5}">
+                      <a16:colId xmlns:a16="http://schemas.microsoft.com/office/drawing/2014/main" val="3247701678"/>
+                    </a:ext>
+                  </a:extLst>
+                </a:gridCol>
+                <a:gridCol w="406505">
+                  <a:extLst>
+                    <a:ext uri="{9D8B030D-6E8A-4147-A177-3AD203B41FA5}">
+                      <a16:colId xmlns:a16="http://schemas.microsoft.com/office/drawing/2014/main" val="4013374876"/>
+                    </a:ext>
+                  </a:extLst>
+                </a:gridCol>
+              </a:tblGrid>
+              <a:tr h="238042">
+                <a:tc>
+                  <a:txBody>
+                    <a:bodyPr/>
+                    <a:lstStyle/>
+                    <a:p>
+                      <a:pPr marL="0" algn="ctr" defTabSz="685800" rtl="0" eaLnBrk="1" latinLnBrk="0" hangingPunct="1"/>
+                      <a:r>
+                        <a:rPr lang="en-US" altLang="zh-TW" sz="1200" b="0" kern="1200" dirty="0">
+                          <a:solidFill>
+                            <a:schemeClr val="dk1"/>
+                          </a:solidFill>
+                          <a:latin typeface="+mn-lt"/>
+                          <a:ea typeface="+mn-ea"/>
+                          <a:cs typeface="+mn-cs"/>
+                        </a:rPr>
+                        <a:t>#</a:t>
+                      </a:r>
+                      <a:endParaRPr lang="zh-TW" altLang="en-US" sz="1200" b="0" kern="1200" dirty="0">
+                        <a:solidFill>
+                          <a:schemeClr val="dk1"/>
+                        </a:solidFill>
+                        <a:latin typeface="+mn-lt"/>
+                        <a:ea typeface="+mn-ea"/>
+                        <a:cs typeface="+mn-cs"/>
+                      </a:endParaRPr>
+                    </a:p>
+                  </a:txBody>
+                  <a:tcPr marL="57600" marR="58695" marT="29348" marB="29348"/>
+                </a:tc>
+                <a:tc>
+                  <a:txBody>
+                    <a:bodyPr/>
+                    <a:lstStyle/>
+                    <a:p>
+                      <a:pPr marL="0" algn="ctr" defTabSz="685800" rtl="0" eaLnBrk="1" latinLnBrk="0" hangingPunct="1"/>
+                      <a:r>
+                        <a:rPr lang="en-US" altLang="zh-TW" sz="1200" b="0" kern="1200" dirty="0">
+                          <a:solidFill>
+                            <a:schemeClr val="dk1"/>
+                          </a:solidFill>
+                          <a:latin typeface="+mn-lt"/>
+                          <a:ea typeface="+mn-ea"/>
+                          <a:cs typeface="+mn-cs"/>
+                        </a:rPr>
+                        <a:t>edge</a:t>
+                      </a:r>
+                      <a:endParaRPr lang="zh-TW" altLang="en-US" sz="1200" b="0" kern="1200" dirty="0">
+                        <a:solidFill>
+                          <a:schemeClr val="dk1"/>
+                        </a:solidFill>
+                        <a:latin typeface="+mn-lt"/>
+                        <a:ea typeface="+mn-ea"/>
+                        <a:cs typeface="+mn-cs"/>
+                      </a:endParaRPr>
+                    </a:p>
+                  </a:txBody>
+                  <a:tcPr marL="57600" marR="58695" marT="29348" marB="29348"/>
+                </a:tc>
+                <a:tc>
+                  <a:txBody>
+                    <a:bodyPr/>
+                    <a:lstStyle/>
+                    <a:p>
+                      <a:pPr marL="0" algn="ctr" defTabSz="685800" rtl="0" eaLnBrk="1" latinLnBrk="0" hangingPunct="1"/>
+                      <a:r>
+                        <a:rPr lang="en-US" altLang="zh-TW" sz="1200" b="0" kern="1200" dirty="0">
+                          <a:solidFill>
+                            <a:schemeClr val="dk1"/>
+                          </a:solidFill>
+                        </a:rPr>
+                        <a:t>cost</a:t>
+                      </a:r>
+                      <a:endParaRPr lang="zh-TW" altLang="en-US" sz="1200" b="0" kern="1200" dirty="0">
+                        <a:solidFill>
+                          <a:schemeClr val="dk1"/>
+                        </a:solidFill>
+                        <a:latin typeface="+mn-lt"/>
+                        <a:ea typeface="+mn-ea"/>
+                        <a:cs typeface="+mn-cs"/>
+                      </a:endParaRPr>
+                    </a:p>
+                  </a:txBody>
+                  <a:tcPr marL="58695" marR="58695" marT="29348" marB="29348"/>
+                </a:tc>
+                <a:extLst>
+                  <a:ext uri="{0D108BD9-81ED-4DB2-BD59-A6C34878D82A}">
+                    <a16:rowId xmlns:a16="http://schemas.microsoft.com/office/drawing/2014/main" val="3955762702"/>
+                  </a:ext>
+                </a:extLst>
+              </a:tr>
+              <a:tr h="238042">
+                <a:tc>
+                  <a:txBody>
+                    <a:bodyPr/>
+                    <a:lstStyle/>
+                    <a:p>
+                      <a:pPr marL="0" algn="ctr" defTabSz="685800" rtl="0" eaLnBrk="1" latinLnBrk="0" hangingPunct="1"/>
+                      <a:r>
+                        <a:rPr lang="en-US" altLang="zh-TW" sz="1200" b="0" kern="1200" dirty="0">
+                          <a:solidFill>
+                            <a:schemeClr val="tx1"/>
+                          </a:solidFill>
+                          <a:latin typeface="+mn-lt"/>
+                          <a:ea typeface="+mn-ea"/>
+                          <a:cs typeface="+mn-cs"/>
+                        </a:rPr>
+                        <a:t>1</a:t>
+                      </a:r>
+                      <a:endParaRPr lang="zh-TW" altLang="en-US" sz="1200" b="0" kern="1200" dirty="0">
+                        <a:solidFill>
+                          <a:schemeClr val="tx1"/>
+                        </a:solidFill>
+                        <a:latin typeface="+mn-lt"/>
+                        <a:ea typeface="+mn-ea"/>
+                        <a:cs typeface="+mn-cs"/>
+                      </a:endParaRPr>
+                    </a:p>
+                  </a:txBody>
+                  <a:tcPr marL="58695" marR="58695" marT="29348" marB="29348"/>
+                </a:tc>
+                <a:tc>
+                  <a:txBody>
+                    <a:bodyPr/>
+                    <a:lstStyle/>
+                    <a:p>
+                      <a:pPr marL="0" algn="ctr" defTabSz="685800" rtl="0" eaLnBrk="1" latinLnBrk="0" hangingPunct="1"/>
+                      <a:r>
+                        <a:rPr lang="en-US" altLang="zh-TW" sz="1200" kern="1200" dirty="0">
+                          <a:solidFill>
+                            <a:schemeClr val="dk1"/>
+                          </a:solidFill>
+                          <a:latin typeface="+mn-lt"/>
+                          <a:ea typeface="+mn-ea"/>
+                          <a:cs typeface="+mn-cs"/>
+                        </a:rPr>
+                        <a:t>A </a:t>
+                      </a:r>
+                      <a:r>
+                        <a:rPr kumimoji="1" lang="en-US" altLang="zh-TW" sz="1200" b="0" dirty="0">
+                          <a:solidFill>
+                            <a:schemeClr val="tx1"/>
+                          </a:solidFill>
+                        </a:rPr>
+                        <a:t>→ B</a:t>
+                      </a:r>
+                      <a:endParaRPr lang="zh-TW" altLang="en-US" sz="1200" b="0" kern="1200" dirty="0">
+                        <a:solidFill>
+                          <a:schemeClr val="tx1"/>
+                        </a:solidFill>
+                        <a:latin typeface="+mn-lt"/>
+                        <a:ea typeface="+mn-ea"/>
+                        <a:cs typeface="+mn-cs"/>
+                      </a:endParaRPr>
+                    </a:p>
+                  </a:txBody>
+                  <a:tcPr marL="58695" marR="58695" marT="29348" marB="29348"/>
+                </a:tc>
+                <a:tc>
+                  <a:txBody>
+                    <a:bodyPr/>
+                    <a:lstStyle/>
+                    <a:p>
+                      <a:pPr marL="0" algn="ctr" defTabSz="685800" rtl="0" eaLnBrk="1" latinLnBrk="0" hangingPunct="1"/>
+                      <a:r>
+                        <a:rPr lang="en-US" altLang="zh-TW" sz="1200" kern="1200" dirty="0">
+                          <a:solidFill>
+                            <a:schemeClr val="dk1"/>
+                          </a:solidFill>
+                          <a:latin typeface="+mn-lt"/>
+                          <a:ea typeface="+mn-ea"/>
+                          <a:cs typeface="+mn-cs"/>
+                        </a:rPr>
+                        <a:t>5</a:t>
+                      </a:r>
+                      <a:endParaRPr lang="zh-TW" altLang="en-US" sz="1200" kern="1200" dirty="0">
+                        <a:solidFill>
+                          <a:schemeClr val="dk1"/>
+                        </a:solidFill>
+                        <a:latin typeface="+mn-lt"/>
+                        <a:ea typeface="+mn-ea"/>
+                        <a:cs typeface="+mn-cs"/>
+                      </a:endParaRPr>
+                    </a:p>
+                  </a:txBody>
+                  <a:tcPr marL="58695" marR="58695" marT="29348" marB="29348"/>
+                </a:tc>
+                <a:extLst>
+                  <a:ext uri="{0D108BD9-81ED-4DB2-BD59-A6C34878D82A}">
+                    <a16:rowId xmlns:a16="http://schemas.microsoft.com/office/drawing/2014/main" val="3076272135"/>
+                  </a:ext>
+                </a:extLst>
+              </a:tr>
+              <a:tr h="238042">
+                <a:tc>
+                  <a:txBody>
+                    <a:bodyPr/>
+                    <a:lstStyle/>
+                    <a:p>
+                      <a:pPr marL="0" algn="ctr" defTabSz="685800" rtl="0" eaLnBrk="1" latinLnBrk="0" hangingPunct="1"/>
+                      <a:r>
+                        <a:rPr lang="en-US" altLang="zh-TW" sz="1200" b="0" kern="1200" dirty="0">
+                          <a:solidFill>
+                            <a:schemeClr val="tx1"/>
+                          </a:solidFill>
+                          <a:latin typeface="+mn-lt"/>
+                          <a:ea typeface="+mn-ea"/>
+                          <a:cs typeface="+mn-cs"/>
+                        </a:rPr>
+                        <a:t>2</a:t>
+                      </a:r>
+                      <a:endParaRPr lang="zh-TW" altLang="en-US" sz="1200" b="0" kern="1200" dirty="0">
+                        <a:solidFill>
+                          <a:schemeClr val="tx1"/>
+                        </a:solidFill>
+                        <a:latin typeface="+mn-lt"/>
+                        <a:ea typeface="+mn-ea"/>
+                        <a:cs typeface="+mn-cs"/>
+                      </a:endParaRPr>
+                    </a:p>
+                  </a:txBody>
+                  <a:tcPr marL="58695" marR="58695" marT="29348" marB="29348"/>
+                </a:tc>
+                <a:tc>
+                  <a:txBody>
+                    <a:bodyPr/>
+                    <a:lstStyle/>
+                    <a:p>
+                      <a:pPr marL="0" algn="ctr" defTabSz="685800" rtl="0" eaLnBrk="1" latinLnBrk="0" hangingPunct="1"/>
+                      <a:r>
+                        <a:rPr lang="en-US" altLang="zh-TW" sz="1200" kern="1200" dirty="0">
+                          <a:solidFill>
+                            <a:schemeClr val="dk1"/>
+                          </a:solidFill>
+                          <a:latin typeface="+mn-lt"/>
+                          <a:ea typeface="+mn-ea"/>
+                          <a:cs typeface="+mn-cs"/>
+                        </a:rPr>
+                        <a:t>A </a:t>
+                      </a:r>
+                      <a:r>
+                        <a:rPr kumimoji="1" lang="en-US" altLang="zh-TW" sz="1200" b="0" dirty="0">
+                          <a:solidFill>
+                            <a:schemeClr val="tx1"/>
+                          </a:solidFill>
+                        </a:rPr>
+                        <a:t>→ C</a:t>
+                      </a:r>
+                      <a:endParaRPr lang="zh-TW" altLang="en-US" sz="1200" b="0" kern="1200" dirty="0">
+                        <a:solidFill>
+                          <a:schemeClr val="tx1"/>
+                        </a:solidFill>
+                        <a:latin typeface="+mn-lt"/>
+                        <a:ea typeface="+mn-ea"/>
+                        <a:cs typeface="+mn-cs"/>
+                      </a:endParaRPr>
+                    </a:p>
+                  </a:txBody>
+                  <a:tcPr marL="58695" marR="58695" marT="29348" marB="29348"/>
+                </a:tc>
+                <a:tc>
+                  <a:txBody>
+                    <a:bodyPr/>
+                    <a:lstStyle/>
+                    <a:p>
+                      <a:pPr marL="0" algn="ctr" defTabSz="685800" rtl="0" eaLnBrk="1" latinLnBrk="0" hangingPunct="1"/>
+                      <a:r>
+                        <a:rPr lang="en-US" altLang="zh-TW" sz="1200" kern="1200" dirty="0">
+                          <a:solidFill>
+                            <a:schemeClr val="dk1"/>
+                          </a:solidFill>
+                          <a:latin typeface="+mn-lt"/>
+                          <a:ea typeface="+mn-ea"/>
+                          <a:cs typeface="+mn-cs"/>
+                        </a:rPr>
+                        <a:t>2</a:t>
+                      </a:r>
+                      <a:endParaRPr lang="zh-TW" altLang="en-US" sz="1200" kern="1200" dirty="0">
+                        <a:solidFill>
+                          <a:schemeClr val="dk1"/>
+                        </a:solidFill>
+                        <a:latin typeface="+mn-lt"/>
+                        <a:ea typeface="+mn-ea"/>
+                        <a:cs typeface="+mn-cs"/>
+                      </a:endParaRPr>
+                    </a:p>
+                  </a:txBody>
+                  <a:tcPr marL="58695" marR="58695" marT="29348" marB="29348"/>
+                </a:tc>
+                <a:extLst>
+                  <a:ext uri="{0D108BD9-81ED-4DB2-BD59-A6C34878D82A}">
+                    <a16:rowId xmlns:a16="http://schemas.microsoft.com/office/drawing/2014/main" val="3991906144"/>
+                  </a:ext>
+                </a:extLst>
+              </a:tr>
+              <a:tr h="238042">
+                <a:tc>
+                  <a:txBody>
+                    <a:bodyPr/>
+                    <a:lstStyle/>
+                    <a:p>
+                      <a:pPr marL="0" marR="0" lvl="0" indent="0" algn="ctr" defTabSz="685800" rtl="0" eaLnBrk="1" fontAlgn="auto" latinLnBrk="0" hangingPunct="1">
+                        <a:lnSpc>
+                          <a:spcPct val="100000"/>
+                        </a:lnSpc>
+                        <a:spcBef>
+                          <a:spcPts val="0"/>
+                        </a:spcBef>
+                        <a:spcAft>
+                          <a:spcPts val="0"/>
+                        </a:spcAft>
+                        <a:buClrTx/>
+                        <a:buSzTx/>
+                        <a:buFontTx/>
+                        <a:buNone/>
+                        <a:tabLst/>
+                        <a:defRPr/>
+                      </a:pPr>
+                      <a:r>
+                        <a:rPr lang="en-US" altLang="zh-TW" sz="1200" kern="1200" dirty="0">
+                          <a:solidFill>
+                            <a:schemeClr val="dk1"/>
+                          </a:solidFill>
+                          <a:latin typeface="+mn-lt"/>
+                          <a:ea typeface="+mn-ea"/>
+                          <a:cs typeface="+mn-cs"/>
+                        </a:rPr>
+                        <a:t>3</a:t>
+                      </a:r>
+                      <a:endParaRPr lang="zh-TW" altLang="en-US" sz="1200" kern="1200" dirty="0">
+                        <a:solidFill>
+                          <a:schemeClr val="dk1"/>
+                        </a:solidFill>
+                        <a:latin typeface="+mn-lt"/>
+                        <a:ea typeface="+mn-ea"/>
+                        <a:cs typeface="+mn-cs"/>
+                      </a:endParaRPr>
+                    </a:p>
+                  </a:txBody>
+                  <a:tcPr marL="58695" marR="58695" marT="29348" marB="29348"/>
+                </a:tc>
+                <a:tc>
+                  <a:txBody>
+                    <a:bodyPr/>
+                    <a:lstStyle/>
+                    <a:p>
+                      <a:pPr marL="0" marR="0" lvl="0" indent="0" algn="ctr" defTabSz="685800" rtl="0" eaLnBrk="1" fontAlgn="auto" latinLnBrk="0" hangingPunct="1">
+                        <a:lnSpc>
+                          <a:spcPct val="100000"/>
+                        </a:lnSpc>
+                        <a:spcBef>
+                          <a:spcPts val="0"/>
+                        </a:spcBef>
+                        <a:spcAft>
+                          <a:spcPts val="0"/>
+                        </a:spcAft>
+                        <a:buClrTx/>
+                        <a:buSzTx/>
+                        <a:buFontTx/>
+                        <a:buNone/>
+                        <a:tabLst/>
+                        <a:defRPr/>
+                      </a:pPr>
+                      <a:r>
+                        <a:rPr lang="en-US" altLang="zh-TW" sz="1200" kern="1200" dirty="0">
+                          <a:solidFill>
+                            <a:schemeClr val="dk1"/>
+                          </a:solidFill>
+                          <a:latin typeface="+mn-lt"/>
+                          <a:ea typeface="+mn-ea"/>
+                          <a:cs typeface="+mn-cs"/>
+                        </a:rPr>
+                        <a:t>B </a:t>
+                      </a:r>
+                      <a:r>
+                        <a:rPr kumimoji="1" lang="en-US" altLang="zh-TW" sz="1200" b="0" dirty="0">
+                          <a:solidFill>
+                            <a:schemeClr val="tx1"/>
+                          </a:solidFill>
+                        </a:rPr>
+                        <a:t>→ C</a:t>
+                      </a:r>
+                      <a:r>
+                        <a:rPr lang="en-US" altLang="zh-TW" sz="1200" kern="1200" dirty="0">
+                          <a:solidFill>
+                            <a:schemeClr val="dk1"/>
+                          </a:solidFill>
+                          <a:latin typeface="+mn-lt"/>
+                          <a:ea typeface="+mn-ea"/>
+                          <a:cs typeface="+mn-cs"/>
+                        </a:rPr>
+                        <a:t> </a:t>
+                      </a:r>
+                      <a:endParaRPr lang="zh-TW" altLang="en-US" sz="1200" kern="1200" dirty="0">
+                        <a:solidFill>
+                          <a:schemeClr val="dk1"/>
+                        </a:solidFill>
+                        <a:latin typeface="+mn-lt"/>
+                        <a:ea typeface="+mn-ea"/>
+                        <a:cs typeface="+mn-cs"/>
+                      </a:endParaRPr>
+                    </a:p>
+                  </a:txBody>
+                  <a:tcPr marL="58695" marR="58695" marT="29348" marB="29348"/>
+                </a:tc>
+                <a:tc>
+                  <a:txBody>
+                    <a:bodyPr/>
+                    <a:lstStyle/>
+                    <a:p>
+                      <a:pPr marL="0" algn="ctr" defTabSz="685800" rtl="0" eaLnBrk="1" latinLnBrk="0" hangingPunct="1"/>
+                      <a:r>
+                        <a:rPr lang="en-US" altLang="zh-TW" sz="1200" b="0" kern="1200" dirty="0">
+                          <a:solidFill>
+                            <a:schemeClr val="dk1"/>
+                          </a:solidFill>
+                          <a:latin typeface="+mn-lt"/>
+                          <a:ea typeface="+mn-ea"/>
+                          <a:cs typeface="+mn-cs"/>
+                        </a:rPr>
+                        <a:t>-10</a:t>
+                      </a:r>
+                      <a:endParaRPr lang="zh-TW" altLang="en-US" sz="1200" b="0" kern="1200" dirty="0">
+                        <a:solidFill>
+                          <a:schemeClr val="dk1"/>
+                        </a:solidFill>
+                        <a:latin typeface="+mn-lt"/>
+                        <a:ea typeface="+mn-ea"/>
+                        <a:cs typeface="+mn-cs"/>
+                      </a:endParaRPr>
+                    </a:p>
+                  </a:txBody>
+                  <a:tcPr marL="58695" marR="58695" marT="29348" marB="29348"/>
+                </a:tc>
+                <a:extLst>
+                  <a:ext uri="{0D108BD9-81ED-4DB2-BD59-A6C34878D82A}">
+                    <a16:rowId xmlns:a16="http://schemas.microsoft.com/office/drawing/2014/main" val="809511413"/>
+                  </a:ext>
+                </a:extLst>
+              </a:tr>
+            </a:tbl>
+          </a:graphicData>
+        </a:graphic>
+      </p:graphicFrame>
+      <p:sp>
+        <p:nvSpPr>
+          <p:cNvPr id="40" name="文字方塊 39">
+            <a:extLst>
+              <a:ext uri="{FF2B5EF4-FFF2-40B4-BE49-F238E27FC236}">
+                <a16:creationId xmlns:a16="http://schemas.microsoft.com/office/drawing/2014/main" id="{C8F0BF46-5746-A74B-A66C-A886EAF70602}"/>
+              </a:ext>
+            </a:extLst>
+          </p:cNvPr>
+          <p:cNvSpPr txBox="1"/>
+          <p:nvPr/>
+        </p:nvSpPr>
+        <p:spPr>
+          <a:xfrm>
+            <a:off x="5387216" y="1884120"/>
+            <a:ext cx="1217064" cy="461665"/>
+          </a:xfrm>
+          <a:prstGeom prst="rect">
+            <a:avLst/>
+          </a:prstGeom>
+          <a:noFill/>
+        </p:spPr>
+        <p:txBody>
+          <a:bodyPr wrap="none" rtlCol="0">
+            <a:spAutoFit/>
+          </a:bodyPr>
+          <a:lstStyle/>
+          <a:p>
+            <a:r>
+              <a:rPr kumimoji="1" lang="en-US" altLang="zh-TW" sz="1200" dirty="0">
+                <a:solidFill>
+                  <a:srgbClr val="FF0000"/>
+                </a:solidFill>
+              </a:rPr>
+              <a:t>Path: A → B → C</a:t>
+            </a:r>
+          </a:p>
+          <a:p>
+            <a:r>
+              <a:rPr kumimoji="1" lang="en-US" altLang="zh-TW" sz="1200" dirty="0">
+                <a:solidFill>
+                  <a:srgbClr val="FF0000"/>
+                </a:solidFill>
+              </a:rPr>
+              <a:t>total cost = -5</a:t>
+            </a:r>
+            <a:endParaRPr kumimoji="1" lang="zh-TW" altLang="en-US" sz="1200" dirty="0">
+              <a:solidFill>
+                <a:srgbClr val="FF0000"/>
+              </a:solidFill>
+            </a:endParaRPr>
+          </a:p>
+        </p:txBody>
+      </p:sp>
+      <p:graphicFrame>
+        <p:nvGraphicFramePr>
+          <p:cNvPr id="41" name="表格 56">
+            <a:extLst>
+              <a:ext uri="{FF2B5EF4-FFF2-40B4-BE49-F238E27FC236}">
+                <a16:creationId xmlns:a16="http://schemas.microsoft.com/office/drawing/2014/main" id="{58EF3256-FFB8-6C46-ADBC-B97A68E3F4DE}"/>
+              </a:ext>
+            </a:extLst>
+          </p:cNvPr>
+          <p:cNvGraphicFramePr>
+            <a:graphicFrameLocks noGrp="1"/>
+          </p:cNvGraphicFramePr>
+          <p:nvPr>
+            <p:extLst>
+              <p:ext uri="{D42A27DB-BD31-4B8C-83A1-F6EECF244321}">
+                <p14:modId xmlns:p14="http://schemas.microsoft.com/office/powerpoint/2010/main" val="2718083418"/>
+              </p:ext>
+            </p:extLst>
+          </p:nvPr>
+        </p:nvGraphicFramePr>
+        <p:xfrm>
+          <a:off x="3823578" y="2816561"/>
+          <a:ext cx="1338590" cy="1207880"/>
+        </p:xfrm>
+        <a:graphic>
+          <a:graphicData uri="http://schemas.openxmlformats.org/drawingml/2006/table">
+            <a:tbl>
+              <a:tblPr firstRow="1" bandRow="1">
+                <a:tableStyleId>{21E4AEA4-8DFA-4A89-87EB-49C32662AFE0}</a:tableStyleId>
+              </a:tblPr>
+              <a:tblGrid>
+                <a:gridCol w="360670">
+                  <a:extLst>
+                    <a:ext uri="{9D8B030D-6E8A-4147-A177-3AD203B41FA5}">
+                      <a16:colId xmlns:a16="http://schemas.microsoft.com/office/drawing/2014/main" val="1404779237"/>
+                    </a:ext>
+                  </a:extLst>
+                </a:gridCol>
+                <a:gridCol w="571415">
+                  <a:extLst>
+                    <a:ext uri="{9D8B030D-6E8A-4147-A177-3AD203B41FA5}">
+                      <a16:colId xmlns:a16="http://schemas.microsoft.com/office/drawing/2014/main" val="3247701678"/>
+                    </a:ext>
+                  </a:extLst>
+                </a:gridCol>
+                <a:gridCol w="406505">
+                  <a:extLst>
+                    <a:ext uri="{9D8B030D-6E8A-4147-A177-3AD203B41FA5}">
+                      <a16:colId xmlns:a16="http://schemas.microsoft.com/office/drawing/2014/main" val="4013374876"/>
+                    </a:ext>
+                  </a:extLst>
+                </a:gridCol>
+              </a:tblGrid>
+              <a:tr h="238042">
+                <a:tc>
+                  <a:txBody>
+                    <a:bodyPr/>
+                    <a:lstStyle/>
+                    <a:p>
+                      <a:pPr marL="0" algn="ctr" defTabSz="685800" rtl="0" eaLnBrk="1" latinLnBrk="0" hangingPunct="1"/>
+                      <a:r>
+                        <a:rPr lang="en-US" altLang="zh-TW" sz="1200" b="0" kern="1200" dirty="0">
+                          <a:solidFill>
+                            <a:schemeClr val="dk1"/>
+                          </a:solidFill>
+                          <a:latin typeface="+mn-lt"/>
+                          <a:ea typeface="+mn-ea"/>
+                          <a:cs typeface="+mn-cs"/>
+                        </a:rPr>
+                        <a:t>#</a:t>
+                      </a:r>
+                      <a:endParaRPr lang="zh-TW" altLang="en-US" sz="1200" b="0" kern="1200" dirty="0">
+                        <a:solidFill>
+                          <a:schemeClr val="dk1"/>
+                        </a:solidFill>
+                        <a:latin typeface="+mn-lt"/>
+                        <a:ea typeface="+mn-ea"/>
+                        <a:cs typeface="+mn-cs"/>
+                      </a:endParaRPr>
+                    </a:p>
+                  </a:txBody>
+                  <a:tcPr marL="57600" marR="58695" marT="29348" marB="29348"/>
+                </a:tc>
+                <a:tc>
+                  <a:txBody>
+                    <a:bodyPr/>
+                    <a:lstStyle/>
+                    <a:p>
+                      <a:pPr marL="0" algn="ctr" defTabSz="685800" rtl="0" eaLnBrk="1" latinLnBrk="0" hangingPunct="1"/>
+                      <a:r>
+                        <a:rPr lang="en-US" altLang="zh-TW" sz="1200" b="0" kern="1200" dirty="0">
+                          <a:solidFill>
+                            <a:schemeClr val="dk1"/>
+                          </a:solidFill>
+                          <a:latin typeface="+mn-lt"/>
+                          <a:ea typeface="+mn-ea"/>
+                          <a:cs typeface="+mn-cs"/>
+                        </a:rPr>
+                        <a:t>edge</a:t>
+                      </a:r>
+                      <a:endParaRPr lang="zh-TW" altLang="en-US" sz="1200" b="0" kern="1200" dirty="0">
+                        <a:solidFill>
+                          <a:schemeClr val="dk1"/>
+                        </a:solidFill>
+                        <a:latin typeface="+mn-lt"/>
+                        <a:ea typeface="+mn-ea"/>
+                        <a:cs typeface="+mn-cs"/>
+                      </a:endParaRPr>
+                    </a:p>
+                  </a:txBody>
+                  <a:tcPr marL="57600" marR="58695" marT="29348" marB="29348"/>
+                </a:tc>
+                <a:tc>
+                  <a:txBody>
+                    <a:bodyPr/>
+                    <a:lstStyle/>
+                    <a:p>
+                      <a:pPr marL="0" algn="ctr" defTabSz="685800" rtl="0" eaLnBrk="1" latinLnBrk="0" hangingPunct="1"/>
+                      <a:r>
+                        <a:rPr lang="en-US" altLang="zh-TW" sz="1200" b="0" kern="1200" dirty="0">
+                          <a:solidFill>
+                            <a:schemeClr val="dk1"/>
+                          </a:solidFill>
+                        </a:rPr>
+                        <a:t>cost</a:t>
+                      </a:r>
+                      <a:endParaRPr lang="zh-TW" altLang="en-US" sz="1200" b="0" kern="1200" dirty="0">
+                        <a:solidFill>
+                          <a:schemeClr val="dk1"/>
+                        </a:solidFill>
+                        <a:latin typeface="+mn-lt"/>
+                        <a:ea typeface="+mn-ea"/>
+                        <a:cs typeface="+mn-cs"/>
+                      </a:endParaRPr>
+                    </a:p>
+                  </a:txBody>
+                  <a:tcPr marL="58695" marR="58695" marT="29348" marB="29348"/>
+                </a:tc>
+                <a:extLst>
+                  <a:ext uri="{0D108BD9-81ED-4DB2-BD59-A6C34878D82A}">
+                    <a16:rowId xmlns:a16="http://schemas.microsoft.com/office/drawing/2014/main" val="3955762702"/>
+                  </a:ext>
+                </a:extLst>
+              </a:tr>
+              <a:tr h="238042">
+                <a:tc>
+                  <a:txBody>
+                    <a:bodyPr/>
+                    <a:lstStyle/>
+                    <a:p>
+                      <a:pPr marL="0" algn="ctr" defTabSz="685800" rtl="0" eaLnBrk="1" latinLnBrk="0" hangingPunct="1"/>
+                      <a:r>
+                        <a:rPr lang="en-US" altLang="zh-TW" sz="1200" b="0" kern="1200" dirty="0">
+                          <a:solidFill>
+                            <a:schemeClr val="tx1"/>
+                          </a:solidFill>
+                          <a:latin typeface="+mn-lt"/>
+                          <a:ea typeface="+mn-ea"/>
+                          <a:cs typeface="+mn-cs"/>
+                        </a:rPr>
+                        <a:t>1</a:t>
+                      </a:r>
+                      <a:endParaRPr lang="zh-TW" altLang="en-US" sz="1200" b="0" kern="1200" dirty="0">
+                        <a:solidFill>
+                          <a:schemeClr val="tx1"/>
+                        </a:solidFill>
+                        <a:latin typeface="+mn-lt"/>
+                        <a:ea typeface="+mn-ea"/>
+                        <a:cs typeface="+mn-cs"/>
+                      </a:endParaRPr>
+                    </a:p>
+                  </a:txBody>
+                  <a:tcPr marL="58695" marR="58695" marT="29348" marB="29348"/>
+                </a:tc>
+                <a:tc>
+                  <a:txBody>
+                    <a:bodyPr/>
+                    <a:lstStyle/>
+                    <a:p>
+                      <a:pPr marL="0" marR="0" lvl="0" indent="0" algn="ctr" defTabSz="685800" rtl="0" eaLnBrk="1" fontAlgn="auto" latinLnBrk="0" hangingPunct="1">
+                        <a:lnSpc>
+                          <a:spcPct val="100000"/>
+                        </a:lnSpc>
+                        <a:spcBef>
+                          <a:spcPts val="0"/>
+                        </a:spcBef>
+                        <a:spcAft>
+                          <a:spcPts val="0"/>
+                        </a:spcAft>
+                        <a:buClrTx/>
+                        <a:buSzTx/>
+                        <a:buFontTx/>
+                        <a:buNone/>
+                        <a:tabLst/>
+                        <a:defRPr/>
+                      </a:pPr>
+                      <a:r>
+                        <a:rPr lang="en-US" altLang="zh-TW" sz="1200" kern="1200" dirty="0">
+                          <a:solidFill>
+                            <a:schemeClr val="dk1"/>
+                          </a:solidFill>
+                          <a:latin typeface="+mn-lt"/>
+                          <a:ea typeface="+mn-ea"/>
+                          <a:cs typeface="+mn-cs"/>
+                        </a:rPr>
+                        <a:t>C </a:t>
+                      </a:r>
+                      <a:r>
+                        <a:rPr kumimoji="1" lang="en-US" altLang="zh-TW" sz="1200" b="0" dirty="0">
+                          <a:solidFill>
+                            <a:schemeClr val="tx1"/>
+                          </a:solidFill>
+                        </a:rPr>
+                        <a:t>→ D</a:t>
+                      </a:r>
+                      <a:endParaRPr lang="zh-TW" altLang="en-US" sz="1200" b="0" kern="1200" dirty="0">
+                        <a:solidFill>
+                          <a:schemeClr val="tx1"/>
+                        </a:solidFill>
+                        <a:latin typeface="+mn-lt"/>
+                        <a:ea typeface="+mn-ea"/>
+                        <a:cs typeface="+mn-cs"/>
+                      </a:endParaRPr>
+                    </a:p>
+                  </a:txBody>
+                  <a:tcPr marL="58695" marR="58695" marT="29348" marB="29348"/>
+                </a:tc>
+                <a:tc>
+                  <a:txBody>
+                    <a:bodyPr/>
+                    <a:lstStyle/>
+                    <a:p>
+                      <a:pPr marL="0" algn="ctr" defTabSz="685800" rtl="0" eaLnBrk="1" latinLnBrk="0" hangingPunct="1"/>
+                      <a:r>
+                        <a:rPr lang="en-US" altLang="zh-TW" sz="1200" kern="1200" dirty="0">
+                          <a:solidFill>
+                            <a:schemeClr val="dk1"/>
+                          </a:solidFill>
+                          <a:latin typeface="+mn-lt"/>
+                          <a:ea typeface="+mn-ea"/>
+                          <a:cs typeface="+mn-cs"/>
+                        </a:rPr>
+                        <a:t>-6</a:t>
+                      </a:r>
+                      <a:endParaRPr lang="zh-TW" altLang="en-US" sz="1200" kern="1200" dirty="0">
+                        <a:solidFill>
+                          <a:schemeClr val="dk1"/>
+                        </a:solidFill>
+                        <a:latin typeface="+mn-lt"/>
+                        <a:ea typeface="+mn-ea"/>
+                        <a:cs typeface="+mn-cs"/>
+                      </a:endParaRPr>
+                    </a:p>
+                  </a:txBody>
+                  <a:tcPr marL="58695" marR="58695" marT="29348" marB="29348"/>
+                </a:tc>
+                <a:extLst>
+                  <a:ext uri="{0D108BD9-81ED-4DB2-BD59-A6C34878D82A}">
+                    <a16:rowId xmlns:a16="http://schemas.microsoft.com/office/drawing/2014/main" val="3076272135"/>
+                  </a:ext>
+                </a:extLst>
+              </a:tr>
+              <a:tr h="238042">
+                <a:tc>
+                  <a:txBody>
+                    <a:bodyPr/>
+                    <a:lstStyle/>
+                    <a:p>
+                      <a:pPr marL="0" algn="ctr" defTabSz="685800" rtl="0" eaLnBrk="1" latinLnBrk="0" hangingPunct="1"/>
+                      <a:r>
+                        <a:rPr lang="en-US" altLang="zh-TW" sz="1200" b="0" kern="1200" dirty="0">
+                          <a:solidFill>
+                            <a:schemeClr val="tx1"/>
+                          </a:solidFill>
+                          <a:latin typeface="+mn-lt"/>
+                          <a:ea typeface="+mn-ea"/>
+                          <a:cs typeface="+mn-cs"/>
+                        </a:rPr>
+                        <a:t>2</a:t>
+                      </a:r>
+                      <a:endParaRPr lang="zh-TW" altLang="en-US" sz="1200" b="0" kern="1200" dirty="0">
+                        <a:solidFill>
+                          <a:schemeClr val="tx1"/>
+                        </a:solidFill>
+                        <a:latin typeface="+mn-lt"/>
+                        <a:ea typeface="+mn-ea"/>
+                        <a:cs typeface="+mn-cs"/>
+                      </a:endParaRPr>
+                    </a:p>
+                  </a:txBody>
+                  <a:tcPr marL="58695" marR="58695" marT="29348" marB="29348"/>
+                </a:tc>
+                <a:tc>
+                  <a:txBody>
+                    <a:bodyPr/>
+                    <a:lstStyle/>
+                    <a:p>
+                      <a:pPr marL="0" marR="0" lvl="0" indent="0" algn="ctr" defTabSz="685800" rtl="0" eaLnBrk="1" fontAlgn="auto" latinLnBrk="0" hangingPunct="1">
+                        <a:lnSpc>
+                          <a:spcPct val="100000"/>
+                        </a:lnSpc>
+                        <a:spcBef>
+                          <a:spcPts val="0"/>
+                        </a:spcBef>
+                        <a:spcAft>
+                          <a:spcPts val="0"/>
+                        </a:spcAft>
+                        <a:buClrTx/>
+                        <a:buSzTx/>
+                        <a:buFontTx/>
+                        <a:buNone/>
+                        <a:tabLst/>
+                        <a:defRPr/>
+                      </a:pPr>
+                      <a:r>
+                        <a:rPr lang="en-US" altLang="zh-TW" sz="1200" kern="1200" dirty="0">
+                          <a:solidFill>
+                            <a:schemeClr val="dk1"/>
+                          </a:solidFill>
+                          <a:latin typeface="+mn-lt"/>
+                          <a:ea typeface="+mn-ea"/>
+                          <a:cs typeface="+mn-cs"/>
+                        </a:rPr>
+                        <a:t>D </a:t>
+                      </a:r>
+                      <a:r>
+                        <a:rPr kumimoji="1" lang="en-US" altLang="zh-TW" sz="1200" b="0" dirty="0">
+                          <a:solidFill>
+                            <a:schemeClr val="tx1"/>
+                          </a:solidFill>
+                        </a:rPr>
+                        <a:t>→ B</a:t>
+                      </a:r>
+                      <a:endParaRPr lang="zh-TW" altLang="en-US" sz="1200" b="0" kern="1200" dirty="0">
+                        <a:solidFill>
+                          <a:schemeClr val="tx1"/>
+                        </a:solidFill>
+                        <a:latin typeface="+mn-lt"/>
+                        <a:ea typeface="+mn-ea"/>
+                        <a:cs typeface="+mn-cs"/>
+                      </a:endParaRPr>
+                    </a:p>
+                  </a:txBody>
+                  <a:tcPr marL="58695" marR="58695" marT="29348" marB="29348"/>
+                </a:tc>
+                <a:tc>
+                  <a:txBody>
+                    <a:bodyPr/>
+                    <a:lstStyle/>
+                    <a:p>
+                      <a:pPr marL="0" algn="ctr" defTabSz="685800" rtl="0" eaLnBrk="1" latinLnBrk="0" hangingPunct="1"/>
+                      <a:r>
+                        <a:rPr lang="en-US" altLang="zh-TW" sz="1200" kern="1200" dirty="0">
+                          <a:solidFill>
+                            <a:schemeClr val="dk1"/>
+                          </a:solidFill>
+                          <a:latin typeface="+mn-lt"/>
+                          <a:ea typeface="+mn-ea"/>
+                          <a:cs typeface="+mn-cs"/>
+                        </a:rPr>
+                        <a:t>1</a:t>
+                      </a:r>
+                      <a:endParaRPr lang="zh-TW" altLang="en-US" sz="1200" kern="1200" dirty="0">
+                        <a:solidFill>
+                          <a:schemeClr val="dk1"/>
+                        </a:solidFill>
+                        <a:latin typeface="+mn-lt"/>
+                        <a:ea typeface="+mn-ea"/>
+                        <a:cs typeface="+mn-cs"/>
+                      </a:endParaRPr>
+                    </a:p>
+                  </a:txBody>
+                  <a:tcPr marL="58695" marR="58695" marT="29348" marB="29348"/>
+                </a:tc>
+                <a:extLst>
+                  <a:ext uri="{0D108BD9-81ED-4DB2-BD59-A6C34878D82A}">
+                    <a16:rowId xmlns:a16="http://schemas.microsoft.com/office/drawing/2014/main" val="3991906144"/>
+                  </a:ext>
+                </a:extLst>
+              </a:tr>
+              <a:tr h="238042">
+                <a:tc>
+                  <a:txBody>
+                    <a:bodyPr/>
+                    <a:lstStyle/>
+                    <a:p>
+                      <a:pPr marL="0" marR="0" lvl="0" indent="0" algn="ctr" defTabSz="685800" rtl="0" eaLnBrk="1" fontAlgn="auto" latinLnBrk="0" hangingPunct="1">
+                        <a:lnSpc>
+                          <a:spcPct val="100000"/>
+                        </a:lnSpc>
+                        <a:spcBef>
+                          <a:spcPts val="0"/>
+                        </a:spcBef>
+                        <a:spcAft>
+                          <a:spcPts val="0"/>
+                        </a:spcAft>
+                        <a:buClrTx/>
+                        <a:buSzTx/>
+                        <a:buFontTx/>
+                        <a:buNone/>
+                        <a:tabLst/>
+                        <a:defRPr/>
+                      </a:pPr>
+                      <a:r>
+                        <a:rPr lang="en-US" altLang="zh-TW" sz="1200" kern="1200" dirty="0">
+                          <a:solidFill>
+                            <a:schemeClr val="dk1"/>
+                          </a:solidFill>
+                          <a:latin typeface="+mn-lt"/>
+                          <a:ea typeface="+mn-ea"/>
+                          <a:cs typeface="+mn-cs"/>
+                        </a:rPr>
+                        <a:t>3</a:t>
+                      </a:r>
+                      <a:endParaRPr lang="zh-TW" altLang="en-US" sz="1200" kern="1200" dirty="0">
+                        <a:solidFill>
+                          <a:schemeClr val="dk1"/>
+                        </a:solidFill>
+                        <a:latin typeface="+mn-lt"/>
+                        <a:ea typeface="+mn-ea"/>
+                        <a:cs typeface="+mn-cs"/>
+                      </a:endParaRPr>
+                    </a:p>
+                  </a:txBody>
+                  <a:tcPr marL="58695" marR="58695" marT="29348" marB="29348"/>
+                </a:tc>
+                <a:tc>
+                  <a:txBody>
+                    <a:bodyPr/>
+                    <a:lstStyle/>
+                    <a:p>
+                      <a:pPr marL="0" marR="0" lvl="0" indent="0" algn="ctr" defTabSz="685800" rtl="0" eaLnBrk="1" fontAlgn="auto" latinLnBrk="0" hangingPunct="1">
+                        <a:lnSpc>
+                          <a:spcPct val="100000"/>
+                        </a:lnSpc>
+                        <a:spcBef>
+                          <a:spcPts val="0"/>
+                        </a:spcBef>
+                        <a:spcAft>
+                          <a:spcPts val="0"/>
+                        </a:spcAft>
+                        <a:buClrTx/>
+                        <a:buSzTx/>
+                        <a:buFontTx/>
+                        <a:buNone/>
+                        <a:tabLst/>
+                        <a:defRPr/>
+                      </a:pPr>
+                      <a:r>
+                        <a:rPr lang="en-US" altLang="zh-TW" sz="1200" kern="1200" dirty="0">
+                          <a:solidFill>
+                            <a:schemeClr val="dk1"/>
+                          </a:solidFill>
+                          <a:latin typeface="+mn-lt"/>
+                          <a:ea typeface="+mn-ea"/>
+                          <a:cs typeface="+mn-cs"/>
+                        </a:rPr>
+                        <a:t>A </a:t>
+                      </a:r>
+                      <a:r>
+                        <a:rPr kumimoji="1" lang="en-US" altLang="zh-TW" sz="1200" b="0" dirty="0">
+                          <a:solidFill>
+                            <a:schemeClr val="tx1"/>
+                          </a:solidFill>
+                        </a:rPr>
+                        <a:t>→ B</a:t>
+                      </a:r>
+                      <a:endParaRPr lang="zh-TW" altLang="en-US" sz="1200" kern="1200" dirty="0">
+                        <a:solidFill>
+                          <a:schemeClr val="dk1"/>
+                        </a:solidFill>
+                        <a:latin typeface="+mn-lt"/>
+                        <a:ea typeface="+mn-ea"/>
+                        <a:cs typeface="+mn-cs"/>
+                      </a:endParaRPr>
+                    </a:p>
+                  </a:txBody>
+                  <a:tcPr marL="58695" marR="58695" marT="29348" marB="29348"/>
+                </a:tc>
+                <a:tc>
+                  <a:txBody>
+                    <a:bodyPr/>
+                    <a:lstStyle/>
+                    <a:p>
+                      <a:pPr marL="0" algn="ctr" defTabSz="685800" rtl="0" eaLnBrk="1" latinLnBrk="0" hangingPunct="1"/>
+                      <a:r>
+                        <a:rPr lang="en-US" altLang="zh-TW" sz="1200" b="0" kern="1200" dirty="0">
+                          <a:solidFill>
+                            <a:schemeClr val="dk1"/>
+                          </a:solidFill>
+                          <a:latin typeface="+mn-lt"/>
+                          <a:ea typeface="+mn-ea"/>
+                          <a:cs typeface="+mn-cs"/>
+                        </a:rPr>
+                        <a:t>4</a:t>
+                      </a:r>
+                      <a:endParaRPr lang="zh-TW" altLang="en-US" sz="1200" b="0" kern="1200" dirty="0">
+                        <a:solidFill>
+                          <a:schemeClr val="dk1"/>
+                        </a:solidFill>
+                        <a:latin typeface="+mn-lt"/>
+                        <a:ea typeface="+mn-ea"/>
+                        <a:cs typeface="+mn-cs"/>
+                      </a:endParaRPr>
+                    </a:p>
+                  </a:txBody>
+                  <a:tcPr marL="58695" marR="58695" marT="29348" marB="29348"/>
+                </a:tc>
+                <a:extLst>
+                  <a:ext uri="{0D108BD9-81ED-4DB2-BD59-A6C34878D82A}">
+                    <a16:rowId xmlns:a16="http://schemas.microsoft.com/office/drawing/2014/main" val="809511413"/>
+                  </a:ext>
+                </a:extLst>
+              </a:tr>
+              <a:tr h="238042">
+                <a:tc>
+                  <a:txBody>
+                    <a:bodyPr/>
+                    <a:lstStyle/>
+                    <a:p>
+                      <a:pPr marL="0" marR="0" lvl="0" indent="0" algn="ctr" defTabSz="685800" rtl="0" eaLnBrk="1" fontAlgn="auto" latinLnBrk="0" hangingPunct="1">
+                        <a:lnSpc>
+                          <a:spcPct val="100000"/>
+                        </a:lnSpc>
+                        <a:spcBef>
+                          <a:spcPts val="0"/>
+                        </a:spcBef>
+                        <a:spcAft>
+                          <a:spcPts val="0"/>
+                        </a:spcAft>
+                        <a:buClrTx/>
+                        <a:buSzTx/>
+                        <a:buFontTx/>
+                        <a:buNone/>
+                        <a:tabLst/>
+                        <a:defRPr/>
+                      </a:pPr>
+                      <a:r>
+                        <a:rPr lang="en-US" altLang="zh-TW" sz="1200" kern="1200" dirty="0">
+                          <a:solidFill>
+                            <a:schemeClr val="dk1"/>
+                          </a:solidFill>
+                          <a:latin typeface="+mn-lt"/>
+                          <a:ea typeface="+mn-ea"/>
+                          <a:cs typeface="+mn-cs"/>
+                        </a:rPr>
+                        <a:t>4</a:t>
+                      </a:r>
+                      <a:endParaRPr lang="zh-TW" altLang="en-US" sz="1200" kern="1200" dirty="0">
+                        <a:solidFill>
+                          <a:schemeClr val="dk1"/>
+                        </a:solidFill>
+                        <a:latin typeface="+mn-lt"/>
+                        <a:ea typeface="+mn-ea"/>
+                        <a:cs typeface="+mn-cs"/>
+                      </a:endParaRPr>
+                    </a:p>
+                  </a:txBody>
+                  <a:tcPr marL="58695" marR="58695" marT="29348" marB="29348"/>
+                </a:tc>
+                <a:tc>
+                  <a:txBody>
+                    <a:bodyPr/>
+                    <a:lstStyle/>
+                    <a:p>
+                      <a:pPr marL="0" marR="0" lvl="0" indent="0" algn="ctr" defTabSz="685800" rtl="0" eaLnBrk="1" fontAlgn="auto" latinLnBrk="0" hangingPunct="1">
+                        <a:lnSpc>
+                          <a:spcPct val="100000"/>
+                        </a:lnSpc>
+                        <a:spcBef>
+                          <a:spcPts val="0"/>
+                        </a:spcBef>
+                        <a:spcAft>
+                          <a:spcPts val="0"/>
+                        </a:spcAft>
+                        <a:buClrTx/>
+                        <a:buSzTx/>
+                        <a:buFontTx/>
+                        <a:buNone/>
+                        <a:tabLst/>
+                        <a:defRPr/>
+                      </a:pPr>
+                      <a:r>
+                        <a:rPr lang="en-US" altLang="zh-TW" sz="1200" kern="1200" dirty="0">
+                          <a:solidFill>
+                            <a:schemeClr val="dk1"/>
+                          </a:solidFill>
+                          <a:latin typeface="+mn-lt"/>
+                          <a:ea typeface="+mn-ea"/>
+                          <a:cs typeface="+mn-cs"/>
+                        </a:rPr>
+                        <a:t>C </a:t>
+                      </a:r>
+                      <a:r>
+                        <a:rPr kumimoji="1" lang="en-US" altLang="zh-TW" sz="1200" b="0" dirty="0">
+                          <a:solidFill>
+                            <a:schemeClr val="tx1"/>
+                          </a:solidFill>
+                        </a:rPr>
+                        <a:t>→ E</a:t>
+                      </a:r>
+                      <a:endParaRPr lang="zh-TW" altLang="en-US" sz="1200" kern="1200" dirty="0">
+                        <a:solidFill>
+                          <a:schemeClr val="dk1"/>
+                        </a:solidFill>
+                        <a:latin typeface="+mn-lt"/>
+                        <a:ea typeface="+mn-ea"/>
+                        <a:cs typeface="+mn-cs"/>
+                      </a:endParaRPr>
+                    </a:p>
+                  </a:txBody>
+                  <a:tcPr marL="58695" marR="58695" marT="29348" marB="29348"/>
+                </a:tc>
+                <a:tc>
+                  <a:txBody>
+                    <a:bodyPr/>
+                    <a:lstStyle/>
+                    <a:p>
+                      <a:pPr marL="0" algn="ctr" defTabSz="685800" rtl="0" eaLnBrk="1" latinLnBrk="0" hangingPunct="1"/>
+                      <a:r>
+                        <a:rPr lang="en-US" altLang="zh-TW" sz="1200" kern="1200" dirty="0">
+                          <a:solidFill>
+                            <a:schemeClr val="dk1"/>
+                          </a:solidFill>
+                          <a:latin typeface="+mn-lt"/>
+                          <a:ea typeface="+mn-ea"/>
+                          <a:cs typeface="+mn-cs"/>
+                        </a:rPr>
+                        <a:t>6</a:t>
+                      </a:r>
+                      <a:endParaRPr lang="zh-TW" altLang="en-US" sz="1200" kern="1200" dirty="0">
+                        <a:solidFill>
+                          <a:schemeClr val="dk1"/>
+                        </a:solidFill>
+                        <a:latin typeface="+mn-lt"/>
+                        <a:ea typeface="+mn-ea"/>
+                        <a:cs typeface="+mn-cs"/>
+                      </a:endParaRPr>
+                    </a:p>
+                  </a:txBody>
+                  <a:tcPr marL="58695" marR="58695" marT="29348" marB="29348"/>
+                </a:tc>
+                <a:extLst>
+                  <a:ext uri="{0D108BD9-81ED-4DB2-BD59-A6C34878D82A}">
+                    <a16:rowId xmlns:a16="http://schemas.microsoft.com/office/drawing/2014/main" val="2676381122"/>
+                  </a:ext>
+                </a:extLst>
+              </a:tr>
+            </a:tbl>
+          </a:graphicData>
+        </a:graphic>
+      </p:graphicFrame>
+      <p:graphicFrame>
+        <p:nvGraphicFramePr>
+          <p:cNvPr id="42" name="表格 56">
+            <a:extLst>
+              <a:ext uri="{FF2B5EF4-FFF2-40B4-BE49-F238E27FC236}">
+                <a16:creationId xmlns:a16="http://schemas.microsoft.com/office/drawing/2014/main" id="{007DEC3B-737C-1144-93C7-702C0061F5DD}"/>
+              </a:ext>
+            </a:extLst>
+          </p:cNvPr>
+          <p:cNvGraphicFramePr>
+            <a:graphicFrameLocks noGrp="1"/>
+          </p:cNvGraphicFramePr>
+          <p:nvPr>
+            <p:extLst>
+              <p:ext uri="{D42A27DB-BD31-4B8C-83A1-F6EECF244321}">
+                <p14:modId xmlns:p14="http://schemas.microsoft.com/office/powerpoint/2010/main" val="4267145320"/>
+              </p:ext>
+            </p:extLst>
+          </p:nvPr>
+        </p:nvGraphicFramePr>
+        <p:xfrm>
+          <a:off x="5244649" y="2816561"/>
+          <a:ext cx="1338590" cy="1207880"/>
+        </p:xfrm>
+        <a:graphic>
+          <a:graphicData uri="http://schemas.openxmlformats.org/drawingml/2006/table">
+            <a:tbl>
+              <a:tblPr firstRow="1" bandRow="1">
+                <a:tableStyleId>{21E4AEA4-8DFA-4A89-87EB-49C32662AFE0}</a:tableStyleId>
+              </a:tblPr>
+              <a:tblGrid>
+                <a:gridCol w="360670">
+                  <a:extLst>
+                    <a:ext uri="{9D8B030D-6E8A-4147-A177-3AD203B41FA5}">
+                      <a16:colId xmlns:a16="http://schemas.microsoft.com/office/drawing/2014/main" val="1404779237"/>
+                    </a:ext>
+                  </a:extLst>
+                </a:gridCol>
+                <a:gridCol w="571415">
+                  <a:extLst>
+                    <a:ext uri="{9D8B030D-6E8A-4147-A177-3AD203B41FA5}">
+                      <a16:colId xmlns:a16="http://schemas.microsoft.com/office/drawing/2014/main" val="3247701678"/>
+                    </a:ext>
+                  </a:extLst>
+                </a:gridCol>
+                <a:gridCol w="406505">
+                  <a:extLst>
+                    <a:ext uri="{9D8B030D-6E8A-4147-A177-3AD203B41FA5}">
+                      <a16:colId xmlns:a16="http://schemas.microsoft.com/office/drawing/2014/main" val="4013374876"/>
+                    </a:ext>
+                  </a:extLst>
+                </a:gridCol>
+              </a:tblGrid>
+              <a:tr h="238042">
+                <a:tc>
+                  <a:txBody>
+                    <a:bodyPr/>
+                    <a:lstStyle/>
+                    <a:p>
+                      <a:pPr marL="0" algn="ctr" defTabSz="685800" rtl="0" eaLnBrk="1" latinLnBrk="0" hangingPunct="1"/>
+                      <a:r>
+                        <a:rPr lang="en-US" altLang="zh-TW" sz="1200" b="0" kern="1200" dirty="0">
+                          <a:solidFill>
+                            <a:schemeClr val="dk1"/>
+                          </a:solidFill>
+                          <a:latin typeface="+mn-lt"/>
+                          <a:ea typeface="+mn-ea"/>
+                          <a:cs typeface="+mn-cs"/>
+                        </a:rPr>
+                        <a:t>#</a:t>
+                      </a:r>
+                      <a:endParaRPr lang="zh-TW" altLang="en-US" sz="1200" b="0" kern="1200" dirty="0">
+                        <a:solidFill>
+                          <a:schemeClr val="dk1"/>
+                        </a:solidFill>
+                        <a:latin typeface="+mn-lt"/>
+                        <a:ea typeface="+mn-ea"/>
+                        <a:cs typeface="+mn-cs"/>
+                      </a:endParaRPr>
+                    </a:p>
+                  </a:txBody>
+                  <a:tcPr marL="57600" marR="58695" marT="29348" marB="29348"/>
+                </a:tc>
+                <a:tc>
+                  <a:txBody>
+                    <a:bodyPr/>
+                    <a:lstStyle/>
+                    <a:p>
+                      <a:pPr marL="0" algn="ctr" defTabSz="685800" rtl="0" eaLnBrk="1" latinLnBrk="0" hangingPunct="1"/>
+                      <a:r>
+                        <a:rPr lang="en-US" altLang="zh-TW" sz="1200" b="0" kern="1200" dirty="0">
+                          <a:solidFill>
+                            <a:schemeClr val="dk1"/>
+                          </a:solidFill>
+                          <a:latin typeface="+mn-lt"/>
+                          <a:ea typeface="+mn-ea"/>
+                          <a:cs typeface="+mn-cs"/>
+                        </a:rPr>
+                        <a:t>edge</a:t>
+                      </a:r>
+                      <a:endParaRPr lang="zh-TW" altLang="en-US" sz="1200" b="0" kern="1200" dirty="0">
+                        <a:solidFill>
+                          <a:schemeClr val="dk1"/>
+                        </a:solidFill>
+                        <a:latin typeface="+mn-lt"/>
+                        <a:ea typeface="+mn-ea"/>
+                        <a:cs typeface="+mn-cs"/>
+                      </a:endParaRPr>
+                    </a:p>
+                  </a:txBody>
+                  <a:tcPr marL="57600" marR="58695" marT="29348" marB="29348"/>
+                </a:tc>
+                <a:tc>
+                  <a:txBody>
+                    <a:bodyPr/>
+                    <a:lstStyle/>
+                    <a:p>
+                      <a:pPr marL="0" algn="ctr" defTabSz="685800" rtl="0" eaLnBrk="1" latinLnBrk="0" hangingPunct="1"/>
+                      <a:r>
+                        <a:rPr lang="en-US" altLang="zh-TW" sz="1200" b="0" kern="1200" dirty="0">
+                          <a:solidFill>
+                            <a:schemeClr val="dk1"/>
+                          </a:solidFill>
+                        </a:rPr>
+                        <a:t>cost</a:t>
+                      </a:r>
+                      <a:endParaRPr lang="zh-TW" altLang="en-US" sz="1200" b="0" kern="1200" dirty="0">
+                        <a:solidFill>
+                          <a:schemeClr val="dk1"/>
+                        </a:solidFill>
+                        <a:latin typeface="+mn-lt"/>
+                        <a:ea typeface="+mn-ea"/>
+                        <a:cs typeface="+mn-cs"/>
+                      </a:endParaRPr>
+                    </a:p>
+                  </a:txBody>
+                  <a:tcPr marL="58695" marR="58695" marT="29348" marB="29348"/>
+                </a:tc>
+                <a:extLst>
+                  <a:ext uri="{0D108BD9-81ED-4DB2-BD59-A6C34878D82A}">
+                    <a16:rowId xmlns:a16="http://schemas.microsoft.com/office/drawing/2014/main" val="3955762702"/>
+                  </a:ext>
+                </a:extLst>
+              </a:tr>
+              <a:tr h="238042">
+                <a:tc>
+                  <a:txBody>
+                    <a:bodyPr/>
+                    <a:lstStyle/>
+                    <a:p>
+                      <a:pPr marL="0" algn="ctr" defTabSz="685800" rtl="0" eaLnBrk="1" latinLnBrk="0" hangingPunct="1"/>
+                      <a:r>
+                        <a:rPr lang="en-US" altLang="zh-TW" sz="1200" b="0" kern="1200" dirty="0">
+                          <a:solidFill>
+                            <a:schemeClr val="tx1"/>
+                          </a:solidFill>
+                          <a:latin typeface="+mn-lt"/>
+                          <a:ea typeface="+mn-ea"/>
+                          <a:cs typeface="+mn-cs"/>
+                        </a:rPr>
+                        <a:t>5</a:t>
+                      </a:r>
+                      <a:endParaRPr lang="zh-TW" altLang="en-US" sz="1200" b="0" kern="1200" dirty="0">
+                        <a:solidFill>
+                          <a:schemeClr val="tx1"/>
+                        </a:solidFill>
+                        <a:latin typeface="+mn-lt"/>
+                        <a:ea typeface="+mn-ea"/>
+                        <a:cs typeface="+mn-cs"/>
+                      </a:endParaRPr>
+                    </a:p>
+                  </a:txBody>
+                  <a:tcPr marL="58695" marR="58695" marT="29348" marB="29348"/>
+                </a:tc>
+                <a:tc>
+                  <a:txBody>
+                    <a:bodyPr/>
+                    <a:lstStyle/>
+                    <a:p>
+                      <a:pPr marL="0" algn="ctr" defTabSz="685800" rtl="0" eaLnBrk="1" latinLnBrk="0" hangingPunct="1"/>
+                      <a:r>
+                        <a:rPr lang="en-US" altLang="zh-TW" sz="1200" kern="1200" dirty="0">
+                          <a:solidFill>
+                            <a:schemeClr val="dk1"/>
+                          </a:solidFill>
+                          <a:latin typeface="+mn-lt"/>
+                          <a:ea typeface="+mn-ea"/>
+                          <a:cs typeface="+mn-cs"/>
+                        </a:rPr>
+                        <a:t>A </a:t>
+                      </a:r>
+                      <a:r>
+                        <a:rPr kumimoji="1" lang="en-US" altLang="zh-TW" sz="1200" b="0" dirty="0">
+                          <a:solidFill>
+                            <a:schemeClr val="tx1"/>
+                          </a:solidFill>
+                        </a:rPr>
+                        <a:t>→ D</a:t>
+                      </a:r>
+                      <a:endParaRPr lang="zh-TW" altLang="en-US" sz="1200" b="0" kern="1200" dirty="0">
+                        <a:solidFill>
+                          <a:schemeClr val="tx1"/>
+                        </a:solidFill>
+                        <a:latin typeface="+mn-lt"/>
+                        <a:ea typeface="+mn-ea"/>
+                        <a:cs typeface="+mn-cs"/>
+                      </a:endParaRPr>
+                    </a:p>
+                  </a:txBody>
+                  <a:tcPr marL="58695" marR="58695" marT="29348" marB="29348"/>
+                </a:tc>
+                <a:tc>
+                  <a:txBody>
+                    <a:bodyPr/>
+                    <a:lstStyle/>
+                    <a:p>
+                      <a:pPr marL="0" algn="ctr" defTabSz="685800" rtl="0" eaLnBrk="1" latinLnBrk="0" hangingPunct="1"/>
+                      <a:r>
+                        <a:rPr lang="en-US" altLang="zh-TW" sz="1200" kern="1200" dirty="0">
+                          <a:solidFill>
+                            <a:schemeClr val="dk1"/>
+                          </a:solidFill>
+                          <a:latin typeface="+mn-lt"/>
+                          <a:ea typeface="+mn-ea"/>
+                          <a:cs typeface="+mn-cs"/>
+                        </a:rPr>
+                        <a:t>2</a:t>
+                      </a:r>
+                      <a:endParaRPr lang="zh-TW" altLang="en-US" sz="1200" kern="1200" dirty="0">
+                        <a:solidFill>
+                          <a:schemeClr val="dk1"/>
+                        </a:solidFill>
+                        <a:latin typeface="+mn-lt"/>
+                        <a:ea typeface="+mn-ea"/>
+                        <a:cs typeface="+mn-cs"/>
+                      </a:endParaRPr>
+                    </a:p>
+                  </a:txBody>
+                  <a:tcPr marL="58695" marR="58695" marT="29348" marB="29348"/>
+                </a:tc>
+                <a:extLst>
+                  <a:ext uri="{0D108BD9-81ED-4DB2-BD59-A6C34878D82A}">
+                    <a16:rowId xmlns:a16="http://schemas.microsoft.com/office/drawing/2014/main" val="3076272135"/>
+                  </a:ext>
+                </a:extLst>
+              </a:tr>
+              <a:tr h="238042">
+                <a:tc>
+                  <a:txBody>
+                    <a:bodyPr/>
+                    <a:lstStyle/>
+                    <a:p>
+                      <a:pPr marL="0" algn="ctr" defTabSz="685800" rtl="0" eaLnBrk="1" latinLnBrk="0" hangingPunct="1"/>
+                      <a:r>
+                        <a:rPr lang="en-US" altLang="zh-TW" sz="1200" b="0" kern="1200" dirty="0">
+                          <a:solidFill>
+                            <a:schemeClr val="tx1"/>
+                          </a:solidFill>
+                          <a:latin typeface="+mn-lt"/>
+                          <a:ea typeface="+mn-ea"/>
+                          <a:cs typeface="+mn-cs"/>
+                        </a:rPr>
+                        <a:t>6</a:t>
+                      </a:r>
+                      <a:endParaRPr lang="zh-TW" altLang="en-US" sz="1200" b="0" kern="1200" dirty="0">
+                        <a:solidFill>
+                          <a:schemeClr val="tx1"/>
+                        </a:solidFill>
+                        <a:latin typeface="+mn-lt"/>
+                        <a:ea typeface="+mn-ea"/>
+                        <a:cs typeface="+mn-cs"/>
+                      </a:endParaRPr>
+                    </a:p>
+                  </a:txBody>
+                  <a:tcPr marL="58695" marR="58695" marT="29348" marB="29348"/>
+                </a:tc>
+                <a:tc>
+                  <a:txBody>
+                    <a:bodyPr/>
+                    <a:lstStyle/>
+                    <a:p>
+                      <a:pPr marL="0" algn="ctr" defTabSz="685800" rtl="0" eaLnBrk="1" latinLnBrk="0" hangingPunct="1"/>
+                      <a:r>
+                        <a:rPr lang="en-US" altLang="zh-TW" sz="1200" kern="1200" dirty="0">
+                          <a:solidFill>
+                            <a:schemeClr val="dk1"/>
+                          </a:solidFill>
+                          <a:latin typeface="+mn-lt"/>
+                          <a:ea typeface="+mn-ea"/>
+                          <a:cs typeface="+mn-cs"/>
+                        </a:rPr>
+                        <a:t>E </a:t>
+                      </a:r>
+                      <a:r>
+                        <a:rPr kumimoji="1" lang="en-US" altLang="zh-TW" sz="1200" b="0" dirty="0">
+                          <a:solidFill>
+                            <a:schemeClr val="tx1"/>
+                          </a:solidFill>
+                        </a:rPr>
+                        <a:t>→ D</a:t>
+                      </a:r>
+                      <a:endParaRPr lang="zh-TW" altLang="en-US" sz="1200" b="0" kern="1200" dirty="0">
+                        <a:solidFill>
+                          <a:schemeClr val="tx1"/>
+                        </a:solidFill>
+                        <a:latin typeface="+mn-lt"/>
+                        <a:ea typeface="+mn-ea"/>
+                        <a:cs typeface="+mn-cs"/>
+                      </a:endParaRPr>
+                    </a:p>
+                  </a:txBody>
+                  <a:tcPr marL="58695" marR="58695" marT="29348" marB="29348"/>
+                </a:tc>
+                <a:tc>
+                  <a:txBody>
+                    <a:bodyPr/>
+                    <a:lstStyle/>
+                    <a:p>
+                      <a:pPr marL="0" algn="ctr" defTabSz="685800" rtl="0" eaLnBrk="1" latinLnBrk="0" hangingPunct="1"/>
+                      <a:r>
+                        <a:rPr lang="en-US" altLang="zh-TW" sz="1200" kern="1200" dirty="0">
+                          <a:solidFill>
+                            <a:schemeClr val="dk1"/>
+                          </a:solidFill>
+                          <a:latin typeface="+mn-lt"/>
+                          <a:ea typeface="+mn-ea"/>
+                          <a:cs typeface="+mn-cs"/>
+                        </a:rPr>
+                        <a:t>2</a:t>
+                      </a:r>
+                      <a:endParaRPr lang="zh-TW" altLang="en-US" sz="1200" kern="1200" dirty="0">
+                        <a:solidFill>
+                          <a:schemeClr val="dk1"/>
+                        </a:solidFill>
+                        <a:latin typeface="+mn-lt"/>
+                        <a:ea typeface="+mn-ea"/>
+                        <a:cs typeface="+mn-cs"/>
+                      </a:endParaRPr>
+                    </a:p>
+                  </a:txBody>
+                  <a:tcPr marL="58695" marR="58695" marT="29348" marB="29348"/>
+                </a:tc>
+                <a:extLst>
+                  <a:ext uri="{0D108BD9-81ED-4DB2-BD59-A6C34878D82A}">
+                    <a16:rowId xmlns:a16="http://schemas.microsoft.com/office/drawing/2014/main" val="3991906144"/>
+                  </a:ext>
+                </a:extLst>
+              </a:tr>
+              <a:tr h="238042">
+                <a:tc>
+                  <a:txBody>
+                    <a:bodyPr/>
+                    <a:lstStyle/>
+                    <a:p>
+                      <a:pPr marL="0" marR="0" lvl="0" indent="0" algn="ctr" defTabSz="685800" rtl="0" eaLnBrk="1" fontAlgn="auto" latinLnBrk="0" hangingPunct="1">
+                        <a:lnSpc>
+                          <a:spcPct val="100000"/>
+                        </a:lnSpc>
+                        <a:spcBef>
+                          <a:spcPts val="0"/>
+                        </a:spcBef>
+                        <a:spcAft>
+                          <a:spcPts val="0"/>
+                        </a:spcAft>
+                        <a:buClrTx/>
+                        <a:buSzTx/>
+                        <a:buFontTx/>
+                        <a:buNone/>
+                        <a:tabLst/>
+                        <a:defRPr/>
+                      </a:pPr>
+                      <a:r>
+                        <a:rPr lang="en-US" altLang="zh-TW" sz="1200" kern="1200" dirty="0">
+                          <a:solidFill>
+                            <a:schemeClr val="dk1"/>
+                          </a:solidFill>
+                          <a:latin typeface="+mn-lt"/>
+                          <a:ea typeface="+mn-ea"/>
+                          <a:cs typeface="+mn-cs"/>
+                        </a:rPr>
+                        <a:t>7</a:t>
+                      </a:r>
+                      <a:endParaRPr lang="zh-TW" altLang="en-US" sz="1200" kern="1200" dirty="0">
+                        <a:solidFill>
+                          <a:schemeClr val="dk1"/>
+                        </a:solidFill>
+                        <a:latin typeface="+mn-lt"/>
+                        <a:ea typeface="+mn-ea"/>
+                        <a:cs typeface="+mn-cs"/>
+                      </a:endParaRPr>
+                    </a:p>
+                  </a:txBody>
+                  <a:tcPr marL="58695" marR="58695" marT="29348" marB="29348"/>
+                </a:tc>
+                <a:tc>
+                  <a:txBody>
+                    <a:bodyPr/>
+                    <a:lstStyle/>
+                    <a:p>
+                      <a:pPr marL="0" marR="0" lvl="0" indent="0" algn="ctr" defTabSz="685800" rtl="0" eaLnBrk="1" fontAlgn="auto" latinLnBrk="0" hangingPunct="1">
+                        <a:lnSpc>
+                          <a:spcPct val="100000"/>
+                        </a:lnSpc>
+                        <a:spcBef>
+                          <a:spcPts val="0"/>
+                        </a:spcBef>
+                        <a:spcAft>
+                          <a:spcPts val="0"/>
+                        </a:spcAft>
+                        <a:buClrTx/>
+                        <a:buSzTx/>
+                        <a:buFontTx/>
+                        <a:buNone/>
+                        <a:tabLst/>
+                        <a:defRPr/>
+                      </a:pPr>
+                      <a:r>
+                        <a:rPr lang="en-US" altLang="zh-TW" sz="1200" kern="1200" dirty="0">
+                          <a:solidFill>
+                            <a:schemeClr val="dk1"/>
+                          </a:solidFill>
+                          <a:latin typeface="+mn-lt"/>
+                          <a:ea typeface="+mn-ea"/>
+                          <a:cs typeface="+mn-cs"/>
+                        </a:rPr>
+                        <a:t>B </a:t>
+                      </a:r>
+                      <a:r>
+                        <a:rPr kumimoji="1" lang="en-US" altLang="zh-TW" sz="1200" b="0" dirty="0">
+                          <a:solidFill>
+                            <a:schemeClr val="tx1"/>
+                          </a:solidFill>
+                        </a:rPr>
+                        <a:t>→ C</a:t>
+                      </a:r>
+                      <a:endParaRPr lang="zh-TW" altLang="en-US" sz="1200" kern="1200" dirty="0">
+                        <a:solidFill>
+                          <a:schemeClr val="dk1"/>
+                        </a:solidFill>
+                        <a:latin typeface="+mn-lt"/>
+                        <a:ea typeface="+mn-ea"/>
+                        <a:cs typeface="+mn-cs"/>
+                      </a:endParaRPr>
+                    </a:p>
+                  </a:txBody>
+                  <a:tcPr marL="58695" marR="58695" marT="29348" marB="29348"/>
+                </a:tc>
+                <a:tc>
+                  <a:txBody>
+                    <a:bodyPr/>
+                    <a:lstStyle/>
+                    <a:p>
+                      <a:pPr marL="0" algn="ctr" defTabSz="685800" rtl="0" eaLnBrk="1" latinLnBrk="0" hangingPunct="1"/>
+                      <a:r>
+                        <a:rPr lang="en-US" altLang="zh-TW" sz="1200" b="0" kern="1200" dirty="0">
+                          <a:solidFill>
+                            <a:schemeClr val="dk1"/>
+                          </a:solidFill>
+                          <a:latin typeface="+mn-lt"/>
+                          <a:ea typeface="+mn-ea"/>
+                          <a:cs typeface="+mn-cs"/>
+                        </a:rPr>
+                        <a:t>3</a:t>
+                      </a:r>
+                      <a:endParaRPr lang="zh-TW" altLang="en-US" sz="1200" b="0" kern="1200" dirty="0">
+                        <a:solidFill>
+                          <a:schemeClr val="dk1"/>
+                        </a:solidFill>
+                        <a:latin typeface="+mn-lt"/>
+                        <a:ea typeface="+mn-ea"/>
+                        <a:cs typeface="+mn-cs"/>
+                      </a:endParaRPr>
+                    </a:p>
+                  </a:txBody>
+                  <a:tcPr marL="58695" marR="58695" marT="29348" marB="29348"/>
+                </a:tc>
+                <a:extLst>
+                  <a:ext uri="{0D108BD9-81ED-4DB2-BD59-A6C34878D82A}">
+                    <a16:rowId xmlns:a16="http://schemas.microsoft.com/office/drawing/2014/main" val="809511413"/>
+                  </a:ext>
+                </a:extLst>
+              </a:tr>
+              <a:tr h="238042">
+                <a:tc>
+                  <a:txBody>
+                    <a:bodyPr/>
+                    <a:lstStyle/>
+                    <a:p>
+                      <a:pPr marL="0" marR="0" lvl="0" indent="0" algn="ctr" defTabSz="685800" rtl="0" eaLnBrk="1" fontAlgn="auto" latinLnBrk="0" hangingPunct="1">
+                        <a:lnSpc>
+                          <a:spcPct val="100000"/>
+                        </a:lnSpc>
+                        <a:spcBef>
+                          <a:spcPts val="0"/>
+                        </a:spcBef>
+                        <a:spcAft>
+                          <a:spcPts val="0"/>
+                        </a:spcAft>
+                        <a:buClrTx/>
+                        <a:buSzTx/>
+                        <a:buFontTx/>
+                        <a:buNone/>
+                        <a:tabLst/>
+                        <a:defRPr/>
+                      </a:pPr>
+                      <a:endParaRPr lang="zh-TW" altLang="en-US" sz="1200" kern="1200" dirty="0">
+                        <a:solidFill>
+                          <a:schemeClr val="dk1"/>
+                        </a:solidFill>
+                        <a:latin typeface="+mn-lt"/>
+                        <a:ea typeface="+mn-ea"/>
+                        <a:cs typeface="+mn-cs"/>
+                      </a:endParaRPr>
+                    </a:p>
+                  </a:txBody>
+                  <a:tcPr marL="58695" marR="58695" marT="29348" marB="29348"/>
+                </a:tc>
+                <a:tc>
+                  <a:txBody>
+                    <a:bodyPr/>
+                    <a:lstStyle/>
+                    <a:p>
+                      <a:pPr marL="0" marR="0" lvl="0" indent="0" algn="ctr" defTabSz="685800" rtl="0" eaLnBrk="1" fontAlgn="auto" latinLnBrk="0" hangingPunct="1">
+                        <a:lnSpc>
+                          <a:spcPct val="100000"/>
+                        </a:lnSpc>
+                        <a:spcBef>
+                          <a:spcPts val="0"/>
+                        </a:spcBef>
+                        <a:spcAft>
+                          <a:spcPts val="0"/>
+                        </a:spcAft>
+                        <a:buClrTx/>
+                        <a:buSzTx/>
+                        <a:buFontTx/>
+                        <a:buNone/>
+                        <a:tabLst/>
+                        <a:defRPr/>
+                      </a:pPr>
+                      <a:endParaRPr lang="zh-TW" altLang="en-US" sz="1200" kern="1200" dirty="0">
+                        <a:solidFill>
+                          <a:schemeClr val="dk1"/>
+                        </a:solidFill>
+                        <a:latin typeface="+mn-lt"/>
+                        <a:ea typeface="+mn-ea"/>
+                        <a:cs typeface="+mn-cs"/>
+                      </a:endParaRPr>
+                    </a:p>
+                  </a:txBody>
+                  <a:tcPr marL="58695" marR="58695" marT="29348" marB="29348"/>
+                </a:tc>
+                <a:tc>
+                  <a:txBody>
+                    <a:bodyPr/>
+                    <a:lstStyle/>
+                    <a:p>
+                      <a:pPr marL="0" algn="ctr" defTabSz="685800" rtl="0" eaLnBrk="1" latinLnBrk="0" hangingPunct="1"/>
+                      <a:endParaRPr lang="zh-TW" altLang="en-US" sz="1200" kern="1200" dirty="0">
+                        <a:solidFill>
+                          <a:schemeClr val="dk1"/>
+                        </a:solidFill>
+                        <a:latin typeface="+mn-lt"/>
+                        <a:ea typeface="+mn-ea"/>
+                        <a:cs typeface="+mn-cs"/>
+                      </a:endParaRPr>
+                    </a:p>
+                  </a:txBody>
+                  <a:tcPr marL="58695" marR="58695" marT="29348" marB="29348"/>
+                </a:tc>
+                <a:extLst>
+                  <a:ext uri="{0D108BD9-81ED-4DB2-BD59-A6C34878D82A}">
+                    <a16:rowId xmlns:a16="http://schemas.microsoft.com/office/drawing/2014/main" val="2676381122"/>
+                  </a:ext>
+                </a:extLst>
+              </a:tr>
+            </a:tbl>
+          </a:graphicData>
+        </a:graphic>
+      </p:graphicFrame>
+      <p:sp>
+        <p:nvSpPr>
+          <p:cNvPr id="44" name="文字方塊 43">
+            <a:extLst>
+              <a:ext uri="{FF2B5EF4-FFF2-40B4-BE49-F238E27FC236}">
+                <a16:creationId xmlns:a16="http://schemas.microsoft.com/office/drawing/2014/main" id="{B3B64D97-5C4C-3E40-BA2E-C2E42BF942A5}"/>
+              </a:ext>
+            </a:extLst>
+          </p:cNvPr>
+          <p:cNvSpPr txBox="1"/>
+          <p:nvPr/>
+        </p:nvSpPr>
+        <p:spPr>
+          <a:xfrm>
+            <a:off x="3864478" y="4157104"/>
+            <a:ext cx="834074" cy="276999"/>
+          </a:xfrm>
+          <a:prstGeom prst="rect">
+            <a:avLst/>
+          </a:prstGeom>
+          <a:noFill/>
+        </p:spPr>
+        <p:txBody>
+          <a:bodyPr wrap="none" rtlCol="0">
+            <a:spAutoFit/>
+          </a:bodyPr>
+          <a:lstStyle/>
+          <a:p>
+            <a:r>
+              <a:rPr kumimoji="1" lang="en-US" altLang="zh-TW" sz="1200" dirty="0"/>
+              <a:t>Iteration 3</a:t>
+            </a:r>
+            <a:endParaRPr kumimoji="1" lang="zh-TW" altLang="en-US" sz="1200" b="1" dirty="0"/>
+          </a:p>
+        </p:txBody>
+      </p:sp>
+      <p:graphicFrame>
+        <p:nvGraphicFramePr>
+          <p:cNvPr id="45" name="表格 56">
+            <a:extLst>
+              <a:ext uri="{FF2B5EF4-FFF2-40B4-BE49-F238E27FC236}">
+                <a16:creationId xmlns:a16="http://schemas.microsoft.com/office/drawing/2014/main" id="{F61CCC53-3491-4646-8836-3C992103878B}"/>
+              </a:ext>
+            </a:extLst>
+          </p:cNvPr>
+          <p:cNvGraphicFramePr>
+            <a:graphicFrameLocks noGrp="1"/>
+          </p:cNvGraphicFramePr>
+          <p:nvPr>
+            <p:extLst>
+              <p:ext uri="{D42A27DB-BD31-4B8C-83A1-F6EECF244321}">
+                <p14:modId xmlns:p14="http://schemas.microsoft.com/office/powerpoint/2010/main" val="2879834626"/>
+              </p:ext>
+            </p:extLst>
+          </p:nvPr>
+        </p:nvGraphicFramePr>
+        <p:xfrm>
+          <a:off x="3447935" y="4397879"/>
+          <a:ext cx="1667161" cy="1449456"/>
+        </p:xfrm>
+        <a:graphic>
+          <a:graphicData uri="http://schemas.openxmlformats.org/drawingml/2006/table">
+            <a:tbl>
+              <a:tblPr firstRow="1" bandRow="1">
+                <a:tableStyleId>{5C22544A-7EE6-4342-B048-85BDC9FD1C3A}</a:tableStyleId>
+              </a:tblPr>
+              <a:tblGrid>
+                <a:gridCol w="536348">
+                  <a:extLst>
+                    <a:ext uri="{9D8B030D-6E8A-4147-A177-3AD203B41FA5}">
+                      <a16:colId xmlns:a16="http://schemas.microsoft.com/office/drawing/2014/main" val="3247701678"/>
+                    </a:ext>
+                  </a:extLst>
+                </a:gridCol>
+                <a:gridCol w="570764">
+                  <a:extLst>
+                    <a:ext uri="{9D8B030D-6E8A-4147-A177-3AD203B41FA5}">
+                      <a16:colId xmlns:a16="http://schemas.microsoft.com/office/drawing/2014/main" val="2128976714"/>
+                    </a:ext>
+                  </a:extLst>
+                </a:gridCol>
+                <a:gridCol w="560049">
+                  <a:extLst>
+                    <a:ext uri="{9D8B030D-6E8A-4147-A177-3AD203B41FA5}">
+                      <a16:colId xmlns:a16="http://schemas.microsoft.com/office/drawing/2014/main" val="4013374876"/>
+                    </a:ext>
+                  </a:extLst>
+                </a:gridCol>
+              </a:tblGrid>
+              <a:tr h="238042">
+                <a:tc>
+                  <a:txBody>
+                    <a:bodyPr/>
+                    <a:lstStyle/>
+                    <a:p>
+                      <a:pPr marL="0" algn="ctr" defTabSz="685800" rtl="0" eaLnBrk="1" latinLnBrk="0" hangingPunct="1"/>
+                      <a:r>
+                        <a:rPr lang="en-US" altLang="zh-TW" sz="1200" b="0" kern="1200" dirty="0">
+                          <a:solidFill>
+                            <a:schemeClr val="bg1"/>
+                          </a:solidFill>
+                        </a:rPr>
+                        <a:t>vertex</a:t>
+                      </a:r>
+                      <a:endParaRPr lang="zh-TW" altLang="en-US" sz="1200" b="0" kern="1200" dirty="0">
+                        <a:solidFill>
+                          <a:schemeClr val="bg1"/>
+                        </a:solidFill>
+                        <a:latin typeface="+mn-lt"/>
+                        <a:ea typeface="+mn-ea"/>
+                        <a:cs typeface="+mn-cs"/>
+                      </a:endParaRPr>
+                    </a:p>
+                  </a:txBody>
+                  <a:tcPr marL="57600" marR="58695" marT="29348" marB="29348"/>
+                </a:tc>
+                <a:tc>
+                  <a:txBody>
+                    <a:bodyPr/>
+                    <a:lstStyle/>
+                    <a:p>
+                      <a:pPr marL="0" algn="ctr" defTabSz="685800" rtl="0" eaLnBrk="1" latinLnBrk="0" hangingPunct="1"/>
+                      <a:r>
+                        <a:rPr lang="en-US" altLang="zh-TW" sz="1200" b="0" kern="1200" dirty="0">
+                          <a:solidFill>
+                            <a:schemeClr val="bg1"/>
+                          </a:solidFill>
+                          <a:latin typeface="+mn-lt"/>
+                          <a:ea typeface="+mn-ea"/>
+                          <a:cs typeface="+mn-cs"/>
+                        </a:rPr>
+                        <a:t>weight</a:t>
+                      </a:r>
+                      <a:endParaRPr lang="zh-TW" altLang="en-US" sz="1200" b="0" kern="1200" dirty="0">
+                        <a:solidFill>
+                          <a:schemeClr val="bg1"/>
+                        </a:solidFill>
+                        <a:latin typeface="+mn-lt"/>
+                        <a:ea typeface="+mn-ea"/>
+                        <a:cs typeface="+mn-cs"/>
+                      </a:endParaRPr>
+                    </a:p>
+                  </a:txBody>
+                  <a:tcPr marL="57600" marR="58695" marT="29348" marB="29348"/>
+                </a:tc>
+                <a:tc>
+                  <a:txBody>
+                    <a:bodyPr/>
+                    <a:lstStyle/>
+                    <a:p>
+                      <a:pPr marL="0" algn="ctr" defTabSz="685800" rtl="0" eaLnBrk="1" latinLnBrk="0" hangingPunct="1"/>
+                      <a:r>
+                        <a:rPr lang="en-US" altLang="zh-TW" sz="1200" b="0" kern="1200" dirty="0">
+                          <a:solidFill>
+                            <a:schemeClr val="bg1"/>
+                          </a:solidFill>
+                          <a:latin typeface="+mn-lt"/>
+                          <a:ea typeface="+mn-ea"/>
+                          <a:cs typeface="+mn-cs"/>
+                        </a:rPr>
+                        <a:t>parent</a:t>
+                      </a:r>
+                      <a:endParaRPr lang="zh-TW" altLang="en-US" sz="1200" b="0" kern="1200" dirty="0">
+                        <a:solidFill>
+                          <a:schemeClr val="bg1"/>
+                        </a:solidFill>
+                        <a:latin typeface="+mn-lt"/>
+                        <a:ea typeface="+mn-ea"/>
+                        <a:cs typeface="+mn-cs"/>
+                      </a:endParaRPr>
+                    </a:p>
+                  </a:txBody>
+                  <a:tcPr marL="58695" marR="58695" marT="29348" marB="29348"/>
+                </a:tc>
+                <a:extLst>
+                  <a:ext uri="{0D108BD9-81ED-4DB2-BD59-A6C34878D82A}">
+                    <a16:rowId xmlns:a16="http://schemas.microsoft.com/office/drawing/2014/main" val="3955762702"/>
+                  </a:ext>
+                </a:extLst>
+              </a:tr>
+              <a:tr h="238042">
+                <a:tc>
+                  <a:txBody>
+                    <a:bodyPr/>
+                    <a:lstStyle/>
+                    <a:p>
+                      <a:pPr marL="0" algn="ctr" defTabSz="685800" rtl="0" eaLnBrk="1" latinLnBrk="0" hangingPunct="1"/>
+                      <a:r>
+                        <a:rPr lang="en-US" altLang="zh-TW" sz="1200" kern="1200" dirty="0">
+                          <a:solidFill>
+                            <a:schemeClr val="dk1"/>
+                          </a:solidFill>
+                        </a:rPr>
+                        <a:t>A</a:t>
+                      </a:r>
+                      <a:endParaRPr lang="zh-TW" altLang="en-US" sz="1200" kern="1200" dirty="0">
+                        <a:solidFill>
+                          <a:schemeClr val="dk1"/>
+                        </a:solidFill>
+                        <a:latin typeface="+mn-lt"/>
+                        <a:ea typeface="+mn-ea"/>
+                        <a:cs typeface="+mn-cs"/>
+                      </a:endParaRPr>
+                    </a:p>
+                  </a:txBody>
+                  <a:tcPr marL="58695" marR="58695" marT="29348" marB="29348"/>
+                </a:tc>
+                <a:tc>
+                  <a:txBody>
+                    <a:bodyPr/>
+                    <a:lstStyle/>
+                    <a:p>
+                      <a:pPr marL="0" algn="ctr" defTabSz="685800" rtl="0" eaLnBrk="1" latinLnBrk="0" hangingPunct="1"/>
+                      <a:r>
+                        <a:rPr lang="en-US" altLang="zh-TW" sz="1200" kern="1200" dirty="0">
+                          <a:solidFill>
+                            <a:schemeClr val="dk1"/>
+                          </a:solidFill>
+                          <a:latin typeface="+mn-lt"/>
+                          <a:ea typeface="+mn-ea"/>
+                          <a:cs typeface="+mn-cs"/>
+                        </a:rPr>
+                        <a:t>0</a:t>
+                      </a:r>
+                      <a:endParaRPr lang="zh-TW" altLang="en-US" sz="1200" kern="1200" dirty="0">
+                        <a:solidFill>
+                          <a:schemeClr val="dk1"/>
+                        </a:solidFill>
+                        <a:latin typeface="+mn-lt"/>
+                        <a:ea typeface="+mn-ea"/>
+                        <a:cs typeface="+mn-cs"/>
+                      </a:endParaRPr>
+                    </a:p>
+                  </a:txBody>
+                  <a:tcPr marL="58695" marR="58695" marT="29348" marB="29348"/>
+                </a:tc>
+                <a:tc>
+                  <a:txBody>
+                    <a:bodyPr/>
+                    <a:lstStyle/>
+                    <a:p>
+                      <a:pPr marL="0" algn="ctr" defTabSz="685800" rtl="0" eaLnBrk="1" latinLnBrk="0" hangingPunct="1"/>
+                      <a:r>
+                        <a:rPr lang="en-US" altLang="zh-TW" sz="1200" kern="1200" dirty="0">
+                          <a:solidFill>
+                            <a:schemeClr val="dk1"/>
+                          </a:solidFill>
+                          <a:latin typeface="+mn-lt"/>
+                          <a:ea typeface="+mn-ea"/>
+                          <a:cs typeface="+mn-cs"/>
+                        </a:rPr>
+                        <a:t>-</a:t>
+                      </a:r>
+                      <a:endParaRPr lang="zh-TW" altLang="en-US" sz="1200" kern="1200" dirty="0">
+                        <a:solidFill>
+                          <a:schemeClr val="dk1"/>
+                        </a:solidFill>
+                        <a:latin typeface="+mn-lt"/>
+                        <a:ea typeface="+mn-ea"/>
+                        <a:cs typeface="+mn-cs"/>
+                      </a:endParaRPr>
+                    </a:p>
+                  </a:txBody>
+                  <a:tcPr marL="58695" marR="58695" marT="29348" marB="29348"/>
+                </a:tc>
+                <a:extLst>
+                  <a:ext uri="{0D108BD9-81ED-4DB2-BD59-A6C34878D82A}">
+                    <a16:rowId xmlns:a16="http://schemas.microsoft.com/office/drawing/2014/main" val="3991906144"/>
+                  </a:ext>
+                </a:extLst>
+              </a:tr>
+              <a:tr h="238042">
+                <a:tc>
+                  <a:txBody>
+                    <a:bodyPr/>
+                    <a:lstStyle/>
+                    <a:p>
+                      <a:pPr marL="0" algn="ctr" defTabSz="685800" rtl="0" eaLnBrk="1" latinLnBrk="0" hangingPunct="1"/>
+                      <a:r>
+                        <a:rPr lang="en-US" altLang="zh-TW" sz="1200" kern="1200" dirty="0">
+                          <a:solidFill>
+                            <a:schemeClr val="tx1"/>
+                          </a:solidFill>
+                        </a:rPr>
+                        <a:t>B</a:t>
+                      </a:r>
+                      <a:endParaRPr lang="zh-TW" altLang="en-US" sz="1200" kern="1200" dirty="0">
+                        <a:solidFill>
+                          <a:schemeClr val="tx1"/>
+                        </a:solidFill>
+                        <a:latin typeface="+mn-lt"/>
+                        <a:ea typeface="+mn-ea"/>
+                        <a:cs typeface="+mn-cs"/>
+                      </a:endParaRPr>
+                    </a:p>
+                  </a:txBody>
+                  <a:tcPr marL="58695" marR="58695" marT="29348" marB="29348"/>
+                </a:tc>
+                <a:tc>
+                  <a:txBody>
+                    <a:bodyPr/>
+                    <a:lstStyle/>
+                    <a:p>
+                      <a:pPr marL="0" algn="ctr" defTabSz="685800" rtl="0" eaLnBrk="1" latinLnBrk="0" hangingPunct="1"/>
+                      <a:r>
+                        <a:rPr lang="en-US" altLang="zh-TW" sz="1200" kern="1200" dirty="0">
+                          <a:solidFill>
+                            <a:srgbClr val="FF0000"/>
+                          </a:solidFill>
+                          <a:latin typeface="+mn-lt"/>
+                          <a:ea typeface="+mn-ea"/>
+                          <a:cs typeface="+mn-cs"/>
+                        </a:rPr>
+                        <a:t>0</a:t>
+                      </a:r>
+                      <a:endParaRPr lang="zh-TW" altLang="en-US" sz="1200" kern="1200" dirty="0">
+                        <a:solidFill>
+                          <a:srgbClr val="FF0000"/>
+                        </a:solidFill>
+                        <a:latin typeface="+mn-lt"/>
+                        <a:ea typeface="+mn-ea"/>
+                        <a:cs typeface="+mn-cs"/>
+                      </a:endParaRPr>
+                    </a:p>
+                  </a:txBody>
+                  <a:tcPr marL="58695" marR="58695" marT="29348" marB="29348"/>
+                </a:tc>
+                <a:tc>
+                  <a:txBody>
+                    <a:bodyPr/>
+                    <a:lstStyle/>
+                    <a:p>
+                      <a:pPr marL="0" algn="ctr" defTabSz="685800" rtl="0" eaLnBrk="1" latinLnBrk="0" hangingPunct="1"/>
+                      <a:r>
+                        <a:rPr lang="en-US" altLang="zh-TW" sz="1200" b="0" kern="1200" dirty="0">
+                          <a:solidFill>
+                            <a:schemeClr val="tx1"/>
+                          </a:solidFill>
+                          <a:latin typeface="+mn-lt"/>
+                          <a:ea typeface="+mn-ea"/>
+                          <a:cs typeface="+mn-cs"/>
+                        </a:rPr>
+                        <a:t>D</a:t>
+                      </a:r>
+                      <a:endParaRPr lang="zh-TW" altLang="en-US" sz="1200" b="0" kern="1200" dirty="0">
+                        <a:solidFill>
+                          <a:schemeClr val="tx1"/>
+                        </a:solidFill>
+                        <a:latin typeface="+mn-lt"/>
+                        <a:ea typeface="+mn-ea"/>
+                        <a:cs typeface="+mn-cs"/>
+                      </a:endParaRPr>
+                    </a:p>
+                  </a:txBody>
+                  <a:tcPr marL="58695" marR="58695" marT="29348" marB="29348"/>
+                </a:tc>
+                <a:extLst>
+                  <a:ext uri="{0D108BD9-81ED-4DB2-BD59-A6C34878D82A}">
+                    <a16:rowId xmlns:a16="http://schemas.microsoft.com/office/drawing/2014/main" val="809511413"/>
+                  </a:ext>
+                </a:extLst>
+              </a:tr>
+              <a:tr h="238042">
+                <a:tc>
+                  <a:txBody>
+                    <a:bodyPr/>
+                    <a:lstStyle/>
+                    <a:p>
+                      <a:pPr marL="0" algn="ctr" defTabSz="685800" rtl="0" eaLnBrk="1" latinLnBrk="0" hangingPunct="1"/>
+                      <a:r>
+                        <a:rPr lang="en-US" altLang="zh-TW" sz="1200" kern="1200" dirty="0">
+                          <a:solidFill>
+                            <a:schemeClr val="tx1"/>
+                          </a:solidFill>
+                        </a:rPr>
+                        <a:t>C</a:t>
+                      </a:r>
+                      <a:endParaRPr lang="zh-TW" altLang="en-US" sz="1200" kern="1200" dirty="0">
+                        <a:solidFill>
+                          <a:schemeClr val="tx1"/>
+                        </a:solidFill>
+                        <a:latin typeface="+mn-lt"/>
+                        <a:ea typeface="+mn-ea"/>
+                        <a:cs typeface="+mn-cs"/>
+                      </a:endParaRPr>
+                    </a:p>
+                  </a:txBody>
+                  <a:tcPr marL="58695" marR="58695" marT="29348" marB="29348"/>
+                </a:tc>
+                <a:tc>
+                  <a:txBody>
+                    <a:bodyPr/>
+                    <a:lstStyle/>
+                    <a:p>
+                      <a:pPr marL="0" algn="ctr" defTabSz="685800" rtl="0" eaLnBrk="1" latinLnBrk="0" hangingPunct="1"/>
+                      <a:r>
+                        <a:rPr lang="en-US" altLang="zh-TW" sz="1200" kern="1200" dirty="0">
+                          <a:solidFill>
+                            <a:srgbClr val="FF0000"/>
+                          </a:solidFill>
+                          <a:latin typeface="+mn-lt"/>
+                          <a:ea typeface="+mn-ea"/>
+                          <a:cs typeface="+mn-cs"/>
+                        </a:rPr>
+                        <a:t>3</a:t>
+                      </a:r>
+                      <a:endParaRPr lang="zh-TW" altLang="en-US" sz="1200" kern="1200" dirty="0">
+                        <a:solidFill>
+                          <a:srgbClr val="FF0000"/>
+                        </a:solidFill>
+                        <a:latin typeface="+mn-lt"/>
+                        <a:ea typeface="+mn-ea"/>
+                        <a:cs typeface="+mn-cs"/>
+                      </a:endParaRPr>
+                    </a:p>
+                  </a:txBody>
+                  <a:tcPr marL="58695" marR="58695" marT="29348" marB="29348"/>
+                </a:tc>
+                <a:tc>
+                  <a:txBody>
+                    <a:bodyPr/>
+                    <a:lstStyle/>
+                    <a:p>
+                      <a:pPr marL="0" algn="ctr" defTabSz="685800" rtl="0" eaLnBrk="1" latinLnBrk="0" hangingPunct="1"/>
+                      <a:r>
+                        <a:rPr lang="en-US" altLang="zh-TW" sz="1200" kern="1200" dirty="0">
+                          <a:solidFill>
+                            <a:schemeClr val="tx1"/>
+                          </a:solidFill>
+                          <a:latin typeface="+mn-lt"/>
+                          <a:ea typeface="+mn-ea"/>
+                          <a:cs typeface="+mn-cs"/>
+                        </a:rPr>
+                        <a:t>B</a:t>
+                      </a:r>
+                      <a:endParaRPr lang="zh-TW" altLang="en-US" sz="1200" kern="1200" dirty="0">
+                        <a:solidFill>
+                          <a:schemeClr val="tx1"/>
+                        </a:solidFill>
+                        <a:latin typeface="+mn-lt"/>
+                        <a:ea typeface="+mn-ea"/>
+                        <a:cs typeface="+mn-cs"/>
+                      </a:endParaRPr>
+                    </a:p>
+                  </a:txBody>
+                  <a:tcPr marL="58695" marR="58695" marT="29348" marB="29348"/>
+                </a:tc>
+                <a:extLst>
+                  <a:ext uri="{0D108BD9-81ED-4DB2-BD59-A6C34878D82A}">
+                    <a16:rowId xmlns:a16="http://schemas.microsoft.com/office/drawing/2014/main" val="2676381122"/>
+                  </a:ext>
+                </a:extLst>
+              </a:tr>
+              <a:tr h="0">
+                <a:tc>
+                  <a:txBody>
+                    <a:bodyPr/>
+                    <a:lstStyle/>
+                    <a:p>
+                      <a:pPr marL="0" algn="ctr" defTabSz="685800" rtl="0" eaLnBrk="1" latinLnBrk="0" hangingPunct="1"/>
+                      <a:r>
+                        <a:rPr lang="en-US" altLang="zh-TW" sz="1200" kern="1200" dirty="0">
+                          <a:solidFill>
+                            <a:schemeClr val="tx1"/>
+                          </a:solidFill>
+                        </a:rPr>
+                        <a:t>D</a:t>
+                      </a:r>
+                      <a:endParaRPr lang="zh-TW" altLang="en-US" sz="1200" kern="1200" dirty="0">
+                        <a:solidFill>
+                          <a:schemeClr val="tx1"/>
+                        </a:solidFill>
+                        <a:latin typeface="+mn-lt"/>
+                        <a:ea typeface="+mn-ea"/>
+                        <a:cs typeface="+mn-cs"/>
+                      </a:endParaRPr>
+                    </a:p>
+                  </a:txBody>
+                  <a:tcPr marL="58695" marR="58695" marT="29348" marB="29348"/>
+                </a:tc>
+                <a:tc>
+                  <a:txBody>
+                    <a:bodyPr/>
+                    <a:lstStyle/>
+                    <a:p>
+                      <a:pPr marL="0" algn="ctr" defTabSz="685800" rtl="0" eaLnBrk="1" latinLnBrk="0" hangingPunct="1"/>
+                      <a:r>
+                        <a:rPr lang="en-US" altLang="zh-TW" sz="1200" kern="1200" dirty="0">
+                          <a:solidFill>
+                            <a:srgbClr val="FF0000"/>
+                          </a:solidFill>
+                          <a:latin typeface="+mn-lt"/>
+                          <a:ea typeface="+mn-ea"/>
+                          <a:cs typeface="+mn-cs"/>
+                        </a:rPr>
+                        <a:t>-1</a:t>
+                      </a:r>
+                      <a:endParaRPr lang="zh-TW" altLang="en-US" sz="1200" kern="1200" dirty="0">
+                        <a:solidFill>
+                          <a:srgbClr val="FF0000"/>
+                        </a:solidFill>
+                        <a:latin typeface="+mn-lt"/>
+                        <a:ea typeface="+mn-ea"/>
+                        <a:cs typeface="+mn-cs"/>
+                      </a:endParaRPr>
+                    </a:p>
+                  </a:txBody>
+                  <a:tcPr marL="58695" marR="58695" marT="29348" marB="29348"/>
+                </a:tc>
+                <a:tc>
+                  <a:txBody>
+                    <a:bodyPr/>
+                    <a:lstStyle/>
+                    <a:p>
+                      <a:pPr marL="0" algn="ctr" defTabSz="685800" rtl="0" eaLnBrk="1" latinLnBrk="0" hangingPunct="1"/>
+                      <a:r>
+                        <a:rPr lang="en-US" altLang="zh-TW" sz="1200" kern="1200" dirty="0">
+                          <a:solidFill>
+                            <a:schemeClr val="tx1"/>
+                          </a:solidFill>
+                          <a:latin typeface="+mn-lt"/>
+                          <a:ea typeface="+mn-ea"/>
+                          <a:cs typeface="+mn-cs"/>
+                        </a:rPr>
+                        <a:t>C</a:t>
+                      </a:r>
+                      <a:endParaRPr lang="zh-TW" altLang="en-US" sz="1200" kern="1200" dirty="0">
+                        <a:solidFill>
+                          <a:schemeClr val="tx1"/>
+                        </a:solidFill>
+                        <a:latin typeface="+mn-lt"/>
+                        <a:ea typeface="+mn-ea"/>
+                        <a:cs typeface="+mn-cs"/>
+                      </a:endParaRPr>
+                    </a:p>
+                  </a:txBody>
+                  <a:tcPr marL="58695" marR="58695" marT="29348" marB="29348"/>
+                </a:tc>
+                <a:extLst>
+                  <a:ext uri="{0D108BD9-81ED-4DB2-BD59-A6C34878D82A}">
+                    <a16:rowId xmlns:a16="http://schemas.microsoft.com/office/drawing/2014/main" val="965229848"/>
+                  </a:ext>
+                </a:extLst>
+              </a:tr>
+              <a:tr h="0">
+                <a:tc>
+                  <a:txBody>
+                    <a:bodyPr/>
+                    <a:lstStyle/>
+                    <a:p>
+                      <a:pPr marL="0" algn="ctr" defTabSz="685800" rtl="0" eaLnBrk="1" latinLnBrk="0" hangingPunct="1"/>
+                      <a:r>
+                        <a:rPr lang="en-US" altLang="zh-TW" sz="1200" kern="1200" dirty="0">
+                          <a:solidFill>
+                            <a:schemeClr val="tx1"/>
+                          </a:solidFill>
+                          <a:latin typeface="+mn-lt"/>
+                          <a:ea typeface="+mn-ea"/>
+                          <a:cs typeface="+mn-cs"/>
+                        </a:rPr>
+                        <a:t>E</a:t>
+                      </a:r>
+                      <a:endParaRPr lang="zh-TW" altLang="en-US" sz="1200" kern="1200" dirty="0">
+                        <a:solidFill>
+                          <a:schemeClr val="tx1"/>
+                        </a:solidFill>
+                        <a:latin typeface="+mn-lt"/>
+                        <a:ea typeface="+mn-ea"/>
+                        <a:cs typeface="+mn-cs"/>
+                      </a:endParaRPr>
+                    </a:p>
+                  </a:txBody>
+                  <a:tcPr marL="58695" marR="58695" marT="29348" marB="29348"/>
+                </a:tc>
+                <a:tc>
+                  <a:txBody>
+                    <a:bodyPr/>
+                    <a:lstStyle/>
+                    <a:p>
+                      <a:pPr marL="0" algn="ctr" defTabSz="685800" rtl="0" eaLnBrk="1" latinLnBrk="0" hangingPunct="1"/>
+                      <a:r>
+                        <a:rPr lang="en-US" altLang="zh-TW" sz="1200" kern="1200" dirty="0">
+                          <a:solidFill>
+                            <a:srgbClr val="FF0000"/>
+                          </a:solidFill>
+                          <a:latin typeface="+mn-lt"/>
+                          <a:ea typeface="+mn-ea"/>
+                          <a:cs typeface="+mn-cs"/>
+                        </a:rPr>
+                        <a:t>11</a:t>
+                      </a:r>
+                      <a:endParaRPr lang="zh-TW" altLang="en-US" sz="1200" kern="1200" dirty="0">
+                        <a:solidFill>
+                          <a:srgbClr val="FF0000"/>
+                        </a:solidFill>
+                        <a:latin typeface="+mn-lt"/>
+                        <a:ea typeface="+mn-ea"/>
+                        <a:cs typeface="+mn-cs"/>
+                      </a:endParaRPr>
+                    </a:p>
+                  </a:txBody>
+                  <a:tcPr marL="58695" marR="58695" marT="29348" marB="29348"/>
+                </a:tc>
+                <a:tc>
+                  <a:txBody>
+                    <a:bodyPr/>
+                    <a:lstStyle/>
+                    <a:p>
+                      <a:pPr marL="0" algn="ctr" defTabSz="685800" rtl="0" eaLnBrk="1" latinLnBrk="0" hangingPunct="1"/>
+                      <a:r>
+                        <a:rPr lang="en-US" altLang="zh-TW" sz="1200" b="0" kern="1200" dirty="0">
+                          <a:solidFill>
+                            <a:schemeClr val="tx1"/>
+                          </a:solidFill>
+                          <a:latin typeface="+mn-lt"/>
+                          <a:ea typeface="+mn-ea"/>
+                          <a:cs typeface="+mn-cs"/>
+                        </a:rPr>
+                        <a:t>C</a:t>
+                      </a:r>
+                      <a:endParaRPr lang="zh-TW" altLang="en-US" sz="1200" b="0" kern="1200" dirty="0">
+                        <a:solidFill>
+                          <a:schemeClr val="tx1"/>
+                        </a:solidFill>
+                        <a:latin typeface="+mn-lt"/>
+                        <a:ea typeface="+mn-ea"/>
+                        <a:cs typeface="+mn-cs"/>
+                      </a:endParaRPr>
+                    </a:p>
+                  </a:txBody>
+                  <a:tcPr marL="58695" marR="58695" marT="29348" marB="29348"/>
+                </a:tc>
+                <a:extLst>
+                  <a:ext uri="{0D108BD9-81ED-4DB2-BD59-A6C34878D82A}">
+                    <a16:rowId xmlns:a16="http://schemas.microsoft.com/office/drawing/2014/main" val="1689420351"/>
+                  </a:ext>
+                </a:extLst>
+              </a:tr>
+            </a:tbl>
+          </a:graphicData>
+        </a:graphic>
+      </p:graphicFrame>
+      <p:sp>
+        <p:nvSpPr>
+          <p:cNvPr id="46" name="文字方塊 45">
+            <a:extLst>
+              <a:ext uri="{FF2B5EF4-FFF2-40B4-BE49-F238E27FC236}">
+                <a16:creationId xmlns:a16="http://schemas.microsoft.com/office/drawing/2014/main" id="{C8E4ADBA-2E2A-6B4B-A273-DF6DF870619D}"/>
+              </a:ext>
+            </a:extLst>
+          </p:cNvPr>
+          <p:cNvSpPr txBox="1"/>
+          <p:nvPr/>
+        </p:nvSpPr>
+        <p:spPr>
+          <a:xfrm>
+            <a:off x="5569510" y="4157104"/>
+            <a:ext cx="834074" cy="276999"/>
+          </a:xfrm>
+          <a:prstGeom prst="rect">
+            <a:avLst/>
+          </a:prstGeom>
+          <a:noFill/>
+        </p:spPr>
+        <p:txBody>
+          <a:bodyPr wrap="none" rtlCol="0">
+            <a:spAutoFit/>
+          </a:bodyPr>
+          <a:lstStyle/>
+          <a:p>
+            <a:r>
+              <a:rPr kumimoji="1" lang="en-US" altLang="zh-TW" sz="1200" dirty="0"/>
+              <a:t>Iteration 4</a:t>
+            </a:r>
+            <a:endParaRPr kumimoji="1" lang="zh-TW" altLang="en-US" sz="1200" b="1" dirty="0"/>
+          </a:p>
+        </p:txBody>
+      </p:sp>
+      <p:graphicFrame>
+        <p:nvGraphicFramePr>
+          <p:cNvPr id="47" name="表格 56">
+            <a:extLst>
+              <a:ext uri="{FF2B5EF4-FFF2-40B4-BE49-F238E27FC236}">
+                <a16:creationId xmlns:a16="http://schemas.microsoft.com/office/drawing/2014/main" id="{A3151E0D-E630-AE4B-BCE3-32CBF0E32F0F}"/>
+              </a:ext>
+            </a:extLst>
+          </p:cNvPr>
+          <p:cNvGraphicFramePr>
+            <a:graphicFrameLocks noGrp="1"/>
+          </p:cNvGraphicFramePr>
+          <p:nvPr>
+            <p:extLst>
+              <p:ext uri="{D42A27DB-BD31-4B8C-83A1-F6EECF244321}">
+                <p14:modId xmlns:p14="http://schemas.microsoft.com/office/powerpoint/2010/main" val="3787875906"/>
+              </p:ext>
+            </p:extLst>
+          </p:nvPr>
+        </p:nvGraphicFramePr>
+        <p:xfrm>
+          <a:off x="5152967" y="4397879"/>
+          <a:ext cx="1667161" cy="1449456"/>
+        </p:xfrm>
+        <a:graphic>
+          <a:graphicData uri="http://schemas.openxmlformats.org/drawingml/2006/table">
+            <a:tbl>
+              <a:tblPr firstRow="1" bandRow="1">
+                <a:tableStyleId>{5C22544A-7EE6-4342-B048-85BDC9FD1C3A}</a:tableStyleId>
+              </a:tblPr>
+              <a:tblGrid>
+                <a:gridCol w="536348">
+                  <a:extLst>
+                    <a:ext uri="{9D8B030D-6E8A-4147-A177-3AD203B41FA5}">
+                      <a16:colId xmlns:a16="http://schemas.microsoft.com/office/drawing/2014/main" val="3247701678"/>
+                    </a:ext>
+                  </a:extLst>
+                </a:gridCol>
+                <a:gridCol w="570764">
+                  <a:extLst>
+                    <a:ext uri="{9D8B030D-6E8A-4147-A177-3AD203B41FA5}">
+                      <a16:colId xmlns:a16="http://schemas.microsoft.com/office/drawing/2014/main" val="2128976714"/>
+                    </a:ext>
+                  </a:extLst>
+                </a:gridCol>
+                <a:gridCol w="560049">
+                  <a:extLst>
+                    <a:ext uri="{9D8B030D-6E8A-4147-A177-3AD203B41FA5}">
+                      <a16:colId xmlns:a16="http://schemas.microsoft.com/office/drawing/2014/main" val="4013374876"/>
+                    </a:ext>
+                  </a:extLst>
+                </a:gridCol>
+              </a:tblGrid>
+              <a:tr h="238042">
+                <a:tc>
+                  <a:txBody>
+                    <a:bodyPr/>
+                    <a:lstStyle/>
+                    <a:p>
+                      <a:pPr marL="0" algn="ctr" defTabSz="685800" rtl="0" eaLnBrk="1" latinLnBrk="0" hangingPunct="1"/>
+                      <a:r>
+                        <a:rPr lang="en-US" altLang="zh-TW" sz="1200" b="0" kern="1200" dirty="0">
+                          <a:solidFill>
+                            <a:schemeClr val="bg1"/>
+                          </a:solidFill>
+                        </a:rPr>
+                        <a:t>vertex</a:t>
+                      </a:r>
+                      <a:endParaRPr lang="zh-TW" altLang="en-US" sz="1200" b="0" kern="1200" dirty="0">
+                        <a:solidFill>
+                          <a:schemeClr val="bg1"/>
+                        </a:solidFill>
+                        <a:latin typeface="+mn-lt"/>
+                        <a:ea typeface="+mn-ea"/>
+                        <a:cs typeface="+mn-cs"/>
+                      </a:endParaRPr>
+                    </a:p>
+                  </a:txBody>
+                  <a:tcPr marL="57600" marR="58695" marT="29348" marB="29348"/>
+                </a:tc>
+                <a:tc>
+                  <a:txBody>
+                    <a:bodyPr/>
+                    <a:lstStyle/>
+                    <a:p>
+                      <a:pPr marL="0" algn="ctr" defTabSz="685800" rtl="0" eaLnBrk="1" latinLnBrk="0" hangingPunct="1"/>
+                      <a:r>
+                        <a:rPr lang="en-US" altLang="zh-TW" sz="1200" b="0" kern="1200" dirty="0">
+                          <a:solidFill>
+                            <a:schemeClr val="bg1"/>
+                          </a:solidFill>
+                          <a:latin typeface="+mn-lt"/>
+                          <a:ea typeface="+mn-ea"/>
+                          <a:cs typeface="+mn-cs"/>
+                        </a:rPr>
+                        <a:t>weight</a:t>
+                      </a:r>
+                      <a:endParaRPr lang="zh-TW" altLang="en-US" sz="1200" b="0" kern="1200" dirty="0">
+                        <a:solidFill>
+                          <a:schemeClr val="bg1"/>
+                        </a:solidFill>
+                        <a:latin typeface="+mn-lt"/>
+                        <a:ea typeface="+mn-ea"/>
+                        <a:cs typeface="+mn-cs"/>
+                      </a:endParaRPr>
+                    </a:p>
+                  </a:txBody>
+                  <a:tcPr marL="57600" marR="58695" marT="29348" marB="29348"/>
+                </a:tc>
+                <a:tc>
+                  <a:txBody>
+                    <a:bodyPr/>
+                    <a:lstStyle/>
+                    <a:p>
+                      <a:pPr marL="0" algn="ctr" defTabSz="685800" rtl="0" eaLnBrk="1" latinLnBrk="0" hangingPunct="1"/>
+                      <a:r>
+                        <a:rPr lang="en-US" altLang="zh-TW" sz="1200" b="0" kern="1200" dirty="0">
+                          <a:solidFill>
+                            <a:schemeClr val="bg1"/>
+                          </a:solidFill>
+                          <a:latin typeface="+mn-lt"/>
+                          <a:ea typeface="+mn-ea"/>
+                          <a:cs typeface="+mn-cs"/>
+                        </a:rPr>
+                        <a:t>parent</a:t>
+                      </a:r>
+                      <a:endParaRPr lang="zh-TW" altLang="en-US" sz="1200" b="0" kern="1200" dirty="0">
+                        <a:solidFill>
+                          <a:schemeClr val="bg1"/>
+                        </a:solidFill>
+                        <a:latin typeface="+mn-lt"/>
+                        <a:ea typeface="+mn-ea"/>
+                        <a:cs typeface="+mn-cs"/>
+                      </a:endParaRPr>
+                    </a:p>
+                  </a:txBody>
+                  <a:tcPr marL="58695" marR="58695" marT="29348" marB="29348"/>
+                </a:tc>
+                <a:extLst>
+                  <a:ext uri="{0D108BD9-81ED-4DB2-BD59-A6C34878D82A}">
+                    <a16:rowId xmlns:a16="http://schemas.microsoft.com/office/drawing/2014/main" val="3955762702"/>
+                  </a:ext>
+                </a:extLst>
+              </a:tr>
+              <a:tr h="238042">
+                <a:tc>
+                  <a:txBody>
+                    <a:bodyPr/>
+                    <a:lstStyle/>
+                    <a:p>
+                      <a:pPr marL="0" algn="ctr" defTabSz="685800" rtl="0" eaLnBrk="1" latinLnBrk="0" hangingPunct="1"/>
+                      <a:r>
+                        <a:rPr lang="en-US" altLang="zh-TW" sz="1200" kern="1200" dirty="0">
+                          <a:solidFill>
+                            <a:schemeClr val="dk1"/>
+                          </a:solidFill>
+                        </a:rPr>
+                        <a:t>A</a:t>
+                      </a:r>
+                      <a:endParaRPr lang="zh-TW" altLang="en-US" sz="1200" kern="1200" dirty="0">
+                        <a:solidFill>
+                          <a:schemeClr val="dk1"/>
+                        </a:solidFill>
+                        <a:latin typeface="+mn-lt"/>
+                        <a:ea typeface="+mn-ea"/>
+                        <a:cs typeface="+mn-cs"/>
+                      </a:endParaRPr>
+                    </a:p>
+                  </a:txBody>
+                  <a:tcPr marL="58695" marR="58695" marT="29348" marB="29348"/>
+                </a:tc>
+                <a:tc>
+                  <a:txBody>
+                    <a:bodyPr/>
+                    <a:lstStyle/>
+                    <a:p>
+                      <a:pPr marL="0" algn="ctr" defTabSz="685800" rtl="0" eaLnBrk="1" latinLnBrk="0" hangingPunct="1"/>
+                      <a:r>
+                        <a:rPr lang="en-US" altLang="zh-TW" sz="1200" kern="1200" dirty="0">
+                          <a:solidFill>
+                            <a:schemeClr val="dk1"/>
+                          </a:solidFill>
+                          <a:latin typeface="+mn-lt"/>
+                          <a:ea typeface="+mn-ea"/>
+                          <a:cs typeface="+mn-cs"/>
+                        </a:rPr>
+                        <a:t>0</a:t>
+                      </a:r>
+                      <a:endParaRPr lang="zh-TW" altLang="en-US" sz="1200" kern="1200" dirty="0">
+                        <a:solidFill>
+                          <a:schemeClr val="dk1"/>
+                        </a:solidFill>
+                        <a:latin typeface="+mn-lt"/>
+                        <a:ea typeface="+mn-ea"/>
+                        <a:cs typeface="+mn-cs"/>
+                      </a:endParaRPr>
+                    </a:p>
+                  </a:txBody>
+                  <a:tcPr marL="58695" marR="58695" marT="29348" marB="29348"/>
+                </a:tc>
+                <a:tc>
+                  <a:txBody>
+                    <a:bodyPr/>
+                    <a:lstStyle/>
+                    <a:p>
+                      <a:pPr marL="0" algn="ctr" defTabSz="685800" rtl="0" eaLnBrk="1" latinLnBrk="0" hangingPunct="1"/>
+                      <a:r>
+                        <a:rPr lang="en-US" altLang="zh-TW" sz="1200" kern="1200" dirty="0">
+                          <a:solidFill>
+                            <a:schemeClr val="dk1"/>
+                          </a:solidFill>
+                          <a:latin typeface="+mn-lt"/>
+                          <a:ea typeface="+mn-ea"/>
+                          <a:cs typeface="+mn-cs"/>
+                        </a:rPr>
+                        <a:t>-</a:t>
+                      </a:r>
+                      <a:endParaRPr lang="zh-TW" altLang="en-US" sz="1200" kern="1200" dirty="0">
+                        <a:solidFill>
+                          <a:schemeClr val="dk1"/>
+                        </a:solidFill>
+                        <a:latin typeface="+mn-lt"/>
+                        <a:ea typeface="+mn-ea"/>
+                        <a:cs typeface="+mn-cs"/>
+                      </a:endParaRPr>
+                    </a:p>
+                  </a:txBody>
+                  <a:tcPr marL="58695" marR="58695" marT="29348" marB="29348"/>
+                </a:tc>
+                <a:extLst>
+                  <a:ext uri="{0D108BD9-81ED-4DB2-BD59-A6C34878D82A}">
+                    <a16:rowId xmlns:a16="http://schemas.microsoft.com/office/drawing/2014/main" val="3991906144"/>
+                  </a:ext>
+                </a:extLst>
+              </a:tr>
+              <a:tr h="238042">
+                <a:tc>
+                  <a:txBody>
+                    <a:bodyPr/>
+                    <a:lstStyle/>
+                    <a:p>
+                      <a:pPr marL="0" algn="ctr" defTabSz="685800" rtl="0" eaLnBrk="1" latinLnBrk="0" hangingPunct="1"/>
+                      <a:r>
+                        <a:rPr lang="en-US" altLang="zh-TW" sz="1200" kern="1200" dirty="0">
+                          <a:solidFill>
+                            <a:schemeClr val="tx1"/>
+                          </a:solidFill>
+                        </a:rPr>
+                        <a:t>B</a:t>
+                      </a:r>
+                      <a:endParaRPr lang="zh-TW" altLang="en-US" sz="1200" kern="1200" dirty="0">
+                        <a:solidFill>
+                          <a:schemeClr val="tx1"/>
+                        </a:solidFill>
+                        <a:latin typeface="+mn-lt"/>
+                        <a:ea typeface="+mn-ea"/>
+                        <a:cs typeface="+mn-cs"/>
+                      </a:endParaRPr>
+                    </a:p>
+                  </a:txBody>
+                  <a:tcPr marL="58695" marR="58695" marT="29348" marB="29348"/>
+                </a:tc>
+                <a:tc>
+                  <a:txBody>
+                    <a:bodyPr/>
+                    <a:lstStyle/>
+                    <a:p>
+                      <a:pPr marL="0" algn="ctr" defTabSz="685800" rtl="0" eaLnBrk="1" latinLnBrk="0" hangingPunct="1"/>
+                      <a:r>
+                        <a:rPr lang="en-US" altLang="zh-TW" sz="1200" kern="1200" dirty="0">
+                          <a:solidFill>
+                            <a:srgbClr val="FF0000"/>
+                          </a:solidFill>
+                          <a:latin typeface="+mn-lt"/>
+                          <a:ea typeface="+mn-ea"/>
+                          <a:cs typeface="+mn-cs"/>
+                        </a:rPr>
+                        <a:t>-2</a:t>
+                      </a:r>
+                      <a:endParaRPr lang="zh-TW" altLang="en-US" sz="1200" kern="1200" dirty="0">
+                        <a:solidFill>
+                          <a:srgbClr val="FF0000"/>
+                        </a:solidFill>
+                        <a:latin typeface="+mn-lt"/>
+                        <a:ea typeface="+mn-ea"/>
+                        <a:cs typeface="+mn-cs"/>
+                      </a:endParaRPr>
+                    </a:p>
+                  </a:txBody>
+                  <a:tcPr marL="58695" marR="58695" marT="29348" marB="29348"/>
+                </a:tc>
+                <a:tc>
+                  <a:txBody>
+                    <a:bodyPr/>
+                    <a:lstStyle/>
+                    <a:p>
+                      <a:pPr marL="0" algn="ctr" defTabSz="685800" rtl="0" eaLnBrk="1" latinLnBrk="0" hangingPunct="1"/>
+                      <a:r>
+                        <a:rPr lang="en-US" altLang="zh-TW" sz="1200" b="0" kern="1200" dirty="0">
+                          <a:solidFill>
+                            <a:schemeClr val="tx1"/>
+                          </a:solidFill>
+                          <a:latin typeface="+mn-lt"/>
+                          <a:ea typeface="+mn-ea"/>
+                          <a:cs typeface="+mn-cs"/>
+                        </a:rPr>
+                        <a:t>D</a:t>
+                      </a:r>
+                      <a:endParaRPr lang="zh-TW" altLang="en-US" sz="1200" b="0" kern="1200" dirty="0">
+                        <a:solidFill>
+                          <a:schemeClr val="tx1"/>
+                        </a:solidFill>
+                        <a:latin typeface="+mn-lt"/>
+                        <a:ea typeface="+mn-ea"/>
+                        <a:cs typeface="+mn-cs"/>
+                      </a:endParaRPr>
+                    </a:p>
+                  </a:txBody>
+                  <a:tcPr marL="58695" marR="58695" marT="29348" marB="29348"/>
+                </a:tc>
+                <a:extLst>
+                  <a:ext uri="{0D108BD9-81ED-4DB2-BD59-A6C34878D82A}">
+                    <a16:rowId xmlns:a16="http://schemas.microsoft.com/office/drawing/2014/main" val="809511413"/>
+                  </a:ext>
+                </a:extLst>
+              </a:tr>
+              <a:tr h="238042">
+                <a:tc>
+                  <a:txBody>
+                    <a:bodyPr/>
+                    <a:lstStyle/>
+                    <a:p>
+                      <a:pPr marL="0" algn="ctr" defTabSz="685800" rtl="0" eaLnBrk="1" latinLnBrk="0" hangingPunct="1"/>
+                      <a:r>
+                        <a:rPr lang="en-US" altLang="zh-TW" sz="1200" kern="1200" dirty="0">
+                          <a:solidFill>
+                            <a:schemeClr val="tx1"/>
+                          </a:solidFill>
+                        </a:rPr>
+                        <a:t>C</a:t>
+                      </a:r>
+                      <a:endParaRPr lang="zh-TW" altLang="en-US" sz="1200" kern="1200" dirty="0">
+                        <a:solidFill>
+                          <a:schemeClr val="tx1"/>
+                        </a:solidFill>
+                        <a:latin typeface="+mn-lt"/>
+                        <a:ea typeface="+mn-ea"/>
+                        <a:cs typeface="+mn-cs"/>
+                      </a:endParaRPr>
+                    </a:p>
+                  </a:txBody>
+                  <a:tcPr marL="58695" marR="58695" marT="29348" marB="29348"/>
+                </a:tc>
+                <a:tc>
+                  <a:txBody>
+                    <a:bodyPr/>
+                    <a:lstStyle/>
+                    <a:p>
+                      <a:pPr marL="0" algn="ctr" defTabSz="685800" rtl="0" eaLnBrk="1" latinLnBrk="0" hangingPunct="1"/>
+                      <a:r>
+                        <a:rPr lang="en-US" altLang="zh-TW" sz="1200" kern="1200" dirty="0">
+                          <a:solidFill>
+                            <a:srgbClr val="FF0000"/>
+                          </a:solidFill>
+                          <a:latin typeface="+mn-lt"/>
+                          <a:ea typeface="+mn-ea"/>
+                          <a:cs typeface="+mn-cs"/>
+                        </a:rPr>
+                        <a:t>1</a:t>
+                      </a:r>
+                      <a:endParaRPr lang="zh-TW" altLang="en-US" sz="1200" kern="1200" dirty="0">
+                        <a:solidFill>
+                          <a:srgbClr val="FF0000"/>
+                        </a:solidFill>
+                        <a:latin typeface="+mn-lt"/>
+                        <a:ea typeface="+mn-ea"/>
+                        <a:cs typeface="+mn-cs"/>
+                      </a:endParaRPr>
+                    </a:p>
+                  </a:txBody>
+                  <a:tcPr marL="58695" marR="58695" marT="29348" marB="29348"/>
+                </a:tc>
+                <a:tc>
+                  <a:txBody>
+                    <a:bodyPr/>
+                    <a:lstStyle/>
+                    <a:p>
+                      <a:pPr marL="0" algn="ctr" defTabSz="685800" rtl="0" eaLnBrk="1" latinLnBrk="0" hangingPunct="1"/>
+                      <a:r>
+                        <a:rPr lang="en-US" altLang="zh-TW" sz="1200" kern="1200" dirty="0">
+                          <a:solidFill>
+                            <a:schemeClr val="tx1"/>
+                          </a:solidFill>
+                          <a:latin typeface="+mn-lt"/>
+                          <a:ea typeface="+mn-ea"/>
+                          <a:cs typeface="+mn-cs"/>
+                        </a:rPr>
+                        <a:t>B</a:t>
+                      </a:r>
+                      <a:endParaRPr lang="zh-TW" altLang="en-US" sz="1200" kern="1200" dirty="0">
+                        <a:solidFill>
+                          <a:schemeClr val="tx1"/>
+                        </a:solidFill>
+                        <a:latin typeface="+mn-lt"/>
+                        <a:ea typeface="+mn-ea"/>
+                        <a:cs typeface="+mn-cs"/>
+                      </a:endParaRPr>
+                    </a:p>
+                  </a:txBody>
+                  <a:tcPr marL="58695" marR="58695" marT="29348" marB="29348"/>
+                </a:tc>
+                <a:extLst>
+                  <a:ext uri="{0D108BD9-81ED-4DB2-BD59-A6C34878D82A}">
+                    <a16:rowId xmlns:a16="http://schemas.microsoft.com/office/drawing/2014/main" val="2676381122"/>
+                  </a:ext>
+                </a:extLst>
+              </a:tr>
+              <a:tr h="0">
+                <a:tc>
+                  <a:txBody>
+                    <a:bodyPr/>
+                    <a:lstStyle/>
+                    <a:p>
+                      <a:pPr marL="0" algn="ctr" defTabSz="685800" rtl="0" eaLnBrk="1" latinLnBrk="0" hangingPunct="1"/>
+                      <a:r>
+                        <a:rPr lang="en-US" altLang="zh-TW" sz="1200" kern="1200" dirty="0">
+                          <a:solidFill>
+                            <a:schemeClr val="tx1"/>
+                          </a:solidFill>
+                        </a:rPr>
+                        <a:t>D</a:t>
+                      </a:r>
+                      <a:endParaRPr lang="zh-TW" altLang="en-US" sz="1200" kern="1200" dirty="0">
+                        <a:solidFill>
+                          <a:schemeClr val="tx1"/>
+                        </a:solidFill>
+                        <a:latin typeface="+mn-lt"/>
+                        <a:ea typeface="+mn-ea"/>
+                        <a:cs typeface="+mn-cs"/>
+                      </a:endParaRPr>
+                    </a:p>
+                  </a:txBody>
+                  <a:tcPr marL="58695" marR="58695" marT="29348" marB="29348"/>
+                </a:tc>
+                <a:tc>
+                  <a:txBody>
+                    <a:bodyPr/>
+                    <a:lstStyle/>
+                    <a:p>
+                      <a:pPr marL="0" algn="ctr" defTabSz="685800" rtl="0" eaLnBrk="1" latinLnBrk="0" hangingPunct="1"/>
+                      <a:r>
+                        <a:rPr lang="en-US" altLang="zh-TW" sz="1200" kern="1200" dirty="0">
+                          <a:solidFill>
+                            <a:srgbClr val="FF0000"/>
+                          </a:solidFill>
+                          <a:latin typeface="+mn-lt"/>
+                          <a:ea typeface="+mn-ea"/>
+                          <a:cs typeface="+mn-cs"/>
+                        </a:rPr>
+                        <a:t>-3</a:t>
+                      </a:r>
+                      <a:endParaRPr lang="zh-TW" altLang="en-US" sz="1200" kern="1200" dirty="0">
+                        <a:solidFill>
+                          <a:srgbClr val="FF0000"/>
+                        </a:solidFill>
+                        <a:latin typeface="+mn-lt"/>
+                        <a:ea typeface="+mn-ea"/>
+                        <a:cs typeface="+mn-cs"/>
+                      </a:endParaRPr>
+                    </a:p>
+                  </a:txBody>
+                  <a:tcPr marL="58695" marR="58695" marT="29348" marB="29348"/>
+                </a:tc>
+                <a:tc>
+                  <a:txBody>
+                    <a:bodyPr/>
+                    <a:lstStyle/>
+                    <a:p>
+                      <a:pPr marL="0" algn="ctr" defTabSz="685800" rtl="0" eaLnBrk="1" latinLnBrk="0" hangingPunct="1"/>
+                      <a:r>
+                        <a:rPr lang="en-US" altLang="zh-TW" sz="1200" kern="1200" dirty="0">
+                          <a:solidFill>
+                            <a:schemeClr val="tx1"/>
+                          </a:solidFill>
+                          <a:latin typeface="+mn-lt"/>
+                          <a:ea typeface="+mn-ea"/>
+                          <a:cs typeface="+mn-cs"/>
+                        </a:rPr>
+                        <a:t>C</a:t>
+                      </a:r>
+                      <a:endParaRPr lang="zh-TW" altLang="en-US" sz="1200" kern="1200" dirty="0">
+                        <a:solidFill>
+                          <a:schemeClr val="tx1"/>
+                        </a:solidFill>
+                        <a:latin typeface="+mn-lt"/>
+                        <a:ea typeface="+mn-ea"/>
+                        <a:cs typeface="+mn-cs"/>
+                      </a:endParaRPr>
+                    </a:p>
+                  </a:txBody>
+                  <a:tcPr marL="58695" marR="58695" marT="29348" marB="29348"/>
+                </a:tc>
+                <a:extLst>
+                  <a:ext uri="{0D108BD9-81ED-4DB2-BD59-A6C34878D82A}">
+                    <a16:rowId xmlns:a16="http://schemas.microsoft.com/office/drawing/2014/main" val="965229848"/>
+                  </a:ext>
+                </a:extLst>
+              </a:tr>
+              <a:tr h="0">
+                <a:tc>
+                  <a:txBody>
+                    <a:bodyPr/>
+                    <a:lstStyle/>
+                    <a:p>
+                      <a:pPr marL="0" algn="ctr" defTabSz="685800" rtl="0" eaLnBrk="1" latinLnBrk="0" hangingPunct="1"/>
+                      <a:r>
+                        <a:rPr lang="en-US" altLang="zh-TW" sz="1200" kern="1200" dirty="0">
+                          <a:solidFill>
+                            <a:schemeClr val="tx1"/>
+                          </a:solidFill>
+                          <a:latin typeface="+mn-lt"/>
+                          <a:ea typeface="+mn-ea"/>
+                          <a:cs typeface="+mn-cs"/>
+                        </a:rPr>
+                        <a:t>E</a:t>
+                      </a:r>
+                      <a:endParaRPr lang="zh-TW" altLang="en-US" sz="1200" kern="1200" dirty="0">
+                        <a:solidFill>
+                          <a:schemeClr val="tx1"/>
+                        </a:solidFill>
+                        <a:latin typeface="+mn-lt"/>
+                        <a:ea typeface="+mn-ea"/>
+                        <a:cs typeface="+mn-cs"/>
+                      </a:endParaRPr>
+                    </a:p>
+                  </a:txBody>
+                  <a:tcPr marL="58695" marR="58695" marT="29348" marB="29348"/>
+                </a:tc>
+                <a:tc>
+                  <a:txBody>
+                    <a:bodyPr/>
+                    <a:lstStyle/>
+                    <a:p>
+                      <a:pPr marL="0" algn="ctr" defTabSz="685800" rtl="0" eaLnBrk="1" latinLnBrk="0" hangingPunct="1"/>
+                      <a:r>
+                        <a:rPr lang="en-US" altLang="zh-TW" sz="1200" kern="1200" dirty="0">
+                          <a:solidFill>
+                            <a:srgbClr val="FF0000"/>
+                          </a:solidFill>
+                          <a:latin typeface="+mn-lt"/>
+                          <a:ea typeface="+mn-ea"/>
+                          <a:cs typeface="+mn-cs"/>
+                        </a:rPr>
+                        <a:t>9</a:t>
+                      </a:r>
+                      <a:endParaRPr lang="zh-TW" altLang="en-US" sz="1200" kern="1200" dirty="0">
+                        <a:solidFill>
+                          <a:srgbClr val="FF0000"/>
+                        </a:solidFill>
+                        <a:latin typeface="+mn-lt"/>
+                        <a:ea typeface="+mn-ea"/>
+                        <a:cs typeface="+mn-cs"/>
+                      </a:endParaRPr>
+                    </a:p>
+                  </a:txBody>
+                  <a:tcPr marL="58695" marR="58695" marT="29348" marB="29348"/>
+                </a:tc>
+                <a:tc>
+                  <a:txBody>
+                    <a:bodyPr/>
+                    <a:lstStyle/>
+                    <a:p>
+                      <a:pPr marL="0" algn="ctr" defTabSz="685800" rtl="0" eaLnBrk="1" latinLnBrk="0" hangingPunct="1"/>
+                      <a:r>
+                        <a:rPr lang="en-US" altLang="zh-TW" sz="1200" b="0" kern="1200" dirty="0">
+                          <a:solidFill>
+                            <a:schemeClr val="tx1"/>
+                          </a:solidFill>
+                          <a:latin typeface="+mn-lt"/>
+                          <a:ea typeface="+mn-ea"/>
+                          <a:cs typeface="+mn-cs"/>
+                        </a:rPr>
+                        <a:t>C</a:t>
+                      </a:r>
+                      <a:endParaRPr lang="zh-TW" altLang="en-US" sz="1200" b="0" kern="1200" dirty="0">
+                        <a:solidFill>
+                          <a:schemeClr val="tx1"/>
+                        </a:solidFill>
+                        <a:latin typeface="+mn-lt"/>
+                        <a:ea typeface="+mn-ea"/>
+                        <a:cs typeface="+mn-cs"/>
+                      </a:endParaRPr>
+                    </a:p>
+                  </a:txBody>
+                  <a:tcPr marL="58695" marR="58695" marT="29348" marB="29348"/>
+                </a:tc>
+                <a:extLst>
+                  <a:ext uri="{0D108BD9-81ED-4DB2-BD59-A6C34878D82A}">
+                    <a16:rowId xmlns:a16="http://schemas.microsoft.com/office/drawing/2014/main" val="1689420351"/>
+                  </a:ext>
+                </a:extLst>
+              </a:tr>
+            </a:tbl>
+          </a:graphicData>
+        </a:graphic>
+      </p:graphicFrame>
+      <p:sp>
+        <p:nvSpPr>
+          <p:cNvPr id="48" name="文字方塊 47">
+            <a:extLst>
+              <a:ext uri="{FF2B5EF4-FFF2-40B4-BE49-F238E27FC236}">
+                <a16:creationId xmlns:a16="http://schemas.microsoft.com/office/drawing/2014/main" id="{A9A946B9-099E-1043-9F46-4D83750FAAE1}"/>
+              </a:ext>
+            </a:extLst>
+          </p:cNvPr>
+          <p:cNvSpPr txBox="1"/>
+          <p:nvPr/>
+        </p:nvSpPr>
+        <p:spPr>
+          <a:xfrm>
+            <a:off x="1818374" y="5835666"/>
+            <a:ext cx="5001754" cy="276999"/>
+          </a:xfrm>
+          <a:prstGeom prst="rect">
+            <a:avLst/>
+          </a:prstGeom>
+          <a:noFill/>
+        </p:spPr>
+        <p:txBody>
+          <a:bodyPr wrap="none" rtlCol="0">
+            <a:spAutoFit/>
+          </a:bodyPr>
+          <a:lstStyle/>
+          <a:p>
+            <a:r>
+              <a:rPr kumimoji="1" lang="en-US" altLang="zh-TW" sz="1200" dirty="0"/>
+              <a:t>Check: Edge </a:t>
+            </a:r>
+            <a:r>
+              <a:rPr lang="en-US" altLang="zh-TW" sz="1200" dirty="0">
+                <a:solidFill>
+                  <a:schemeClr val="dk1"/>
+                </a:solidFill>
+              </a:rPr>
+              <a:t>C </a:t>
+            </a:r>
+            <a:r>
+              <a:rPr kumimoji="1" lang="en-US" altLang="zh-TW" sz="1200" dirty="0"/>
+              <a:t>→ D causes D decreased from -3 to -5, </a:t>
+            </a:r>
+            <a:r>
+              <a:rPr kumimoji="1" lang="en-US" altLang="zh-TW" sz="1200" dirty="0">
+                <a:solidFill>
+                  <a:srgbClr val="FF0000"/>
+                </a:solidFill>
+              </a:rPr>
+              <a:t>negative loop detected!</a:t>
+            </a:r>
+            <a:endParaRPr kumimoji="1" lang="zh-TW" altLang="en-US" sz="1200" dirty="0">
+              <a:solidFill>
+                <a:srgbClr val="FF0000"/>
+              </a:solidFill>
+            </a:endParaRPr>
+          </a:p>
+        </p:txBody>
+      </p:sp>
+      <p:sp>
+        <p:nvSpPr>
+          <p:cNvPr id="50" name="文字方塊 49">
+            <a:extLst>
+              <a:ext uri="{FF2B5EF4-FFF2-40B4-BE49-F238E27FC236}">
+                <a16:creationId xmlns:a16="http://schemas.microsoft.com/office/drawing/2014/main" id="{C8BE6FF1-D4FE-8445-A709-A6C757235753}"/>
+              </a:ext>
+            </a:extLst>
+          </p:cNvPr>
+          <p:cNvSpPr txBox="1"/>
+          <p:nvPr/>
+        </p:nvSpPr>
+        <p:spPr>
+          <a:xfrm>
+            <a:off x="268401" y="114357"/>
+            <a:ext cx="603050" cy="276999"/>
+          </a:xfrm>
+          <a:prstGeom prst="rect">
+            <a:avLst/>
+          </a:prstGeom>
+        </p:spPr>
+        <p:style>
+          <a:lnRef idx="2">
+            <a:schemeClr val="accent6">
+              <a:shade val="50000"/>
+            </a:schemeClr>
+          </a:lnRef>
+          <a:fillRef idx="1">
+            <a:schemeClr val="accent6"/>
+          </a:fillRef>
+          <a:effectRef idx="0">
+            <a:schemeClr val="accent6"/>
+          </a:effectRef>
+          <a:fontRef idx="minor">
+            <a:schemeClr val="lt1"/>
+          </a:fontRef>
+        </p:style>
+        <p:txBody>
+          <a:bodyPr wrap="none" rtlCol="0">
+            <a:spAutoFit/>
+          </a:bodyPr>
+          <a:lstStyle/>
+          <a:p>
+            <a:r>
+              <a:rPr kumimoji="1" lang="en-US" altLang="zh-TW" sz="1200" dirty="0"/>
+              <a:t>Case A</a:t>
+            </a:r>
+            <a:endParaRPr kumimoji="1" lang="zh-TW" altLang="en-US" sz="1200" b="1" dirty="0"/>
+          </a:p>
+        </p:txBody>
+      </p:sp>
+      <p:sp>
+        <p:nvSpPr>
+          <p:cNvPr id="51" name="文字方塊 50">
+            <a:extLst>
+              <a:ext uri="{FF2B5EF4-FFF2-40B4-BE49-F238E27FC236}">
+                <a16:creationId xmlns:a16="http://schemas.microsoft.com/office/drawing/2014/main" id="{BA495DF2-E265-F742-98E2-7B274CA0FF2B}"/>
+              </a:ext>
+            </a:extLst>
+          </p:cNvPr>
+          <p:cNvSpPr txBox="1"/>
+          <p:nvPr/>
+        </p:nvSpPr>
+        <p:spPr>
+          <a:xfrm>
+            <a:off x="268401" y="2803126"/>
+            <a:ext cx="596638" cy="276999"/>
+          </a:xfrm>
+          <a:prstGeom prst="rect">
+            <a:avLst/>
+          </a:prstGeom>
+        </p:spPr>
+        <p:style>
+          <a:lnRef idx="2">
+            <a:schemeClr val="accent6">
+              <a:shade val="50000"/>
+            </a:schemeClr>
+          </a:lnRef>
+          <a:fillRef idx="1">
+            <a:schemeClr val="accent6"/>
+          </a:fillRef>
+          <a:effectRef idx="0">
+            <a:schemeClr val="accent6"/>
+          </a:effectRef>
+          <a:fontRef idx="minor">
+            <a:schemeClr val="lt1"/>
+          </a:fontRef>
+        </p:style>
+        <p:txBody>
+          <a:bodyPr wrap="none" rtlCol="0">
+            <a:spAutoFit/>
+          </a:bodyPr>
+          <a:lstStyle/>
+          <a:p>
+            <a:r>
+              <a:rPr kumimoji="1" lang="en-US" altLang="zh-TW" sz="1200" dirty="0"/>
+              <a:t>Case B</a:t>
+            </a:r>
+            <a:endParaRPr kumimoji="1" lang="zh-TW" altLang="en-US" sz="1200" b="1" dirty="0"/>
+          </a:p>
+        </p:txBody>
+      </p:sp>
+      <p:sp>
+        <p:nvSpPr>
+          <p:cNvPr id="52" name="橢圓 51">
+            <a:extLst>
+              <a:ext uri="{FF2B5EF4-FFF2-40B4-BE49-F238E27FC236}">
+                <a16:creationId xmlns:a16="http://schemas.microsoft.com/office/drawing/2014/main" id="{BA941B7D-DAB9-1940-8E71-182011F51885}"/>
+              </a:ext>
+            </a:extLst>
+          </p:cNvPr>
+          <p:cNvSpPr/>
+          <p:nvPr/>
+        </p:nvSpPr>
+        <p:spPr>
+          <a:xfrm>
+            <a:off x="2387446" y="382432"/>
+            <a:ext cx="291765" cy="291765"/>
+          </a:xfrm>
+          <a:prstGeom prst="ellipse">
+            <a:avLst/>
+          </a:prstGeom>
+          <a:noFill/>
+          <a:ln>
+            <a:solidFill>
+              <a:schemeClr val="tx1"/>
+            </a:solidFill>
+          </a:ln>
+        </p:spPr>
+        <p:style>
+          <a:lnRef idx="2">
+            <a:schemeClr val="accent1">
+              <a:shade val="50000"/>
+            </a:schemeClr>
+          </a:lnRef>
+          <a:fillRef idx="1">
+            <a:schemeClr val="accent1"/>
+          </a:fillRef>
+          <a:effectRef idx="0">
+            <a:schemeClr val="accent1"/>
+          </a:effectRef>
+          <a:fontRef idx="minor">
+            <a:schemeClr val="lt1"/>
+          </a:fontRef>
+        </p:style>
+        <p:txBody>
+          <a:bodyPr rtlCol="0" anchor="ctr"/>
+          <a:lstStyle/>
+          <a:p>
+            <a:pPr algn="ctr"/>
+            <a:r>
+              <a:rPr kumimoji="1" lang="en-US" altLang="zh-TW" sz="1200" dirty="0">
+                <a:solidFill>
+                  <a:schemeClr val="tx1"/>
+                </a:solidFill>
+              </a:rPr>
+              <a:t>A</a:t>
+            </a:r>
+            <a:endParaRPr kumimoji="1" lang="zh-TW" altLang="en-US" sz="1200" dirty="0">
+              <a:solidFill>
+                <a:schemeClr val="tx1"/>
+              </a:solidFill>
+            </a:endParaRPr>
+          </a:p>
+        </p:txBody>
+      </p:sp>
+      <p:sp>
+        <p:nvSpPr>
+          <p:cNvPr id="53" name="橢圓 52">
+            <a:extLst>
+              <a:ext uri="{FF2B5EF4-FFF2-40B4-BE49-F238E27FC236}">
+                <a16:creationId xmlns:a16="http://schemas.microsoft.com/office/drawing/2014/main" id="{BBEA235E-F167-4A47-AAEA-E0529D7A5310}"/>
+              </a:ext>
+            </a:extLst>
+          </p:cNvPr>
+          <p:cNvSpPr/>
+          <p:nvPr/>
+        </p:nvSpPr>
+        <p:spPr>
+          <a:xfrm>
+            <a:off x="2387446" y="990573"/>
+            <a:ext cx="291765" cy="291765"/>
+          </a:xfrm>
+          <a:prstGeom prst="ellipse">
+            <a:avLst/>
+          </a:prstGeom>
+          <a:noFill/>
+          <a:ln>
+            <a:solidFill>
+              <a:schemeClr val="tx1"/>
+            </a:solidFill>
+          </a:ln>
+        </p:spPr>
+        <p:style>
+          <a:lnRef idx="2">
+            <a:schemeClr val="accent1">
+              <a:shade val="50000"/>
+            </a:schemeClr>
+          </a:lnRef>
+          <a:fillRef idx="1">
+            <a:schemeClr val="accent1"/>
+          </a:fillRef>
+          <a:effectRef idx="0">
+            <a:schemeClr val="accent1"/>
+          </a:effectRef>
+          <a:fontRef idx="minor">
+            <a:schemeClr val="lt1"/>
+          </a:fontRef>
+        </p:style>
+        <p:txBody>
+          <a:bodyPr rtlCol="0" anchor="ctr"/>
+          <a:lstStyle/>
+          <a:p>
+            <a:pPr algn="ctr"/>
+            <a:r>
+              <a:rPr kumimoji="1" lang="en-US" altLang="zh-TW" sz="1200" dirty="0">
+                <a:solidFill>
+                  <a:schemeClr val="tx1"/>
+                </a:solidFill>
+              </a:rPr>
+              <a:t>B</a:t>
+            </a:r>
+            <a:endParaRPr kumimoji="1" lang="zh-TW" altLang="en-US" sz="1200" dirty="0">
+              <a:solidFill>
+                <a:schemeClr val="tx1"/>
+              </a:solidFill>
+            </a:endParaRPr>
+          </a:p>
+        </p:txBody>
+      </p:sp>
+      <p:sp>
+        <p:nvSpPr>
+          <p:cNvPr id="54" name="橢圓 53">
+            <a:extLst>
+              <a:ext uri="{FF2B5EF4-FFF2-40B4-BE49-F238E27FC236}">
+                <a16:creationId xmlns:a16="http://schemas.microsoft.com/office/drawing/2014/main" id="{E814C6A5-52A4-804A-B5EE-20581E76F4F7}"/>
+              </a:ext>
+            </a:extLst>
+          </p:cNvPr>
+          <p:cNvSpPr/>
+          <p:nvPr/>
+        </p:nvSpPr>
+        <p:spPr>
+          <a:xfrm>
+            <a:off x="3193515" y="990573"/>
+            <a:ext cx="291765" cy="291765"/>
+          </a:xfrm>
+          <a:prstGeom prst="ellipse">
+            <a:avLst/>
+          </a:prstGeom>
+          <a:noFill/>
+          <a:ln>
+            <a:solidFill>
+              <a:schemeClr val="tx1"/>
+            </a:solidFill>
+          </a:ln>
+        </p:spPr>
+        <p:style>
+          <a:lnRef idx="2">
+            <a:schemeClr val="accent1">
+              <a:shade val="50000"/>
+            </a:schemeClr>
+          </a:lnRef>
+          <a:fillRef idx="1">
+            <a:schemeClr val="accent1"/>
+          </a:fillRef>
+          <a:effectRef idx="0">
+            <a:schemeClr val="accent1"/>
+          </a:effectRef>
+          <a:fontRef idx="minor">
+            <a:schemeClr val="lt1"/>
+          </a:fontRef>
+        </p:style>
+        <p:txBody>
+          <a:bodyPr rtlCol="0" anchor="ctr"/>
+          <a:lstStyle/>
+          <a:p>
+            <a:pPr algn="ctr"/>
+            <a:r>
+              <a:rPr kumimoji="1" lang="en-US" altLang="zh-TW" sz="1200" dirty="0">
+                <a:solidFill>
+                  <a:schemeClr val="tx1"/>
+                </a:solidFill>
+              </a:rPr>
+              <a:t>C</a:t>
+            </a:r>
+            <a:endParaRPr kumimoji="1" lang="zh-TW" altLang="en-US" sz="1200" dirty="0">
+              <a:solidFill>
+                <a:schemeClr val="tx1"/>
+              </a:solidFill>
+            </a:endParaRPr>
+          </a:p>
+        </p:txBody>
+      </p:sp>
+      <p:cxnSp>
+        <p:nvCxnSpPr>
+          <p:cNvPr id="55" name="直線箭頭接點 54">
+            <a:extLst>
+              <a:ext uri="{FF2B5EF4-FFF2-40B4-BE49-F238E27FC236}">
+                <a16:creationId xmlns:a16="http://schemas.microsoft.com/office/drawing/2014/main" id="{1C063B01-4B76-D347-B965-3B4F7B04BCE4}"/>
+              </a:ext>
+            </a:extLst>
+          </p:cNvPr>
+          <p:cNvCxnSpPr>
+            <a:cxnSpLocks/>
+          </p:cNvCxnSpPr>
+          <p:nvPr/>
+        </p:nvCxnSpPr>
+        <p:spPr>
+          <a:xfrm>
+            <a:off x="2713079" y="1131160"/>
+            <a:ext cx="457326" cy="0"/>
+          </a:xfrm>
+          <a:prstGeom prst="straightConnector1">
+            <a:avLst/>
+          </a:prstGeom>
+          <a:ln w="12700">
+            <a:solidFill>
+              <a:schemeClr val="tx1"/>
+            </a:solidFill>
+            <a:headEnd type="none" w="med" len="med"/>
+            <a:tailEnd type="arrow" w="med" len="med"/>
+          </a:ln>
+        </p:spPr>
+        <p:style>
+          <a:lnRef idx="1">
+            <a:schemeClr val="accent1"/>
+          </a:lnRef>
+          <a:fillRef idx="0">
+            <a:schemeClr val="accent1"/>
+          </a:fillRef>
+          <a:effectRef idx="0">
+            <a:schemeClr val="accent1"/>
+          </a:effectRef>
+          <a:fontRef idx="minor">
+            <a:schemeClr val="tx1"/>
+          </a:fontRef>
+        </p:style>
+      </p:cxnSp>
+      <p:cxnSp>
+        <p:nvCxnSpPr>
+          <p:cNvPr id="56" name="直線箭頭接點 55">
+            <a:extLst>
+              <a:ext uri="{FF2B5EF4-FFF2-40B4-BE49-F238E27FC236}">
+                <a16:creationId xmlns:a16="http://schemas.microsoft.com/office/drawing/2014/main" id="{4667511E-F997-6744-BD8D-9F572F29429E}"/>
+              </a:ext>
+            </a:extLst>
+          </p:cNvPr>
+          <p:cNvCxnSpPr>
+            <a:cxnSpLocks/>
+          </p:cNvCxnSpPr>
+          <p:nvPr/>
+        </p:nvCxnSpPr>
+        <p:spPr>
+          <a:xfrm>
+            <a:off x="2528129" y="693031"/>
+            <a:ext cx="0" cy="273266"/>
+          </a:xfrm>
+          <a:prstGeom prst="straightConnector1">
+            <a:avLst/>
+          </a:prstGeom>
+          <a:ln w="12700">
+            <a:solidFill>
+              <a:schemeClr val="tx1"/>
+            </a:solidFill>
+            <a:headEnd type="none" w="med" len="med"/>
+            <a:tailEnd type="arrow" w="med" len="med"/>
+          </a:ln>
+        </p:spPr>
+        <p:style>
+          <a:lnRef idx="1">
+            <a:schemeClr val="accent1"/>
+          </a:lnRef>
+          <a:fillRef idx="0">
+            <a:schemeClr val="accent1"/>
+          </a:fillRef>
+          <a:effectRef idx="0">
+            <a:schemeClr val="accent1"/>
+          </a:effectRef>
+          <a:fontRef idx="minor">
+            <a:schemeClr val="tx1"/>
+          </a:fontRef>
+        </p:style>
+      </p:cxnSp>
+      <p:cxnSp>
+        <p:nvCxnSpPr>
+          <p:cNvPr id="57" name="直線箭頭接點 56">
+            <a:extLst>
+              <a:ext uri="{FF2B5EF4-FFF2-40B4-BE49-F238E27FC236}">
+                <a16:creationId xmlns:a16="http://schemas.microsoft.com/office/drawing/2014/main" id="{C072AD08-5834-0541-A5FF-0440124197E9}"/>
+              </a:ext>
+            </a:extLst>
+          </p:cNvPr>
+          <p:cNvCxnSpPr>
+            <a:cxnSpLocks/>
+          </p:cNvCxnSpPr>
+          <p:nvPr/>
+        </p:nvCxnSpPr>
+        <p:spPr>
+          <a:xfrm>
+            <a:off x="2671407" y="646066"/>
+            <a:ext cx="532468" cy="371051"/>
+          </a:xfrm>
+          <a:prstGeom prst="straightConnector1">
+            <a:avLst/>
+          </a:prstGeom>
+          <a:ln w="12700">
+            <a:solidFill>
+              <a:schemeClr val="tx1"/>
+            </a:solidFill>
+            <a:headEnd type="none" w="med" len="med"/>
+            <a:tailEnd type="arrow" w="med" len="med"/>
+          </a:ln>
+        </p:spPr>
+        <p:style>
+          <a:lnRef idx="1">
+            <a:schemeClr val="accent1"/>
+          </a:lnRef>
+          <a:fillRef idx="0">
+            <a:schemeClr val="accent1"/>
+          </a:fillRef>
+          <a:effectRef idx="0">
+            <a:schemeClr val="accent1"/>
+          </a:effectRef>
+          <a:fontRef idx="minor">
+            <a:schemeClr val="tx1"/>
+          </a:fontRef>
+        </p:style>
+      </p:cxnSp>
+      <p:sp>
+        <p:nvSpPr>
+          <p:cNvPr id="58" name="文字方塊 57">
+            <a:extLst>
+              <a:ext uri="{FF2B5EF4-FFF2-40B4-BE49-F238E27FC236}">
+                <a16:creationId xmlns:a16="http://schemas.microsoft.com/office/drawing/2014/main" id="{88A5EF15-3F11-D540-971C-882AB44FBFE6}"/>
+              </a:ext>
+            </a:extLst>
+          </p:cNvPr>
+          <p:cNvSpPr txBox="1"/>
+          <p:nvPr/>
+        </p:nvSpPr>
+        <p:spPr>
+          <a:xfrm>
+            <a:off x="2849559" y="620963"/>
+            <a:ext cx="250390" cy="246221"/>
+          </a:xfrm>
+          <a:prstGeom prst="rect">
+            <a:avLst/>
+          </a:prstGeom>
+          <a:noFill/>
+        </p:spPr>
+        <p:txBody>
+          <a:bodyPr wrap="none" rtlCol="0">
+            <a:spAutoFit/>
+          </a:bodyPr>
+          <a:lstStyle/>
+          <a:p>
+            <a:r>
+              <a:rPr kumimoji="1" lang="en-US" altLang="zh-TW" sz="1000" dirty="0"/>
+              <a:t>2</a:t>
+            </a:r>
+            <a:endParaRPr kumimoji="1" lang="zh-TW" altLang="en-US" sz="1000" b="1" dirty="0"/>
+          </a:p>
+        </p:txBody>
+      </p:sp>
+      <p:sp>
+        <p:nvSpPr>
+          <p:cNvPr id="59" name="文字方塊 58">
+            <a:extLst>
+              <a:ext uri="{FF2B5EF4-FFF2-40B4-BE49-F238E27FC236}">
+                <a16:creationId xmlns:a16="http://schemas.microsoft.com/office/drawing/2014/main" id="{532AFD12-E986-C84A-8327-9870EC831B91}"/>
+              </a:ext>
+            </a:extLst>
+          </p:cNvPr>
+          <p:cNvSpPr txBox="1"/>
+          <p:nvPr/>
+        </p:nvSpPr>
+        <p:spPr>
+          <a:xfrm>
+            <a:off x="2247511" y="679452"/>
+            <a:ext cx="250390" cy="246221"/>
+          </a:xfrm>
+          <a:prstGeom prst="rect">
+            <a:avLst/>
+          </a:prstGeom>
+          <a:noFill/>
+        </p:spPr>
+        <p:txBody>
+          <a:bodyPr wrap="none" rtlCol="0">
+            <a:spAutoFit/>
+          </a:bodyPr>
+          <a:lstStyle/>
+          <a:p>
+            <a:r>
+              <a:rPr kumimoji="1" lang="en-US" altLang="zh-TW" sz="1000" dirty="0"/>
+              <a:t>5</a:t>
+            </a:r>
+            <a:endParaRPr kumimoji="1" lang="zh-TW" altLang="en-US" sz="1000" b="1" dirty="0"/>
+          </a:p>
+        </p:txBody>
+      </p:sp>
+      <p:sp>
+        <p:nvSpPr>
+          <p:cNvPr id="60" name="文字方塊 59">
+            <a:extLst>
+              <a:ext uri="{FF2B5EF4-FFF2-40B4-BE49-F238E27FC236}">
+                <a16:creationId xmlns:a16="http://schemas.microsoft.com/office/drawing/2014/main" id="{B6FD5A2E-79CA-DF45-80D9-DD69D40CA221}"/>
+              </a:ext>
+            </a:extLst>
+          </p:cNvPr>
+          <p:cNvSpPr txBox="1"/>
+          <p:nvPr/>
+        </p:nvSpPr>
+        <p:spPr>
+          <a:xfrm>
+            <a:off x="2728221" y="1153911"/>
+            <a:ext cx="354584" cy="246221"/>
+          </a:xfrm>
+          <a:prstGeom prst="rect">
+            <a:avLst/>
+          </a:prstGeom>
+          <a:noFill/>
+        </p:spPr>
+        <p:txBody>
+          <a:bodyPr wrap="none" rtlCol="0">
+            <a:spAutoFit/>
+          </a:bodyPr>
+          <a:lstStyle/>
+          <a:p>
+            <a:r>
+              <a:rPr kumimoji="1" lang="en-US" altLang="zh-TW" sz="1000" dirty="0">
+                <a:solidFill>
+                  <a:srgbClr val="FF0000"/>
+                </a:solidFill>
+              </a:rPr>
+              <a:t>-10</a:t>
+            </a:r>
+            <a:endParaRPr kumimoji="1" lang="zh-TW" altLang="en-US" sz="1000" b="1" dirty="0">
+              <a:solidFill>
+                <a:srgbClr val="FF0000"/>
+              </a:solidFill>
+            </a:endParaRPr>
+          </a:p>
+        </p:txBody>
+      </p:sp>
+    </p:spTree>
+    <p:extLst>
+      <p:ext uri="{BB962C8B-B14F-4D97-AF65-F5344CB8AC3E}">
+        <p14:creationId xmlns:p14="http://schemas.microsoft.com/office/powerpoint/2010/main" val="3913562066"/>
+      </p:ext>
+    </p:extLst>
+  </p:cSld>
+  <p:clrMapOvr>
+    <a:masterClrMapping/>
+  </p:clrMapOvr>
+</p:sld>
+</file>
+
+<file path=ppt/slides/slide9.xml><?xml version="1.0" encoding="utf-8"?>
+<p:sld xmlns:a="http://schemas.openxmlformats.org/drawingml/2006/main" xmlns:r="http://schemas.openxmlformats.org/officeDocument/2006/relationships" xmlns:p="http://schemas.openxmlformats.org/presentationml/2006/main">
+  <p:cSld>
+    <p:spTree>
+      <p:nvGrpSpPr>
+        <p:cNvPr id="1" name=""/>
+        <p:cNvGrpSpPr/>
+        <p:nvPr/>
+      </p:nvGrpSpPr>
+      <p:grpSpPr>
+        <a:xfrm>
+          <a:off x="0" y="0"/>
+          <a:ext cx="0" cy="0"/>
+          <a:chOff x="0" y="0"/>
+          <a:chExt cx="0" cy="0"/>
+        </a:xfrm>
+      </p:grpSpPr>
+      <p:sp>
+        <p:nvSpPr>
+          <p:cNvPr id="4" name="矩形 3">
+            <a:extLst>
+              <a:ext uri="{FF2B5EF4-FFF2-40B4-BE49-F238E27FC236}">
+                <a16:creationId xmlns:a16="http://schemas.microsoft.com/office/drawing/2014/main" id="{E425F082-E3A2-8942-BC52-D7075BA7D282}"/>
+              </a:ext>
+            </a:extLst>
+          </p:cNvPr>
+          <p:cNvSpPr/>
+          <p:nvPr/>
+        </p:nvSpPr>
+        <p:spPr>
+          <a:xfrm>
+            <a:off x="262470" y="31170"/>
+            <a:ext cx="3911599" cy="3231654"/>
+          </a:xfrm>
+          <a:prstGeom prst="rect">
+            <a:avLst/>
+          </a:prstGeom>
+        </p:spPr>
+        <p:txBody>
+          <a:bodyPr wrap="square">
+            <a:spAutoFit/>
+          </a:bodyPr>
+          <a:lstStyle/>
+          <a:p>
+            <a:r>
+              <a:rPr lang="en" altLang="zh-TW" sz="1200" dirty="0">
+                <a:solidFill>
+                  <a:schemeClr val="accent2">
+                    <a:lumMod val="50000"/>
+                  </a:schemeClr>
+                </a:solidFill>
+              </a:rPr>
+              <a:t>struct Vertex {</a:t>
+            </a:r>
+          </a:p>
+          <a:p>
+            <a:r>
+              <a:rPr lang="en" altLang="zh-TW" sz="1200" dirty="0">
+                <a:solidFill>
+                  <a:schemeClr val="accent2">
+                    <a:lumMod val="50000"/>
+                  </a:schemeClr>
+                </a:solidFill>
+              </a:rPr>
+              <a:t>    int </a:t>
+            </a:r>
+            <a:r>
+              <a:rPr lang="en" altLang="zh-TW" sz="1200" dirty="0">
+                <a:solidFill>
+                  <a:srgbClr val="FF0000"/>
+                </a:solidFill>
+              </a:rPr>
+              <a:t>index</a:t>
+            </a:r>
+            <a:r>
+              <a:rPr lang="en" altLang="zh-TW" sz="1200" dirty="0">
+                <a:solidFill>
+                  <a:schemeClr val="accent2">
+                    <a:lumMod val="50000"/>
+                  </a:schemeClr>
+                </a:solidFill>
+              </a:rPr>
+              <a:t>, weight;</a:t>
+            </a:r>
+          </a:p>
+          <a:p>
+            <a:r>
+              <a:rPr lang="en" altLang="zh-TW" sz="1200" dirty="0">
+                <a:solidFill>
+                  <a:srgbClr val="FF0000"/>
+                </a:solidFill>
+              </a:rPr>
+              <a:t>    Vertex* parent;</a:t>
+            </a:r>
+          </a:p>
+          <a:p>
+            <a:r>
+              <a:rPr lang="en" altLang="zh-TW" sz="1200" dirty="0">
+                <a:solidFill>
+                  <a:schemeClr val="accent2">
+                    <a:lumMod val="50000"/>
+                  </a:schemeClr>
+                </a:solidFill>
+              </a:rPr>
+              <a:t>    Vertex (int i): index(i), weight(INT_MAX), parent(nullptr) {}</a:t>
+            </a:r>
+          </a:p>
+          <a:p>
+            <a:r>
+              <a:rPr lang="en" altLang="zh-TW" sz="1200" dirty="0">
+                <a:solidFill>
+                  <a:schemeClr val="accent2">
+                    <a:lumMod val="50000"/>
+                  </a:schemeClr>
+                </a:solidFill>
+              </a:rPr>
+              <a:t>};</a:t>
+            </a:r>
+          </a:p>
+          <a:p>
+            <a:r>
+              <a:rPr lang="en" altLang="zh-TW" sz="1200" dirty="0">
+                <a:solidFill>
+                  <a:srgbClr val="FF0000"/>
+                </a:solidFill>
+              </a:rPr>
+              <a:t>vector&lt;Vertex&gt; vertices;</a:t>
+            </a:r>
+          </a:p>
+          <a:p>
+            <a:r>
+              <a:rPr lang="en" altLang="zh-TW" sz="1200" dirty="0">
+                <a:solidFill>
+                  <a:srgbClr val="FF0000"/>
+                </a:solidFill>
+              </a:rPr>
+              <a:t>for (int I = 0; i &lt; numberOfVertex; i++)</a:t>
+            </a:r>
+          </a:p>
+          <a:p>
+            <a:r>
+              <a:rPr lang="en" altLang="zh-TW" sz="1200" dirty="0">
+                <a:solidFill>
+                  <a:srgbClr val="FF0000"/>
+                </a:solidFill>
+              </a:rPr>
+              <a:t>    vertices.push_back(Vertex(i));</a:t>
+            </a:r>
+          </a:p>
+          <a:p>
+            <a:endParaRPr lang="en" altLang="zh-TW" sz="1200" dirty="0"/>
+          </a:p>
+          <a:p>
+            <a:r>
+              <a:rPr lang="en" altLang="zh-TW" sz="1200" dirty="0"/>
+              <a:t>for (iPair&amp; edge : edges[v1]) {</a:t>
+            </a:r>
+          </a:p>
+          <a:p>
+            <a:r>
+              <a:rPr lang="en" altLang="zh-TW" sz="1200" dirty="0"/>
+              <a:t>    v2 = edge.first; cost = edge.second;</a:t>
+            </a:r>
+          </a:p>
+          <a:p>
+            <a:r>
+              <a:rPr lang="en" altLang="zh-TW" sz="1200" dirty="0"/>
+              <a:t>    if (vertices[v1] + cost &lt; vertices[v2]) {</a:t>
+            </a:r>
+          </a:p>
+          <a:p>
+            <a:r>
+              <a:rPr lang="en" altLang="zh-TW" sz="1200" dirty="0"/>
+              <a:t>            vertices[v2].weight = vertices[v1].weight + cost;</a:t>
+            </a:r>
+          </a:p>
+          <a:p>
+            <a:r>
+              <a:rPr lang="en" altLang="zh-TW" sz="1200" dirty="0">
+                <a:solidFill>
+                  <a:srgbClr val="FF0000"/>
+                </a:solidFill>
+              </a:rPr>
+              <a:t>            vertices[v2].parent = &amp;vertices[v1];</a:t>
+            </a:r>
+          </a:p>
+          <a:p>
+            <a:r>
+              <a:rPr lang="en" altLang="zh-TW" sz="1200" dirty="0"/>
+              <a:t>            pq.push(make_pair(vertices[v2].weight, v2));</a:t>
+            </a:r>
+          </a:p>
+          <a:p>
+            <a:r>
+              <a:rPr lang="en" altLang="zh-TW" sz="1200" dirty="0"/>
+              <a:t>    }</a:t>
+            </a:r>
+          </a:p>
+          <a:p>
+            <a:r>
+              <a:rPr lang="en" altLang="zh-TW" sz="1200" dirty="0"/>
+              <a:t>}</a:t>
+            </a:r>
+            <a:endParaRPr lang="en" altLang="zh-TW" sz="1200" dirty="0">
+              <a:solidFill>
+                <a:schemeClr val="accent2">
+                  <a:lumMod val="50000"/>
+                </a:schemeClr>
+              </a:solidFill>
+            </a:endParaRPr>
+          </a:p>
+        </p:txBody>
+      </p:sp>
+      <p:sp>
+        <p:nvSpPr>
+          <p:cNvPr id="5" name="矩形 4">
+            <a:extLst>
+              <a:ext uri="{FF2B5EF4-FFF2-40B4-BE49-F238E27FC236}">
+                <a16:creationId xmlns:a16="http://schemas.microsoft.com/office/drawing/2014/main" id="{96011CAC-3089-FA40-AFD7-7A1B39E96256}"/>
+              </a:ext>
+            </a:extLst>
+          </p:cNvPr>
+          <p:cNvSpPr/>
+          <p:nvPr/>
+        </p:nvSpPr>
+        <p:spPr>
+          <a:xfrm>
+            <a:off x="262470" y="3383340"/>
+            <a:ext cx="3754967" cy="1569660"/>
+          </a:xfrm>
+          <a:prstGeom prst="rect">
+            <a:avLst/>
+          </a:prstGeom>
+        </p:spPr>
+        <p:txBody>
+          <a:bodyPr wrap="square">
+            <a:spAutoFit/>
+          </a:bodyPr>
+          <a:lstStyle/>
+          <a:p>
+            <a:r>
+              <a:rPr lang="en" altLang="zh-TW" sz="1200" dirty="0"/>
+              <a:t>for (vector&lt;int&gt;&amp; edge : edges) {</a:t>
+            </a:r>
+          </a:p>
+          <a:p>
+            <a:r>
+              <a:rPr lang="en" altLang="zh-TW" sz="1200" dirty="0"/>
+              <a:t>    v1 = edge[0]; v2 = edge[1]; cost = edge[2];</a:t>
+            </a:r>
+          </a:p>
+          <a:p>
+            <a:r>
+              <a:rPr lang="en" altLang="zh-TW" sz="1200" dirty="0"/>
+              <a:t>    if (vertices[v1].weight != INT_MAX &amp;&amp; </a:t>
+            </a:r>
+            <a:br>
+              <a:rPr lang="en" altLang="zh-TW" sz="1200" dirty="0"/>
+            </a:br>
+            <a:r>
+              <a:rPr lang="en" altLang="zh-TW" sz="1200" dirty="0"/>
+              <a:t>         vertices[v1].weight + cost &lt; vertices[v2].weight) {</a:t>
+            </a:r>
+          </a:p>
+          <a:p>
+            <a:r>
+              <a:rPr lang="en" altLang="zh-TW" sz="1200" dirty="0"/>
+              <a:t>         vertices[v2].weight = vertices[v1].weight + cost;</a:t>
+            </a:r>
+          </a:p>
+          <a:p>
+            <a:r>
+              <a:rPr lang="en" altLang="zh-TW" sz="1200" dirty="0">
+                <a:solidFill>
+                  <a:srgbClr val="FF0000"/>
+                </a:solidFill>
+              </a:rPr>
+              <a:t>         vertices[v2].parent = &amp;vertices[v1];</a:t>
+            </a:r>
+            <a:endParaRPr lang="en" altLang="zh-TW" sz="1200" dirty="0"/>
+          </a:p>
+          <a:p>
+            <a:r>
+              <a:rPr lang="en" altLang="zh-TW" sz="1200" dirty="0"/>
+              <a:t>    }</a:t>
+            </a:r>
+          </a:p>
+          <a:p>
+            <a:r>
+              <a:rPr lang="en" altLang="zh-TW" sz="1200" dirty="0"/>
+              <a:t>}</a:t>
+            </a:r>
+          </a:p>
+        </p:txBody>
+      </p:sp>
+      <p:sp>
+        <p:nvSpPr>
+          <p:cNvPr id="6" name="矩形 5">
+            <a:extLst>
+              <a:ext uri="{FF2B5EF4-FFF2-40B4-BE49-F238E27FC236}">
+                <a16:creationId xmlns:a16="http://schemas.microsoft.com/office/drawing/2014/main" id="{DB6974E6-6B9C-C449-B32F-08130DBAE754}"/>
+              </a:ext>
+            </a:extLst>
+          </p:cNvPr>
+          <p:cNvSpPr/>
+          <p:nvPr/>
+        </p:nvSpPr>
+        <p:spPr>
+          <a:xfrm>
+            <a:off x="4250265" y="1646997"/>
+            <a:ext cx="2345265" cy="2308324"/>
+          </a:xfrm>
+          <a:prstGeom prst="rect">
+            <a:avLst/>
+          </a:prstGeom>
+          <a:ln>
+            <a:solidFill>
+              <a:srgbClr val="0432FF"/>
+            </a:solidFill>
+          </a:ln>
+        </p:spPr>
+        <p:txBody>
+          <a:bodyPr wrap="square">
+            <a:spAutoFit/>
+          </a:bodyPr>
+          <a:lstStyle/>
+          <a:p>
+            <a:r>
+              <a:rPr lang="en" altLang="zh-TW" sz="1200" dirty="0">
+                <a:solidFill>
+                  <a:srgbClr val="0432FF"/>
+                </a:solidFill>
+              </a:rPr>
+              <a:t>stack&lt;int&gt; stk;</a:t>
+            </a:r>
+          </a:p>
+          <a:p>
+            <a:r>
+              <a:rPr lang="en" altLang="zh-TW" sz="1200" dirty="0">
+                <a:solidFill>
+                  <a:srgbClr val="0432FF"/>
+                </a:solidFill>
+              </a:rPr>
+              <a:t>Vertex* cur = &amp;vertices[endVertex];</a:t>
+            </a:r>
+          </a:p>
+          <a:p>
+            <a:endParaRPr lang="en" altLang="zh-TW" sz="1200" dirty="0">
+              <a:solidFill>
+                <a:srgbClr val="0432FF"/>
+              </a:solidFill>
+            </a:endParaRPr>
+          </a:p>
+          <a:p>
+            <a:r>
+              <a:rPr lang="en" altLang="zh-TW" sz="1200" dirty="0">
+                <a:solidFill>
+                  <a:srgbClr val="0432FF"/>
+                </a:solidFill>
+              </a:rPr>
+              <a:t>while (!cur) {</a:t>
+            </a:r>
+          </a:p>
+          <a:p>
+            <a:r>
+              <a:rPr lang="en" altLang="zh-TW" sz="1200" dirty="0">
+                <a:solidFill>
+                  <a:srgbClr val="0432FF"/>
+                </a:solidFill>
+              </a:rPr>
+              <a:t>    stk.push(cur-&gt;index);</a:t>
+            </a:r>
+          </a:p>
+          <a:p>
+            <a:r>
+              <a:rPr lang="en" altLang="zh-TW" sz="1200" dirty="0">
+                <a:solidFill>
+                  <a:srgbClr val="0432FF"/>
+                </a:solidFill>
+              </a:rPr>
+              <a:t>    cur = cur-&gt;parent;</a:t>
+            </a:r>
+          </a:p>
+          <a:p>
+            <a:r>
+              <a:rPr lang="en" altLang="zh-TW" sz="1200" dirty="0">
+                <a:solidFill>
+                  <a:srgbClr val="0432FF"/>
+                </a:solidFill>
+              </a:rPr>
+              <a:t>}</a:t>
+            </a:r>
+          </a:p>
+          <a:p>
+            <a:endParaRPr lang="en" altLang="zh-TW" sz="1200" dirty="0">
+              <a:solidFill>
+                <a:srgbClr val="0432FF"/>
+              </a:solidFill>
+            </a:endParaRPr>
+          </a:p>
+          <a:p>
+            <a:r>
+              <a:rPr lang="en" altLang="zh-TW" sz="1200" dirty="0">
+                <a:solidFill>
+                  <a:srgbClr val="0432FF"/>
+                </a:solidFill>
+              </a:rPr>
+              <a:t>while (!stk.empty()) {</a:t>
+            </a:r>
+          </a:p>
+          <a:p>
+            <a:r>
+              <a:rPr lang="en" altLang="zh-TW" sz="1200" dirty="0">
+                <a:solidFill>
+                  <a:srgbClr val="0432FF"/>
+                </a:solidFill>
+              </a:rPr>
+              <a:t>    cout &lt;&lt; stk.top() &lt;&lt; </a:t>
+            </a:r>
+            <a:r>
+              <a:rPr lang="en" altLang="zh-TW" sz="1200" dirty="0">
+                <a:solidFill>
+                  <a:srgbClr val="0432FF"/>
+                </a:solidFill>
+                <a:latin typeface="Arial" panose="020B0604020202020204" pitchFamily="34" charset="0"/>
+                <a:cs typeface="Arial" panose="020B0604020202020204" pitchFamily="34" charset="0"/>
+              </a:rPr>
+              <a:t>’ ’ ;</a:t>
+            </a:r>
+          </a:p>
+          <a:p>
+            <a:r>
+              <a:rPr lang="en" altLang="zh-TW" sz="1200" dirty="0">
+                <a:solidFill>
+                  <a:srgbClr val="0432FF"/>
+                </a:solidFill>
+                <a:cs typeface="Arial" panose="020B0604020202020204" pitchFamily="34" charset="0"/>
+              </a:rPr>
+              <a:t>    stk.pop();</a:t>
+            </a:r>
+          </a:p>
+          <a:p>
+            <a:r>
+              <a:rPr lang="en" altLang="zh-TW" sz="1200" dirty="0">
+                <a:solidFill>
+                  <a:srgbClr val="0432FF"/>
+                </a:solidFill>
+              </a:rPr>
+              <a:t>}</a:t>
+            </a:r>
+          </a:p>
+        </p:txBody>
+      </p:sp>
+      <p:sp>
+        <p:nvSpPr>
+          <p:cNvPr id="7" name="矩形 6">
+            <a:extLst>
+              <a:ext uri="{FF2B5EF4-FFF2-40B4-BE49-F238E27FC236}">
+                <a16:creationId xmlns:a16="http://schemas.microsoft.com/office/drawing/2014/main" id="{E03BD531-9E78-5C4B-9FDF-7AA585E2085B}"/>
+              </a:ext>
+            </a:extLst>
+          </p:cNvPr>
+          <p:cNvSpPr/>
+          <p:nvPr/>
+        </p:nvSpPr>
+        <p:spPr>
+          <a:xfrm>
+            <a:off x="262470" y="1646997"/>
+            <a:ext cx="3598333" cy="1615827"/>
+          </a:xfrm>
+          <a:prstGeom prst="rect">
+            <a:avLst/>
+          </a:prstGeom>
+          <a:noFill/>
+          <a:ln>
+            <a:solidFill>
+              <a:srgbClr val="009051"/>
+            </a:solidFill>
+          </a:ln>
+        </p:spPr>
+        <p:style>
+          <a:lnRef idx="2">
+            <a:schemeClr val="accent1">
+              <a:shade val="50000"/>
+            </a:schemeClr>
+          </a:lnRef>
+          <a:fillRef idx="1">
+            <a:schemeClr val="accent1"/>
+          </a:fillRef>
+          <a:effectRef idx="0">
+            <a:schemeClr val="accent1"/>
+          </a:effectRef>
+          <a:fontRef idx="minor">
+            <a:schemeClr val="lt1"/>
+          </a:fontRef>
+        </p:style>
+        <p:txBody>
+          <a:bodyPr rtlCol="0" anchor="ctr"/>
+          <a:lstStyle/>
+          <a:p>
+            <a:pPr algn="ctr"/>
+            <a:endParaRPr kumimoji="1" lang="zh-TW" altLang="en-US"/>
+          </a:p>
+        </p:txBody>
+      </p:sp>
+      <p:sp>
+        <p:nvSpPr>
+          <p:cNvPr id="8" name="矩形 7">
+            <a:extLst>
+              <a:ext uri="{FF2B5EF4-FFF2-40B4-BE49-F238E27FC236}">
+                <a16:creationId xmlns:a16="http://schemas.microsoft.com/office/drawing/2014/main" id="{EDA6586F-BEC5-0248-8E29-13552A28AA31}"/>
+              </a:ext>
+            </a:extLst>
+          </p:cNvPr>
+          <p:cNvSpPr/>
+          <p:nvPr/>
+        </p:nvSpPr>
+        <p:spPr>
+          <a:xfrm>
+            <a:off x="262470" y="3383340"/>
+            <a:ext cx="3598333" cy="1615827"/>
+          </a:xfrm>
+          <a:prstGeom prst="rect">
+            <a:avLst/>
+          </a:prstGeom>
+          <a:noFill/>
+          <a:ln>
+            <a:solidFill>
+              <a:srgbClr val="009051"/>
+            </a:solidFill>
+          </a:ln>
+        </p:spPr>
+        <p:style>
+          <a:lnRef idx="2">
+            <a:schemeClr val="accent1">
+              <a:shade val="50000"/>
+            </a:schemeClr>
+          </a:lnRef>
+          <a:fillRef idx="1">
+            <a:schemeClr val="accent1"/>
+          </a:fillRef>
+          <a:effectRef idx="0">
+            <a:schemeClr val="accent1"/>
+          </a:effectRef>
+          <a:fontRef idx="minor">
+            <a:schemeClr val="lt1"/>
+          </a:fontRef>
+        </p:style>
+        <p:txBody>
+          <a:bodyPr rtlCol="0" anchor="ctr"/>
+          <a:lstStyle/>
+          <a:p>
+            <a:pPr algn="ctr"/>
+            <a:endParaRPr kumimoji="1" lang="zh-TW" altLang="en-US"/>
+          </a:p>
+        </p:txBody>
+      </p:sp>
+      <p:sp>
+        <p:nvSpPr>
+          <p:cNvPr id="9" name="文字方塊 8">
+            <a:extLst>
+              <a:ext uri="{FF2B5EF4-FFF2-40B4-BE49-F238E27FC236}">
+                <a16:creationId xmlns:a16="http://schemas.microsoft.com/office/drawing/2014/main" id="{A16C4952-C6F8-5D41-B295-BD66C55CDB34}"/>
+              </a:ext>
+            </a:extLst>
+          </p:cNvPr>
+          <p:cNvSpPr txBox="1"/>
+          <p:nvPr/>
+        </p:nvSpPr>
+        <p:spPr>
+          <a:xfrm>
+            <a:off x="2415862" y="2941452"/>
+            <a:ext cx="1400704" cy="276999"/>
+          </a:xfrm>
+          <a:prstGeom prst="rect">
+            <a:avLst/>
+          </a:prstGeom>
+        </p:spPr>
+        <p:style>
+          <a:lnRef idx="2">
+            <a:schemeClr val="accent6">
+              <a:shade val="50000"/>
+            </a:schemeClr>
+          </a:lnRef>
+          <a:fillRef idx="1">
+            <a:schemeClr val="accent6"/>
+          </a:fillRef>
+          <a:effectRef idx="0">
+            <a:schemeClr val="accent6"/>
+          </a:effectRef>
+          <a:fontRef idx="minor">
+            <a:schemeClr val="lt1"/>
+          </a:fontRef>
+        </p:style>
+        <p:txBody>
+          <a:bodyPr wrap="none" rtlCol="0">
+            <a:spAutoFit/>
+          </a:bodyPr>
+          <a:lstStyle/>
+          <a:p>
+            <a:r>
+              <a:rPr kumimoji="1" lang="en-US" altLang="zh-TW" sz="1200" dirty="0"/>
+              <a:t>Dijkstra’s Algorithm</a:t>
+            </a:r>
+            <a:endParaRPr kumimoji="1" lang="zh-TW" altLang="en-US" sz="1200" b="1" dirty="0"/>
+          </a:p>
+        </p:txBody>
+      </p:sp>
+      <p:sp>
+        <p:nvSpPr>
+          <p:cNvPr id="10" name="文字方塊 9">
+            <a:extLst>
+              <a:ext uri="{FF2B5EF4-FFF2-40B4-BE49-F238E27FC236}">
+                <a16:creationId xmlns:a16="http://schemas.microsoft.com/office/drawing/2014/main" id="{3FDB058F-6BCA-054C-B852-54BB8DB1D0DC}"/>
+              </a:ext>
+            </a:extLst>
+          </p:cNvPr>
+          <p:cNvSpPr txBox="1"/>
+          <p:nvPr/>
+        </p:nvSpPr>
+        <p:spPr>
+          <a:xfrm>
+            <a:off x="2139953" y="4671321"/>
+            <a:ext cx="1676613" cy="276999"/>
+          </a:xfrm>
+          <a:prstGeom prst="rect">
+            <a:avLst/>
+          </a:prstGeom>
+        </p:spPr>
+        <p:style>
+          <a:lnRef idx="2">
+            <a:schemeClr val="accent6">
+              <a:shade val="50000"/>
+            </a:schemeClr>
+          </a:lnRef>
+          <a:fillRef idx="1">
+            <a:schemeClr val="accent6"/>
+          </a:fillRef>
+          <a:effectRef idx="0">
+            <a:schemeClr val="accent6"/>
+          </a:effectRef>
+          <a:fontRef idx="minor">
+            <a:schemeClr val="lt1"/>
+          </a:fontRef>
+        </p:style>
+        <p:txBody>
+          <a:bodyPr wrap="none" rtlCol="0">
+            <a:spAutoFit/>
+          </a:bodyPr>
+          <a:lstStyle/>
+          <a:p>
+            <a:r>
+              <a:rPr kumimoji="1" lang="en-US" altLang="zh-TW" sz="1200" dirty="0"/>
+              <a:t>Bellman-Ford Algorithm</a:t>
+            </a:r>
+            <a:endParaRPr kumimoji="1" lang="zh-TW" altLang="en-US" sz="1200" b="1" dirty="0"/>
+          </a:p>
+        </p:txBody>
+      </p:sp>
+      <p:cxnSp>
+        <p:nvCxnSpPr>
+          <p:cNvPr id="21" name="直線箭頭接點 20">
+            <a:extLst>
+              <a:ext uri="{FF2B5EF4-FFF2-40B4-BE49-F238E27FC236}">
+                <a16:creationId xmlns:a16="http://schemas.microsoft.com/office/drawing/2014/main" id="{4E618E6B-E009-7D46-AF33-B9BEE786C766}"/>
+              </a:ext>
+            </a:extLst>
+          </p:cNvPr>
+          <p:cNvCxnSpPr/>
+          <p:nvPr/>
+        </p:nvCxnSpPr>
+        <p:spPr>
+          <a:xfrm>
+            <a:off x="3860803" y="2331453"/>
+            <a:ext cx="389462" cy="0"/>
+          </a:xfrm>
+          <a:prstGeom prst="straightConnector1">
+            <a:avLst/>
+          </a:prstGeom>
+          <a:ln w="12700">
+            <a:solidFill>
+              <a:schemeClr val="tx1"/>
+            </a:solidFill>
+            <a:tailEnd type="triangle"/>
+          </a:ln>
+        </p:spPr>
+        <p:style>
+          <a:lnRef idx="1">
+            <a:schemeClr val="accent1"/>
+          </a:lnRef>
+          <a:fillRef idx="0">
+            <a:schemeClr val="accent1"/>
+          </a:fillRef>
+          <a:effectRef idx="0">
+            <a:schemeClr val="accent1"/>
+          </a:effectRef>
+          <a:fontRef idx="minor">
+            <a:schemeClr val="tx1"/>
+          </a:fontRef>
+        </p:style>
+      </p:cxnSp>
+      <p:cxnSp>
+        <p:nvCxnSpPr>
+          <p:cNvPr id="28" name="直線箭頭接點 27">
+            <a:extLst>
+              <a:ext uri="{FF2B5EF4-FFF2-40B4-BE49-F238E27FC236}">
+                <a16:creationId xmlns:a16="http://schemas.microsoft.com/office/drawing/2014/main" id="{80298AE7-7952-BF4E-9933-48D1A0B3AA1C}"/>
+              </a:ext>
+            </a:extLst>
+          </p:cNvPr>
+          <p:cNvCxnSpPr>
+            <a:stCxn id="8" idx="3"/>
+            <a:endCxn id="6" idx="1"/>
+          </p:cNvCxnSpPr>
+          <p:nvPr/>
+        </p:nvCxnSpPr>
+        <p:spPr>
+          <a:xfrm flipV="1">
+            <a:off x="3860803" y="2801159"/>
+            <a:ext cx="389462" cy="1390095"/>
+          </a:xfrm>
+          <a:prstGeom prst="straightConnector1">
+            <a:avLst/>
+          </a:prstGeom>
+          <a:ln w="12700">
+            <a:solidFill>
+              <a:schemeClr val="tx1"/>
+            </a:solidFill>
+            <a:tailEnd type="triangle"/>
+          </a:ln>
+        </p:spPr>
+        <p:style>
+          <a:lnRef idx="1">
+            <a:schemeClr val="accent1"/>
+          </a:lnRef>
+          <a:fillRef idx="0">
+            <a:schemeClr val="accent1"/>
+          </a:fillRef>
+          <a:effectRef idx="0">
+            <a:schemeClr val="accent1"/>
+          </a:effectRef>
+          <a:fontRef idx="minor">
+            <a:schemeClr val="tx1"/>
+          </a:fontRef>
+        </p:style>
+      </p:cxnSp>
+    </p:spTree>
+    <p:extLst>
+      <p:ext uri="{BB962C8B-B14F-4D97-AF65-F5344CB8AC3E}">
+        <p14:creationId xmlns:p14="http://schemas.microsoft.com/office/powerpoint/2010/main" val="3971887118"/>
       </p:ext>
     </p:extLst>
   </p:cSld>
